--- a/TomatoTimers.pptx
+++ b/TomatoTimers.pptx
@@ -110,7 +110,7 @@
   </p:defaultTextStyle>
   <p:extLst>
     <p:ext uri="{EFAFB233-063F-42B5-8137-9DF3F51BA10A}">
-      <p15:sldGuideLst xmlns:p15="http://schemas.microsoft.com/office/powerpoint/2012/main"/>
+      <p15:sldGuideLst xmlns:p15="http://schemas.microsoft.com/office/powerpoint/2012/main" xmlns=""/>
     </p:ext>
   </p:extLst>
 </p:presentation>
@@ -3011,7 +3011,7 @@
           <a:bodyPr/>
           <a:lstStyle/>
           <a:p>
-            <a:endParaRPr lang="ko-KR" altLang="en-US"/>
+            <a:endParaRPr lang="ko-KR" altLang="en-US" dirty="0"/>
           </a:p>
         </p:txBody>
       </p:sp>
@@ -3289,11 +3289,23 @@
             </a:r>
             <a:r>
               <a:rPr lang="en-US" altLang="ko-KR" dirty="0"/>
-              <a:t>, 15</a:t>
-            </a:r>
-            <a:r>
-              <a:rPr lang="ko-KR" altLang="ko-KR" dirty="0" err="1"/>
-              <a:t>분동안</a:t>
+              <a:t>, </a:t>
+            </a:r>
+            <a:r>
+              <a:rPr lang="en-US" altLang="ko-KR" dirty="0" smtClean="0"/>
+              <a:t>15</a:t>
+            </a:r>
+            <a:r>
+              <a:rPr lang="ko-KR" altLang="ko-KR" dirty="0" smtClean="0"/>
+              <a:t>분 동안</a:t>
+            </a:r>
+            <a:r>
+              <a:rPr lang="en-US" altLang="ko-KR" dirty="0" smtClean="0"/>
+              <a:t> </a:t>
+            </a:r>
+            <a:r>
+              <a:rPr lang="ko-KR" altLang="ko-KR" dirty="0"/>
+              <a:t>장기</a:t>
             </a:r>
             <a:r>
               <a:rPr lang="en-US" altLang="ko-KR" dirty="0"/>
@@ -3301,7 +3313,7 @@
             </a:r>
             <a:r>
               <a:rPr lang="ko-KR" altLang="ko-KR" dirty="0"/>
-              <a:t>장기</a:t>
+              <a:t>휴식을</a:t>
             </a:r>
             <a:r>
               <a:rPr lang="en-US" altLang="ko-KR" dirty="0"/>
@@ -3309,7 +3321,18 @@
             </a:r>
             <a:r>
               <a:rPr lang="ko-KR" altLang="ko-KR" dirty="0"/>
-              <a:t>휴식을</a:t>
+              <a:t>한다</a:t>
+            </a:r>
+            <a:r>
+              <a:rPr lang="en-US" altLang="ko-KR" dirty="0"/>
+              <a:t>. </a:t>
+            </a:r>
+            <a:endParaRPr lang="ko-KR" altLang="ko-KR" dirty="0"/>
+          </a:p>
+          <a:p>
+            <a:r>
+              <a:rPr lang="ko-KR" altLang="ko-KR" dirty="0"/>
+              <a:t>이를</a:t>
             </a:r>
             <a:r>
               <a:rPr lang="en-US" altLang="ko-KR" dirty="0"/>
@@ -3317,7 +3340,87 @@
             </a:r>
             <a:r>
               <a:rPr lang="ko-KR" altLang="ko-KR" dirty="0"/>
-              <a:t>한다</a:t>
+              <a:t>통해서</a:t>
+            </a:r>
+            <a:r>
+              <a:rPr lang="en-US" altLang="ko-KR" dirty="0"/>
+              <a:t> </a:t>
+            </a:r>
+            <a:r>
+              <a:rPr lang="ko-KR" altLang="ko-KR" dirty="0"/>
+              <a:t>내가</a:t>
+            </a:r>
+            <a:r>
+              <a:rPr lang="en-US" altLang="ko-KR" dirty="0"/>
+              <a:t> </a:t>
+            </a:r>
+            <a:r>
+              <a:rPr lang="ko-KR" altLang="ko-KR" dirty="0"/>
+              <a:t>언제부터</a:t>
+            </a:r>
+            <a:r>
+              <a:rPr lang="en-US" altLang="ko-KR" dirty="0"/>
+              <a:t> </a:t>
+            </a:r>
+            <a:r>
+              <a:rPr lang="ko-KR" altLang="ko-KR" dirty="0"/>
+              <a:t>언제까지</a:t>
+            </a:r>
+            <a:r>
+              <a:rPr lang="en-US" altLang="ko-KR" dirty="0"/>
+              <a:t> </a:t>
+            </a:r>
+            <a:r>
+              <a:rPr lang="ko-KR" altLang="ko-KR" dirty="0"/>
+              <a:t>작업을</a:t>
+            </a:r>
+            <a:r>
+              <a:rPr lang="en-US" altLang="ko-KR" dirty="0"/>
+              <a:t> </a:t>
+            </a:r>
+            <a:r>
+              <a:rPr lang="ko-KR" altLang="ko-KR" dirty="0"/>
+              <a:t>하고</a:t>
+            </a:r>
+            <a:r>
+              <a:rPr lang="en-US" altLang="ko-KR" dirty="0"/>
+              <a:t> </a:t>
+            </a:r>
+            <a:r>
+              <a:rPr lang="ko-KR" altLang="ko-KR" dirty="0"/>
+              <a:t>휴식을</a:t>
+            </a:r>
+            <a:r>
+              <a:rPr lang="en-US" altLang="ko-KR" dirty="0"/>
+              <a:t> </a:t>
+            </a:r>
+            <a:r>
+              <a:rPr lang="ko-KR" altLang="ko-KR" dirty="0"/>
+              <a:t>했는지</a:t>
+            </a:r>
+            <a:r>
+              <a:rPr lang="en-US" altLang="ko-KR" dirty="0"/>
+              <a:t> </a:t>
+            </a:r>
+            <a:r>
+              <a:rPr lang="ko-KR" altLang="ko-KR" dirty="0"/>
+              <a:t>파악할</a:t>
+            </a:r>
+            <a:r>
+              <a:rPr lang="en-US" altLang="ko-KR" dirty="0"/>
+              <a:t> </a:t>
+            </a:r>
+            <a:r>
+              <a:rPr lang="ko-KR" altLang="ko-KR" dirty="0"/>
+              <a:t>수</a:t>
+            </a:r>
+            <a:r>
+              <a:rPr lang="en-US" altLang="ko-KR" dirty="0"/>
+              <a:t> </a:t>
+            </a:r>
+            <a:r>
+              <a:rPr lang="ko-KR" altLang="ko-KR" dirty="0"/>
+              <a:t>있다</a:t>
             </a:r>
             <a:r>
               <a:rPr lang="en-US" altLang="ko-KR" dirty="0"/>
@@ -3328,7 +3431,7 @@
           <a:p>
             <a:r>
               <a:rPr lang="ko-KR" altLang="ko-KR" dirty="0"/>
-              <a:t>이를</a:t>
+              <a:t>전체</a:t>
             </a:r>
             <a:r>
               <a:rPr lang="en-US" altLang="ko-KR" dirty="0"/>
@@ -3336,7 +3439,7 @@
             </a:r>
             <a:r>
               <a:rPr lang="ko-KR" altLang="ko-KR" dirty="0"/>
-              <a:t>통해서</a:t>
+              <a:t>일한</a:t>
             </a:r>
             <a:r>
               <a:rPr lang="en-US" altLang="ko-KR" dirty="0"/>
@@ -3344,7 +3447,7 @@
             </a:r>
             <a:r>
               <a:rPr lang="ko-KR" altLang="ko-KR" dirty="0"/>
-              <a:t>내가</a:t>
+              <a:t>시간과</a:t>
             </a:r>
             <a:r>
               <a:rPr lang="en-US" altLang="ko-KR" dirty="0"/>
@@ -3352,7 +3455,15 @@
             </a:r>
             <a:r>
               <a:rPr lang="ko-KR" altLang="ko-KR" dirty="0"/>
-              <a:t>언제부터</a:t>
+              <a:t>휴식시간</a:t>
+            </a:r>
+            <a:r>
+              <a:rPr lang="en-US" altLang="ko-KR" dirty="0"/>
+              <a:t>, </a:t>
+            </a:r>
+            <a:r>
+              <a:rPr lang="ko-KR" altLang="ko-KR" dirty="0"/>
+              <a:t>멈춰</a:t>
             </a:r>
             <a:r>
               <a:rPr lang="en-US" altLang="ko-KR" dirty="0"/>
@@ -3360,7 +3471,7 @@
             </a:r>
             <a:r>
               <a:rPr lang="ko-KR" altLang="ko-KR" dirty="0"/>
-              <a:t>언제까지</a:t>
+              <a:t>놓고</a:t>
             </a:r>
             <a:r>
               <a:rPr lang="en-US" altLang="ko-KR" dirty="0"/>
@@ -3368,7 +3479,7 @@
             </a:r>
             <a:r>
               <a:rPr lang="ko-KR" altLang="ko-KR" dirty="0"/>
-              <a:t>작업을</a:t>
+              <a:t>농땡이</a:t>
             </a:r>
             <a:r>
               <a:rPr lang="en-US" altLang="ko-KR" dirty="0"/>
@@ -3376,7 +3487,7 @@
             </a:r>
             <a:r>
               <a:rPr lang="ko-KR" altLang="ko-KR" dirty="0"/>
-              <a:t>하고</a:t>
+              <a:t>부린</a:t>
             </a:r>
             <a:r>
               <a:rPr lang="en-US" altLang="ko-KR" dirty="0"/>
@@ -3384,7 +3495,7 @@
             </a:r>
             <a:r>
               <a:rPr lang="ko-KR" altLang="ko-KR" dirty="0"/>
-              <a:t>휴식을</a:t>
+              <a:t>시간을</a:t>
             </a:r>
             <a:r>
               <a:rPr lang="en-US" altLang="ko-KR" dirty="0"/>
@@ -3392,7 +3503,7 @@
             </a:r>
             <a:r>
               <a:rPr lang="ko-KR" altLang="ko-KR" dirty="0"/>
-              <a:t>했는지</a:t>
+              <a:t>파악할</a:t>
             </a:r>
             <a:r>
               <a:rPr lang="en-US" altLang="ko-KR" dirty="0"/>
@@ -3400,7 +3511,7 @@
             </a:r>
             <a:r>
               <a:rPr lang="ko-KR" altLang="ko-KR" dirty="0"/>
-              <a:t>파악할</a:t>
+              <a:t>수</a:t>
             </a:r>
             <a:r>
               <a:rPr lang="en-US" altLang="ko-KR" dirty="0"/>
@@ -3408,7 +3519,24 @@
             </a:r>
             <a:r>
               <a:rPr lang="ko-KR" altLang="ko-KR" dirty="0"/>
-              <a:t>수</a:t>
+              <a:t>있다</a:t>
+            </a:r>
+            <a:r>
+              <a:rPr lang="en-US" altLang="ko-KR" dirty="0"/>
+              <a:t>. </a:t>
+            </a:r>
+            <a:endParaRPr lang="ko-KR" altLang="ko-KR" dirty="0"/>
+          </a:p>
+          <a:p>
+            <a:pPr marL="0" indent="0">
+              <a:buNone/>
+            </a:pPr>
+            <a:endParaRPr lang="ko-KR" altLang="ko-KR" dirty="0"/>
+          </a:p>
+          <a:p>
+            <a:r>
+              <a:rPr lang="ko-KR" altLang="ko-KR" dirty="0"/>
+              <a:t>일하는</a:t>
             </a:r>
             <a:r>
               <a:rPr lang="en-US" altLang="ko-KR" dirty="0"/>
@@ -3416,6 +3544,169 @@
             </a:r>
             <a:r>
               <a:rPr lang="ko-KR" altLang="ko-KR" dirty="0"/>
+              <a:t>시간</a:t>
+            </a:r>
+            <a:r>
+              <a:rPr lang="en-US" altLang="ko-KR" dirty="0"/>
+              <a:t>, </a:t>
+            </a:r>
+            <a:r>
+              <a:rPr lang="ko-KR" altLang="ko-KR" dirty="0"/>
+              <a:t>짧은</a:t>
+            </a:r>
+            <a:r>
+              <a:rPr lang="en-US" altLang="ko-KR" dirty="0"/>
+              <a:t> </a:t>
+            </a:r>
+            <a:r>
+              <a:rPr lang="ko-KR" altLang="ko-KR" dirty="0"/>
+              <a:t>휴식시간</a:t>
+            </a:r>
+            <a:r>
+              <a:rPr lang="en-US" altLang="ko-KR" dirty="0"/>
+              <a:t>, </a:t>
+            </a:r>
+            <a:r>
+              <a:rPr lang="ko-KR" altLang="ko-KR" dirty="0"/>
+              <a:t>긴</a:t>
+            </a:r>
+            <a:r>
+              <a:rPr lang="en-US" altLang="ko-KR" dirty="0"/>
+              <a:t> </a:t>
+            </a:r>
+            <a:r>
+              <a:rPr lang="ko-KR" altLang="ko-KR" dirty="0"/>
+              <a:t>휴식시간을</a:t>
+            </a:r>
+            <a:r>
+              <a:rPr lang="en-US" altLang="ko-KR" dirty="0"/>
+              <a:t> </a:t>
+            </a:r>
+            <a:r>
+              <a:rPr lang="ko-KR" altLang="ko-KR" dirty="0"/>
+              <a:t>하는</a:t>
+            </a:r>
+            <a:r>
+              <a:rPr lang="en-US" altLang="ko-KR" dirty="0"/>
+              <a:t> </a:t>
+            </a:r>
+            <a:r>
+              <a:rPr lang="ko-KR" altLang="ko-KR" dirty="0"/>
+              <a:t>정도를</a:t>
+            </a:r>
+            <a:r>
+              <a:rPr lang="en-US" altLang="ko-KR" dirty="0"/>
+              <a:t> </a:t>
+            </a:r>
+            <a:r>
+              <a:rPr lang="ko-KR" altLang="ko-KR" dirty="0"/>
+              <a:t>설정할</a:t>
+            </a:r>
+            <a:r>
+              <a:rPr lang="en-US" altLang="ko-KR" dirty="0"/>
+              <a:t> </a:t>
+            </a:r>
+            <a:r>
+              <a:rPr lang="ko-KR" altLang="ko-KR" dirty="0"/>
+              <a:t>수</a:t>
+            </a:r>
+            <a:r>
+              <a:rPr lang="en-US" altLang="ko-KR" dirty="0"/>
+              <a:t> </a:t>
+            </a:r>
+            <a:r>
+              <a:rPr lang="ko-KR" altLang="ko-KR" dirty="0"/>
+              <a:t>있다</a:t>
+            </a:r>
+            <a:r>
+              <a:rPr lang="en-US" altLang="ko-KR" dirty="0"/>
+              <a:t>.</a:t>
+            </a:r>
+            <a:endParaRPr lang="ko-KR" altLang="ko-KR" dirty="0"/>
+          </a:p>
+          <a:p>
+            <a:r>
+              <a:rPr lang="ko-KR" altLang="ko-KR" dirty="0"/>
+              <a:t>그리고</a:t>
+            </a:r>
+            <a:r>
+              <a:rPr lang="en-US" altLang="ko-KR" dirty="0"/>
+              <a:t> </a:t>
+            </a:r>
+            <a:r>
+              <a:rPr lang="ko-KR" altLang="ko-KR" dirty="0"/>
+              <a:t>몇</a:t>
+            </a:r>
+            <a:r>
+              <a:rPr lang="en-US" altLang="ko-KR" dirty="0"/>
+              <a:t> </a:t>
+            </a:r>
+            <a:r>
+              <a:rPr lang="ko-KR" altLang="ko-KR" dirty="0"/>
+              <a:t>회</a:t>
+            </a:r>
+            <a:r>
+              <a:rPr lang="en-US" altLang="ko-KR" dirty="0"/>
+              <a:t> </a:t>
+            </a:r>
+            <a:r>
+              <a:rPr lang="ko-KR" altLang="ko-KR" dirty="0"/>
+              <a:t>작업</a:t>
+            </a:r>
+            <a:r>
+              <a:rPr lang="en-US" altLang="ko-KR" dirty="0"/>
+              <a:t> </a:t>
+            </a:r>
+            <a:r>
+              <a:rPr lang="ko-KR" altLang="ko-KR" dirty="0"/>
+              <a:t>후</a:t>
+            </a:r>
+            <a:r>
+              <a:rPr lang="en-US" altLang="ko-KR" dirty="0"/>
+              <a:t>, </a:t>
+            </a:r>
+            <a:r>
+              <a:rPr lang="ko-KR" altLang="ko-KR" dirty="0"/>
+              <a:t>긴</a:t>
+            </a:r>
+            <a:r>
+              <a:rPr lang="en-US" altLang="ko-KR" dirty="0"/>
+              <a:t> </a:t>
+            </a:r>
+            <a:r>
+              <a:rPr lang="ko-KR" altLang="ko-KR" dirty="0"/>
+              <a:t>휴식을</a:t>
+            </a:r>
+            <a:r>
+              <a:rPr lang="en-US" altLang="ko-KR" dirty="0"/>
+              <a:t> </a:t>
+            </a:r>
+            <a:r>
+              <a:rPr lang="ko-KR" altLang="ko-KR" dirty="0"/>
+              <a:t>하는지</a:t>
+            </a:r>
+            <a:r>
+              <a:rPr lang="en-US" altLang="ko-KR" dirty="0"/>
+              <a:t> </a:t>
+            </a:r>
+            <a:r>
+              <a:rPr lang="ko-KR" altLang="ko-KR" dirty="0"/>
+              <a:t>설정할</a:t>
+            </a:r>
+            <a:r>
+              <a:rPr lang="en-US" altLang="ko-KR" dirty="0"/>
+              <a:t> </a:t>
+            </a:r>
+            <a:r>
+              <a:rPr lang="ko-KR" altLang="ko-KR" dirty="0"/>
+              <a:t>수</a:t>
+            </a:r>
+            <a:r>
+              <a:rPr lang="en-US" altLang="ko-KR" dirty="0"/>
+              <a:t> </a:t>
+            </a:r>
+            <a:r>
+              <a:rPr lang="ko-KR" altLang="ko-KR" dirty="0"/>
               <a:t>있다</a:t>
             </a:r>
             <a:r>
@@ -3425,17 +3716,43 @@
             <a:endParaRPr lang="ko-KR" altLang="ko-KR" dirty="0"/>
           </a:p>
           <a:p>
+            <a:pPr marL="0" indent="0">
+              <a:buNone/>
+            </a:pPr>
+            <a:endParaRPr lang="en-US" altLang="ko-KR" dirty="0"/>
+          </a:p>
+          <a:p>
+            <a:r>
+              <a:rPr lang="ko-KR" altLang="ko-KR" dirty="0" smtClean="0"/>
+              <a:t>날짜 별</a:t>
+            </a:r>
+            <a:r>
+              <a:rPr lang="en-US" altLang="ko-KR" dirty="0" smtClean="0"/>
+              <a:t> </a:t>
+            </a:r>
             <a:r>
               <a:rPr lang="ko-KR" altLang="ko-KR" dirty="0"/>
-              <a:t>전체</a:t>
+              <a:t>시간</a:t>
             </a:r>
             <a:r>
               <a:rPr lang="en-US" altLang="ko-KR" dirty="0"/>
               <a:t> </a:t>
             </a:r>
             <a:r>
+              <a:rPr lang="ko-KR" altLang="en-US" dirty="0"/>
+              <a:t>통</a:t>
+            </a:r>
+            <a:r>
+              <a:rPr lang="ko-KR" altLang="ko-KR" dirty="0" smtClean="0"/>
+              <a:t>계를</a:t>
+            </a:r>
+            <a:r>
+              <a:rPr lang="en-US" altLang="ko-KR" dirty="0" smtClean="0"/>
+              <a:t> </a:t>
+            </a:r>
+            <a:r>
               <a:rPr lang="ko-KR" altLang="ko-KR" dirty="0"/>
-              <a:t>일한</a:t>
+              <a:t>낼</a:t>
             </a:r>
             <a:r>
               <a:rPr lang="en-US" altLang="ko-KR" dirty="0"/>
@@ -3443,7 +3760,7 @@
             </a:r>
             <a:r>
               <a:rPr lang="ko-KR" altLang="ko-KR" dirty="0"/>
-              <a:t>시간과</a:t>
+              <a:t>수</a:t>
             </a:r>
             <a:r>
               <a:rPr lang="en-US" altLang="ko-KR" dirty="0"/>
@@ -3451,7 +3768,42 @@
             </a:r>
             <a:r>
               <a:rPr lang="ko-KR" altLang="ko-KR" dirty="0"/>
-              <a:t>휴식시간</a:t>
+              <a:t>도</a:t>
+            </a:r>
+            <a:r>
+              <a:rPr lang="en-US" altLang="ko-KR" dirty="0"/>
+              <a:t> </a:t>
+            </a:r>
+            <a:r>
+              <a:rPr lang="ko-KR" altLang="ko-KR" dirty="0"/>
+              <a:t>있다</a:t>
+            </a:r>
+            <a:r>
+              <a:rPr lang="en-US" altLang="ko-KR" dirty="0"/>
+              <a:t>.</a:t>
+            </a:r>
+            <a:endParaRPr lang="ko-KR" altLang="ko-KR" dirty="0"/>
+          </a:p>
+          <a:p>
+            <a:r>
+              <a:rPr lang="ko-KR" altLang="ko-KR" dirty="0"/>
+              <a:t>얼마나</a:t>
+            </a:r>
+            <a:r>
+              <a:rPr lang="en-US" altLang="ko-KR" dirty="0"/>
+              <a:t> </a:t>
+            </a:r>
+            <a:r>
+              <a:rPr lang="ko-KR" altLang="ko-KR" dirty="0"/>
+              <a:t>작업을</a:t>
+            </a:r>
+            <a:r>
+              <a:rPr lang="en-US" altLang="ko-KR" dirty="0"/>
+              <a:t> </a:t>
+            </a:r>
+            <a:r>
+              <a:rPr lang="ko-KR" altLang="ko-KR" dirty="0"/>
+              <a:t>했고</a:t>
             </a:r>
             <a:r>
               <a:rPr lang="en-US" altLang="ko-KR" dirty="0"/>
@@ -3459,370 +3811,26 @@
             </a:r>
             <a:r>
               <a:rPr lang="ko-KR" altLang="ko-KR" dirty="0"/>
-              <a:t>멈춰</a:t>
+              <a:t>얼마나</a:t>
             </a:r>
             <a:r>
               <a:rPr lang="en-US" altLang="ko-KR" dirty="0"/>
               <a:t> </a:t>
             </a:r>
             <a:r>
-              <a:rPr lang="ko-KR" altLang="ko-KR" dirty="0"/>
-              <a:t>놓고</a:t>
-            </a:r>
-            <a:r>
-              <a:rPr lang="en-US" altLang="ko-KR" dirty="0"/>
-              <a:t> </a:t>
-            </a:r>
-            <a:r>
-              <a:rPr lang="ko-KR" altLang="ko-KR" dirty="0"/>
-              <a:t>농땡이</a:t>
-            </a:r>
-            <a:r>
-              <a:rPr lang="en-US" altLang="ko-KR" dirty="0"/>
-              <a:t> </a:t>
-            </a:r>
-            <a:r>
-              <a:rPr lang="ko-KR" altLang="ko-KR" dirty="0"/>
-              <a:t>부린</a:t>
-            </a:r>
-            <a:r>
-              <a:rPr lang="en-US" altLang="ko-KR" dirty="0"/>
-              <a:t> </a:t>
-            </a:r>
-            <a:r>
-              <a:rPr lang="ko-KR" altLang="ko-KR" dirty="0"/>
-              <a:t>시간을</a:t>
-            </a:r>
-            <a:r>
-              <a:rPr lang="en-US" altLang="ko-KR" dirty="0"/>
-              <a:t> </a:t>
-            </a:r>
-            <a:r>
-              <a:rPr lang="ko-KR" altLang="ko-KR" dirty="0"/>
-              <a:t>파악할</a:t>
-            </a:r>
-            <a:r>
-              <a:rPr lang="en-US" altLang="ko-KR" dirty="0"/>
-              <a:t> </a:t>
-            </a:r>
-            <a:r>
-              <a:rPr lang="ko-KR" altLang="ko-KR" dirty="0"/>
-              <a:t>수</a:t>
-            </a:r>
-            <a:r>
-              <a:rPr lang="en-US" altLang="ko-KR" dirty="0"/>
-              <a:t> </a:t>
-            </a:r>
-            <a:r>
-              <a:rPr lang="ko-KR" altLang="ko-KR" dirty="0"/>
-              <a:t>있다</a:t>
-            </a:r>
-            <a:r>
-              <a:rPr lang="en-US" altLang="ko-KR" dirty="0"/>
-              <a:t>. </a:t>
-            </a:r>
-            <a:endParaRPr lang="ko-KR" altLang="ko-KR" dirty="0"/>
-          </a:p>
-          <a:p>
-            <a:r>
-              <a:rPr lang="ko-KR" altLang="ko-KR" dirty="0"/>
-              <a:t> </a:t>
-            </a:r>
-          </a:p>
-          <a:p>
-            <a:r>
-              <a:rPr lang="ko-KR" altLang="ko-KR" dirty="0"/>
-              <a:t>일하는</a:t>
-            </a:r>
-            <a:r>
-              <a:rPr lang="en-US" altLang="ko-KR" dirty="0"/>
-              <a:t> </a:t>
-            </a:r>
-            <a:r>
-              <a:rPr lang="ko-KR" altLang="ko-KR" dirty="0"/>
-              <a:t>시간</a:t>
-            </a:r>
-            <a:r>
-              <a:rPr lang="en-US" altLang="ko-KR" dirty="0"/>
+              <a:rPr lang="ko-KR" altLang="ko-KR" dirty="0" smtClean="0"/>
+              <a:t>짧은 시간</a:t>
+            </a:r>
+            <a:r>
+              <a:rPr lang="en-US" altLang="ko-KR" dirty="0" smtClean="0"/>
               <a:t>, </a:t>
             </a:r>
             <a:r>
-              <a:rPr lang="ko-KR" altLang="ko-KR" dirty="0"/>
-              <a:t>짧은</a:t>
-            </a:r>
-            <a:r>
-              <a:rPr lang="en-US" altLang="ko-KR" dirty="0"/>
-              <a:t> </a:t>
-            </a:r>
-            <a:r>
-              <a:rPr lang="ko-KR" altLang="ko-KR" dirty="0"/>
-              <a:t>휴식시간</a:t>
-            </a:r>
-            <a:r>
-              <a:rPr lang="en-US" altLang="ko-KR" dirty="0"/>
-              <a:t>, </a:t>
-            </a:r>
-            <a:r>
-              <a:rPr lang="ko-KR" altLang="ko-KR" dirty="0"/>
-              <a:t>긴</a:t>
-            </a:r>
-            <a:r>
-              <a:rPr lang="en-US" altLang="ko-KR" dirty="0"/>
-              <a:t> </a:t>
-            </a:r>
-            <a:r>
-              <a:rPr lang="ko-KR" altLang="ko-KR" dirty="0"/>
-              <a:t>휴식시간을</a:t>
-            </a:r>
-            <a:r>
-              <a:rPr lang="en-US" altLang="ko-KR" dirty="0"/>
-              <a:t> </a:t>
-            </a:r>
-            <a:r>
-              <a:rPr lang="ko-KR" altLang="ko-KR" dirty="0"/>
-              <a:t>하는</a:t>
-            </a:r>
-            <a:r>
-              <a:rPr lang="en-US" altLang="ko-KR" dirty="0"/>
-              <a:t> </a:t>
-            </a:r>
-            <a:r>
-              <a:rPr lang="ko-KR" altLang="ko-KR" dirty="0"/>
-              <a:t>정도를</a:t>
-            </a:r>
-            <a:r>
-              <a:rPr lang="en-US" altLang="ko-KR" dirty="0"/>
-              <a:t> </a:t>
-            </a:r>
-            <a:r>
-              <a:rPr lang="ko-KR" altLang="ko-KR" dirty="0"/>
-              <a:t>설정할</a:t>
-            </a:r>
-            <a:r>
-              <a:rPr lang="en-US" altLang="ko-KR" dirty="0"/>
-              <a:t> </a:t>
-            </a:r>
-            <a:r>
-              <a:rPr lang="ko-KR" altLang="ko-KR" dirty="0"/>
-              <a:t>수</a:t>
-            </a:r>
-            <a:r>
-              <a:rPr lang="en-US" altLang="ko-KR" dirty="0"/>
-              <a:t> </a:t>
-            </a:r>
-            <a:r>
-              <a:rPr lang="ko-KR" altLang="ko-KR" dirty="0"/>
-              <a:t>있다</a:t>
-            </a:r>
-            <a:r>
-              <a:rPr lang="en-US" altLang="ko-KR" dirty="0"/>
-              <a:t>.</a:t>
-            </a:r>
-            <a:endParaRPr lang="ko-KR" altLang="ko-KR" dirty="0"/>
-          </a:p>
-          <a:p>
-            <a:r>
-              <a:rPr lang="ko-KR" altLang="ko-KR" dirty="0"/>
-              <a:t>그리고</a:t>
-            </a:r>
-            <a:r>
-              <a:rPr lang="en-US" altLang="ko-KR" dirty="0"/>
-              <a:t> </a:t>
-            </a:r>
-            <a:r>
-              <a:rPr lang="ko-KR" altLang="ko-KR" dirty="0"/>
-              <a:t>몇</a:t>
-            </a:r>
-            <a:r>
-              <a:rPr lang="en-US" altLang="ko-KR" dirty="0"/>
-              <a:t> </a:t>
-            </a:r>
-            <a:r>
-              <a:rPr lang="ko-KR" altLang="ko-KR" dirty="0"/>
-              <a:t>회</a:t>
-            </a:r>
-            <a:r>
-              <a:rPr lang="en-US" altLang="ko-KR" dirty="0"/>
-              <a:t> </a:t>
-            </a:r>
-            <a:r>
-              <a:rPr lang="ko-KR" altLang="ko-KR" dirty="0"/>
-              <a:t>작업</a:t>
-            </a:r>
-            <a:r>
-              <a:rPr lang="en-US" altLang="ko-KR" dirty="0"/>
-              <a:t> </a:t>
-            </a:r>
-            <a:r>
-              <a:rPr lang="ko-KR" altLang="ko-KR" dirty="0"/>
-              <a:t>후</a:t>
-            </a:r>
-            <a:r>
-              <a:rPr lang="en-US" altLang="ko-KR" dirty="0"/>
-              <a:t>, </a:t>
-            </a:r>
-            <a:r>
-              <a:rPr lang="ko-KR" altLang="ko-KR" dirty="0"/>
-              <a:t>긴</a:t>
-            </a:r>
-            <a:r>
-              <a:rPr lang="en-US" altLang="ko-KR" dirty="0"/>
-              <a:t> </a:t>
-            </a:r>
-            <a:r>
-              <a:rPr lang="ko-KR" altLang="ko-KR" dirty="0"/>
-              <a:t>휴식을</a:t>
-            </a:r>
-            <a:r>
-              <a:rPr lang="en-US" altLang="ko-KR" dirty="0"/>
-              <a:t> </a:t>
-            </a:r>
-            <a:r>
-              <a:rPr lang="ko-KR" altLang="ko-KR" dirty="0"/>
-              <a:t>하는지</a:t>
-            </a:r>
-            <a:r>
-              <a:rPr lang="en-US" altLang="ko-KR" dirty="0"/>
-              <a:t> </a:t>
-            </a:r>
-            <a:r>
-              <a:rPr lang="ko-KR" altLang="ko-KR" dirty="0"/>
-              <a:t>설정할</a:t>
-            </a:r>
-            <a:r>
-              <a:rPr lang="en-US" altLang="ko-KR" dirty="0"/>
-              <a:t> </a:t>
-            </a:r>
-            <a:r>
-              <a:rPr lang="ko-KR" altLang="ko-KR" dirty="0"/>
-              <a:t>수</a:t>
-            </a:r>
-            <a:r>
-              <a:rPr lang="en-US" altLang="ko-KR" dirty="0"/>
-              <a:t> </a:t>
-            </a:r>
-            <a:r>
-              <a:rPr lang="ko-KR" altLang="ko-KR" dirty="0"/>
-              <a:t>있다</a:t>
-            </a:r>
-            <a:r>
-              <a:rPr lang="en-US" altLang="ko-KR" dirty="0"/>
-              <a:t>. </a:t>
-            </a:r>
-            <a:endParaRPr lang="ko-KR" altLang="ko-KR" dirty="0"/>
-          </a:p>
-          <a:p>
-            <a:r>
-              <a:rPr lang="en-US" altLang="ko-KR" dirty="0"/>
-              <a:t> </a:t>
-            </a:r>
-          </a:p>
-          <a:p>
-            <a:r>
-              <a:rPr lang="ko-KR" altLang="ko-KR" dirty="0" err="1"/>
-              <a:t>날짜별</a:t>
-            </a:r>
-            <a:r>
-              <a:rPr lang="en-US" altLang="ko-KR" dirty="0"/>
-              <a:t> </a:t>
-            </a:r>
-            <a:r>
-              <a:rPr lang="ko-KR" altLang="ko-KR" dirty="0"/>
-              <a:t>시간</a:t>
-            </a:r>
-            <a:r>
-              <a:rPr lang="en-US" altLang="ko-KR" dirty="0"/>
-              <a:t> </a:t>
-            </a:r>
-            <a:r>
-              <a:rPr lang="ko-KR" altLang="ko-KR" dirty="0"/>
-              <a:t>동계를</a:t>
-            </a:r>
-            <a:r>
-              <a:rPr lang="en-US" altLang="ko-KR" dirty="0"/>
-              <a:t> </a:t>
-            </a:r>
-            <a:r>
-              <a:rPr lang="ko-KR" altLang="ko-KR" dirty="0"/>
-              <a:t>낼</a:t>
-            </a:r>
-            <a:r>
-              <a:rPr lang="en-US" altLang="ko-KR" dirty="0"/>
-              <a:t> </a:t>
-            </a:r>
-            <a:r>
-              <a:rPr lang="ko-KR" altLang="ko-KR" dirty="0"/>
-              <a:t>수</a:t>
-            </a:r>
-            <a:r>
-              <a:rPr lang="en-US" altLang="ko-KR" dirty="0"/>
-              <a:t> </a:t>
-            </a:r>
-            <a:r>
-              <a:rPr lang="ko-KR" altLang="ko-KR" dirty="0"/>
-              <a:t>도</a:t>
-            </a:r>
-            <a:r>
-              <a:rPr lang="en-US" altLang="ko-KR" dirty="0"/>
-              <a:t> </a:t>
-            </a:r>
-            <a:r>
-              <a:rPr lang="ko-KR" altLang="ko-KR" dirty="0"/>
-              <a:t>있다</a:t>
-            </a:r>
-            <a:r>
-              <a:rPr lang="en-US" altLang="ko-KR" dirty="0"/>
-              <a:t>.</a:t>
-            </a:r>
-            <a:endParaRPr lang="ko-KR" altLang="ko-KR" dirty="0"/>
-          </a:p>
-          <a:p>
-            <a:r>
-              <a:rPr lang="ko-KR" altLang="ko-KR" dirty="0"/>
-              <a:t>얼마나</a:t>
-            </a:r>
-            <a:r>
-              <a:rPr lang="en-US" altLang="ko-KR" dirty="0"/>
-              <a:t> </a:t>
-            </a:r>
-            <a:r>
-              <a:rPr lang="ko-KR" altLang="ko-KR" dirty="0"/>
-              <a:t>작업을</a:t>
-            </a:r>
-            <a:r>
-              <a:rPr lang="en-US" altLang="ko-KR" dirty="0"/>
-              <a:t> </a:t>
-            </a:r>
-            <a:r>
-              <a:rPr lang="ko-KR" altLang="ko-KR" dirty="0"/>
-              <a:t>했고</a:t>
-            </a:r>
-            <a:r>
-              <a:rPr lang="en-US" altLang="ko-KR" dirty="0"/>
-              <a:t>, </a:t>
-            </a:r>
-            <a:r>
-              <a:rPr lang="ko-KR" altLang="ko-KR" dirty="0"/>
-              <a:t>얼마나</a:t>
-            </a:r>
-            <a:r>
-              <a:rPr lang="en-US" altLang="ko-KR" dirty="0"/>
-              <a:t> </a:t>
-            </a:r>
-            <a:r>
-              <a:rPr lang="ko-KR" altLang="ko-KR" dirty="0" err="1"/>
-              <a:t>짧은시간</a:t>
-            </a:r>
-            <a:r>
-              <a:rPr lang="en-US" altLang="ko-KR" dirty="0"/>
-              <a:t>, </a:t>
-            </a:r>
-            <a:r>
-              <a:rPr lang="ko-KR" altLang="ko-KR" dirty="0" err="1"/>
-              <a:t>긴휴식시간</a:t>
-            </a:r>
-            <a:r>
-              <a:rPr lang="en-US" altLang="ko-KR" dirty="0"/>
+              <a:rPr lang="ko-KR" altLang="ko-KR" dirty="0" smtClean="0"/>
+              <a:t>긴 휴식시간</a:t>
+            </a:r>
+            <a:r>
+              <a:rPr lang="en-US" altLang="ko-KR" dirty="0" smtClean="0"/>
               <a:t>, </a:t>
             </a:r>
             <a:r>
@@ -3922,24 +3930,24 @@
           <p:nvPr>
             <p:extLst>
               <p:ext uri="{D42A27DB-BD31-4B8C-83A1-F6EECF244321}">
-                <p14:modId xmlns:p14="http://schemas.microsoft.com/office/powerpoint/2010/main" val="1045617303"/>
+                <p14:modId xmlns:p14="http://schemas.microsoft.com/office/powerpoint/2010/main" val="1784774044"/>
               </p:ext>
             </p:extLst>
           </p:nvPr>
         </p:nvGraphicFramePr>
         <p:xfrm>
-          <a:off x="838200" y="2110154"/>
-          <a:ext cx="1600200" cy="2388680"/>
+          <a:off x="681487" y="2110154"/>
+          <a:ext cx="1756913" cy="1789489"/>
         </p:xfrm>
         <a:graphic>
           <a:graphicData uri="http://schemas.openxmlformats.org/drawingml/2006/table">
             <a:tbl>
               <a:tblPr/>
               <a:tblGrid>
-                <a:gridCol w="1600200">
+                <a:gridCol w="1756913">
                   <a:extLst>
                     <a:ext uri="{9D8B030D-6E8A-4147-A177-3AD203B41FA5}">
-                      <a16:colId xmlns:a16="http://schemas.microsoft.com/office/drawing/2014/main" val="3386085786"/>
+                      <a16:colId xmlns:a16="http://schemas.microsoft.com/office/drawing/2014/main" xmlns="" val="3386085786"/>
                     </a:ext>
                   </a:extLst>
                 </a:gridCol>
@@ -4191,7 +4199,7 @@
                           <a:latin typeface="굴림" panose="020B0600000101010101" pitchFamily="50" charset="-127"/>
                           <a:ea typeface="굴림" panose="020B0600000101010101" pitchFamily="50" charset="-127"/>
                         </a:rPr>
-                        <a:t>:</a:t>
+                        <a:t>: </a:t>
                       </a:r>
                       <a:r>
                         <a:rPr kumimoji="1" lang="ko-KR" altLang="en-US" sz="1400" b="0" i="0" u="none" strike="noStrike" cap="none" normalizeH="0" baseline="0" dirty="0" smtClean="0">
@@ -4205,7 +4213,21 @@
                           <a:latin typeface="굴림" panose="020B0600000101010101" pitchFamily="50" charset="-127"/>
                           <a:ea typeface="굴림" panose="020B0600000101010101" pitchFamily="50" charset="-127"/>
                         </a:rPr>
-                        <a:t>시간을 세는 역할</a:t>
+                        <a:t>시간을 </a:t>
+                      </a:r>
+                      <a:r>
+                        <a:rPr kumimoji="1" lang="ko-KR" altLang="en-US" sz="1400" b="0" i="0" u="none" strike="noStrike" cap="none" normalizeH="0" baseline="0" dirty="0" smtClean="0">
+                          <a:ln>
+                            <a:noFill/>
+                          </a:ln>
+                          <a:solidFill>
+                            <a:schemeClr val="hlink"/>
+                          </a:solidFill>
+                          <a:effectLst/>
+                          <a:latin typeface="굴림" panose="020B0600000101010101" pitchFamily="50" charset="-127"/>
+                          <a:ea typeface="굴림" panose="020B0600000101010101" pitchFamily="50" charset="-127"/>
+                        </a:rPr>
+                        <a:t>세는 역할</a:t>
                       </a:r>
                       <a:endParaRPr kumimoji="1" lang="en-US" altLang="ko-KR" sz="1400" b="0" i="0" u="none" strike="noStrike" cap="none" normalizeH="0" baseline="0" dirty="0" smtClean="0">
                         <a:ln>
@@ -4268,11 +4290,11 @@
                 </a:tc>
                 <a:extLst>
                   <a:ext uri="{0D108BD9-81ED-4DB2-BD59-A6C34878D82A}">
-                    <a16:rowId xmlns:a16="http://schemas.microsoft.com/office/drawing/2014/main" val="3814258868"/>
+                    <a16:rowId xmlns:a16="http://schemas.microsoft.com/office/drawing/2014/main" xmlns="" val="3814258868"/>
                   </a:ext>
                 </a:extLst>
               </a:tr>
-              <a:tr h="719138">
+              <a:tr h="333307">
                 <a:tc>
                   <a:txBody>
                     <a:bodyPr/>
@@ -4523,11 +4545,756 @@
                 </a:tc>
                 <a:extLst>
                   <a:ext uri="{0D108BD9-81ED-4DB2-BD59-A6C34878D82A}">
-                    <a16:rowId xmlns:a16="http://schemas.microsoft.com/office/drawing/2014/main" val="567632652"/>
+                    <a16:rowId xmlns:a16="http://schemas.microsoft.com/office/drawing/2014/main" xmlns="" val="567632652"/>
                   </a:ext>
                 </a:extLst>
               </a:tr>
               <a:tr h="895350">
+                <a:tc>
+                  <a:txBody>
+                    <a:bodyPr/>
+                    <a:lstStyle>
+                      <a:lvl1pPr algn="l">
+                        <a:spcBef>
+                          <a:spcPct val="20000"/>
+                        </a:spcBef>
+                        <a:buClr>
+                          <a:schemeClr val="folHlink"/>
+                        </a:buClr>
+                        <a:buSzPct val="60000"/>
+                        <a:buFont typeface="Wingdings" panose="05000000000000000000" pitchFamily="2" charset="2"/>
+                        <a:defRPr kumimoji="1" sz="2800">
+                          <a:solidFill>
+                            <a:schemeClr val="tx1"/>
+                          </a:solidFill>
+                          <a:latin typeface="굴림" panose="020B0600000101010101" pitchFamily="50" charset="-127"/>
+                          <a:ea typeface="굴림" panose="020B0600000101010101" pitchFamily="50" charset="-127"/>
+                        </a:defRPr>
+                      </a:lvl1pPr>
+                      <a:lvl2pPr algn="l">
+                        <a:spcBef>
+                          <a:spcPct val="20000"/>
+                        </a:spcBef>
+                        <a:buClr>
+                          <a:schemeClr val="hlink"/>
+                        </a:buClr>
+                        <a:buSzPct val="55000"/>
+                        <a:buFont typeface="Wingdings" panose="05000000000000000000" pitchFamily="2" charset="2"/>
+                        <a:defRPr kumimoji="1" sz="2400">
+                          <a:solidFill>
+                            <a:schemeClr val="tx1"/>
+                          </a:solidFill>
+                          <a:latin typeface="굴림" panose="020B0600000101010101" pitchFamily="50" charset="-127"/>
+                          <a:ea typeface="굴림" panose="020B0600000101010101" pitchFamily="50" charset="-127"/>
+                        </a:defRPr>
+                      </a:lvl2pPr>
+                      <a:lvl3pPr algn="l">
+                        <a:spcBef>
+                          <a:spcPct val="20000"/>
+                        </a:spcBef>
+                        <a:buClr>
+                          <a:schemeClr val="folHlink"/>
+                        </a:buClr>
+                        <a:buSzPct val="50000"/>
+                        <a:buFont typeface="Wingdings" panose="05000000000000000000" pitchFamily="2" charset="2"/>
+                        <a:defRPr kumimoji="1" sz="2000">
+                          <a:solidFill>
+                            <a:schemeClr val="tx1"/>
+                          </a:solidFill>
+                          <a:latin typeface="굴림" panose="020B0600000101010101" pitchFamily="50" charset="-127"/>
+                          <a:ea typeface="굴림" panose="020B0600000101010101" pitchFamily="50" charset="-127"/>
+                        </a:defRPr>
+                      </a:lvl3pPr>
+                      <a:lvl4pPr algn="l">
+                        <a:spcBef>
+                          <a:spcPct val="20000"/>
+                        </a:spcBef>
+                        <a:buClr>
+                          <a:schemeClr val="accent2"/>
+                        </a:buClr>
+                        <a:buSzPct val="55000"/>
+                        <a:buFont typeface="Wingdings" panose="05000000000000000000" pitchFamily="2" charset="2"/>
+                        <a:defRPr kumimoji="1">
+                          <a:solidFill>
+                            <a:schemeClr val="tx1"/>
+                          </a:solidFill>
+                          <a:latin typeface="굴림" panose="020B0600000101010101" pitchFamily="50" charset="-127"/>
+                          <a:ea typeface="굴림" panose="020B0600000101010101" pitchFamily="50" charset="-127"/>
+                        </a:defRPr>
+                      </a:lvl4pPr>
+                      <a:lvl5pPr algn="l">
+                        <a:spcBef>
+                          <a:spcPct val="20000"/>
+                        </a:spcBef>
+                        <a:buClr>
+                          <a:schemeClr val="accent1"/>
+                        </a:buClr>
+                        <a:buSzPct val="50000"/>
+                        <a:buFont typeface="Wingdings" panose="05000000000000000000" pitchFamily="2" charset="2"/>
+                        <a:defRPr kumimoji="1">
+                          <a:solidFill>
+                            <a:schemeClr val="tx1"/>
+                          </a:solidFill>
+                          <a:latin typeface="굴림" panose="020B0600000101010101" pitchFamily="50" charset="-127"/>
+                          <a:ea typeface="굴림" panose="020B0600000101010101" pitchFamily="50" charset="-127"/>
+                        </a:defRPr>
+                      </a:lvl5pPr>
+                      <a:lvl6pPr fontAlgn="base">
+                        <a:spcBef>
+                          <a:spcPct val="20000"/>
+                        </a:spcBef>
+                        <a:spcAft>
+                          <a:spcPct val="0"/>
+                        </a:spcAft>
+                        <a:buClr>
+                          <a:schemeClr val="accent1"/>
+                        </a:buClr>
+                        <a:buSzPct val="50000"/>
+                        <a:buFont typeface="Wingdings" panose="05000000000000000000" pitchFamily="2" charset="2"/>
+                        <a:defRPr kumimoji="1">
+                          <a:solidFill>
+                            <a:schemeClr val="tx1"/>
+                          </a:solidFill>
+                          <a:latin typeface="굴림" panose="020B0600000101010101" pitchFamily="50" charset="-127"/>
+                          <a:ea typeface="굴림" panose="020B0600000101010101" pitchFamily="50" charset="-127"/>
+                        </a:defRPr>
+                      </a:lvl6pPr>
+                      <a:lvl7pPr fontAlgn="base">
+                        <a:spcBef>
+                          <a:spcPct val="20000"/>
+                        </a:spcBef>
+                        <a:spcAft>
+                          <a:spcPct val="0"/>
+                        </a:spcAft>
+                        <a:buClr>
+                          <a:schemeClr val="accent1"/>
+                        </a:buClr>
+                        <a:buSzPct val="50000"/>
+                        <a:buFont typeface="Wingdings" panose="05000000000000000000" pitchFamily="2" charset="2"/>
+                        <a:defRPr kumimoji="1">
+                          <a:solidFill>
+                            <a:schemeClr val="tx1"/>
+                          </a:solidFill>
+                          <a:latin typeface="굴림" panose="020B0600000101010101" pitchFamily="50" charset="-127"/>
+                          <a:ea typeface="굴림" panose="020B0600000101010101" pitchFamily="50" charset="-127"/>
+                        </a:defRPr>
+                      </a:lvl7pPr>
+                      <a:lvl8pPr fontAlgn="base">
+                        <a:spcBef>
+                          <a:spcPct val="20000"/>
+                        </a:spcBef>
+                        <a:spcAft>
+                          <a:spcPct val="0"/>
+                        </a:spcAft>
+                        <a:buClr>
+                          <a:schemeClr val="accent1"/>
+                        </a:buClr>
+                        <a:buSzPct val="50000"/>
+                        <a:buFont typeface="Wingdings" panose="05000000000000000000" pitchFamily="2" charset="2"/>
+                        <a:defRPr kumimoji="1">
+                          <a:solidFill>
+                            <a:schemeClr val="tx1"/>
+                          </a:solidFill>
+                          <a:latin typeface="굴림" panose="020B0600000101010101" pitchFamily="50" charset="-127"/>
+                          <a:ea typeface="굴림" panose="020B0600000101010101" pitchFamily="50" charset="-127"/>
+                        </a:defRPr>
+                      </a:lvl8pPr>
+                      <a:lvl9pPr fontAlgn="base">
+                        <a:spcBef>
+                          <a:spcPct val="20000"/>
+                        </a:spcBef>
+                        <a:spcAft>
+                          <a:spcPct val="0"/>
+                        </a:spcAft>
+                        <a:buClr>
+                          <a:schemeClr val="accent1"/>
+                        </a:buClr>
+                        <a:buSzPct val="50000"/>
+                        <a:buFont typeface="Wingdings" panose="05000000000000000000" pitchFamily="2" charset="2"/>
+                        <a:defRPr kumimoji="1">
+                          <a:solidFill>
+                            <a:schemeClr val="tx1"/>
+                          </a:solidFill>
+                          <a:latin typeface="굴림" panose="020B0600000101010101" pitchFamily="50" charset="-127"/>
+                          <a:ea typeface="굴림" panose="020B0600000101010101" pitchFamily="50" charset="-127"/>
+                        </a:defRPr>
+                      </a:lvl9pPr>
+                    </a:lstStyle>
+                    <a:p>
+                      <a:pPr marL="0" marR="0" lvl="0" indent="0" algn="l" defTabSz="914400" rtl="0" eaLnBrk="1" fontAlgn="base" latinLnBrk="1" hangingPunct="1">
+                        <a:lnSpc>
+                          <a:spcPct val="100000"/>
+                        </a:lnSpc>
+                        <a:spcBef>
+                          <a:spcPct val="20000"/>
+                        </a:spcBef>
+                        <a:spcAft>
+                          <a:spcPct val="0"/>
+                        </a:spcAft>
+                        <a:buClr>
+                          <a:schemeClr val="folHlink"/>
+                        </a:buClr>
+                        <a:buSzPct val="60000"/>
+                        <a:buFont typeface="Wingdings" panose="05000000000000000000" pitchFamily="2" charset="2"/>
+                        <a:buNone/>
+                        <a:tabLst/>
+                      </a:pPr>
+                      <a:r>
+                        <a:rPr kumimoji="1" lang="ko-KR" altLang="en-US" sz="1200" b="0" i="0" u="none" strike="noStrike" cap="none" normalizeH="0" baseline="0" dirty="0" smtClean="0">
+                          <a:ln>
+                            <a:noFill/>
+                          </a:ln>
+                          <a:solidFill>
+                            <a:schemeClr val="tx1"/>
+                          </a:solidFill>
+                          <a:effectLst/>
+                          <a:latin typeface="굴림" panose="020B0600000101010101" pitchFamily="50" charset="-127"/>
+                          <a:ea typeface="굴림" panose="020B0600000101010101" pitchFamily="50" charset="-127"/>
+                        </a:rPr>
+                        <a:t>시작</a:t>
+                      </a:r>
+                      <a:r>
+                        <a:rPr kumimoji="1" lang="en-US" altLang="ko-KR" sz="1200" b="0" i="0" u="none" strike="noStrike" cap="none" normalizeH="0" baseline="0" dirty="0" smtClean="0">
+                          <a:ln>
+                            <a:noFill/>
+                          </a:ln>
+                          <a:solidFill>
+                            <a:schemeClr val="tx1"/>
+                          </a:solidFill>
+                          <a:effectLst/>
+                          <a:latin typeface="굴림" panose="020B0600000101010101" pitchFamily="50" charset="-127"/>
+                          <a:ea typeface="굴림" panose="020B0600000101010101" pitchFamily="50" charset="-127"/>
+                        </a:rPr>
+                        <a:t>()</a:t>
+                      </a:r>
+                    </a:p>
+                    <a:p>
+                      <a:pPr marL="0" marR="0" lvl="0" indent="0" algn="l" defTabSz="914400" rtl="0" eaLnBrk="1" fontAlgn="base" latinLnBrk="1" hangingPunct="1">
+                        <a:lnSpc>
+                          <a:spcPct val="100000"/>
+                        </a:lnSpc>
+                        <a:spcBef>
+                          <a:spcPct val="20000"/>
+                        </a:spcBef>
+                        <a:spcAft>
+                          <a:spcPct val="0"/>
+                        </a:spcAft>
+                        <a:buClr>
+                          <a:schemeClr val="folHlink"/>
+                        </a:buClr>
+                        <a:buSzPct val="60000"/>
+                        <a:buFont typeface="Wingdings" panose="05000000000000000000" pitchFamily="2" charset="2"/>
+                        <a:buNone/>
+                        <a:tabLst/>
+                      </a:pPr>
+                      <a:r>
+                        <a:rPr kumimoji="1" lang="ko-KR" altLang="en-US" sz="1200" b="0" i="0" u="none" strike="noStrike" cap="none" normalizeH="0" baseline="0" dirty="0" smtClean="0">
+                          <a:ln>
+                            <a:noFill/>
+                          </a:ln>
+                          <a:solidFill>
+                            <a:schemeClr val="tx1"/>
+                          </a:solidFill>
+                          <a:effectLst/>
+                          <a:latin typeface="굴림" panose="020B0600000101010101" pitchFamily="50" charset="-127"/>
+                          <a:ea typeface="굴림" panose="020B0600000101010101" pitchFamily="50" charset="-127"/>
+                        </a:rPr>
+                        <a:t>일시 정지</a:t>
+                      </a:r>
+                      <a:r>
+                        <a:rPr kumimoji="1" lang="en-US" altLang="ko-KR" sz="1200" b="0" i="0" u="none" strike="noStrike" cap="none" normalizeH="0" baseline="0" dirty="0" smtClean="0">
+                          <a:ln>
+                            <a:noFill/>
+                          </a:ln>
+                          <a:solidFill>
+                            <a:schemeClr val="tx1"/>
+                          </a:solidFill>
+                          <a:effectLst/>
+                          <a:latin typeface="굴림" panose="020B0600000101010101" pitchFamily="50" charset="-127"/>
+                          <a:ea typeface="굴림" panose="020B0600000101010101" pitchFamily="50" charset="-127"/>
+                        </a:rPr>
+                        <a:t>()</a:t>
+                      </a:r>
+                    </a:p>
+                    <a:p>
+                      <a:pPr marL="0" marR="0" lvl="0" indent="0" algn="l" defTabSz="914400" rtl="0" eaLnBrk="1" fontAlgn="base" latinLnBrk="1" hangingPunct="1">
+                        <a:lnSpc>
+                          <a:spcPct val="100000"/>
+                        </a:lnSpc>
+                        <a:spcBef>
+                          <a:spcPct val="20000"/>
+                        </a:spcBef>
+                        <a:spcAft>
+                          <a:spcPct val="0"/>
+                        </a:spcAft>
+                        <a:buClr>
+                          <a:schemeClr val="folHlink"/>
+                        </a:buClr>
+                        <a:buSzPct val="60000"/>
+                        <a:buFont typeface="Wingdings" panose="05000000000000000000" pitchFamily="2" charset="2"/>
+                        <a:buNone/>
+                        <a:tabLst/>
+                      </a:pPr>
+                      <a:r>
+                        <a:rPr kumimoji="1" lang="ko-KR" altLang="en-US" sz="1200" b="0" i="0" u="none" strike="noStrike" cap="none" normalizeH="0" baseline="0" dirty="0" smtClean="0">
+                          <a:ln>
+                            <a:noFill/>
+                          </a:ln>
+                          <a:solidFill>
+                            <a:schemeClr val="tx1"/>
+                          </a:solidFill>
+                          <a:effectLst/>
+                          <a:latin typeface="굴림" panose="020B0600000101010101" pitchFamily="50" charset="-127"/>
+                          <a:ea typeface="굴림" panose="020B0600000101010101" pitchFamily="50" charset="-127"/>
+                        </a:rPr>
+                        <a:t>중지</a:t>
+                      </a:r>
+                      <a:r>
+                        <a:rPr kumimoji="1" lang="en-US" altLang="ko-KR" sz="1200" b="0" i="0" u="none" strike="noStrike" cap="none" normalizeH="0" baseline="0" dirty="0" smtClean="0">
+                          <a:ln>
+                            <a:noFill/>
+                          </a:ln>
+                          <a:solidFill>
+                            <a:schemeClr val="tx1"/>
+                          </a:solidFill>
+                          <a:effectLst/>
+                          <a:latin typeface="굴림" panose="020B0600000101010101" pitchFamily="50" charset="-127"/>
+                          <a:ea typeface="굴림" panose="020B0600000101010101" pitchFamily="50" charset="-127"/>
+                        </a:rPr>
+                        <a:t>()</a:t>
+                      </a:r>
+                      <a:endParaRPr kumimoji="1" lang="en-US" altLang="ko-KR" sz="1200" b="0" i="0" u="none" strike="noStrike" cap="none" normalizeH="0" baseline="0" dirty="0" smtClean="0">
+                        <a:ln>
+                          <a:noFill/>
+                        </a:ln>
+                        <a:solidFill>
+                          <a:schemeClr val="tx1"/>
+                        </a:solidFill>
+                        <a:effectLst/>
+                        <a:latin typeface="굴림" panose="020B0600000101010101" pitchFamily="50" charset="-127"/>
+                        <a:ea typeface="굴림" panose="020B0600000101010101" pitchFamily="50" charset="-127"/>
+                      </a:endParaRPr>
+                    </a:p>
+                  </a:txBody>
+                  <a:tcPr horzOverflow="overflow">
+                    <a:lnL w="28575" cap="flat" cmpd="sng" algn="ctr">
+                      <a:solidFill>
+                        <a:schemeClr val="tx1"/>
+                      </a:solidFill>
+                      <a:prstDash val="solid"/>
+                      <a:miter lim="800000"/>
+                      <a:headEnd type="none" w="med" len="med"/>
+                      <a:tailEnd type="none" w="med" len="med"/>
+                    </a:lnL>
+                    <a:lnR w="28575" cap="flat" cmpd="sng" algn="ctr">
+                      <a:solidFill>
+                        <a:schemeClr val="tx1"/>
+                      </a:solidFill>
+                      <a:prstDash val="solid"/>
+                      <a:miter lim="800000"/>
+                      <a:headEnd type="none" w="med" len="med"/>
+                      <a:tailEnd type="none" w="med" len="med"/>
+                    </a:lnR>
+                    <a:lnT w="12700" cap="flat" cmpd="sng" algn="ctr">
+                      <a:solidFill>
+                        <a:schemeClr val="tx1"/>
+                      </a:solidFill>
+                      <a:prstDash val="solid"/>
+                      <a:miter lim="800000"/>
+                      <a:headEnd type="none" w="med" len="med"/>
+                      <a:tailEnd type="none" w="med" len="med"/>
+                    </a:lnT>
+                    <a:lnB w="28575" cap="flat" cmpd="sng" algn="ctr">
+                      <a:solidFill>
+                        <a:schemeClr val="tx1"/>
+                      </a:solidFill>
+                      <a:prstDash val="solid"/>
+                      <a:miter lim="800000"/>
+                      <a:headEnd type="none" w="med" len="med"/>
+                      <a:tailEnd type="none" w="med" len="med"/>
+                    </a:lnB>
+                    <a:lnTlToBr>
+                      <a:noFill/>
+                    </a:lnTlToBr>
+                    <a:lnBlToTr>
+                      <a:noFill/>
+                    </a:lnBlToTr>
+                    <a:noFill/>
+                  </a:tcPr>
+                </a:tc>
+                <a:extLst>
+                  <a:ext uri="{0D108BD9-81ED-4DB2-BD59-A6C34878D82A}">
+                    <a16:rowId xmlns:a16="http://schemas.microsoft.com/office/drawing/2014/main" xmlns="" val="2030210401"/>
+                  </a:ext>
+                </a:extLst>
+              </a:tr>
+            </a:tbl>
+          </a:graphicData>
+        </a:graphic>
+      </p:graphicFrame>
+      <p:graphicFrame>
+        <p:nvGraphicFramePr>
+          <p:cNvPr id="5" name="Group 50"/>
+          <p:cNvGraphicFramePr>
+            <a:graphicFrameLocks noGrp="1"/>
+          </p:cNvGraphicFramePr>
+          <p:nvPr>
+            <p:extLst>
+              <p:ext uri="{D42A27DB-BD31-4B8C-83A1-F6EECF244321}">
+                <p14:modId xmlns:p14="http://schemas.microsoft.com/office/powerpoint/2010/main" val="1194608559"/>
+              </p:ext>
+            </p:extLst>
+          </p:nvPr>
+        </p:nvGraphicFramePr>
+        <p:xfrm>
+          <a:off x="2658208" y="2110154"/>
+          <a:ext cx="1600200" cy="2338488"/>
+        </p:xfrm>
+        <a:graphic>
+          <a:graphicData uri="http://schemas.openxmlformats.org/drawingml/2006/table">
+            <a:tbl>
+              <a:tblPr/>
+              <a:tblGrid>
+                <a:gridCol w="1600200">
+                  <a:extLst>
+                    <a:ext uri="{9D8B030D-6E8A-4147-A177-3AD203B41FA5}">
+                      <a16:colId xmlns:a16="http://schemas.microsoft.com/office/drawing/2014/main" xmlns="" val="3663777183"/>
+                    </a:ext>
+                  </a:extLst>
+                </a:gridCol>
+              </a:tblGrid>
+              <a:tr h="228600">
+                <a:tc>
+                  <a:txBody>
+                    <a:bodyPr/>
+                    <a:lstStyle>
+                      <a:lvl1pPr algn="l">
+                        <a:spcBef>
+                          <a:spcPct val="20000"/>
+                        </a:spcBef>
+                        <a:buClr>
+                          <a:schemeClr val="folHlink"/>
+                        </a:buClr>
+                        <a:buSzPct val="60000"/>
+                        <a:buFont typeface="Wingdings" panose="05000000000000000000" pitchFamily="2" charset="2"/>
+                        <a:defRPr kumimoji="1" sz="2800">
+                          <a:solidFill>
+                            <a:schemeClr val="tx1"/>
+                          </a:solidFill>
+                          <a:latin typeface="굴림" panose="020B0600000101010101" pitchFamily="50" charset="-127"/>
+                          <a:ea typeface="굴림" panose="020B0600000101010101" pitchFamily="50" charset="-127"/>
+                        </a:defRPr>
+                      </a:lvl1pPr>
+                      <a:lvl2pPr algn="l">
+                        <a:spcBef>
+                          <a:spcPct val="20000"/>
+                        </a:spcBef>
+                        <a:buClr>
+                          <a:schemeClr val="hlink"/>
+                        </a:buClr>
+                        <a:buSzPct val="55000"/>
+                        <a:buFont typeface="Wingdings" panose="05000000000000000000" pitchFamily="2" charset="2"/>
+                        <a:defRPr kumimoji="1" sz="2400">
+                          <a:solidFill>
+                            <a:schemeClr val="tx1"/>
+                          </a:solidFill>
+                          <a:latin typeface="굴림" panose="020B0600000101010101" pitchFamily="50" charset="-127"/>
+                          <a:ea typeface="굴림" panose="020B0600000101010101" pitchFamily="50" charset="-127"/>
+                        </a:defRPr>
+                      </a:lvl2pPr>
+                      <a:lvl3pPr algn="l">
+                        <a:spcBef>
+                          <a:spcPct val="20000"/>
+                        </a:spcBef>
+                        <a:buClr>
+                          <a:schemeClr val="folHlink"/>
+                        </a:buClr>
+                        <a:buSzPct val="50000"/>
+                        <a:buFont typeface="Wingdings" panose="05000000000000000000" pitchFamily="2" charset="2"/>
+                        <a:defRPr kumimoji="1" sz="2000">
+                          <a:solidFill>
+                            <a:schemeClr val="tx1"/>
+                          </a:solidFill>
+                          <a:latin typeface="굴림" panose="020B0600000101010101" pitchFamily="50" charset="-127"/>
+                          <a:ea typeface="굴림" panose="020B0600000101010101" pitchFamily="50" charset="-127"/>
+                        </a:defRPr>
+                      </a:lvl3pPr>
+                      <a:lvl4pPr algn="l">
+                        <a:spcBef>
+                          <a:spcPct val="20000"/>
+                        </a:spcBef>
+                        <a:buClr>
+                          <a:schemeClr val="accent2"/>
+                        </a:buClr>
+                        <a:buSzPct val="55000"/>
+                        <a:buFont typeface="Wingdings" panose="05000000000000000000" pitchFamily="2" charset="2"/>
+                        <a:defRPr kumimoji="1">
+                          <a:solidFill>
+                            <a:schemeClr val="tx1"/>
+                          </a:solidFill>
+                          <a:latin typeface="굴림" panose="020B0600000101010101" pitchFamily="50" charset="-127"/>
+                          <a:ea typeface="굴림" panose="020B0600000101010101" pitchFamily="50" charset="-127"/>
+                        </a:defRPr>
+                      </a:lvl4pPr>
+                      <a:lvl5pPr algn="l">
+                        <a:spcBef>
+                          <a:spcPct val="20000"/>
+                        </a:spcBef>
+                        <a:buClr>
+                          <a:schemeClr val="accent1"/>
+                        </a:buClr>
+                        <a:buSzPct val="50000"/>
+                        <a:buFont typeface="Wingdings" panose="05000000000000000000" pitchFamily="2" charset="2"/>
+                        <a:defRPr kumimoji="1">
+                          <a:solidFill>
+                            <a:schemeClr val="tx1"/>
+                          </a:solidFill>
+                          <a:latin typeface="굴림" panose="020B0600000101010101" pitchFamily="50" charset="-127"/>
+                          <a:ea typeface="굴림" panose="020B0600000101010101" pitchFamily="50" charset="-127"/>
+                        </a:defRPr>
+                      </a:lvl5pPr>
+                      <a:lvl6pPr fontAlgn="base">
+                        <a:spcBef>
+                          <a:spcPct val="20000"/>
+                        </a:spcBef>
+                        <a:spcAft>
+                          <a:spcPct val="0"/>
+                        </a:spcAft>
+                        <a:buClr>
+                          <a:schemeClr val="accent1"/>
+                        </a:buClr>
+                        <a:buSzPct val="50000"/>
+                        <a:buFont typeface="Wingdings" panose="05000000000000000000" pitchFamily="2" charset="2"/>
+                        <a:defRPr kumimoji="1">
+                          <a:solidFill>
+                            <a:schemeClr val="tx1"/>
+                          </a:solidFill>
+                          <a:latin typeface="굴림" panose="020B0600000101010101" pitchFamily="50" charset="-127"/>
+                          <a:ea typeface="굴림" panose="020B0600000101010101" pitchFamily="50" charset="-127"/>
+                        </a:defRPr>
+                      </a:lvl6pPr>
+                      <a:lvl7pPr fontAlgn="base">
+                        <a:spcBef>
+                          <a:spcPct val="20000"/>
+                        </a:spcBef>
+                        <a:spcAft>
+                          <a:spcPct val="0"/>
+                        </a:spcAft>
+                        <a:buClr>
+                          <a:schemeClr val="accent1"/>
+                        </a:buClr>
+                        <a:buSzPct val="50000"/>
+                        <a:buFont typeface="Wingdings" panose="05000000000000000000" pitchFamily="2" charset="2"/>
+                        <a:defRPr kumimoji="1">
+                          <a:solidFill>
+                            <a:schemeClr val="tx1"/>
+                          </a:solidFill>
+                          <a:latin typeface="굴림" panose="020B0600000101010101" pitchFamily="50" charset="-127"/>
+                          <a:ea typeface="굴림" panose="020B0600000101010101" pitchFamily="50" charset="-127"/>
+                        </a:defRPr>
+                      </a:lvl7pPr>
+                      <a:lvl8pPr fontAlgn="base">
+                        <a:spcBef>
+                          <a:spcPct val="20000"/>
+                        </a:spcBef>
+                        <a:spcAft>
+                          <a:spcPct val="0"/>
+                        </a:spcAft>
+                        <a:buClr>
+                          <a:schemeClr val="accent1"/>
+                        </a:buClr>
+                        <a:buSzPct val="50000"/>
+                        <a:buFont typeface="Wingdings" panose="05000000000000000000" pitchFamily="2" charset="2"/>
+                        <a:defRPr kumimoji="1">
+                          <a:solidFill>
+                            <a:schemeClr val="tx1"/>
+                          </a:solidFill>
+                          <a:latin typeface="굴림" panose="020B0600000101010101" pitchFamily="50" charset="-127"/>
+                          <a:ea typeface="굴림" panose="020B0600000101010101" pitchFamily="50" charset="-127"/>
+                        </a:defRPr>
+                      </a:lvl8pPr>
+                      <a:lvl9pPr fontAlgn="base">
+                        <a:spcBef>
+                          <a:spcPct val="20000"/>
+                        </a:spcBef>
+                        <a:spcAft>
+                          <a:spcPct val="0"/>
+                        </a:spcAft>
+                        <a:buClr>
+                          <a:schemeClr val="accent1"/>
+                        </a:buClr>
+                        <a:buSzPct val="50000"/>
+                        <a:buFont typeface="Wingdings" panose="05000000000000000000" pitchFamily="2" charset="2"/>
+                        <a:defRPr kumimoji="1">
+                          <a:solidFill>
+                            <a:schemeClr val="tx1"/>
+                          </a:solidFill>
+                          <a:latin typeface="굴림" panose="020B0600000101010101" pitchFamily="50" charset="-127"/>
+                          <a:ea typeface="굴림" panose="020B0600000101010101" pitchFamily="50" charset="-127"/>
+                        </a:defRPr>
+                      </a:lvl9pPr>
+                    </a:lstStyle>
+                    <a:p>
+                      <a:pPr marL="0" marR="0" lvl="0" indent="0" algn="ctr" defTabSz="914400" rtl="0" eaLnBrk="1" fontAlgn="base" latinLnBrk="1" hangingPunct="1">
+                        <a:lnSpc>
+                          <a:spcPct val="100000"/>
+                        </a:lnSpc>
+                        <a:spcBef>
+                          <a:spcPct val="20000"/>
+                        </a:spcBef>
+                        <a:spcAft>
+                          <a:spcPct val="0"/>
+                        </a:spcAft>
+                        <a:buClr>
+                          <a:schemeClr val="folHlink"/>
+                        </a:buClr>
+                        <a:buSzPct val="60000"/>
+                        <a:buFont typeface="Wingdings" panose="05000000000000000000" pitchFamily="2" charset="2"/>
+                        <a:buNone/>
+                        <a:tabLst/>
+                      </a:pPr>
+                      <a:r>
+                        <a:rPr kumimoji="1" lang="ko-KR" altLang="en-US" sz="1400" b="0" i="0" u="none" strike="noStrike" cap="none" normalizeH="0" baseline="0" dirty="0" smtClean="0">
+                          <a:ln>
+                            <a:noFill/>
+                          </a:ln>
+                          <a:solidFill>
+                            <a:schemeClr val="hlink"/>
+                          </a:solidFill>
+                          <a:effectLst/>
+                          <a:latin typeface="굴림" panose="020B0600000101010101" pitchFamily="50" charset="-127"/>
+                          <a:ea typeface="굴림" panose="020B0600000101010101" pitchFamily="50" charset="-127"/>
+                        </a:rPr>
+                        <a:t>시간 관리자</a:t>
+                      </a:r>
+                      <a:endParaRPr kumimoji="1" lang="en-US" altLang="ko-KR" sz="1400" b="0" i="0" u="none" strike="noStrike" cap="none" normalizeH="0" baseline="0" dirty="0" smtClean="0">
+                        <a:ln>
+                          <a:noFill/>
+                        </a:ln>
+                        <a:solidFill>
+                          <a:schemeClr val="hlink"/>
+                        </a:solidFill>
+                        <a:effectLst/>
+                        <a:latin typeface="굴림" panose="020B0600000101010101" pitchFamily="50" charset="-127"/>
+                        <a:ea typeface="굴림" panose="020B0600000101010101" pitchFamily="50" charset="-127"/>
+                      </a:endParaRPr>
+                    </a:p>
+                    <a:p>
+                      <a:pPr marL="0" marR="0" lvl="0" indent="0" algn="ctr" defTabSz="914400" rtl="0" eaLnBrk="1" fontAlgn="base" latinLnBrk="1" hangingPunct="1">
+                        <a:lnSpc>
+                          <a:spcPct val="100000"/>
+                        </a:lnSpc>
+                        <a:spcBef>
+                          <a:spcPct val="20000"/>
+                        </a:spcBef>
+                        <a:spcAft>
+                          <a:spcPct val="0"/>
+                        </a:spcAft>
+                        <a:buClr>
+                          <a:schemeClr val="folHlink"/>
+                        </a:buClr>
+                        <a:buSzPct val="60000"/>
+                        <a:buFont typeface="Wingdings" panose="05000000000000000000" pitchFamily="2" charset="2"/>
+                        <a:buNone/>
+                        <a:tabLst/>
+                      </a:pPr>
+                      <a:r>
+                        <a:rPr kumimoji="1" lang="en-US" altLang="ko-KR" sz="1400" b="0" i="0" u="none" strike="noStrike" cap="none" normalizeH="0" baseline="0" dirty="0" smtClean="0">
+                          <a:ln>
+                            <a:noFill/>
+                          </a:ln>
+                          <a:solidFill>
+                            <a:schemeClr val="hlink"/>
+                          </a:solidFill>
+                          <a:effectLst/>
+                          <a:latin typeface="굴림" panose="020B0600000101010101" pitchFamily="50" charset="-127"/>
+                          <a:ea typeface="굴림" panose="020B0600000101010101" pitchFamily="50" charset="-127"/>
+                        </a:rPr>
+                        <a:t>: </a:t>
+                      </a:r>
+                      <a:r>
+                        <a:rPr kumimoji="1" lang="ko-KR" altLang="en-US" sz="1400" b="0" i="0" u="none" strike="noStrike" cap="none" normalizeH="0" baseline="0" dirty="0" smtClean="0">
+                          <a:ln>
+                            <a:noFill/>
+                          </a:ln>
+                          <a:solidFill>
+                            <a:schemeClr val="hlink"/>
+                          </a:solidFill>
+                          <a:effectLst/>
+                          <a:latin typeface="굴림" panose="020B0600000101010101" pitchFamily="50" charset="-127"/>
+                          <a:ea typeface="굴림" panose="020B0600000101010101" pitchFamily="50" charset="-127"/>
+                        </a:rPr>
+                        <a:t>무슨 </a:t>
+                      </a:r>
+                      <a:r>
+                        <a:rPr kumimoji="1" lang="ko-KR" altLang="en-US" sz="1400" b="0" i="0" u="none" strike="noStrike" cap="none" normalizeH="0" baseline="0" dirty="0" smtClean="0">
+                          <a:ln>
+                            <a:noFill/>
+                          </a:ln>
+                          <a:solidFill>
+                            <a:schemeClr val="hlink"/>
+                          </a:solidFill>
+                          <a:effectLst/>
+                          <a:latin typeface="굴림" panose="020B0600000101010101" pitchFamily="50" charset="-127"/>
+                          <a:ea typeface="굴림" panose="020B0600000101010101" pitchFamily="50" charset="-127"/>
+                        </a:rPr>
+                        <a:t>작업을 얼마만큼 세는지 알려주는 역할</a:t>
+                      </a:r>
+                    </a:p>
+                  </a:txBody>
+                  <a:tcPr horzOverflow="overflow">
+                    <a:lnL w="28575" cap="flat" cmpd="sng" algn="ctr">
+                      <a:solidFill>
+                        <a:schemeClr val="tx1"/>
+                      </a:solidFill>
+                      <a:prstDash val="solid"/>
+                      <a:miter lim="800000"/>
+                      <a:headEnd type="none" w="med" len="med"/>
+                      <a:tailEnd type="none" w="med" len="med"/>
+                    </a:lnL>
+                    <a:lnR w="28575" cap="flat" cmpd="sng" algn="ctr">
+                      <a:solidFill>
+                        <a:schemeClr val="tx1"/>
+                      </a:solidFill>
+                      <a:prstDash val="solid"/>
+                      <a:miter lim="800000"/>
+                      <a:headEnd type="none" w="med" len="med"/>
+                      <a:tailEnd type="none" w="med" len="med"/>
+                    </a:lnR>
+                    <a:lnT w="28575" cap="flat" cmpd="sng" algn="ctr">
+                      <a:solidFill>
+                        <a:schemeClr val="tx1"/>
+                      </a:solidFill>
+                      <a:prstDash val="solid"/>
+                      <a:miter lim="800000"/>
+                      <a:headEnd type="none" w="med" len="med"/>
+                      <a:tailEnd type="none" w="med" len="med"/>
+                    </a:lnT>
+                    <a:lnB w="12700" cap="flat" cmpd="sng" algn="ctr">
+                      <a:solidFill>
+                        <a:schemeClr val="tx1"/>
+                      </a:solidFill>
+                      <a:prstDash val="solid"/>
+                      <a:miter lim="800000"/>
+                      <a:headEnd type="none" w="med" len="med"/>
+                      <a:tailEnd type="none" w="med" len="med"/>
+                    </a:lnB>
+                    <a:lnTlToBr>
+                      <a:noFill/>
+                    </a:lnTlToBr>
+                    <a:lnBlToTr>
+                      <a:noFill/>
+                    </a:lnBlToTr>
+                    <a:noFill/>
+                  </a:tcPr>
+                </a:tc>
+                <a:extLst>
+                  <a:ext uri="{0D108BD9-81ED-4DB2-BD59-A6C34878D82A}">
+                    <a16:rowId xmlns:a16="http://schemas.microsoft.com/office/drawing/2014/main" xmlns="" val="1900242369"/>
+                  </a:ext>
+                </a:extLst>
+              </a:tr>
+              <a:tr h="482256">
                 <a:tc>
                   <a:txBody>
                     <a:bodyPr/>
@@ -4778,7 +5545,209 @@
                 </a:tc>
                 <a:extLst>
                   <a:ext uri="{0D108BD9-81ED-4DB2-BD59-A6C34878D82A}">
-                    <a16:rowId xmlns:a16="http://schemas.microsoft.com/office/drawing/2014/main" val="2030210401"/>
+                    <a16:rowId xmlns:a16="http://schemas.microsoft.com/office/drawing/2014/main" xmlns="" val="3840145327"/>
+                  </a:ext>
+                </a:extLst>
+              </a:tr>
+              <a:tr h="868680">
+                <a:tc>
+                  <a:txBody>
+                    <a:bodyPr/>
+                    <a:lstStyle/>
+                    <a:p>
+                      <a:pPr marL="0" marR="0" lvl="0" indent="0" algn="l" defTabSz="914400" rtl="0" eaLnBrk="1" fontAlgn="base" latinLnBrk="1" hangingPunct="1">
+                        <a:lnSpc>
+                          <a:spcPct val="100000"/>
+                        </a:lnSpc>
+                        <a:spcBef>
+                          <a:spcPct val="20000"/>
+                        </a:spcBef>
+                        <a:spcAft>
+                          <a:spcPct val="0"/>
+                        </a:spcAft>
+                        <a:buClr>
+                          <a:schemeClr val="folHlink"/>
+                        </a:buClr>
+                        <a:buSzPct val="60000"/>
+                        <a:buFont typeface="Wingdings" panose="05000000000000000000" pitchFamily="2" charset="2"/>
+                        <a:buNone/>
+                        <a:tabLst/>
+                      </a:pPr>
+                      <a:r>
+                        <a:rPr kumimoji="1" lang="ko-KR" altLang="en-US" sz="1200" b="0" i="0" u="none" strike="noStrike" cap="none" normalizeH="0" baseline="0" dirty="0" smtClean="0">
+                          <a:ln>
+                            <a:noFill/>
+                          </a:ln>
+                          <a:solidFill>
+                            <a:schemeClr val="tx1"/>
+                          </a:solidFill>
+                          <a:effectLst/>
+                          <a:latin typeface="굴림" panose="020B0600000101010101" pitchFamily="50" charset="-127"/>
+                          <a:ea typeface="굴림" panose="020B0600000101010101" pitchFamily="50" charset="-127"/>
+                        </a:rPr>
+                        <a:t>작업 타입 구분</a:t>
+                      </a:r>
+                      <a:r>
+                        <a:rPr kumimoji="1" lang="en-US" altLang="ko-KR" sz="1200" b="0" i="0" u="none" strike="noStrike" cap="none" normalizeH="0" baseline="0" dirty="0" smtClean="0">
+                          <a:ln>
+                            <a:noFill/>
+                          </a:ln>
+                          <a:solidFill>
+                            <a:schemeClr val="tx1"/>
+                          </a:solidFill>
+                          <a:effectLst/>
+                          <a:latin typeface="굴림" panose="020B0600000101010101" pitchFamily="50" charset="-127"/>
+                          <a:ea typeface="굴림" panose="020B0600000101010101" pitchFamily="50" charset="-127"/>
+                        </a:rPr>
+                        <a:t>()</a:t>
+                      </a:r>
+                    </a:p>
+                    <a:p>
+                      <a:pPr marL="0" marR="0" lvl="0" indent="0" algn="l" defTabSz="914400" rtl="0" eaLnBrk="1" fontAlgn="base" latinLnBrk="1" hangingPunct="1">
+                        <a:lnSpc>
+                          <a:spcPct val="100000"/>
+                        </a:lnSpc>
+                        <a:spcBef>
+                          <a:spcPct val="20000"/>
+                        </a:spcBef>
+                        <a:spcAft>
+                          <a:spcPct val="0"/>
+                        </a:spcAft>
+                        <a:buClr>
+                          <a:schemeClr val="folHlink"/>
+                        </a:buClr>
+                        <a:buSzPct val="60000"/>
+                        <a:buFont typeface="Wingdings" panose="05000000000000000000" pitchFamily="2" charset="2"/>
+                        <a:buNone/>
+                        <a:tabLst/>
+                      </a:pPr>
+                      <a:r>
+                        <a:rPr kumimoji="1" lang="ko-KR" altLang="en-US" sz="1200" b="0" i="0" u="none" strike="noStrike" cap="none" normalizeH="0" baseline="0" dirty="0" smtClean="0">
+                          <a:ln>
+                            <a:noFill/>
+                          </a:ln>
+                          <a:solidFill>
+                            <a:schemeClr val="tx1"/>
+                          </a:solidFill>
+                          <a:effectLst/>
+                          <a:latin typeface="굴림" panose="020B0600000101010101" pitchFamily="50" charset="-127"/>
+                          <a:ea typeface="굴림" panose="020B0600000101010101" pitchFamily="50" charset="-127"/>
+                        </a:rPr>
+                        <a:t>일시 정지</a:t>
+                      </a:r>
+                      <a:r>
+                        <a:rPr kumimoji="1" lang="en-US" altLang="ko-KR" sz="1200" b="0" i="0" u="none" strike="noStrike" cap="none" normalizeH="0" baseline="0" dirty="0" smtClean="0">
+                          <a:ln>
+                            <a:noFill/>
+                          </a:ln>
+                          <a:solidFill>
+                            <a:schemeClr val="tx1"/>
+                          </a:solidFill>
+                          <a:effectLst/>
+                          <a:latin typeface="굴림" panose="020B0600000101010101" pitchFamily="50" charset="-127"/>
+                          <a:ea typeface="굴림" panose="020B0600000101010101" pitchFamily="50" charset="-127"/>
+                        </a:rPr>
+                        <a:t>()</a:t>
+                      </a:r>
+                    </a:p>
+                    <a:p>
+                      <a:pPr marL="0" marR="0" lvl="0" indent="0" algn="l" defTabSz="914400" rtl="0" eaLnBrk="1" fontAlgn="base" latinLnBrk="1" hangingPunct="1">
+                        <a:lnSpc>
+                          <a:spcPct val="100000"/>
+                        </a:lnSpc>
+                        <a:spcBef>
+                          <a:spcPct val="20000"/>
+                        </a:spcBef>
+                        <a:spcAft>
+                          <a:spcPct val="0"/>
+                        </a:spcAft>
+                        <a:buClr>
+                          <a:schemeClr val="folHlink"/>
+                        </a:buClr>
+                        <a:buSzPct val="60000"/>
+                        <a:buFont typeface="Wingdings" panose="05000000000000000000" pitchFamily="2" charset="2"/>
+                        <a:buNone/>
+                        <a:tabLst/>
+                      </a:pPr>
+                      <a:r>
+                        <a:rPr kumimoji="1" lang="ko-KR" altLang="en-US" sz="1200" b="0" i="0" u="none" strike="noStrike" cap="none" normalizeH="0" baseline="0" dirty="0" smtClean="0">
+                          <a:ln>
+                            <a:noFill/>
+                          </a:ln>
+                          <a:solidFill>
+                            <a:schemeClr val="tx1"/>
+                          </a:solidFill>
+                          <a:effectLst/>
+                          <a:latin typeface="굴림" panose="020B0600000101010101" pitchFamily="50" charset="-127"/>
+                          <a:ea typeface="굴림" panose="020B0600000101010101" pitchFamily="50" charset="-127"/>
+                        </a:rPr>
+                        <a:t>중지</a:t>
+                      </a:r>
+                      <a:r>
+                        <a:rPr kumimoji="1" lang="en-US" altLang="ko-KR" sz="1200" b="0" i="0" u="none" strike="noStrike" cap="none" normalizeH="0" baseline="0" dirty="0" smtClean="0">
+                          <a:ln>
+                            <a:noFill/>
+                          </a:ln>
+                          <a:solidFill>
+                            <a:schemeClr val="tx1"/>
+                          </a:solidFill>
+                          <a:effectLst/>
+                          <a:latin typeface="굴림" panose="020B0600000101010101" pitchFamily="50" charset="-127"/>
+                          <a:ea typeface="굴림" panose="020B0600000101010101" pitchFamily="50" charset="-127"/>
+                        </a:rPr>
+                        <a:t>()</a:t>
+                      </a:r>
+                    </a:p>
+                  </a:txBody>
+                  <a:tcPr horzOverflow="overflow">
+                    <a:lnL w="28575" cap="flat" cmpd="sng" algn="ctr">
+                      <a:solidFill>
+                        <a:schemeClr val="tx1"/>
+                      </a:solidFill>
+                      <a:prstDash val="solid"/>
+                      <a:miter lim="800000"/>
+                      <a:headEnd type="none" w="med" len="med"/>
+                      <a:tailEnd type="none" w="med" len="med"/>
+                    </a:lnL>
+                    <a:lnR w="28575" cap="flat" cmpd="sng" algn="ctr">
+                      <a:solidFill>
+                        <a:schemeClr val="tx1"/>
+                      </a:solidFill>
+                      <a:prstDash val="solid"/>
+                      <a:miter lim="800000"/>
+                      <a:headEnd type="none" w="med" len="med"/>
+                      <a:tailEnd type="none" w="med" len="med"/>
+                    </a:lnR>
+                    <a:lnT w="28575" cap="flat" cmpd="sng" algn="ctr">
+                      <a:solidFill>
+                        <a:schemeClr val="tx1"/>
+                      </a:solidFill>
+                      <a:prstDash val="solid"/>
+                      <a:miter lim="800000"/>
+                      <a:headEnd type="none" w="med" len="med"/>
+                      <a:tailEnd type="none" w="med" len="med"/>
+                    </a:lnT>
+                    <a:lnB w="28575" cap="flat" cmpd="sng" algn="ctr">
+                      <a:solidFill>
+                        <a:schemeClr val="tx1"/>
+                      </a:solidFill>
+                      <a:prstDash val="solid"/>
+                      <a:miter lim="800000"/>
+                      <a:headEnd type="none" w="med" len="med"/>
+                      <a:tailEnd type="none" w="med" len="med"/>
+                    </a:lnB>
+                    <a:lnTlToBr>
+                      <a:noFill/>
+                    </a:lnTlToBr>
+                    <a:lnBlToTr>
+                      <a:noFill/>
+                    </a:lnBlToTr>
+                    <a:noFill/>
+                  </a:tcPr>
+                </a:tc>
+                <a:extLst>
+                  <a:ext uri="{0D108BD9-81ED-4DB2-BD59-A6C34878D82A}">
+                    <a16:rowId xmlns:a16="http://schemas.microsoft.com/office/drawing/2014/main" xmlns="" val="976690124"/>
                   </a:ext>
                 </a:extLst>
               </a:tr>
@@ -4788,36 +5757,36 @@
       </p:graphicFrame>
       <p:graphicFrame>
         <p:nvGraphicFramePr>
-          <p:cNvPr id="5" name="Group 50"/>
+          <p:cNvPr id="7" name="Group 24"/>
           <p:cNvGraphicFramePr>
             <a:graphicFrameLocks noGrp="1"/>
           </p:cNvGraphicFramePr>
           <p:nvPr>
             <p:extLst>
               <p:ext uri="{D42A27DB-BD31-4B8C-83A1-F6EECF244321}">
-                <p14:modId xmlns:p14="http://schemas.microsoft.com/office/powerpoint/2010/main" val="1801251800"/>
+                <p14:modId xmlns:p14="http://schemas.microsoft.com/office/powerpoint/2010/main" val="1410004140"/>
               </p:ext>
             </p:extLst>
           </p:nvPr>
         </p:nvGraphicFramePr>
         <p:xfrm>
-          <a:off x="2658208" y="2110154"/>
-          <a:ext cx="1600200" cy="2724912"/>
+          <a:off x="4501661" y="2110154"/>
+          <a:ext cx="1769743" cy="2221865"/>
         </p:xfrm>
         <a:graphic>
           <a:graphicData uri="http://schemas.openxmlformats.org/drawingml/2006/table">
             <a:tbl>
               <a:tblPr/>
               <a:tblGrid>
-                <a:gridCol w="1600200">
+                <a:gridCol w="1769743">
                   <a:extLst>
                     <a:ext uri="{9D8B030D-6E8A-4147-A177-3AD203B41FA5}">
-                      <a16:colId xmlns:a16="http://schemas.microsoft.com/office/drawing/2014/main" val="3663777183"/>
+                      <a16:colId xmlns:a16="http://schemas.microsoft.com/office/drawing/2014/main" xmlns="" val="1446274974"/>
                     </a:ext>
                   </a:extLst>
                 </a:gridCol>
               </a:tblGrid>
-              <a:tr h="228600">
+              <a:tr h="336550">
                 <a:tc>
                   <a:txBody>
                     <a:bodyPr/>
@@ -5019,7 +5988,7 @@
                           <a:latin typeface="굴림" panose="020B0600000101010101" pitchFamily="50" charset="-127"/>
                           <a:ea typeface="굴림" panose="020B0600000101010101" pitchFamily="50" charset="-127"/>
                         </a:rPr>
-                        <a:t>시간 관리자</a:t>
+                        <a:t> 통계관리자</a:t>
                       </a:r>
                       <a:endParaRPr kumimoji="1" lang="en-US" altLang="ko-KR" sz="1400" b="0" i="0" u="none" strike="noStrike" cap="none" normalizeH="0" baseline="0" dirty="0" smtClean="0">
                         <a:ln>
@@ -5064,7 +6033,7 @@
                           <a:latin typeface="굴림" panose="020B0600000101010101" pitchFamily="50" charset="-127"/>
                           <a:ea typeface="굴림" panose="020B0600000101010101" pitchFamily="50" charset="-127"/>
                         </a:rPr>
-                        <a:t>:</a:t>
+                        <a:t>: </a:t>
                       </a:r>
                       <a:r>
                         <a:rPr kumimoji="1" lang="ko-KR" altLang="en-US" sz="1400" b="0" i="0" u="none" strike="noStrike" cap="none" normalizeH="0" baseline="0" dirty="0" smtClean="0">
@@ -5078,7 +6047,21 @@
                           <a:latin typeface="굴림" panose="020B0600000101010101" pitchFamily="50" charset="-127"/>
                           <a:ea typeface="굴림" panose="020B0600000101010101" pitchFamily="50" charset="-127"/>
                         </a:rPr>
-                        <a:t>무슨 작업을 얼마만큼 세는지 알려주는 역할</a:t>
+                        <a:t>카운터가 </a:t>
+                      </a:r>
+                      <a:r>
+                        <a:rPr kumimoji="1" lang="ko-KR" altLang="en-US" sz="1400" b="0" i="0" u="none" strike="noStrike" cap="none" normalizeH="0" baseline="0" dirty="0" smtClean="0">
+                          <a:ln>
+                            <a:noFill/>
+                          </a:ln>
+                          <a:solidFill>
+                            <a:schemeClr val="hlink"/>
+                          </a:solidFill>
+                          <a:effectLst/>
+                          <a:latin typeface="굴림" panose="020B0600000101010101" pitchFamily="50" charset="-127"/>
+                          <a:ea typeface="굴림" panose="020B0600000101010101" pitchFamily="50" charset="-127"/>
+                        </a:rPr>
+                        <a:t>무엇을 어떻게 했는지 기록하는 역할</a:t>
                       </a:r>
                     </a:p>
                   </a:txBody>
@@ -5130,717 +6113,7 @@
                 </a:tc>
                 <a:extLst>
                   <a:ext uri="{0D108BD9-81ED-4DB2-BD59-A6C34878D82A}">
-                    <a16:rowId xmlns:a16="http://schemas.microsoft.com/office/drawing/2014/main" val="1900242369"/>
-                  </a:ext>
-                </a:extLst>
-              </a:tr>
-              <a:tr h="868680">
-                <a:tc>
-                  <a:txBody>
-                    <a:bodyPr/>
-                    <a:lstStyle>
-                      <a:lvl1pPr algn="l">
-                        <a:spcBef>
-                          <a:spcPct val="20000"/>
-                        </a:spcBef>
-                        <a:buClr>
-                          <a:schemeClr val="folHlink"/>
-                        </a:buClr>
-                        <a:buSzPct val="60000"/>
-                        <a:buFont typeface="Wingdings" panose="05000000000000000000" pitchFamily="2" charset="2"/>
-                        <a:defRPr kumimoji="1" sz="2800">
-                          <a:solidFill>
-                            <a:schemeClr val="tx1"/>
-                          </a:solidFill>
-                          <a:latin typeface="굴림" panose="020B0600000101010101" pitchFamily="50" charset="-127"/>
-                          <a:ea typeface="굴림" panose="020B0600000101010101" pitchFamily="50" charset="-127"/>
-                        </a:defRPr>
-                      </a:lvl1pPr>
-                      <a:lvl2pPr algn="l">
-                        <a:spcBef>
-                          <a:spcPct val="20000"/>
-                        </a:spcBef>
-                        <a:buClr>
-                          <a:schemeClr val="hlink"/>
-                        </a:buClr>
-                        <a:buSzPct val="55000"/>
-                        <a:buFont typeface="Wingdings" panose="05000000000000000000" pitchFamily="2" charset="2"/>
-                        <a:defRPr kumimoji="1" sz="2400">
-                          <a:solidFill>
-                            <a:schemeClr val="tx1"/>
-                          </a:solidFill>
-                          <a:latin typeface="굴림" panose="020B0600000101010101" pitchFamily="50" charset="-127"/>
-                          <a:ea typeface="굴림" panose="020B0600000101010101" pitchFamily="50" charset="-127"/>
-                        </a:defRPr>
-                      </a:lvl2pPr>
-                      <a:lvl3pPr algn="l">
-                        <a:spcBef>
-                          <a:spcPct val="20000"/>
-                        </a:spcBef>
-                        <a:buClr>
-                          <a:schemeClr val="folHlink"/>
-                        </a:buClr>
-                        <a:buSzPct val="50000"/>
-                        <a:buFont typeface="Wingdings" panose="05000000000000000000" pitchFamily="2" charset="2"/>
-                        <a:defRPr kumimoji="1" sz="2000">
-                          <a:solidFill>
-                            <a:schemeClr val="tx1"/>
-                          </a:solidFill>
-                          <a:latin typeface="굴림" panose="020B0600000101010101" pitchFamily="50" charset="-127"/>
-                          <a:ea typeface="굴림" panose="020B0600000101010101" pitchFamily="50" charset="-127"/>
-                        </a:defRPr>
-                      </a:lvl3pPr>
-                      <a:lvl4pPr algn="l">
-                        <a:spcBef>
-                          <a:spcPct val="20000"/>
-                        </a:spcBef>
-                        <a:buClr>
-                          <a:schemeClr val="accent2"/>
-                        </a:buClr>
-                        <a:buSzPct val="55000"/>
-                        <a:buFont typeface="Wingdings" panose="05000000000000000000" pitchFamily="2" charset="2"/>
-                        <a:defRPr kumimoji="1">
-                          <a:solidFill>
-                            <a:schemeClr val="tx1"/>
-                          </a:solidFill>
-                          <a:latin typeface="굴림" panose="020B0600000101010101" pitchFamily="50" charset="-127"/>
-                          <a:ea typeface="굴림" panose="020B0600000101010101" pitchFamily="50" charset="-127"/>
-                        </a:defRPr>
-                      </a:lvl4pPr>
-                      <a:lvl5pPr algn="l">
-                        <a:spcBef>
-                          <a:spcPct val="20000"/>
-                        </a:spcBef>
-                        <a:buClr>
-                          <a:schemeClr val="accent1"/>
-                        </a:buClr>
-                        <a:buSzPct val="50000"/>
-                        <a:buFont typeface="Wingdings" panose="05000000000000000000" pitchFamily="2" charset="2"/>
-                        <a:defRPr kumimoji="1">
-                          <a:solidFill>
-                            <a:schemeClr val="tx1"/>
-                          </a:solidFill>
-                          <a:latin typeface="굴림" panose="020B0600000101010101" pitchFamily="50" charset="-127"/>
-                          <a:ea typeface="굴림" panose="020B0600000101010101" pitchFamily="50" charset="-127"/>
-                        </a:defRPr>
-                      </a:lvl5pPr>
-                      <a:lvl6pPr fontAlgn="base">
-                        <a:spcBef>
-                          <a:spcPct val="20000"/>
-                        </a:spcBef>
-                        <a:spcAft>
-                          <a:spcPct val="0"/>
-                        </a:spcAft>
-                        <a:buClr>
-                          <a:schemeClr val="accent1"/>
-                        </a:buClr>
-                        <a:buSzPct val="50000"/>
-                        <a:buFont typeface="Wingdings" panose="05000000000000000000" pitchFamily="2" charset="2"/>
-                        <a:defRPr kumimoji="1">
-                          <a:solidFill>
-                            <a:schemeClr val="tx1"/>
-                          </a:solidFill>
-                          <a:latin typeface="굴림" panose="020B0600000101010101" pitchFamily="50" charset="-127"/>
-                          <a:ea typeface="굴림" panose="020B0600000101010101" pitchFamily="50" charset="-127"/>
-                        </a:defRPr>
-                      </a:lvl6pPr>
-                      <a:lvl7pPr fontAlgn="base">
-                        <a:spcBef>
-                          <a:spcPct val="20000"/>
-                        </a:spcBef>
-                        <a:spcAft>
-                          <a:spcPct val="0"/>
-                        </a:spcAft>
-                        <a:buClr>
-                          <a:schemeClr val="accent1"/>
-                        </a:buClr>
-                        <a:buSzPct val="50000"/>
-                        <a:buFont typeface="Wingdings" panose="05000000000000000000" pitchFamily="2" charset="2"/>
-                        <a:defRPr kumimoji="1">
-                          <a:solidFill>
-                            <a:schemeClr val="tx1"/>
-                          </a:solidFill>
-                          <a:latin typeface="굴림" panose="020B0600000101010101" pitchFamily="50" charset="-127"/>
-                          <a:ea typeface="굴림" panose="020B0600000101010101" pitchFamily="50" charset="-127"/>
-                        </a:defRPr>
-                      </a:lvl7pPr>
-                      <a:lvl8pPr fontAlgn="base">
-                        <a:spcBef>
-                          <a:spcPct val="20000"/>
-                        </a:spcBef>
-                        <a:spcAft>
-                          <a:spcPct val="0"/>
-                        </a:spcAft>
-                        <a:buClr>
-                          <a:schemeClr val="accent1"/>
-                        </a:buClr>
-                        <a:buSzPct val="50000"/>
-                        <a:buFont typeface="Wingdings" panose="05000000000000000000" pitchFamily="2" charset="2"/>
-                        <a:defRPr kumimoji="1">
-                          <a:solidFill>
-                            <a:schemeClr val="tx1"/>
-                          </a:solidFill>
-                          <a:latin typeface="굴림" panose="020B0600000101010101" pitchFamily="50" charset="-127"/>
-                          <a:ea typeface="굴림" panose="020B0600000101010101" pitchFamily="50" charset="-127"/>
-                        </a:defRPr>
-                      </a:lvl8pPr>
-                      <a:lvl9pPr fontAlgn="base">
-                        <a:spcBef>
-                          <a:spcPct val="20000"/>
-                        </a:spcBef>
-                        <a:spcAft>
-                          <a:spcPct val="0"/>
-                        </a:spcAft>
-                        <a:buClr>
-                          <a:schemeClr val="accent1"/>
-                        </a:buClr>
-                        <a:buSzPct val="50000"/>
-                        <a:buFont typeface="Wingdings" panose="05000000000000000000" pitchFamily="2" charset="2"/>
-                        <a:defRPr kumimoji="1">
-                          <a:solidFill>
-                            <a:schemeClr val="tx1"/>
-                          </a:solidFill>
-                          <a:latin typeface="굴림" panose="020B0600000101010101" pitchFamily="50" charset="-127"/>
-                          <a:ea typeface="굴림" panose="020B0600000101010101" pitchFamily="50" charset="-127"/>
-                        </a:defRPr>
-                      </a:lvl9pPr>
-                    </a:lstStyle>
-                    <a:p>
-                      <a:pPr marL="0" marR="0" lvl="0" indent="0" algn="l" defTabSz="914400" rtl="0" eaLnBrk="1" fontAlgn="base" latinLnBrk="1" hangingPunct="1">
-                        <a:lnSpc>
-                          <a:spcPct val="100000"/>
-                        </a:lnSpc>
-                        <a:spcBef>
-                          <a:spcPct val="20000"/>
-                        </a:spcBef>
-                        <a:spcAft>
-                          <a:spcPct val="0"/>
-                        </a:spcAft>
-                        <a:buClr>
-                          <a:schemeClr val="folHlink"/>
-                        </a:buClr>
-                        <a:buSzPct val="60000"/>
-                        <a:buFont typeface="Wingdings" panose="05000000000000000000" pitchFamily="2" charset="2"/>
-                        <a:buNone/>
-                        <a:tabLst/>
-                      </a:pPr>
-                      <a:endParaRPr kumimoji="1" lang="en-US" altLang="ko-KR" sz="1200" b="0" i="0" u="none" strike="noStrike" cap="none" normalizeH="0" baseline="0" dirty="0" smtClean="0">
-                        <a:ln>
-                          <a:noFill/>
-                        </a:ln>
-                        <a:solidFill>
-                          <a:schemeClr val="tx1"/>
-                        </a:solidFill>
-                        <a:effectLst/>
-                        <a:latin typeface="굴림" panose="020B0600000101010101" pitchFamily="50" charset="-127"/>
-                        <a:ea typeface="굴림" panose="020B0600000101010101" pitchFamily="50" charset="-127"/>
-                      </a:endParaRPr>
-                    </a:p>
-                  </a:txBody>
-                  <a:tcPr horzOverflow="overflow">
-                    <a:lnL w="28575" cap="flat" cmpd="sng" algn="ctr">
-                      <a:solidFill>
-                        <a:schemeClr val="tx1"/>
-                      </a:solidFill>
-                      <a:prstDash val="solid"/>
-                      <a:miter lim="800000"/>
-                      <a:headEnd type="none" w="med" len="med"/>
-                      <a:tailEnd type="none" w="med" len="med"/>
-                    </a:lnL>
-                    <a:lnR w="28575" cap="flat" cmpd="sng" algn="ctr">
-                      <a:solidFill>
-                        <a:schemeClr val="tx1"/>
-                      </a:solidFill>
-                      <a:prstDash val="solid"/>
-                      <a:miter lim="800000"/>
-                      <a:headEnd type="none" w="med" len="med"/>
-                      <a:tailEnd type="none" w="med" len="med"/>
-                    </a:lnR>
-                    <a:lnT w="12700" cap="flat" cmpd="sng" algn="ctr">
-                      <a:solidFill>
-                        <a:schemeClr val="tx1"/>
-                      </a:solidFill>
-                      <a:prstDash val="solid"/>
-                      <a:miter lim="800000"/>
-                      <a:headEnd type="none" w="med" len="med"/>
-                      <a:tailEnd type="none" w="med" len="med"/>
-                    </a:lnT>
-                    <a:lnB w="28575" cap="flat" cmpd="sng" algn="ctr">
-                      <a:solidFill>
-                        <a:schemeClr val="tx1"/>
-                      </a:solidFill>
-                      <a:prstDash val="solid"/>
-                      <a:miter lim="800000"/>
-                      <a:headEnd type="none" w="med" len="med"/>
-                      <a:tailEnd type="none" w="med" len="med"/>
-                    </a:lnB>
-                    <a:lnTlToBr>
-                      <a:noFill/>
-                    </a:lnTlToBr>
-                    <a:lnBlToTr>
-                      <a:noFill/>
-                    </a:lnBlToTr>
-                    <a:noFill/>
-                  </a:tcPr>
-                </a:tc>
-                <a:extLst>
-                  <a:ext uri="{0D108BD9-81ED-4DB2-BD59-A6C34878D82A}">
-                    <a16:rowId xmlns:a16="http://schemas.microsoft.com/office/drawing/2014/main" val="3840145327"/>
-                  </a:ext>
-                </a:extLst>
-              </a:tr>
-              <a:tr h="868680">
-                <a:tc>
-                  <a:txBody>
-                    <a:bodyPr/>
-                    <a:lstStyle/>
-                    <a:p>
-                      <a:pPr marL="0" marR="0" lvl="0" indent="0" algn="l" defTabSz="914400" rtl="0" eaLnBrk="1" fontAlgn="base" latinLnBrk="1" hangingPunct="1">
-                        <a:lnSpc>
-                          <a:spcPct val="100000"/>
-                        </a:lnSpc>
-                        <a:spcBef>
-                          <a:spcPct val="20000"/>
-                        </a:spcBef>
-                        <a:spcAft>
-                          <a:spcPct val="0"/>
-                        </a:spcAft>
-                        <a:buClr>
-                          <a:schemeClr val="folHlink"/>
-                        </a:buClr>
-                        <a:buSzPct val="60000"/>
-                        <a:buFont typeface="Wingdings" panose="05000000000000000000" pitchFamily="2" charset="2"/>
-                        <a:buNone/>
-                        <a:tabLst/>
-                      </a:pPr>
-                      <a:endParaRPr kumimoji="1" lang="en-US" altLang="ko-KR" sz="1200" b="0" i="0" u="none" strike="noStrike" cap="none" normalizeH="0" baseline="0" dirty="0" smtClean="0">
-                        <a:ln>
-                          <a:noFill/>
-                        </a:ln>
-                        <a:solidFill>
-                          <a:schemeClr val="tx1"/>
-                        </a:solidFill>
-                        <a:effectLst/>
-                        <a:latin typeface="굴림" panose="020B0600000101010101" pitchFamily="50" charset="-127"/>
-                        <a:ea typeface="굴림" panose="020B0600000101010101" pitchFamily="50" charset="-127"/>
-                      </a:endParaRPr>
-                    </a:p>
-                  </a:txBody>
-                  <a:tcPr horzOverflow="overflow">
-                    <a:lnL w="28575" cap="flat" cmpd="sng" algn="ctr">
-                      <a:solidFill>
-                        <a:schemeClr val="tx1"/>
-                      </a:solidFill>
-                      <a:prstDash val="solid"/>
-                      <a:miter lim="800000"/>
-                      <a:headEnd type="none" w="med" len="med"/>
-                      <a:tailEnd type="none" w="med" len="med"/>
-                    </a:lnL>
-                    <a:lnR w="28575" cap="flat" cmpd="sng" algn="ctr">
-                      <a:solidFill>
-                        <a:schemeClr val="tx1"/>
-                      </a:solidFill>
-                      <a:prstDash val="solid"/>
-                      <a:miter lim="800000"/>
-                      <a:headEnd type="none" w="med" len="med"/>
-                      <a:tailEnd type="none" w="med" len="med"/>
-                    </a:lnR>
-                    <a:lnT w="28575" cap="flat" cmpd="sng" algn="ctr">
-                      <a:solidFill>
-                        <a:schemeClr val="tx1"/>
-                      </a:solidFill>
-                      <a:prstDash val="solid"/>
-                      <a:miter lim="800000"/>
-                      <a:headEnd type="none" w="med" len="med"/>
-                      <a:tailEnd type="none" w="med" len="med"/>
-                    </a:lnT>
-                    <a:lnB w="28575" cap="flat" cmpd="sng" algn="ctr">
-                      <a:solidFill>
-                        <a:schemeClr val="tx1"/>
-                      </a:solidFill>
-                      <a:prstDash val="solid"/>
-                      <a:miter lim="800000"/>
-                      <a:headEnd type="none" w="med" len="med"/>
-                      <a:tailEnd type="none" w="med" len="med"/>
-                    </a:lnB>
-                    <a:lnTlToBr>
-                      <a:noFill/>
-                    </a:lnTlToBr>
-                    <a:lnBlToTr>
-                      <a:noFill/>
-                    </a:lnBlToTr>
-                    <a:noFill/>
-                  </a:tcPr>
-                </a:tc>
-                <a:extLst>
-                  <a:ext uri="{0D108BD9-81ED-4DB2-BD59-A6C34878D82A}">
-                    <a16:rowId xmlns:a16="http://schemas.microsoft.com/office/drawing/2014/main" val="976690124"/>
-                  </a:ext>
-                </a:extLst>
-              </a:tr>
-            </a:tbl>
-          </a:graphicData>
-        </a:graphic>
-      </p:graphicFrame>
-      <p:graphicFrame>
-        <p:nvGraphicFramePr>
-          <p:cNvPr id="7" name="Group 24"/>
-          <p:cNvGraphicFramePr>
-            <a:graphicFrameLocks noGrp="1"/>
-          </p:cNvGraphicFramePr>
-          <p:nvPr>
-            <p:extLst>
-              <p:ext uri="{D42A27DB-BD31-4B8C-83A1-F6EECF244321}">
-                <p14:modId xmlns:p14="http://schemas.microsoft.com/office/powerpoint/2010/main" val="416417949"/>
-              </p:ext>
-            </p:extLst>
-          </p:nvPr>
-        </p:nvGraphicFramePr>
-        <p:xfrm>
-          <a:off x="4501661" y="2110154"/>
-          <a:ext cx="1600200" cy="2221040"/>
-        </p:xfrm>
-        <a:graphic>
-          <a:graphicData uri="http://schemas.openxmlformats.org/drawingml/2006/table">
-            <a:tbl>
-              <a:tblPr/>
-              <a:tblGrid>
-                <a:gridCol w="1600200">
-                  <a:extLst>
-                    <a:ext uri="{9D8B030D-6E8A-4147-A177-3AD203B41FA5}">
-                      <a16:colId xmlns:a16="http://schemas.microsoft.com/office/drawing/2014/main" val="1446274974"/>
-                    </a:ext>
-                  </a:extLst>
-                </a:gridCol>
-              </a:tblGrid>
-              <a:tr h="336550">
-                <a:tc>
-                  <a:txBody>
-                    <a:bodyPr/>
-                    <a:lstStyle>
-                      <a:lvl1pPr algn="l">
-                        <a:spcBef>
-                          <a:spcPct val="20000"/>
-                        </a:spcBef>
-                        <a:buClr>
-                          <a:schemeClr val="folHlink"/>
-                        </a:buClr>
-                        <a:buSzPct val="60000"/>
-                        <a:buFont typeface="Wingdings" panose="05000000000000000000" pitchFamily="2" charset="2"/>
-                        <a:defRPr kumimoji="1" sz="2800">
-                          <a:solidFill>
-                            <a:schemeClr val="tx1"/>
-                          </a:solidFill>
-                          <a:latin typeface="굴림" panose="020B0600000101010101" pitchFamily="50" charset="-127"/>
-                          <a:ea typeface="굴림" panose="020B0600000101010101" pitchFamily="50" charset="-127"/>
-                        </a:defRPr>
-                      </a:lvl1pPr>
-                      <a:lvl2pPr algn="l">
-                        <a:spcBef>
-                          <a:spcPct val="20000"/>
-                        </a:spcBef>
-                        <a:buClr>
-                          <a:schemeClr val="hlink"/>
-                        </a:buClr>
-                        <a:buSzPct val="55000"/>
-                        <a:buFont typeface="Wingdings" panose="05000000000000000000" pitchFamily="2" charset="2"/>
-                        <a:defRPr kumimoji="1" sz="2400">
-                          <a:solidFill>
-                            <a:schemeClr val="tx1"/>
-                          </a:solidFill>
-                          <a:latin typeface="굴림" panose="020B0600000101010101" pitchFamily="50" charset="-127"/>
-                          <a:ea typeface="굴림" panose="020B0600000101010101" pitchFamily="50" charset="-127"/>
-                        </a:defRPr>
-                      </a:lvl2pPr>
-                      <a:lvl3pPr algn="l">
-                        <a:spcBef>
-                          <a:spcPct val="20000"/>
-                        </a:spcBef>
-                        <a:buClr>
-                          <a:schemeClr val="folHlink"/>
-                        </a:buClr>
-                        <a:buSzPct val="50000"/>
-                        <a:buFont typeface="Wingdings" panose="05000000000000000000" pitchFamily="2" charset="2"/>
-                        <a:defRPr kumimoji="1" sz="2000">
-                          <a:solidFill>
-                            <a:schemeClr val="tx1"/>
-                          </a:solidFill>
-                          <a:latin typeface="굴림" panose="020B0600000101010101" pitchFamily="50" charset="-127"/>
-                          <a:ea typeface="굴림" panose="020B0600000101010101" pitchFamily="50" charset="-127"/>
-                        </a:defRPr>
-                      </a:lvl3pPr>
-                      <a:lvl4pPr algn="l">
-                        <a:spcBef>
-                          <a:spcPct val="20000"/>
-                        </a:spcBef>
-                        <a:buClr>
-                          <a:schemeClr val="accent2"/>
-                        </a:buClr>
-                        <a:buSzPct val="55000"/>
-                        <a:buFont typeface="Wingdings" panose="05000000000000000000" pitchFamily="2" charset="2"/>
-                        <a:defRPr kumimoji="1">
-                          <a:solidFill>
-                            <a:schemeClr val="tx1"/>
-                          </a:solidFill>
-                          <a:latin typeface="굴림" panose="020B0600000101010101" pitchFamily="50" charset="-127"/>
-                          <a:ea typeface="굴림" panose="020B0600000101010101" pitchFamily="50" charset="-127"/>
-                        </a:defRPr>
-                      </a:lvl4pPr>
-                      <a:lvl5pPr algn="l">
-                        <a:spcBef>
-                          <a:spcPct val="20000"/>
-                        </a:spcBef>
-                        <a:buClr>
-                          <a:schemeClr val="accent1"/>
-                        </a:buClr>
-                        <a:buSzPct val="50000"/>
-                        <a:buFont typeface="Wingdings" panose="05000000000000000000" pitchFamily="2" charset="2"/>
-                        <a:defRPr kumimoji="1">
-                          <a:solidFill>
-                            <a:schemeClr val="tx1"/>
-                          </a:solidFill>
-                          <a:latin typeface="굴림" panose="020B0600000101010101" pitchFamily="50" charset="-127"/>
-                          <a:ea typeface="굴림" panose="020B0600000101010101" pitchFamily="50" charset="-127"/>
-                        </a:defRPr>
-                      </a:lvl5pPr>
-                      <a:lvl6pPr fontAlgn="base">
-                        <a:spcBef>
-                          <a:spcPct val="20000"/>
-                        </a:spcBef>
-                        <a:spcAft>
-                          <a:spcPct val="0"/>
-                        </a:spcAft>
-                        <a:buClr>
-                          <a:schemeClr val="accent1"/>
-                        </a:buClr>
-                        <a:buSzPct val="50000"/>
-                        <a:buFont typeface="Wingdings" panose="05000000000000000000" pitchFamily="2" charset="2"/>
-                        <a:defRPr kumimoji="1">
-                          <a:solidFill>
-                            <a:schemeClr val="tx1"/>
-                          </a:solidFill>
-                          <a:latin typeface="굴림" panose="020B0600000101010101" pitchFamily="50" charset="-127"/>
-                          <a:ea typeface="굴림" panose="020B0600000101010101" pitchFamily="50" charset="-127"/>
-                        </a:defRPr>
-                      </a:lvl6pPr>
-                      <a:lvl7pPr fontAlgn="base">
-                        <a:spcBef>
-                          <a:spcPct val="20000"/>
-                        </a:spcBef>
-                        <a:spcAft>
-                          <a:spcPct val="0"/>
-                        </a:spcAft>
-                        <a:buClr>
-                          <a:schemeClr val="accent1"/>
-                        </a:buClr>
-                        <a:buSzPct val="50000"/>
-                        <a:buFont typeface="Wingdings" panose="05000000000000000000" pitchFamily="2" charset="2"/>
-                        <a:defRPr kumimoji="1">
-                          <a:solidFill>
-                            <a:schemeClr val="tx1"/>
-                          </a:solidFill>
-                          <a:latin typeface="굴림" panose="020B0600000101010101" pitchFamily="50" charset="-127"/>
-                          <a:ea typeface="굴림" panose="020B0600000101010101" pitchFamily="50" charset="-127"/>
-                        </a:defRPr>
-                      </a:lvl7pPr>
-                      <a:lvl8pPr fontAlgn="base">
-                        <a:spcBef>
-                          <a:spcPct val="20000"/>
-                        </a:spcBef>
-                        <a:spcAft>
-                          <a:spcPct val="0"/>
-                        </a:spcAft>
-                        <a:buClr>
-                          <a:schemeClr val="accent1"/>
-                        </a:buClr>
-                        <a:buSzPct val="50000"/>
-                        <a:buFont typeface="Wingdings" panose="05000000000000000000" pitchFamily="2" charset="2"/>
-                        <a:defRPr kumimoji="1">
-                          <a:solidFill>
-                            <a:schemeClr val="tx1"/>
-                          </a:solidFill>
-                          <a:latin typeface="굴림" panose="020B0600000101010101" pitchFamily="50" charset="-127"/>
-                          <a:ea typeface="굴림" panose="020B0600000101010101" pitchFamily="50" charset="-127"/>
-                        </a:defRPr>
-                      </a:lvl8pPr>
-                      <a:lvl9pPr fontAlgn="base">
-                        <a:spcBef>
-                          <a:spcPct val="20000"/>
-                        </a:spcBef>
-                        <a:spcAft>
-                          <a:spcPct val="0"/>
-                        </a:spcAft>
-                        <a:buClr>
-                          <a:schemeClr val="accent1"/>
-                        </a:buClr>
-                        <a:buSzPct val="50000"/>
-                        <a:buFont typeface="Wingdings" panose="05000000000000000000" pitchFamily="2" charset="2"/>
-                        <a:defRPr kumimoji="1">
-                          <a:solidFill>
-                            <a:schemeClr val="tx1"/>
-                          </a:solidFill>
-                          <a:latin typeface="굴림" panose="020B0600000101010101" pitchFamily="50" charset="-127"/>
-                          <a:ea typeface="굴림" panose="020B0600000101010101" pitchFamily="50" charset="-127"/>
-                        </a:defRPr>
-                      </a:lvl9pPr>
-                    </a:lstStyle>
-                    <a:p>
-                      <a:pPr marL="0" marR="0" lvl="0" indent="0" algn="ctr" defTabSz="914400" rtl="0" eaLnBrk="1" fontAlgn="base" latinLnBrk="1" hangingPunct="1">
-                        <a:lnSpc>
-                          <a:spcPct val="100000"/>
-                        </a:lnSpc>
-                        <a:spcBef>
-                          <a:spcPct val="20000"/>
-                        </a:spcBef>
-                        <a:spcAft>
-                          <a:spcPct val="0"/>
-                        </a:spcAft>
-                        <a:buClr>
-                          <a:schemeClr val="folHlink"/>
-                        </a:buClr>
-                        <a:buSzPct val="60000"/>
-                        <a:buFont typeface="Wingdings" panose="05000000000000000000" pitchFamily="2" charset="2"/>
-                        <a:buNone/>
-                        <a:tabLst/>
-                      </a:pPr>
-                      <a:r>
-                        <a:rPr kumimoji="1" lang="ko-KR" altLang="en-US" sz="1400" b="0" i="0" u="none" strike="noStrike" cap="none" normalizeH="0" baseline="0" dirty="0" smtClean="0">
-                          <a:ln>
-                            <a:noFill/>
-                          </a:ln>
-                          <a:solidFill>
-                            <a:schemeClr val="hlink"/>
-                          </a:solidFill>
-                          <a:effectLst/>
-                          <a:latin typeface="굴림" panose="020B0600000101010101" pitchFamily="50" charset="-127"/>
-                          <a:ea typeface="굴림" panose="020B0600000101010101" pitchFamily="50" charset="-127"/>
-                        </a:rPr>
-                        <a:t> </a:t>
-                      </a:r>
-                      <a:r>
-                        <a:rPr kumimoji="1" lang="ko-KR" altLang="en-US" sz="1400" b="0" i="0" u="none" strike="noStrike" cap="none" normalizeH="0" baseline="0" dirty="0" err="1" smtClean="0">
-                          <a:ln>
-                            <a:noFill/>
-                          </a:ln>
-                          <a:solidFill>
-                            <a:schemeClr val="hlink"/>
-                          </a:solidFill>
-                          <a:effectLst/>
-                          <a:latin typeface="굴림" panose="020B0600000101010101" pitchFamily="50" charset="-127"/>
-                          <a:ea typeface="굴림" panose="020B0600000101010101" pitchFamily="50" charset="-127"/>
-                        </a:rPr>
-                        <a:t>통계관리자</a:t>
-                      </a:r>
-                      <a:endParaRPr kumimoji="1" lang="en-US" altLang="ko-KR" sz="1400" b="0" i="0" u="none" strike="noStrike" cap="none" normalizeH="0" baseline="0" dirty="0" smtClean="0">
-                        <a:ln>
-                          <a:noFill/>
-                        </a:ln>
-                        <a:solidFill>
-                          <a:schemeClr val="hlink"/>
-                        </a:solidFill>
-                        <a:effectLst/>
-                        <a:latin typeface="굴림" panose="020B0600000101010101" pitchFamily="50" charset="-127"/>
-                        <a:ea typeface="굴림" panose="020B0600000101010101" pitchFamily="50" charset="-127"/>
-                      </a:endParaRPr>
-                    </a:p>
-                    <a:p>
-                      <a:pPr marL="0" marR="0" lvl="0" indent="0" algn="ctr" defTabSz="914400" rtl="0" eaLnBrk="1" fontAlgn="base" latinLnBrk="1" hangingPunct="1">
-                        <a:lnSpc>
-                          <a:spcPct val="100000"/>
-                        </a:lnSpc>
-                        <a:spcBef>
-                          <a:spcPct val="20000"/>
-                        </a:spcBef>
-                        <a:spcAft>
-                          <a:spcPct val="0"/>
-                        </a:spcAft>
-                        <a:buClr>
-                          <a:schemeClr val="folHlink"/>
-                        </a:buClr>
-                        <a:buSzPct val="60000"/>
-                        <a:buFont typeface="Wingdings" panose="05000000000000000000" pitchFamily="2" charset="2"/>
-                        <a:buNone/>
-                        <a:tabLst/>
-                      </a:pPr>
-                      <a:r>
-                        <a:rPr kumimoji="1" lang="en-US" altLang="ko-KR" sz="1400" b="0" i="0" u="none" strike="noStrike" cap="none" normalizeH="0" baseline="0" dirty="0" smtClean="0">
-                          <a:ln>
-                            <a:noFill/>
-                          </a:ln>
-                          <a:solidFill>
-                            <a:schemeClr val="hlink"/>
-                          </a:solidFill>
-                          <a:effectLst/>
-                          <a:latin typeface="굴림" panose="020B0600000101010101" pitchFamily="50" charset="-127"/>
-                          <a:ea typeface="굴림" panose="020B0600000101010101" pitchFamily="50" charset="-127"/>
-                        </a:rPr>
-                        <a:t>:</a:t>
-                      </a:r>
-                      <a:r>
-                        <a:rPr kumimoji="1" lang="ko-KR" altLang="en-US" sz="1400" b="0" i="0" u="none" strike="noStrike" cap="none" normalizeH="0" baseline="0" dirty="0" smtClean="0">
-                          <a:ln>
-                            <a:noFill/>
-                          </a:ln>
-                          <a:solidFill>
-                            <a:schemeClr val="hlink"/>
-                          </a:solidFill>
-                          <a:effectLst/>
-                          <a:latin typeface="굴림" panose="020B0600000101010101" pitchFamily="50" charset="-127"/>
-                          <a:ea typeface="굴림" panose="020B0600000101010101" pitchFamily="50" charset="-127"/>
-                        </a:rPr>
-                        <a:t>카운터가 무엇을 어떻게 했는지 기록하는 역할</a:t>
-                      </a:r>
-                    </a:p>
-                  </a:txBody>
-                  <a:tcPr horzOverflow="overflow">
-                    <a:lnL w="28575" cap="flat" cmpd="sng" algn="ctr">
-                      <a:solidFill>
-                        <a:schemeClr val="tx1"/>
-                      </a:solidFill>
-                      <a:prstDash val="solid"/>
-                      <a:miter lim="800000"/>
-                      <a:headEnd type="none" w="med" len="med"/>
-                      <a:tailEnd type="none" w="med" len="med"/>
-                    </a:lnL>
-                    <a:lnR w="28575" cap="flat" cmpd="sng" algn="ctr">
-                      <a:solidFill>
-                        <a:schemeClr val="tx1"/>
-                      </a:solidFill>
-                      <a:prstDash val="solid"/>
-                      <a:miter lim="800000"/>
-                      <a:headEnd type="none" w="med" len="med"/>
-                      <a:tailEnd type="none" w="med" len="med"/>
-                    </a:lnR>
-                    <a:lnT w="28575" cap="flat" cmpd="sng" algn="ctr">
-                      <a:solidFill>
-                        <a:schemeClr val="tx1"/>
-                      </a:solidFill>
-                      <a:prstDash val="solid"/>
-                      <a:miter lim="800000"/>
-                      <a:headEnd type="none" w="med" len="med"/>
-                      <a:tailEnd type="none" w="med" len="med"/>
-                    </a:lnT>
-                    <a:lnB w="12700" cap="flat" cmpd="sng" algn="ctr">
-                      <a:solidFill>
-                        <a:schemeClr val="tx1"/>
-                      </a:solidFill>
-                      <a:prstDash val="solid"/>
-                      <a:miter lim="800000"/>
-                      <a:headEnd type="none" w="med" len="med"/>
-                      <a:tailEnd type="none" w="med" len="med"/>
-                    </a:lnB>
-                    <a:lnTlToBr>
-                      <a:noFill/>
-                    </a:lnTlToBr>
-                    <a:lnBlToTr>
-                      <a:noFill/>
-                    </a:lnBlToTr>
-                    <a:noFill/>
-                  </a:tcPr>
-                </a:tc>
-                <a:extLst>
-                  <a:ext uri="{0D108BD9-81ED-4DB2-BD59-A6C34878D82A}">
-                    <a16:rowId xmlns:a16="http://schemas.microsoft.com/office/drawing/2014/main" val="3201092176"/>
+                    <a16:rowId xmlns:a16="http://schemas.microsoft.com/office/drawing/2014/main" xmlns="" val="3201092176"/>
                   </a:ext>
                 </a:extLst>
               </a:tr>
@@ -6095,7 +6368,7 @@
                 </a:tc>
                 <a:extLst>
                   <a:ext uri="{0D108BD9-81ED-4DB2-BD59-A6C34878D82A}">
-                    <a16:rowId xmlns:a16="http://schemas.microsoft.com/office/drawing/2014/main" val="4144718072"/>
+                    <a16:rowId xmlns:a16="http://schemas.microsoft.com/office/drawing/2014/main" xmlns="" val="4144718072"/>
                   </a:ext>
                 </a:extLst>
               </a:tr>
@@ -6289,6 +6562,178 @@
                         <a:buNone/>
                         <a:tabLst/>
                       </a:pPr>
+                      <a:r>
+                        <a:rPr kumimoji="1" lang="ko-KR" altLang="en-US" sz="1200" b="0" i="0" u="none" strike="noStrike" cap="none" normalizeH="0" baseline="0" dirty="0" smtClean="0">
+                          <a:ln>
+                            <a:noFill/>
+                          </a:ln>
+                          <a:solidFill>
+                            <a:schemeClr val="tx1"/>
+                          </a:solidFill>
+                          <a:effectLst/>
+                          <a:latin typeface="굴림" panose="020B0600000101010101" pitchFamily="50" charset="-127"/>
+                          <a:ea typeface="굴림" panose="020B0600000101010101" pitchFamily="50" charset="-127"/>
+                        </a:rPr>
+                        <a:t>작업 시간 통계</a:t>
+                      </a:r>
+                      <a:r>
+                        <a:rPr kumimoji="1" lang="en-US" altLang="ko-KR" sz="1200" b="0" i="0" u="none" strike="noStrike" cap="none" normalizeH="0" baseline="0" dirty="0" smtClean="0">
+                          <a:ln>
+                            <a:noFill/>
+                          </a:ln>
+                          <a:solidFill>
+                            <a:schemeClr val="tx1"/>
+                          </a:solidFill>
+                          <a:effectLst/>
+                          <a:latin typeface="굴림" panose="020B0600000101010101" pitchFamily="50" charset="-127"/>
+                          <a:ea typeface="굴림" panose="020B0600000101010101" pitchFamily="50" charset="-127"/>
+                        </a:rPr>
+                        <a:t>()</a:t>
+                      </a:r>
+                    </a:p>
+                    <a:p>
+                      <a:pPr marL="0" marR="0" lvl="0" indent="0" algn="l" defTabSz="914400" rtl="0" eaLnBrk="1" fontAlgn="base" latinLnBrk="1" hangingPunct="1">
+                        <a:lnSpc>
+                          <a:spcPct val="100000"/>
+                        </a:lnSpc>
+                        <a:spcBef>
+                          <a:spcPct val="20000"/>
+                        </a:spcBef>
+                        <a:spcAft>
+                          <a:spcPct val="0"/>
+                        </a:spcAft>
+                        <a:buClr>
+                          <a:schemeClr val="folHlink"/>
+                        </a:buClr>
+                        <a:buSzPct val="60000"/>
+                        <a:buFont typeface="Wingdings" panose="05000000000000000000" pitchFamily="2" charset="2"/>
+                        <a:buNone/>
+                        <a:tabLst/>
+                      </a:pPr>
+                      <a:r>
+                        <a:rPr kumimoji="1" lang="ko-KR" altLang="en-US" sz="1200" b="0" i="0" u="none" strike="noStrike" cap="none" normalizeH="0" baseline="0" dirty="0" smtClean="0">
+                          <a:ln>
+                            <a:noFill/>
+                          </a:ln>
+                          <a:solidFill>
+                            <a:schemeClr val="tx1"/>
+                          </a:solidFill>
+                          <a:effectLst/>
+                          <a:latin typeface="굴림" panose="020B0600000101010101" pitchFamily="50" charset="-127"/>
+                          <a:ea typeface="굴림" panose="020B0600000101010101" pitchFamily="50" charset="-127"/>
+                        </a:rPr>
+                        <a:t>짧은 휴식 통계</a:t>
+                      </a:r>
+                      <a:r>
+                        <a:rPr kumimoji="1" lang="en-US" altLang="ko-KR" sz="1200" b="0" i="0" u="none" strike="noStrike" cap="none" normalizeH="0" baseline="0" dirty="0" smtClean="0">
+                          <a:ln>
+                            <a:noFill/>
+                          </a:ln>
+                          <a:solidFill>
+                            <a:schemeClr val="tx1"/>
+                          </a:solidFill>
+                          <a:effectLst/>
+                          <a:latin typeface="굴림" panose="020B0600000101010101" pitchFamily="50" charset="-127"/>
+                          <a:ea typeface="굴림" panose="020B0600000101010101" pitchFamily="50" charset="-127"/>
+                        </a:rPr>
+                        <a:t>()</a:t>
+                      </a:r>
+                    </a:p>
+                    <a:p>
+                      <a:pPr marL="0" marR="0" lvl="0" indent="0" algn="l" defTabSz="914400" rtl="0" eaLnBrk="1" fontAlgn="base" latinLnBrk="1" hangingPunct="1">
+                        <a:lnSpc>
+                          <a:spcPct val="100000"/>
+                        </a:lnSpc>
+                        <a:spcBef>
+                          <a:spcPct val="20000"/>
+                        </a:spcBef>
+                        <a:spcAft>
+                          <a:spcPct val="0"/>
+                        </a:spcAft>
+                        <a:buClr>
+                          <a:schemeClr val="folHlink"/>
+                        </a:buClr>
+                        <a:buSzPct val="60000"/>
+                        <a:buFont typeface="Wingdings" panose="05000000000000000000" pitchFamily="2" charset="2"/>
+                        <a:buNone/>
+                        <a:tabLst/>
+                      </a:pPr>
+                      <a:r>
+                        <a:rPr kumimoji="1" lang="ko-KR" altLang="en-US" sz="1200" b="0" i="0" u="none" strike="noStrike" cap="none" normalizeH="0" baseline="0" dirty="0" smtClean="0">
+                          <a:ln>
+                            <a:noFill/>
+                          </a:ln>
+                          <a:solidFill>
+                            <a:schemeClr val="tx1"/>
+                          </a:solidFill>
+                          <a:effectLst/>
+                          <a:latin typeface="굴림" panose="020B0600000101010101" pitchFamily="50" charset="-127"/>
+                          <a:ea typeface="굴림" panose="020B0600000101010101" pitchFamily="50" charset="-127"/>
+                        </a:rPr>
+                        <a:t>긴 휴식 통계</a:t>
+                      </a:r>
+                      <a:r>
+                        <a:rPr kumimoji="1" lang="en-US" altLang="ko-KR" sz="1200" b="0" i="0" u="none" strike="noStrike" cap="none" normalizeH="0" baseline="0" dirty="0" smtClean="0">
+                          <a:ln>
+                            <a:noFill/>
+                          </a:ln>
+                          <a:solidFill>
+                            <a:schemeClr val="tx1"/>
+                          </a:solidFill>
+                          <a:effectLst/>
+                          <a:latin typeface="굴림" panose="020B0600000101010101" pitchFamily="50" charset="-127"/>
+                          <a:ea typeface="굴림" panose="020B0600000101010101" pitchFamily="50" charset="-127"/>
+                        </a:rPr>
+                        <a:t>()</a:t>
+                      </a:r>
+                    </a:p>
+                    <a:p>
+                      <a:pPr marL="0" marR="0" lvl="0" indent="0" algn="l" defTabSz="914400" rtl="0" eaLnBrk="1" fontAlgn="base" latinLnBrk="1" hangingPunct="1">
+                        <a:lnSpc>
+                          <a:spcPct val="100000"/>
+                        </a:lnSpc>
+                        <a:spcBef>
+                          <a:spcPct val="20000"/>
+                        </a:spcBef>
+                        <a:spcAft>
+                          <a:spcPct val="0"/>
+                        </a:spcAft>
+                        <a:buClr>
+                          <a:schemeClr val="folHlink"/>
+                        </a:buClr>
+                        <a:buSzPct val="60000"/>
+                        <a:buFont typeface="Wingdings" panose="05000000000000000000" pitchFamily="2" charset="2"/>
+                        <a:buNone/>
+                        <a:tabLst/>
+                      </a:pPr>
+                      <a:r>
+                        <a:rPr kumimoji="1" lang="ko-KR" altLang="en-US" sz="1200" b="0" i="0" u="none" strike="noStrike" cap="none" normalizeH="0" baseline="0" dirty="0" smtClean="0">
+                          <a:ln>
+                            <a:noFill/>
+                          </a:ln>
+                          <a:solidFill>
+                            <a:schemeClr val="tx1"/>
+                          </a:solidFill>
+                          <a:effectLst/>
+                          <a:latin typeface="굴림" panose="020B0600000101010101" pitchFamily="50" charset="-127"/>
+                          <a:ea typeface="굴림" panose="020B0600000101010101" pitchFamily="50" charset="-127"/>
+                        </a:rPr>
+                        <a:t>일시 정지 통계</a:t>
+                      </a:r>
+                      <a:r>
+                        <a:rPr kumimoji="1" lang="en-US" altLang="ko-KR" sz="1200" b="0" i="0" u="none" strike="noStrike" cap="none" normalizeH="0" baseline="0" dirty="0" smtClean="0">
+                          <a:ln>
+                            <a:noFill/>
+                          </a:ln>
+                          <a:solidFill>
+                            <a:schemeClr val="tx1"/>
+                          </a:solidFill>
+                          <a:effectLst/>
+                          <a:latin typeface="굴림" panose="020B0600000101010101" pitchFamily="50" charset="-127"/>
+                          <a:ea typeface="굴림" panose="020B0600000101010101" pitchFamily="50" charset="-127"/>
+                        </a:rPr>
+                        <a:t>()</a:t>
+                      </a:r>
                       <a:endParaRPr kumimoji="1" lang="en-US" altLang="ko-KR" sz="1200" b="0" i="0" u="none" strike="noStrike" cap="none" normalizeH="0" baseline="0" dirty="0" smtClean="0">
                         <a:ln>
                           <a:noFill/>
@@ -6350,7 +6795,7 @@
                 </a:tc>
                 <a:extLst>
                   <a:ext uri="{0D108BD9-81ED-4DB2-BD59-A6C34878D82A}">
-                    <a16:rowId xmlns:a16="http://schemas.microsoft.com/office/drawing/2014/main" val="4133086007"/>
+                    <a16:rowId xmlns:a16="http://schemas.microsoft.com/office/drawing/2014/main" xmlns="" val="4133086007"/>
                   </a:ext>
                 </a:extLst>
               </a:tr>
@@ -6483,7 +6928,7 @@
           <a:p>
             <a:pPr algn="ctr"/>
             <a:r>
-              <a:rPr lang="ko-KR" altLang="en-US" smtClean="0"/>
+              <a:rPr lang="ko-KR" altLang="en-US" dirty="0" smtClean="0"/>
               <a:t>시간관리자</a:t>
             </a:r>
             <a:endParaRPr lang="ko-KR" altLang="en-US" dirty="0"/>
@@ -6493,13 +6938,16 @@
       <p:cxnSp>
         <p:nvCxnSpPr>
           <p:cNvPr id="10" name="직선 화살표 연결선 9"/>
-          <p:cNvCxnSpPr/>
+          <p:cNvCxnSpPr>
+            <a:stCxn id="6" idx="3"/>
+            <a:endCxn id="9" idx="1"/>
+          </p:cNvCxnSpPr>
           <p:nvPr/>
         </p:nvCxnSpPr>
         <p:spPr>
           <a:xfrm flipV="1">
-            <a:off x="7385782" y="2391435"/>
-            <a:ext cx="1312027" cy="13853"/>
+            <a:off x="7385783" y="2392052"/>
+            <a:ext cx="1312027" cy="617"/>
           </a:xfrm>
           <a:prstGeom prst="straightConnector1">
             <a:avLst/>
@@ -6534,7 +6982,7 @@
         </p:nvSpPr>
         <p:spPr>
           <a:xfrm>
-            <a:off x="10882671" y="2047215"/>
+            <a:off x="10882671" y="2098971"/>
             <a:ext cx="872834" cy="583125"/>
           </a:xfrm>
           <a:prstGeom prst="rect">
@@ -6563,7 +7011,7 @@
           <a:p>
             <a:pPr algn="ctr"/>
             <a:r>
-              <a:rPr lang="ko-KR" altLang="en-US" dirty="0" err="1" smtClean="0"/>
+              <a:rPr lang="ko-KR" altLang="en-US" dirty="0" smtClean="0"/>
               <a:t>통계관리자</a:t>
             </a:r>
             <a:endParaRPr lang="ko-KR" altLang="en-US" dirty="0"/>
@@ -6573,13 +7021,16 @@
       <p:cxnSp>
         <p:nvCxnSpPr>
           <p:cNvPr id="15" name="직선 화살표 연결선 14"/>
-          <p:cNvCxnSpPr/>
+          <p:cNvCxnSpPr>
+            <a:stCxn id="9" idx="3"/>
+            <a:endCxn id="14" idx="1"/>
+          </p:cNvCxnSpPr>
           <p:nvPr/>
         </p:nvCxnSpPr>
         <p:spPr>
           <a:xfrm flipV="1">
-            <a:off x="9570644" y="2395349"/>
-            <a:ext cx="1312027" cy="13853"/>
+            <a:off x="9570644" y="2390534"/>
+            <a:ext cx="1312027" cy="1518"/>
           </a:xfrm>
           <a:prstGeom prst="straightConnector1">
             <a:avLst/>
@@ -6614,7 +7065,7 @@
         </p:nvSpPr>
         <p:spPr>
           <a:xfrm>
-            <a:off x="8684212" y="3654401"/>
+            <a:off x="8701464" y="3654401"/>
             <a:ext cx="872834" cy="583125"/>
           </a:xfrm>
           <a:prstGeom prst="rect">
@@ -6643,7 +7094,7 @@
           <a:p>
             <a:pPr algn="ctr"/>
             <a:r>
-              <a:rPr lang="ko-KR" altLang="en-US" dirty="0" err="1" smtClean="0"/>
+              <a:rPr lang="ko-KR" altLang="en-US" dirty="0" smtClean="0"/>
               <a:t>알람</a:t>
             </a:r>
             <a:endParaRPr lang="ko-KR" altLang="en-US" dirty="0"/>
@@ -6653,13 +7104,16 @@
       <p:cxnSp>
         <p:nvCxnSpPr>
           <p:cNvPr id="21" name="직선 연결선 20"/>
-          <p:cNvCxnSpPr/>
+          <p:cNvCxnSpPr>
+            <a:stCxn id="9" idx="2"/>
+            <a:endCxn id="20" idx="0"/>
+          </p:cNvCxnSpPr>
           <p:nvPr/>
         </p:nvCxnSpPr>
         <p:spPr>
           <a:xfrm>
-            <a:off x="9098950" y="2679408"/>
-            <a:ext cx="0" cy="976124"/>
+            <a:off x="9134227" y="2683614"/>
+            <a:ext cx="3654" cy="970787"/>
           </a:xfrm>
           <a:prstGeom prst="line">
             <a:avLst/>
@@ -6693,7 +7147,7 @@
         </p:nvSpPr>
         <p:spPr>
           <a:xfrm rot="2700000">
-            <a:off x="9030146" y="2716863"/>
+            <a:off x="9064650" y="2716863"/>
             <a:ext cx="146712" cy="146712"/>
           </a:xfrm>
           <a:prstGeom prst="rect">
@@ -6724,7 +7178,7 @@
           <a:lstStyle/>
           <a:p>
             <a:pPr algn="ctr"/>
-            <a:endParaRPr lang="ko-KR" altLang="en-US"/>
+            <a:endParaRPr lang="ko-KR" altLang="en-US" dirty="0"/>
           </a:p>
         </p:txBody>
       </p:sp>
@@ -6775,14 +7229,14 @@
           <p:nvPr>
             <p:extLst>
               <p:ext uri="{D42A27DB-BD31-4B8C-83A1-F6EECF244321}">
-                <p14:modId xmlns:p14="http://schemas.microsoft.com/office/powerpoint/2010/main" val="1821327003"/>
+                <p14:modId xmlns:p14="http://schemas.microsoft.com/office/powerpoint/2010/main" val="240803716"/>
               </p:ext>
             </p:extLst>
           </p:nvPr>
         </p:nvGraphicFramePr>
         <p:xfrm>
           <a:off x="2722055" y="4973252"/>
-          <a:ext cx="1600200" cy="1507008"/>
+          <a:ext cx="1600200" cy="1542288"/>
         </p:xfrm>
         <a:graphic>
           <a:graphicData uri="http://schemas.openxmlformats.org/drawingml/2006/table">
@@ -6792,7 +7246,7 @@
                 <a:gridCol w="1600200">
                   <a:extLst>
                     <a:ext uri="{9D8B030D-6E8A-4147-A177-3AD203B41FA5}">
-                      <a16:colId xmlns:a16="http://schemas.microsoft.com/office/drawing/2014/main" val="1446274974"/>
+                      <a16:colId xmlns:a16="http://schemas.microsoft.com/office/drawing/2014/main" xmlns="" val="1446274974"/>
                     </a:ext>
                   </a:extLst>
                 </a:gridCol>
@@ -6999,35 +7453,7 @@
                           <a:latin typeface="굴림" panose="020B0600000101010101" pitchFamily="50" charset="-127"/>
                           <a:ea typeface="굴림" panose="020B0600000101010101" pitchFamily="50" charset="-127"/>
                         </a:rPr>
-                        <a:t> </a:t>
-                      </a:r>
-                      <a:r>
-                        <a:rPr kumimoji="1" lang="ko-KR" altLang="en-US" sz="1400" b="0" i="0" u="none" strike="noStrike" cap="none" normalizeH="0" baseline="0" dirty="0" err="1" smtClean="0">
-                          <a:ln>
-                            <a:noFill/>
-                          </a:ln>
-                          <a:solidFill>
-                            <a:schemeClr val="hlink"/>
-                          </a:solidFill>
-                          <a:effectLst/>
-                          <a:latin typeface="굴림" panose="020B0600000101010101" pitchFamily="50" charset="-127"/>
-                          <a:ea typeface="굴림" panose="020B0600000101010101" pitchFamily="50" charset="-127"/>
-                        </a:rPr>
-                        <a:t>알람</a:t>
-                      </a:r>
-                      <a:r>
-                        <a:rPr kumimoji="1" lang="ko-KR" altLang="en-US" sz="1400" b="0" i="0" u="none" strike="noStrike" cap="none" normalizeH="0" baseline="0" dirty="0" smtClean="0">
-                          <a:ln>
-                            <a:noFill/>
-                          </a:ln>
-                          <a:solidFill>
-                            <a:schemeClr val="hlink"/>
-                          </a:solidFill>
-                          <a:effectLst/>
-                          <a:latin typeface="굴림" panose="020B0600000101010101" pitchFamily="50" charset="-127"/>
-                          <a:ea typeface="굴림" panose="020B0600000101010101" pitchFamily="50" charset="-127"/>
-                        </a:rPr>
-                        <a:t> 관리자</a:t>
+                        <a:t> 알람 관리자</a:t>
                       </a:r>
                       <a:endParaRPr kumimoji="1" lang="en-US" altLang="ko-KR" sz="1400" b="0" i="0" u="none" strike="noStrike" cap="none" normalizeH="0" baseline="0" dirty="0" smtClean="0">
                         <a:ln>
@@ -7061,6 +7487,20 @@
                         <a:tabLst/>
                       </a:pPr>
                       <a:r>
+                        <a:rPr kumimoji="1" lang="en-US" altLang="ko-KR" sz="1400" b="0" i="0" u="none" strike="noStrike" cap="none" normalizeH="0" baseline="0" dirty="0" smtClean="0">
+                          <a:ln>
+                            <a:noFill/>
+                          </a:ln>
+                          <a:solidFill>
+                            <a:schemeClr val="hlink"/>
+                          </a:solidFill>
+                          <a:effectLst/>
+                          <a:latin typeface="굴림" panose="020B0600000101010101" pitchFamily="50" charset="-127"/>
+                          <a:ea typeface="굴림" panose="020B0600000101010101" pitchFamily="50" charset="-127"/>
+                        </a:rPr>
+                        <a:t>: </a:t>
+                      </a:r>
+                      <a:r>
                         <a:rPr kumimoji="1" lang="ko-KR" altLang="en-US" sz="1400" b="0" i="0" u="none" strike="noStrike" cap="none" normalizeH="0" baseline="0" dirty="0" err="1" smtClean="0">
                           <a:ln>
                             <a:noFill/>
@@ -7086,7 +7526,21 @@
                           <a:latin typeface="굴림" panose="020B0600000101010101" pitchFamily="50" charset="-127"/>
                           <a:ea typeface="굴림" panose="020B0600000101010101" pitchFamily="50" charset="-127"/>
                         </a:rPr>
-                        <a:t> 정보를 가지고 있음</a:t>
+                        <a:t> </a:t>
+                      </a:r>
+                      <a:r>
+                        <a:rPr kumimoji="1" lang="ko-KR" altLang="en-US" sz="1400" b="0" i="0" u="none" strike="noStrike" cap="none" normalizeH="0" baseline="0" dirty="0" smtClean="0">
+                          <a:ln>
+                            <a:noFill/>
+                          </a:ln>
+                          <a:solidFill>
+                            <a:schemeClr val="hlink"/>
+                          </a:solidFill>
+                          <a:effectLst/>
+                          <a:latin typeface="굴림" panose="020B0600000101010101" pitchFamily="50" charset="-127"/>
+                          <a:ea typeface="굴림" panose="020B0600000101010101" pitchFamily="50" charset="-127"/>
+                        </a:rPr>
+                        <a:t>정보를 가지고 있음</a:t>
                       </a:r>
                       <a:r>
                         <a:rPr kumimoji="1" lang="en-US" altLang="ko-KR" sz="1400" b="0" i="0" u="none" strike="noStrike" cap="none" normalizeH="0" baseline="0" dirty="0" smtClean="0">
@@ -7152,7 +7606,7 @@
                 </a:tc>
                 <a:extLst>
                   <a:ext uri="{0D108BD9-81ED-4DB2-BD59-A6C34878D82A}">
-                    <a16:rowId xmlns:a16="http://schemas.microsoft.com/office/drawing/2014/main" val="3201092176"/>
+                    <a16:rowId xmlns:a16="http://schemas.microsoft.com/office/drawing/2014/main" xmlns="" val="3201092176"/>
                   </a:ext>
                 </a:extLst>
               </a:tr>
@@ -7407,7 +7861,7 @@
                 </a:tc>
                 <a:extLst>
                   <a:ext uri="{0D108BD9-81ED-4DB2-BD59-A6C34878D82A}">
-                    <a16:rowId xmlns:a16="http://schemas.microsoft.com/office/drawing/2014/main" val="4144718072"/>
+                    <a16:rowId xmlns:a16="http://schemas.microsoft.com/office/drawing/2014/main" xmlns="" val="4144718072"/>
                   </a:ext>
                 </a:extLst>
               </a:tr>
@@ -7601,6 +8055,110 @@
                         <a:buNone/>
                         <a:tabLst/>
                       </a:pPr>
+                      <a:r>
+                        <a:rPr kumimoji="1" lang="ko-KR" altLang="en-US" sz="1200" b="0" i="0" u="none" strike="noStrike" cap="none" normalizeH="0" baseline="0" dirty="0" err="1" smtClean="0">
+                          <a:ln>
+                            <a:noFill/>
+                          </a:ln>
+                          <a:solidFill>
+                            <a:schemeClr val="tx1"/>
+                          </a:solidFill>
+                          <a:effectLst/>
+                          <a:latin typeface="굴림" panose="020B0600000101010101" pitchFamily="50" charset="-127"/>
+                          <a:ea typeface="굴림" panose="020B0600000101010101" pitchFamily="50" charset="-127"/>
+                        </a:rPr>
+                        <a:t>알람</a:t>
+                      </a:r>
+                      <a:r>
+                        <a:rPr kumimoji="1" lang="ko-KR" altLang="en-US" sz="1200" b="0" i="0" u="none" strike="noStrike" cap="none" normalizeH="0" baseline="0" dirty="0" smtClean="0">
+                          <a:ln>
+                            <a:noFill/>
+                          </a:ln>
+                          <a:solidFill>
+                            <a:schemeClr val="tx1"/>
+                          </a:solidFill>
+                          <a:effectLst/>
+                          <a:latin typeface="굴림" panose="020B0600000101010101" pitchFamily="50" charset="-127"/>
+                          <a:ea typeface="굴림" panose="020B0600000101010101" pitchFamily="50" charset="-127"/>
+                        </a:rPr>
+                        <a:t> 정보 검색</a:t>
+                      </a:r>
+                      <a:r>
+                        <a:rPr kumimoji="1" lang="en-US" altLang="ko-KR" sz="1200" b="0" i="0" u="none" strike="noStrike" cap="none" normalizeH="0" baseline="0" dirty="0" smtClean="0">
+                          <a:ln>
+                            <a:noFill/>
+                          </a:ln>
+                          <a:solidFill>
+                            <a:schemeClr val="tx1"/>
+                          </a:solidFill>
+                          <a:effectLst/>
+                          <a:latin typeface="굴림" panose="020B0600000101010101" pitchFamily="50" charset="-127"/>
+                          <a:ea typeface="굴림" panose="020B0600000101010101" pitchFamily="50" charset="-127"/>
+                        </a:rPr>
+                        <a:t>()</a:t>
+                      </a:r>
+                    </a:p>
+                    <a:p>
+                      <a:pPr marL="0" marR="0" lvl="0" indent="0" algn="l" defTabSz="914400" rtl="0" eaLnBrk="1" fontAlgn="base" latinLnBrk="1" hangingPunct="1">
+                        <a:lnSpc>
+                          <a:spcPct val="100000"/>
+                        </a:lnSpc>
+                        <a:spcBef>
+                          <a:spcPct val="20000"/>
+                        </a:spcBef>
+                        <a:spcAft>
+                          <a:spcPct val="0"/>
+                        </a:spcAft>
+                        <a:buClr>
+                          <a:schemeClr val="folHlink"/>
+                        </a:buClr>
+                        <a:buSzPct val="60000"/>
+                        <a:buFont typeface="Wingdings" panose="05000000000000000000" pitchFamily="2" charset="2"/>
+                        <a:buNone/>
+                        <a:tabLst/>
+                      </a:pPr>
+                      <a:r>
+                        <a:rPr kumimoji="1" lang="ko-KR" altLang="en-US" sz="1200" b="0" i="0" u="none" strike="noStrike" cap="none" normalizeH="0" baseline="0" dirty="0" err="1" smtClean="0">
+                          <a:ln>
+                            <a:noFill/>
+                          </a:ln>
+                          <a:solidFill>
+                            <a:schemeClr val="tx1"/>
+                          </a:solidFill>
+                          <a:effectLst/>
+                          <a:latin typeface="굴림" panose="020B0600000101010101" pitchFamily="50" charset="-127"/>
+                          <a:ea typeface="굴림" panose="020B0600000101010101" pitchFamily="50" charset="-127"/>
+                        </a:rPr>
+                        <a:t>알람</a:t>
+                      </a:r>
+                      <a:r>
+                        <a:rPr kumimoji="1" lang="ko-KR" altLang="en-US" sz="1200" b="0" i="0" u="none" strike="noStrike" cap="none" normalizeH="0" baseline="0" dirty="0" smtClean="0">
+                          <a:ln>
+                            <a:noFill/>
+                          </a:ln>
+                          <a:solidFill>
+                            <a:schemeClr val="tx1"/>
+                          </a:solidFill>
+                          <a:effectLst/>
+                          <a:latin typeface="굴림" panose="020B0600000101010101" pitchFamily="50" charset="-127"/>
+                          <a:ea typeface="굴림" panose="020B0600000101010101" pitchFamily="50" charset="-127"/>
+                        </a:rPr>
+                        <a:t> 시작</a:t>
+                      </a:r>
+                      <a:r>
+                        <a:rPr kumimoji="1" lang="en-US" altLang="ko-KR" sz="1200" b="0" i="0" u="none" strike="noStrike" cap="none" normalizeH="0" baseline="0" dirty="0" smtClean="0">
+                          <a:ln>
+                            <a:noFill/>
+                          </a:ln>
+                          <a:solidFill>
+                            <a:schemeClr val="tx1"/>
+                          </a:solidFill>
+                          <a:effectLst/>
+                          <a:latin typeface="굴림" panose="020B0600000101010101" pitchFamily="50" charset="-127"/>
+                          <a:ea typeface="굴림" panose="020B0600000101010101" pitchFamily="50" charset="-127"/>
+                        </a:rPr>
+                        <a:t>()</a:t>
+                      </a:r>
                       <a:endParaRPr kumimoji="1" lang="en-US" altLang="ko-KR" sz="1200" b="0" i="0" u="none" strike="noStrike" cap="none" normalizeH="0" baseline="0" dirty="0" smtClean="0">
                         <a:ln>
                           <a:noFill/>
@@ -7662,7 +8220,7 @@
                 </a:tc>
                 <a:extLst>
                   <a:ext uri="{0D108BD9-81ED-4DB2-BD59-A6C34878D82A}">
-                    <a16:rowId xmlns:a16="http://schemas.microsoft.com/office/drawing/2014/main" val="4133086007"/>
+                    <a16:rowId xmlns:a16="http://schemas.microsoft.com/office/drawing/2014/main" xmlns="" val="4133086007"/>
                   </a:ext>
                 </a:extLst>
               </a:tr>
@@ -7792,14 +8350,15 @@
         <p:nvCxnSpPr>
           <p:cNvPr id="6" name="직선 화살표 연결선 5"/>
           <p:cNvCxnSpPr>
+            <a:stCxn id="4" idx="3"/>
             <a:endCxn id="5" idx="1"/>
           </p:cNvCxnSpPr>
           <p:nvPr/>
         </p:nvCxnSpPr>
         <p:spPr>
-          <a:xfrm flipV="1">
-            <a:off x="1934291" y="1912498"/>
-            <a:ext cx="1312027" cy="13853"/>
+          <a:xfrm>
+            <a:off x="1902426" y="1912498"/>
+            <a:ext cx="1343892" cy="0"/>
           </a:xfrm>
           <a:prstGeom prst="straightConnector1">
             <a:avLst/>
@@ -7850,11 +8409,7 @@
           <a:p>
             <a:r>
               <a:rPr lang="ko-KR" altLang="en-US" sz="1200" dirty="0" smtClean="0"/>
-              <a:t>시간을 </a:t>
-            </a:r>
-            <a:r>
-              <a:rPr lang="ko-KR" altLang="en-US" sz="1200" dirty="0" err="1" smtClean="0"/>
-              <a:t>재줘</a:t>
+              <a:t>시간을 재줘</a:t>
             </a:r>
             <a:r>
               <a:rPr lang="en-US" altLang="ko-KR" sz="1200" dirty="0" smtClean="0"/>
@@ -7939,13 +8494,16 @@
       <p:cxnSp>
         <p:nvCxnSpPr>
           <p:cNvPr id="36" name="직선 화살표 연결선 35"/>
-          <p:cNvCxnSpPr/>
+          <p:cNvCxnSpPr>
+            <a:stCxn id="5" idx="3"/>
+            <a:endCxn id="35" idx="1"/>
+          </p:cNvCxnSpPr>
           <p:nvPr/>
         </p:nvCxnSpPr>
         <p:spPr>
           <a:xfrm flipV="1">
-            <a:off x="3994462" y="1911264"/>
-            <a:ext cx="1312027" cy="13853"/>
+            <a:off x="3994463" y="1911881"/>
+            <a:ext cx="1312027" cy="617"/>
           </a:xfrm>
           <a:prstGeom prst="straightConnector1">
             <a:avLst/>
@@ -7999,12 +8557,16 @@
               <a:t>몇 초를 </a:t>
             </a:r>
             <a:r>
-              <a:rPr lang="ko-KR" altLang="en-US" sz="1200" dirty="0" err="1" smtClean="0"/>
-              <a:t>새어야</a:t>
+              <a:rPr lang="ko-KR" altLang="en-US" sz="1200" dirty="0"/>
+              <a:t>세</a:t>
             </a:r>
             <a:r>
               <a:rPr lang="ko-KR" altLang="en-US" sz="1200" dirty="0" smtClean="0"/>
-              <a:t> 하는 지 알려줘</a:t>
+              <a:t>어야 </a:t>
+            </a:r>
+            <a:r>
+              <a:rPr lang="ko-KR" altLang="en-US" sz="1200" dirty="0" smtClean="0"/>
+              <a:t>하는 지 알려줘</a:t>
             </a:r>
             <a:r>
               <a:rPr lang="en-US" altLang="ko-KR" sz="1200" dirty="0" smtClean="0"/>
@@ -8070,12 +8632,16 @@
           <a:lstStyle/>
           <a:p>
             <a:r>
-              <a:rPr lang="ko-KR" altLang="en-US" sz="1200" dirty="0" err="1" smtClean="0"/>
-              <a:t>새어야</a:t>
+              <a:rPr lang="ko-KR" altLang="en-US" sz="1200" dirty="0"/>
+              <a:t>세</a:t>
             </a:r>
             <a:r>
               <a:rPr lang="ko-KR" altLang="en-US" sz="1200" dirty="0" smtClean="0"/>
-              <a:t> 하는 초</a:t>
+              <a:t>어야 </a:t>
+            </a:r>
+            <a:r>
+              <a:rPr lang="ko-KR" altLang="en-US" sz="1200" dirty="0" smtClean="0"/>
+              <a:t>하는 초</a:t>
             </a:r>
             <a:r>
               <a:rPr lang="en-US" altLang="ko-KR" sz="1200" dirty="0" smtClean="0"/>
@@ -8184,13 +8750,16 @@
       <p:cxnSp>
         <p:nvCxnSpPr>
           <p:cNvPr id="47" name="직선 화살표 연결선 46"/>
-          <p:cNvCxnSpPr/>
+          <p:cNvCxnSpPr>
+            <a:stCxn id="45" idx="3"/>
+            <a:endCxn id="46" idx="1"/>
+          </p:cNvCxnSpPr>
           <p:nvPr/>
         </p:nvCxnSpPr>
         <p:spPr>
           <a:xfrm flipV="1">
-            <a:off x="4003005" y="3744759"/>
-            <a:ext cx="1312027" cy="13853"/>
+            <a:off x="4003006" y="3745376"/>
+            <a:ext cx="1312027" cy="617"/>
           </a:xfrm>
           <a:prstGeom prst="straightConnector1">
             <a:avLst/>
@@ -8244,12 +8813,8 @@
               <a:t>시간 다 </a:t>
             </a:r>
             <a:r>
-              <a:rPr lang="ko-KR" altLang="en-US" sz="1200" dirty="0" err="1"/>
-              <a:t>세</a:t>
-            </a:r>
-            <a:r>
-              <a:rPr lang="ko-KR" altLang="en-US" sz="1200" dirty="0" err="1" smtClean="0"/>
-              <a:t>었어</a:t>
+              <a:rPr lang="ko-KR" altLang="en-US" sz="1200" dirty="0" smtClean="0"/>
+              <a:t>세었어</a:t>
             </a:r>
             <a:endParaRPr lang="ko-KR" altLang="en-US" sz="1200" dirty="0"/>
           </a:p>
@@ -8338,7 +8903,7 @@
         </p:nvSpPr>
         <p:spPr>
           <a:xfrm>
-            <a:off x="7499894" y="3400539"/>
+            <a:off x="7499894" y="3452295"/>
             <a:ext cx="872834" cy="583125"/>
           </a:xfrm>
           <a:prstGeom prst="rect">
@@ -8367,7 +8932,7 @@
           <a:p>
             <a:pPr algn="ctr"/>
             <a:r>
-              <a:rPr lang="ko-KR" altLang="en-US" dirty="0" err="1" smtClean="0"/>
+              <a:rPr lang="ko-KR" altLang="en-US" dirty="0" smtClean="0"/>
               <a:t>통계관리자</a:t>
             </a:r>
             <a:endParaRPr lang="ko-KR" altLang="en-US" dirty="0"/>
@@ -8377,13 +8942,16 @@
       <p:cxnSp>
         <p:nvCxnSpPr>
           <p:cNvPr id="52" name="직선 화살표 연결선 51"/>
-          <p:cNvCxnSpPr/>
+          <p:cNvCxnSpPr>
+            <a:stCxn id="46" idx="3"/>
+            <a:endCxn id="51" idx="1"/>
+          </p:cNvCxnSpPr>
           <p:nvPr/>
         </p:nvCxnSpPr>
         <p:spPr>
           <a:xfrm flipV="1">
-            <a:off x="6187867" y="3748673"/>
-            <a:ext cx="1312027" cy="13853"/>
+            <a:off x="6187867" y="3743858"/>
+            <a:ext cx="1312027" cy="1518"/>
           </a:xfrm>
           <a:prstGeom prst="straightConnector1">
             <a:avLst/>
@@ -8433,16 +9001,16 @@
           <a:lstStyle/>
           <a:p>
             <a:r>
-              <a:rPr lang="ko-KR" altLang="en-US" sz="1200" dirty="0" err="1" smtClean="0"/>
-              <a:t>작업타입</a:t>
+              <a:rPr lang="ko-KR" altLang="en-US" sz="1200" dirty="0" smtClean="0"/>
+              <a:t>작업 타입</a:t>
             </a:r>
             <a:r>
               <a:rPr lang="en-US" altLang="ko-KR" sz="1200" dirty="0" smtClean="0"/>
               <a:t>, </a:t>
             </a:r>
             <a:r>
-              <a:rPr lang="ko-KR" altLang="en-US" sz="1200" dirty="0" err="1" smtClean="0"/>
-              <a:t>시작시간</a:t>
+              <a:rPr lang="ko-KR" altLang="en-US" sz="1200" dirty="0" smtClean="0"/>
+              <a:t>시작 시간</a:t>
             </a:r>
             <a:r>
               <a:rPr lang="en-US" altLang="ko-KR" sz="1200" dirty="0" smtClean="0"/>
@@ -8531,7 +9099,7 @@
         </p:nvSpPr>
         <p:spPr>
           <a:xfrm>
-            <a:off x="5331148" y="4963694"/>
+            <a:off x="5313896" y="4963694"/>
             <a:ext cx="872834" cy="583125"/>
           </a:xfrm>
           <a:prstGeom prst="rect">
@@ -8578,13 +9146,16 @@
       <p:cxnSp>
         <p:nvCxnSpPr>
           <p:cNvPr id="55" name="직선 화살표 연결선 54"/>
-          <p:cNvCxnSpPr/>
+          <p:cNvCxnSpPr>
+            <a:stCxn id="46" idx="2"/>
+            <a:endCxn id="53" idx="0"/>
+          </p:cNvCxnSpPr>
           <p:nvPr/>
         </p:nvCxnSpPr>
         <p:spPr>
           <a:xfrm flipH="1">
-            <a:off x="5742907" y="4067960"/>
-            <a:ext cx="1880" cy="864711"/>
+            <a:off x="5750313" y="4036938"/>
+            <a:ext cx="1137" cy="926756"/>
           </a:xfrm>
           <a:prstGeom prst="straightConnector1">
             <a:avLst/>
@@ -8638,20 +9209,20 @@
               <a:t>시간 다 </a:t>
             </a:r>
             <a:r>
-              <a:rPr lang="ko-KR" altLang="en-US" sz="1200" dirty="0" err="1" smtClean="0"/>
-              <a:t>세었데</a:t>
+              <a:rPr lang="ko-KR" altLang="en-US" sz="1200" dirty="0" smtClean="0"/>
+              <a:t>세었대</a:t>
             </a:r>
             <a:r>
               <a:rPr lang="en-US" altLang="ko-KR" sz="1200" dirty="0" smtClean="0"/>
               <a:t>, </a:t>
             </a:r>
             <a:r>
-              <a:rPr lang="ko-KR" altLang="en-US" sz="1200" dirty="0" err="1" smtClean="0"/>
-              <a:t>소리좀</a:t>
-            </a:r>
-            <a:r>
               <a:rPr lang="ko-KR" altLang="en-US" sz="1200" dirty="0" smtClean="0"/>
-              <a:t> 굽실</a:t>
+              <a:t>소리 좀 </a:t>
+            </a:r>
+            <a:r>
+              <a:rPr lang="ko-KR" altLang="en-US" sz="1200" dirty="0" smtClean="0"/>
+              <a:t>굽실</a:t>
             </a:r>
             <a:r>
               <a:rPr lang="en-US" altLang="ko-KR" sz="1200" dirty="0" smtClean="0"/>
@@ -8734,13 +9305,13 @@
       </p:grpSpPr>
       <p:sp>
         <p:nvSpPr>
-          <p:cNvPr id="28" name="직사각형 27"/>
+          <p:cNvPr id="54" name="직사각형 53"/>
           <p:cNvSpPr/>
           <p:nvPr/>
         </p:nvSpPr>
         <p:spPr>
           <a:xfrm>
-            <a:off x="2137854" y="1613718"/>
+            <a:off x="1719152" y="1904991"/>
             <a:ext cx="748145" cy="581891"/>
           </a:xfrm>
           <a:prstGeom prst="rect">
@@ -8778,14 +9349,14 @@
       </p:sp>
       <p:sp>
         <p:nvSpPr>
-          <p:cNvPr id="29" name="직사각형 28"/>
+          <p:cNvPr id="55" name="직사각형 54"/>
           <p:cNvSpPr/>
           <p:nvPr/>
         </p:nvSpPr>
         <p:spPr>
           <a:xfrm>
-            <a:off x="4229891" y="1613718"/>
-            <a:ext cx="748145" cy="581891"/>
+            <a:off x="3476485" y="1904991"/>
+            <a:ext cx="995418" cy="581891"/>
           </a:xfrm>
           <a:prstGeom prst="rect">
             <a:avLst/>
@@ -8820,18 +9391,189 @@
           </a:p>
         </p:txBody>
       </p:sp>
+      <p:sp>
+        <p:nvSpPr>
+          <p:cNvPr id="56" name="직사각형 55"/>
+          <p:cNvSpPr/>
+          <p:nvPr/>
+        </p:nvSpPr>
+        <p:spPr>
+          <a:xfrm>
+            <a:off x="5837314" y="1904991"/>
+            <a:ext cx="1434822" cy="581891"/>
+          </a:xfrm>
+          <a:prstGeom prst="rect">
+            <a:avLst/>
+          </a:prstGeom>
+        </p:spPr>
+        <p:style>
+          <a:lnRef idx="2">
+            <a:schemeClr val="accent1">
+              <a:shade val="50000"/>
+            </a:schemeClr>
+          </a:lnRef>
+          <a:fillRef idx="1">
+            <a:schemeClr val="accent1"/>
+          </a:fillRef>
+          <a:effectRef idx="0">
+            <a:schemeClr val="accent1"/>
+          </a:effectRef>
+          <a:fontRef idx="minor">
+            <a:schemeClr val="lt1"/>
+          </a:fontRef>
+        </p:style>
+        <p:txBody>
+          <a:bodyPr rtlCol="0" anchor="ctr"/>
+          <a:lstStyle/>
+          <a:p>
+            <a:pPr algn="ctr"/>
+            <a:r>
+              <a:rPr lang="ko-KR" altLang="en-US" dirty="0" smtClean="0"/>
+              <a:t>시간관리자</a:t>
+            </a:r>
+            <a:endParaRPr lang="en-US" altLang="ko-KR" dirty="0"/>
+          </a:p>
+        </p:txBody>
+      </p:sp>
+      <p:sp>
+        <p:nvSpPr>
+          <p:cNvPr id="58" name="직사각형 57"/>
+          <p:cNvSpPr/>
+          <p:nvPr/>
+        </p:nvSpPr>
+        <p:spPr>
+          <a:xfrm>
+            <a:off x="8787480" y="1904991"/>
+            <a:ext cx="1434822" cy="581891"/>
+          </a:xfrm>
+          <a:prstGeom prst="rect">
+            <a:avLst/>
+          </a:prstGeom>
+        </p:spPr>
+        <p:style>
+          <a:lnRef idx="2">
+            <a:schemeClr val="accent1">
+              <a:shade val="50000"/>
+            </a:schemeClr>
+          </a:lnRef>
+          <a:fillRef idx="1">
+            <a:schemeClr val="accent1"/>
+          </a:fillRef>
+          <a:effectRef idx="0">
+            <a:schemeClr val="accent1"/>
+          </a:effectRef>
+          <a:fontRef idx="minor">
+            <a:schemeClr val="lt1"/>
+          </a:fontRef>
+        </p:style>
+        <p:txBody>
+          <a:bodyPr rtlCol="0" anchor="ctr"/>
+          <a:lstStyle/>
+          <a:p>
+            <a:pPr algn="ctr"/>
+            <a:r>
+              <a:rPr lang="ko-KR" altLang="en-US" dirty="0" smtClean="0"/>
+              <a:t>통계</a:t>
+            </a:r>
+            <a:r>
+              <a:rPr lang="ko-KR" altLang="en-US" dirty="0" smtClean="0"/>
+              <a:t>관리자</a:t>
+            </a:r>
+            <a:endParaRPr lang="en-US" altLang="ko-KR" dirty="0"/>
+          </a:p>
+        </p:txBody>
+      </p:sp>
       <p:cxnSp>
         <p:nvCxnSpPr>
-          <p:cNvPr id="30" name="직선 화살표 연결선 29"/>
+          <p:cNvPr id="59" name="직선 화살표 연결선 58"/>
           <p:cNvCxnSpPr>
-            <a:endCxn id="29" idx="1"/>
+            <a:stCxn id="54" idx="3"/>
+            <a:endCxn id="55" idx="1"/>
           </p:cNvCxnSpPr>
           <p:nvPr/>
         </p:nvCxnSpPr>
         <p:spPr>
-          <a:xfrm flipV="1">
-            <a:off x="2917864" y="1904664"/>
-            <a:ext cx="1312027" cy="13853"/>
+          <a:xfrm>
+            <a:off x="2467297" y="2195937"/>
+            <a:ext cx="1009188" cy="0"/>
+          </a:xfrm>
+          <a:prstGeom prst="straightConnector1">
+            <a:avLst/>
+          </a:prstGeom>
+          <a:ln w="19050">
+            <a:solidFill>
+              <a:schemeClr val="tx1"/>
+            </a:solidFill>
+            <a:tailEnd type="triangle"/>
+          </a:ln>
+        </p:spPr>
+        <p:style>
+          <a:lnRef idx="1">
+            <a:schemeClr val="accent1"/>
+          </a:lnRef>
+          <a:fillRef idx="0">
+            <a:schemeClr val="accent1"/>
+          </a:fillRef>
+          <a:effectRef idx="0">
+            <a:schemeClr val="accent1"/>
+          </a:effectRef>
+          <a:fontRef idx="minor">
+            <a:schemeClr val="tx1"/>
+          </a:fontRef>
+        </p:style>
+      </p:cxnSp>
+      <p:cxnSp>
+        <p:nvCxnSpPr>
+          <p:cNvPr id="60" name="직선 화살표 연결선 59"/>
+          <p:cNvCxnSpPr>
+            <a:stCxn id="55" idx="3"/>
+            <a:endCxn id="56" idx="1"/>
+          </p:cNvCxnSpPr>
+          <p:nvPr/>
+        </p:nvCxnSpPr>
+        <p:spPr>
+          <a:xfrm>
+            <a:off x="4471903" y="2195937"/>
+            <a:ext cx="1365411" cy="0"/>
+          </a:xfrm>
+          <a:prstGeom prst="straightConnector1">
+            <a:avLst/>
+          </a:prstGeom>
+          <a:ln w="19050">
+            <a:solidFill>
+              <a:schemeClr val="tx1"/>
+            </a:solidFill>
+            <a:tailEnd type="triangle"/>
+          </a:ln>
+        </p:spPr>
+        <p:style>
+          <a:lnRef idx="1">
+            <a:schemeClr val="accent1"/>
+          </a:lnRef>
+          <a:fillRef idx="0">
+            <a:schemeClr val="accent1"/>
+          </a:fillRef>
+          <a:effectRef idx="0">
+            <a:schemeClr val="accent1"/>
+          </a:effectRef>
+          <a:fontRef idx="minor">
+            <a:schemeClr val="tx1"/>
+          </a:fontRef>
+        </p:style>
+      </p:cxnSp>
+      <p:cxnSp>
+        <p:nvCxnSpPr>
+          <p:cNvPr id="61" name="직선 화살표 연결선 60"/>
+          <p:cNvCxnSpPr>
+            <a:stCxn id="56" idx="3"/>
+            <a:endCxn id="58" idx="1"/>
+          </p:cNvCxnSpPr>
+          <p:nvPr/>
+        </p:nvCxnSpPr>
+        <p:spPr>
+          <a:xfrm>
+            <a:off x="7272136" y="2195937"/>
+            <a:ext cx="1515344" cy="0"/>
           </a:xfrm>
           <a:prstGeom prst="straightConnector1">
             <a:avLst/>
@@ -8860,14 +9602,14 @@
       </p:cxnSp>
       <p:sp>
         <p:nvSpPr>
-          <p:cNvPr id="31" name="TextBox 30"/>
+          <p:cNvPr id="62" name="TextBox 61"/>
           <p:cNvSpPr txBox="1"/>
           <p:nvPr/>
         </p:nvSpPr>
         <p:spPr>
           <a:xfrm>
-            <a:off x="2980210" y="2057109"/>
-            <a:ext cx="1187336" cy="276999"/>
+            <a:off x="2547324" y="2333423"/>
+            <a:ext cx="829117" cy="276999"/>
           </a:xfrm>
           <a:prstGeom prst="rect">
             <a:avLst/>
@@ -8894,14 +9636,248 @@
       </p:sp>
       <p:sp>
         <p:nvSpPr>
-          <p:cNvPr id="32" name="직사각형 31"/>
+          <p:cNvPr id="63" name="TextBox 62"/>
+          <p:cNvSpPr txBox="1"/>
+          <p:nvPr/>
+        </p:nvSpPr>
+        <p:spPr>
+          <a:xfrm>
+            <a:off x="4639333" y="2394548"/>
+            <a:ext cx="965175" cy="461665"/>
+          </a:xfrm>
+          <a:prstGeom prst="rect">
+            <a:avLst/>
+          </a:prstGeom>
+          <a:noFill/>
+        </p:spPr>
+        <p:txBody>
+          <a:bodyPr wrap="square" rtlCol="0">
+            <a:spAutoFit/>
+          </a:bodyPr>
+          <a:lstStyle/>
+          <a:p>
+            <a:r>
+              <a:rPr lang="ko-KR" altLang="en-US" sz="1200" dirty="0" smtClean="0"/>
+              <a:t>시간 그만 </a:t>
+            </a:r>
+            <a:r>
+              <a:rPr lang="ko-KR" altLang="en-US" sz="1200" dirty="0" smtClean="0"/>
+              <a:t>셀 거야</a:t>
+            </a:r>
+            <a:r>
+              <a:rPr lang="en-US" altLang="ko-KR" sz="1200" dirty="0" smtClean="0"/>
+              <a:t>()</a:t>
+            </a:r>
+            <a:endParaRPr lang="ko-KR" altLang="en-US" sz="1200" dirty="0"/>
+          </a:p>
+        </p:txBody>
+      </p:sp>
+      <p:cxnSp>
+        <p:nvCxnSpPr>
+          <p:cNvPr id="64" name="직선 화살표 연결선 63"/>
+          <p:cNvCxnSpPr/>
+          <p:nvPr/>
+        </p:nvCxnSpPr>
+        <p:spPr>
+          <a:xfrm flipH="1">
+            <a:off x="4541619" y="2070552"/>
+            <a:ext cx="1064548" cy="0"/>
+          </a:xfrm>
+          <a:prstGeom prst="straightConnector1">
+            <a:avLst/>
+          </a:prstGeom>
+          <a:ln>
+            <a:tailEnd type="triangle"/>
+          </a:ln>
+        </p:spPr>
+        <p:style>
+          <a:lnRef idx="1">
+            <a:schemeClr val="accent1"/>
+          </a:lnRef>
+          <a:fillRef idx="0">
+            <a:schemeClr val="accent1"/>
+          </a:fillRef>
+          <a:effectRef idx="0">
+            <a:schemeClr val="accent1"/>
+          </a:effectRef>
+          <a:fontRef idx="minor">
+            <a:schemeClr val="tx1"/>
+          </a:fontRef>
+        </p:style>
+      </p:cxnSp>
+      <p:sp>
+        <p:nvSpPr>
+          <p:cNvPr id="65" name="TextBox 64"/>
+          <p:cNvSpPr txBox="1"/>
+          <p:nvPr/>
+        </p:nvSpPr>
+        <p:spPr>
+          <a:xfrm>
+            <a:off x="4406527" y="1766491"/>
+            <a:ext cx="1430788" cy="276999"/>
+          </a:xfrm>
+          <a:prstGeom prst="rect">
+            <a:avLst/>
+          </a:prstGeom>
+          <a:noFill/>
+        </p:spPr>
+        <p:txBody>
+          <a:bodyPr wrap="square" rtlCol="0">
+            <a:spAutoFit/>
+          </a:bodyPr>
+          <a:lstStyle/>
+          <a:p>
+            <a:r>
+              <a:rPr lang="ko-KR" altLang="en-US" sz="1200" dirty="0"/>
+              <a:t>세</a:t>
+            </a:r>
+            <a:r>
+              <a:rPr lang="ko-KR" altLang="en-US" sz="1200" dirty="0" smtClean="0"/>
+              <a:t>어야 </a:t>
+            </a:r>
+            <a:r>
+              <a:rPr lang="ko-KR" altLang="en-US" sz="1200" dirty="0" smtClean="0"/>
+              <a:t>하는 초</a:t>
+            </a:r>
+            <a:r>
+              <a:rPr lang="en-US" altLang="ko-KR" sz="1200" dirty="0" smtClean="0"/>
+              <a:t>(</a:t>
+            </a:r>
+            <a:r>
+              <a:rPr lang="ko-KR" altLang="en-US" sz="1200" dirty="0" smtClean="0"/>
+              <a:t>일</a:t>
+            </a:r>
+            <a:r>
+              <a:rPr lang="en-US" altLang="ko-KR" sz="1200" dirty="0" smtClean="0"/>
+              <a:t>)</a:t>
+            </a:r>
+            <a:endParaRPr lang="ko-KR" altLang="en-US" sz="1200" dirty="0"/>
+          </a:p>
+        </p:txBody>
+      </p:sp>
+      <p:cxnSp>
+        <p:nvCxnSpPr>
+          <p:cNvPr id="66" name="직선 화살표 연결선 65"/>
+          <p:cNvCxnSpPr/>
+          <p:nvPr/>
+        </p:nvCxnSpPr>
+        <p:spPr>
+          <a:xfrm>
+            <a:off x="7467620" y="2010744"/>
+            <a:ext cx="1115663" cy="0"/>
+          </a:xfrm>
+          <a:prstGeom prst="straightConnector1">
+            <a:avLst/>
+          </a:prstGeom>
+          <a:ln>
+            <a:tailEnd type="triangle"/>
+          </a:ln>
+        </p:spPr>
+        <p:style>
+          <a:lnRef idx="1">
+            <a:schemeClr val="accent1"/>
+          </a:lnRef>
+          <a:fillRef idx="0">
+            <a:schemeClr val="accent1"/>
+          </a:fillRef>
+          <a:effectRef idx="0">
+            <a:schemeClr val="accent1"/>
+          </a:effectRef>
+          <a:fontRef idx="minor">
+            <a:schemeClr val="tx1"/>
+          </a:fontRef>
+        </p:style>
+      </p:cxnSp>
+      <p:sp>
+        <p:nvSpPr>
+          <p:cNvPr id="67" name="TextBox 66"/>
+          <p:cNvSpPr txBox="1"/>
+          <p:nvPr/>
+        </p:nvSpPr>
+        <p:spPr>
+          <a:xfrm>
+            <a:off x="7400610" y="2370601"/>
+            <a:ext cx="1249681" cy="461665"/>
+          </a:xfrm>
+          <a:prstGeom prst="rect">
+            <a:avLst/>
+          </a:prstGeom>
+          <a:noFill/>
+        </p:spPr>
+        <p:txBody>
+          <a:bodyPr wrap="square" rtlCol="0">
+            <a:spAutoFit/>
+          </a:bodyPr>
+          <a:lstStyle/>
+          <a:p>
+            <a:r>
+              <a:rPr lang="ko-KR" altLang="en-US" sz="1200" dirty="0" smtClean="0"/>
+              <a:t>작업을 멈췄다고 기록해줘</a:t>
+            </a:r>
+            <a:r>
+              <a:rPr lang="en-US" altLang="ko-KR" sz="1200" dirty="0" smtClean="0"/>
+              <a:t>()</a:t>
+            </a:r>
+            <a:endParaRPr lang="ko-KR" altLang="en-US" sz="1200" dirty="0"/>
+          </a:p>
+        </p:txBody>
+      </p:sp>
+      <p:sp>
+        <p:nvSpPr>
+          <p:cNvPr id="68" name="TextBox 67"/>
+          <p:cNvSpPr txBox="1"/>
+          <p:nvPr/>
+        </p:nvSpPr>
+        <p:spPr>
+          <a:xfrm>
+            <a:off x="6895630" y="1646541"/>
+            <a:ext cx="3095498" cy="276999"/>
+          </a:xfrm>
+          <a:prstGeom prst="rect">
+            <a:avLst/>
+          </a:prstGeom>
+          <a:noFill/>
+        </p:spPr>
+        <p:txBody>
+          <a:bodyPr wrap="square" rtlCol="0">
+            <a:spAutoFit/>
+          </a:bodyPr>
+          <a:lstStyle/>
+          <a:p>
+            <a:r>
+              <a:rPr lang="ko-KR" altLang="en-US" sz="1200" dirty="0" smtClean="0"/>
+              <a:t>작업 타입</a:t>
+            </a:r>
+            <a:r>
+              <a:rPr lang="en-US" altLang="ko-KR" sz="1200" dirty="0" smtClean="0"/>
+              <a:t>, </a:t>
+            </a:r>
+            <a:r>
+              <a:rPr lang="ko-KR" altLang="en-US" sz="1200" dirty="0" smtClean="0"/>
+              <a:t>시작 시간</a:t>
+            </a:r>
+            <a:r>
+              <a:rPr lang="en-US" altLang="ko-KR" sz="1200" dirty="0" smtClean="0"/>
+              <a:t>, </a:t>
+            </a:r>
+            <a:r>
+              <a:rPr lang="ko-KR" altLang="en-US" sz="1200" dirty="0" smtClean="0"/>
+              <a:t>종료시간</a:t>
+            </a:r>
+            <a:endParaRPr lang="ko-KR" altLang="en-US" sz="1200" dirty="0"/>
+          </a:p>
+        </p:txBody>
+      </p:sp>
+      <p:sp>
+        <p:nvSpPr>
+          <p:cNvPr id="75" name="직사각형 74"/>
           <p:cNvSpPr/>
           <p:nvPr/>
         </p:nvSpPr>
         <p:spPr>
           <a:xfrm>
-            <a:off x="6290063" y="1612484"/>
-            <a:ext cx="872834" cy="583125"/>
+            <a:off x="1719152" y="3988794"/>
+            <a:ext cx="748145" cy="581891"/>
           </a:xfrm>
           <a:prstGeom prst="rect">
             <a:avLst/>
@@ -8929,23 +9905,240 @@
           <a:p>
             <a:pPr algn="ctr"/>
             <a:r>
-              <a:rPr lang="ko-KR" altLang="en-US" dirty="0" err="1" smtClean="0"/>
+              <a:rPr lang="en-US" altLang="ko-KR" dirty="0" smtClean="0"/>
+              <a:t>Main</a:t>
+            </a:r>
+            <a:endParaRPr lang="ko-KR" altLang="en-US" dirty="0"/>
+          </a:p>
+        </p:txBody>
+      </p:sp>
+      <p:sp>
+        <p:nvSpPr>
+          <p:cNvPr id="76" name="직사각형 75"/>
+          <p:cNvSpPr/>
+          <p:nvPr/>
+        </p:nvSpPr>
+        <p:spPr>
+          <a:xfrm>
+            <a:off x="3476485" y="3988794"/>
+            <a:ext cx="995418" cy="581891"/>
+          </a:xfrm>
+          <a:prstGeom prst="rect">
+            <a:avLst/>
+          </a:prstGeom>
+        </p:spPr>
+        <p:style>
+          <a:lnRef idx="2">
+            <a:schemeClr val="accent1">
+              <a:shade val="50000"/>
+            </a:schemeClr>
+          </a:lnRef>
+          <a:fillRef idx="1">
+            <a:schemeClr val="accent1"/>
+          </a:fillRef>
+          <a:effectRef idx="0">
+            <a:schemeClr val="accent1"/>
+          </a:effectRef>
+          <a:fontRef idx="minor">
+            <a:schemeClr val="lt1"/>
+          </a:fontRef>
+        </p:style>
+        <p:txBody>
+          <a:bodyPr rtlCol="0" anchor="ctr"/>
+          <a:lstStyle/>
+          <a:p>
+            <a:pPr algn="ctr"/>
+            <a:r>
+              <a:rPr lang="ko-KR" altLang="en-US" dirty="0" smtClean="0"/>
+              <a:t>카운터</a:t>
+            </a:r>
+            <a:endParaRPr lang="ko-KR" altLang="en-US" dirty="0"/>
+          </a:p>
+        </p:txBody>
+      </p:sp>
+      <p:sp>
+        <p:nvSpPr>
+          <p:cNvPr id="77" name="직사각형 76"/>
+          <p:cNvSpPr/>
+          <p:nvPr/>
+        </p:nvSpPr>
+        <p:spPr>
+          <a:xfrm>
+            <a:off x="5837314" y="3988794"/>
+            <a:ext cx="1434822" cy="581891"/>
+          </a:xfrm>
+          <a:prstGeom prst="rect">
+            <a:avLst/>
+          </a:prstGeom>
+        </p:spPr>
+        <p:style>
+          <a:lnRef idx="2">
+            <a:schemeClr val="accent1">
+              <a:shade val="50000"/>
+            </a:schemeClr>
+          </a:lnRef>
+          <a:fillRef idx="1">
+            <a:schemeClr val="accent1"/>
+          </a:fillRef>
+          <a:effectRef idx="0">
+            <a:schemeClr val="accent1"/>
+          </a:effectRef>
+          <a:fontRef idx="minor">
+            <a:schemeClr val="lt1"/>
+          </a:fontRef>
+        </p:style>
+        <p:txBody>
+          <a:bodyPr rtlCol="0" anchor="ctr"/>
+          <a:lstStyle/>
+          <a:p>
+            <a:pPr algn="ctr"/>
+            <a:r>
+              <a:rPr lang="ko-KR" altLang="en-US" dirty="0" smtClean="0"/>
               <a:t>시간관리자</a:t>
             </a:r>
-            <a:endParaRPr lang="ko-KR" altLang="en-US" dirty="0"/>
+            <a:endParaRPr lang="en-US" altLang="ko-KR" dirty="0"/>
+          </a:p>
+        </p:txBody>
+      </p:sp>
+      <p:sp>
+        <p:nvSpPr>
+          <p:cNvPr id="78" name="직사각형 77"/>
+          <p:cNvSpPr/>
+          <p:nvPr/>
+        </p:nvSpPr>
+        <p:spPr>
+          <a:xfrm>
+            <a:off x="8787480" y="3988794"/>
+            <a:ext cx="1434822" cy="581891"/>
+          </a:xfrm>
+          <a:prstGeom prst="rect">
+            <a:avLst/>
+          </a:prstGeom>
+        </p:spPr>
+        <p:style>
+          <a:lnRef idx="2">
+            <a:schemeClr val="accent1">
+              <a:shade val="50000"/>
+            </a:schemeClr>
+          </a:lnRef>
+          <a:fillRef idx="1">
+            <a:schemeClr val="accent1"/>
+          </a:fillRef>
+          <a:effectRef idx="0">
+            <a:schemeClr val="accent1"/>
+          </a:effectRef>
+          <a:fontRef idx="minor">
+            <a:schemeClr val="lt1"/>
+          </a:fontRef>
+        </p:style>
+        <p:txBody>
+          <a:bodyPr rtlCol="0" anchor="ctr"/>
+          <a:lstStyle/>
+          <a:p>
+            <a:pPr algn="ctr"/>
+            <a:r>
+              <a:rPr lang="ko-KR" altLang="en-US" dirty="0" smtClean="0"/>
+              <a:t>통계</a:t>
+            </a:r>
+            <a:r>
+              <a:rPr lang="ko-KR" altLang="en-US" dirty="0" smtClean="0"/>
+              <a:t>관리자</a:t>
+            </a:r>
+            <a:endParaRPr lang="en-US" altLang="ko-KR" dirty="0"/>
           </a:p>
         </p:txBody>
       </p:sp>
       <p:cxnSp>
         <p:nvCxnSpPr>
-          <p:cNvPr id="33" name="직선 화살표 연결선 32"/>
-          <p:cNvCxnSpPr/>
+          <p:cNvPr id="79" name="직선 화살표 연결선 78"/>
+          <p:cNvCxnSpPr>
+            <a:stCxn id="75" idx="3"/>
+            <a:endCxn id="76" idx="1"/>
+          </p:cNvCxnSpPr>
           <p:nvPr/>
         </p:nvCxnSpPr>
         <p:spPr>
-          <a:xfrm flipV="1">
-            <a:off x="4978035" y="1903430"/>
-            <a:ext cx="1312027" cy="13853"/>
+          <a:xfrm>
+            <a:off x="2467297" y="4279740"/>
+            <a:ext cx="1009188" cy="0"/>
+          </a:xfrm>
+          <a:prstGeom prst="straightConnector1">
+            <a:avLst/>
+          </a:prstGeom>
+          <a:ln w="19050">
+            <a:solidFill>
+              <a:schemeClr val="tx1"/>
+            </a:solidFill>
+            <a:tailEnd type="triangle"/>
+          </a:ln>
+        </p:spPr>
+        <p:style>
+          <a:lnRef idx="1">
+            <a:schemeClr val="accent1"/>
+          </a:lnRef>
+          <a:fillRef idx="0">
+            <a:schemeClr val="accent1"/>
+          </a:fillRef>
+          <a:effectRef idx="0">
+            <a:schemeClr val="accent1"/>
+          </a:effectRef>
+          <a:fontRef idx="minor">
+            <a:schemeClr val="tx1"/>
+          </a:fontRef>
+        </p:style>
+      </p:cxnSp>
+      <p:cxnSp>
+        <p:nvCxnSpPr>
+          <p:cNvPr id="80" name="직선 화살표 연결선 79"/>
+          <p:cNvCxnSpPr>
+            <a:stCxn id="76" idx="3"/>
+            <a:endCxn id="77" idx="1"/>
+          </p:cNvCxnSpPr>
+          <p:nvPr/>
+        </p:nvCxnSpPr>
+        <p:spPr>
+          <a:xfrm>
+            <a:off x="4471903" y="4279740"/>
+            <a:ext cx="1365411" cy="0"/>
+          </a:xfrm>
+          <a:prstGeom prst="straightConnector1">
+            <a:avLst/>
+          </a:prstGeom>
+          <a:ln w="19050">
+            <a:solidFill>
+              <a:schemeClr val="tx1"/>
+            </a:solidFill>
+            <a:tailEnd type="triangle"/>
+          </a:ln>
+        </p:spPr>
+        <p:style>
+          <a:lnRef idx="1">
+            <a:schemeClr val="accent1"/>
+          </a:lnRef>
+          <a:fillRef idx="0">
+            <a:schemeClr val="accent1"/>
+          </a:fillRef>
+          <a:effectRef idx="0">
+            <a:schemeClr val="accent1"/>
+          </a:effectRef>
+          <a:fontRef idx="minor">
+            <a:schemeClr val="tx1"/>
+          </a:fontRef>
+        </p:style>
+      </p:cxnSp>
+      <p:cxnSp>
+        <p:nvCxnSpPr>
+          <p:cNvPr id="81" name="직선 화살표 연결선 80"/>
+          <p:cNvCxnSpPr>
+            <a:stCxn id="77" idx="3"/>
+            <a:endCxn id="78" idx="1"/>
+          </p:cNvCxnSpPr>
+          <p:nvPr/>
+        </p:nvCxnSpPr>
+        <p:spPr>
+          <a:xfrm>
+            <a:off x="7272136" y="4279740"/>
+            <a:ext cx="1515344" cy="0"/>
           </a:xfrm>
           <a:prstGeom prst="straightConnector1">
             <a:avLst/>
@@ -8974,14 +10167,14 @@
       </p:cxnSp>
       <p:sp>
         <p:nvSpPr>
-          <p:cNvPr id="34" name="TextBox 33"/>
+          <p:cNvPr id="82" name="TextBox 81"/>
           <p:cNvSpPr txBox="1"/>
           <p:nvPr/>
         </p:nvSpPr>
         <p:spPr>
           <a:xfrm>
-            <a:off x="5040381" y="2055875"/>
-            <a:ext cx="1187336" cy="461665"/>
+            <a:off x="2547324" y="4432184"/>
+            <a:ext cx="1015385" cy="276999"/>
           </a:xfrm>
           <a:prstGeom prst="rect">
             <a:avLst/>
@@ -8995,31 +10188,60 @@
           <a:lstStyle/>
           <a:p>
             <a:r>
-              <a:rPr lang="ko-KR" altLang="en-US" sz="1200" dirty="0" smtClean="0"/>
-              <a:t>시간 그만 </a:t>
-            </a:r>
-            <a:r>
-              <a:rPr lang="ko-KR" altLang="en-US" sz="1200" dirty="0" err="1" smtClean="0"/>
-              <a:t>셀거야</a:t>
+              <a:rPr lang="ko-KR" altLang="en-US" sz="1200" smtClean="0"/>
+              <a:t>잠시 멈춰</a:t>
             </a:r>
             <a:r>
               <a:rPr lang="en-US" altLang="ko-KR" sz="1200" dirty="0" smtClean="0"/>
               <a:t>()</a:t>
             </a:r>
             <a:endParaRPr lang="ko-KR" altLang="en-US" sz="1200" dirty="0"/>
+          </a:p>
+        </p:txBody>
+      </p:sp>
+      <p:sp>
+        <p:nvSpPr>
+          <p:cNvPr id="83" name="TextBox 82"/>
+          <p:cNvSpPr txBox="1"/>
+          <p:nvPr/>
+        </p:nvSpPr>
+        <p:spPr>
+          <a:xfrm>
+            <a:off x="4672020" y="4478350"/>
+            <a:ext cx="965175" cy="461665"/>
+          </a:xfrm>
+          <a:prstGeom prst="rect">
+            <a:avLst/>
+          </a:prstGeom>
+          <a:noFill/>
+        </p:spPr>
+        <p:txBody>
+          <a:bodyPr wrap="square" rtlCol="0">
+            <a:spAutoFit/>
+          </a:bodyPr>
+          <a:lstStyle/>
+          <a:p>
+            <a:r>
+              <a:rPr lang="ko-KR" altLang="en-US" sz="1200" dirty="0" smtClean="0"/>
+              <a:t>잠시 멈출 거야</a:t>
+            </a:r>
+            <a:r>
+              <a:rPr lang="en-US" altLang="ko-KR" sz="1200" dirty="0" smtClean="0"/>
+              <a:t>()</a:t>
+            </a:r>
           </a:p>
         </p:txBody>
       </p:sp>
       <p:cxnSp>
         <p:nvCxnSpPr>
-          <p:cNvPr id="35" name="직선 화살표 연결선 34"/>
+          <p:cNvPr id="86" name="직선 화살표 연결선 85"/>
           <p:cNvCxnSpPr/>
           <p:nvPr/>
         </p:nvCxnSpPr>
         <p:spPr>
-          <a:xfrm flipH="1">
-            <a:off x="5162963" y="1683539"/>
-            <a:ext cx="757382" cy="0"/>
+          <a:xfrm>
+            <a:off x="7467620" y="4094547"/>
+            <a:ext cx="1115663" cy="0"/>
           </a:xfrm>
           <a:prstGeom prst="straightConnector1">
             <a:avLst/>
@@ -9045,172 +10267,13 @@
       </p:cxnSp>
       <p:sp>
         <p:nvSpPr>
-          <p:cNvPr id="36" name="TextBox 35"/>
+          <p:cNvPr id="87" name="TextBox 86"/>
           <p:cNvSpPr txBox="1"/>
           <p:nvPr/>
         </p:nvSpPr>
         <p:spPr>
           <a:xfrm>
-            <a:off x="4957253" y="1379478"/>
-            <a:ext cx="1760122" cy="276999"/>
-          </a:xfrm>
-          <a:prstGeom prst="rect">
-            <a:avLst/>
-          </a:prstGeom>
-          <a:noFill/>
-        </p:spPr>
-        <p:txBody>
-          <a:bodyPr wrap="square" rtlCol="0">
-            <a:spAutoFit/>
-          </a:bodyPr>
-          <a:lstStyle/>
-          <a:p>
-            <a:r>
-              <a:rPr lang="ko-KR" altLang="en-US" sz="1200" dirty="0" err="1" smtClean="0"/>
-              <a:t>새어야</a:t>
-            </a:r>
-            <a:r>
-              <a:rPr lang="ko-KR" altLang="en-US" sz="1200" dirty="0" smtClean="0"/>
-              <a:t> 하는 초</a:t>
-            </a:r>
-            <a:r>
-              <a:rPr lang="en-US" altLang="ko-KR" sz="1200" dirty="0" smtClean="0"/>
-              <a:t>(</a:t>
-            </a:r>
-            <a:r>
-              <a:rPr lang="ko-KR" altLang="en-US" sz="1200" dirty="0" smtClean="0"/>
-              <a:t>일</a:t>
-            </a:r>
-            <a:r>
-              <a:rPr lang="en-US" altLang="ko-KR" sz="1200" dirty="0" smtClean="0"/>
-              <a:t>)</a:t>
-            </a:r>
-            <a:endParaRPr lang="ko-KR" altLang="en-US" sz="1200" dirty="0"/>
-          </a:p>
-        </p:txBody>
-      </p:sp>
-      <p:sp>
-        <p:nvSpPr>
-          <p:cNvPr id="37" name="직사각형 36"/>
-          <p:cNvSpPr/>
-          <p:nvPr/>
-        </p:nvSpPr>
-        <p:spPr>
-          <a:xfrm>
-            <a:off x="8482053" y="1523643"/>
-            <a:ext cx="872834" cy="583125"/>
-          </a:xfrm>
-          <a:prstGeom prst="rect">
-            <a:avLst/>
-          </a:prstGeom>
-        </p:spPr>
-        <p:style>
-          <a:lnRef idx="2">
-            <a:schemeClr val="accent1">
-              <a:shade val="50000"/>
-            </a:schemeClr>
-          </a:lnRef>
-          <a:fillRef idx="1">
-            <a:schemeClr val="accent1"/>
-          </a:fillRef>
-          <a:effectRef idx="0">
-            <a:schemeClr val="accent1"/>
-          </a:effectRef>
-          <a:fontRef idx="minor">
-            <a:schemeClr val="lt1"/>
-          </a:fontRef>
-        </p:style>
-        <p:txBody>
-          <a:bodyPr rtlCol="0" anchor="ctr"/>
-          <a:lstStyle/>
-          <a:p>
-            <a:pPr algn="ctr"/>
-            <a:r>
-              <a:rPr lang="ko-KR" altLang="en-US" dirty="0" err="1" smtClean="0"/>
-              <a:t>통계관리자</a:t>
-            </a:r>
-            <a:endParaRPr lang="ko-KR" altLang="en-US" dirty="0"/>
-          </a:p>
-        </p:txBody>
-      </p:sp>
-      <p:cxnSp>
-        <p:nvCxnSpPr>
-          <p:cNvPr id="38" name="직선 화살표 연결선 37"/>
-          <p:cNvCxnSpPr/>
-          <p:nvPr/>
-        </p:nvCxnSpPr>
-        <p:spPr>
-          <a:xfrm flipV="1">
-            <a:off x="7170026" y="1871777"/>
-            <a:ext cx="1312027" cy="13853"/>
-          </a:xfrm>
-          <a:prstGeom prst="straightConnector1">
-            <a:avLst/>
-          </a:prstGeom>
-          <a:ln w="19050">
-            <a:solidFill>
-              <a:schemeClr val="tx1"/>
-            </a:solidFill>
-            <a:tailEnd type="triangle"/>
-          </a:ln>
-        </p:spPr>
-        <p:style>
-          <a:lnRef idx="1">
-            <a:schemeClr val="accent1"/>
-          </a:lnRef>
-          <a:fillRef idx="0">
-            <a:schemeClr val="accent1"/>
-          </a:fillRef>
-          <a:effectRef idx="0">
-            <a:schemeClr val="accent1"/>
-          </a:effectRef>
-          <a:fontRef idx="minor">
-            <a:schemeClr val="tx1"/>
-          </a:fontRef>
-        </p:style>
-      </p:cxnSp>
-      <p:cxnSp>
-        <p:nvCxnSpPr>
-          <p:cNvPr id="39" name="직선 화살표 연결선 38"/>
-          <p:cNvCxnSpPr/>
-          <p:nvPr/>
-        </p:nvCxnSpPr>
-        <p:spPr>
-          <a:xfrm>
-            <a:off x="7443949" y="1660098"/>
-            <a:ext cx="706813" cy="0"/>
-          </a:xfrm>
-          <a:prstGeom prst="straightConnector1">
-            <a:avLst/>
-          </a:prstGeom>
-          <a:ln>
-            <a:tailEnd type="triangle"/>
-          </a:ln>
-        </p:spPr>
-        <p:style>
-          <a:lnRef idx="1">
-            <a:schemeClr val="accent1"/>
-          </a:lnRef>
-          <a:fillRef idx="0">
-            <a:schemeClr val="accent1"/>
-          </a:fillRef>
-          <a:effectRef idx="0">
-            <a:schemeClr val="accent1"/>
-          </a:effectRef>
-          <a:fontRef idx="minor">
-            <a:schemeClr val="tx1"/>
-          </a:fontRef>
-        </p:style>
-      </p:cxnSp>
-      <p:sp>
-        <p:nvSpPr>
-          <p:cNvPr id="40" name="TextBox 39"/>
-          <p:cNvSpPr txBox="1"/>
-          <p:nvPr/>
-        </p:nvSpPr>
-        <p:spPr>
-          <a:xfrm>
-            <a:off x="7232372" y="2019955"/>
+            <a:off x="7400610" y="4454404"/>
             <a:ext cx="1249681" cy="461665"/>
           </a:xfrm>
           <a:prstGeom prst="rect">
@@ -9238,438 +10301,13 @@
       </p:sp>
       <p:sp>
         <p:nvSpPr>
-          <p:cNvPr id="41" name="직사각형 40"/>
-          <p:cNvSpPr/>
-          <p:nvPr/>
-        </p:nvSpPr>
-        <p:spPr>
-          <a:xfrm>
-            <a:off x="2075509" y="2849382"/>
-            <a:ext cx="748145" cy="581891"/>
-          </a:xfrm>
-          <a:prstGeom prst="rect">
-            <a:avLst/>
-          </a:prstGeom>
-        </p:spPr>
-        <p:style>
-          <a:lnRef idx="2">
-            <a:schemeClr val="accent1">
-              <a:shade val="50000"/>
-            </a:schemeClr>
-          </a:lnRef>
-          <a:fillRef idx="1">
-            <a:schemeClr val="accent1"/>
-          </a:fillRef>
-          <a:effectRef idx="0">
-            <a:schemeClr val="accent1"/>
-          </a:effectRef>
-          <a:fontRef idx="minor">
-            <a:schemeClr val="lt1"/>
-          </a:fontRef>
-        </p:style>
-        <p:txBody>
-          <a:bodyPr rtlCol="0" anchor="ctr"/>
-          <a:lstStyle/>
-          <a:p>
-            <a:pPr algn="ctr"/>
-            <a:r>
-              <a:rPr lang="en-US" altLang="ko-KR" dirty="0" smtClean="0"/>
-              <a:t>Main</a:t>
-            </a:r>
-            <a:endParaRPr lang="ko-KR" altLang="en-US" dirty="0"/>
-          </a:p>
-        </p:txBody>
-      </p:sp>
-      <p:sp>
-        <p:nvSpPr>
-          <p:cNvPr id="42" name="직사각형 41"/>
-          <p:cNvSpPr/>
-          <p:nvPr/>
-        </p:nvSpPr>
-        <p:spPr>
-          <a:xfrm>
-            <a:off x="4167546" y="2849382"/>
-            <a:ext cx="748145" cy="581891"/>
-          </a:xfrm>
-          <a:prstGeom prst="rect">
-            <a:avLst/>
-          </a:prstGeom>
-        </p:spPr>
-        <p:style>
-          <a:lnRef idx="2">
-            <a:schemeClr val="accent1">
-              <a:shade val="50000"/>
-            </a:schemeClr>
-          </a:lnRef>
-          <a:fillRef idx="1">
-            <a:schemeClr val="accent1"/>
-          </a:fillRef>
-          <a:effectRef idx="0">
-            <a:schemeClr val="accent1"/>
-          </a:effectRef>
-          <a:fontRef idx="minor">
-            <a:schemeClr val="lt1"/>
-          </a:fontRef>
-        </p:style>
-        <p:txBody>
-          <a:bodyPr rtlCol="0" anchor="ctr"/>
-          <a:lstStyle/>
-          <a:p>
-            <a:pPr algn="ctr"/>
-            <a:r>
-              <a:rPr lang="ko-KR" altLang="en-US" dirty="0" smtClean="0"/>
-              <a:t>카운터</a:t>
-            </a:r>
-            <a:endParaRPr lang="ko-KR" altLang="en-US" dirty="0"/>
-          </a:p>
-        </p:txBody>
-      </p:sp>
-      <p:cxnSp>
-        <p:nvCxnSpPr>
-          <p:cNvPr id="43" name="직선 화살표 연결선 42"/>
-          <p:cNvCxnSpPr>
-            <a:endCxn id="42" idx="1"/>
-          </p:cNvCxnSpPr>
-          <p:nvPr/>
-        </p:nvCxnSpPr>
-        <p:spPr>
-          <a:xfrm flipV="1">
-            <a:off x="2855519" y="3140328"/>
-            <a:ext cx="1312027" cy="13853"/>
-          </a:xfrm>
-          <a:prstGeom prst="straightConnector1">
-            <a:avLst/>
-          </a:prstGeom>
-          <a:ln w="19050">
-            <a:solidFill>
-              <a:schemeClr val="tx1"/>
-            </a:solidFill>
-            <a:tailEnd type="triangle"/>
-          </a:ln>
-        </p:spPr>
-        <p:style>
-          <a:lnRef idx="1">
-            <a:schemeClr val="accent1"/>
-          </a:lnRef>
-          <a:fillRef idx="0">
-            <a:schemeClr val="accent1"/>
-          </a:fillRef>
-          <a:effectRef idx="0">
-            <a:schemeClr val="accent1"/>
-          </a:effectRef>
-          <a:fontRef idx="minor">
-            <a:schemeClr val="tx1"/>
-          </a:fontRef>
-        </p:style>
-      </p:cxnSp>
-      <p:sp>
-        <p:nvSpPr>
-          <p:cNvPr id="44" name="TextBox 43"/>
+          <p:cNvPr id="88" name="TextBox 87"/>
           <p:cNvSpPr txBox="1"/>
           <p:nvPr/>
         </p:nvSpPr>
         <p:spPr>
           <a:xfrm>
-            <a:off x="2917865" y="3292773"/>
-            <a:ext cx="1187336" cy="276999"/>
-          </a:xfrm>
-          <a:prstGeom prst="rect">
-            <a:avLst/>
-          </a:prstGeom>
-          <a:noFill/>
-        </p:spPr>
-        <p:txBody>
-          <a:bodyPr wrap="square" rtlCol="0">
-            <a:spAutoFit/>
-          </a:bodyPr>
-          <a:lstStyle/>
-          <a:p>
-            <a:r>
-              <a:rPr lang="ko-KR" altLang="en-US" sz="1200" dirty="0" smtClean="0"/>
-              <a:t>잠시 멈춰</a:t>
-            </a:r>
-            <a:r>
-              <a:rPr lang="en-US" altLang="ko-KR" sz="1200" dirty="0" smtClean="0"/>
-              <a:t>()</a:t>
-            </a:r>
-            <a:endParaRPr lang="ko-KR" altLang="en-US" sz="1200" dirty="0"/>
-          </a:p>
-        </p:txBody>
-      </p:sp>
-      <p:sp>
-        <p:nvSpPr>
-          <p:cNvPr id="45" name="직사각형 44"/>
-          <p:cNvSpPr/>
-          <p:nvPr/>
-        </p:nvSpPr>
-        <p:spPr>
-          <a:xfrm>
-            <a:off x="6227718" y="2848148"/>
-            <a:ext cx="872834" cy="583125"/>
-          </a:xfrm>
-          <a:prstGeom prst="rect">
-            <a:avLst/>
-          </a:prstGeom>
-        </p:spPr>
-        <p:style>
-          <a:lnRef idx="2">
-            <a:schemeClr val="accent1">
-              <a:shade val="50000"/>
-            </a:schemeClr>
-          </a:lnRef>
-          <a:fillRef idx="1">
-            <a:schemeClr val="accent1"/>
-          </a:fillRef>
-          <a:effectRef idx="0">
-            <a:schemeClr val="accent1"/>
-          </a:effectRef>
-          <a:fontRef idx="minor">
-            <a:schemeClr val="lt1"/>
-          </a:fontRef>
-        </p:style>
-        <p:txBody>
-          <a:bodyPr rtlCol="0" anchor="ctr"/>
-          <a:lstStyle/>
-          <a:p>
-            <a:pPr algn="ctr"/>
-            <a:r>
-              <a:rPr lang="ko-KR" altLang="en-US" dirty="0" err="1" smtClean="0"/>
-              <a:t>시간관리자</a:t>
-            </a:r>
-            <a:endParaRPr lang="ko-KR" altLang="en-US" dirty="0"/>
-          </a:p>
-        </p:txBody>
-      </p:sp>
-      <p:cxnSp>
-        <p:nvCxnSpPr>
-          <p:cNvPr id="46" name="직선 화살표 연결선 45"/>
-          <p:cNvCxnSpPr/>
-          <p:nvPr/>
-        </p:nvCxnSpPr>
-        <p:spPr>
-          <a:xfrm flipV="1">
-            <a:off x="4915690" y="3139094"/>
-            <a:ext cx="1312027" cy="13853"/>
-          </a:xfrm>
-          <a:prstGeom prst="straightConnector1">
-            <a:avLst/>
-          </a:prstGeom>
-          <a:ln w="19050">
-            <a:solidFill>
-              <a:schemeClr val="tx1"/>
-            </a:solidFill>
-            <a:tailEnd type="triangle"/>
-          </a:ln>
-        </p:spPr>
-        <p:style>
-          <a:lnRef idx="1">
-            <a:schemeClr val="accent1"/>
-          </a:lnRef>
-          <a:fillRef idx="0">
-            <a:schemeClr val="accent1"/>
-          </a:fillRef>
-          <a:effectRef idx="0">
-            <a:schemeClr val="accent1"/>
-          </a:effectRef>
-          <a:fontRef idx="minor">
-            <a:schemeClr val="tx1"/>
-          </a:fontRef>
-        </p:style>
-      </p:cxnSp>
-      <p:sp>
-        <p:nvSpPr>
-          <p:cNvPr id="47" name="TextBox 46"/>
-          <p:cNvSpPr txBox="1"/>
-          <p:nvPr/>
-        </p:nvSpPr>
-        <p:spPr>
-          <a:xfrm>
-            <a:off x="4978036" y="3291539"/>
-            <a:ext cx="1187336" cy="461665"/>
-          </a:xfrm>
-          <a:prstGeom prst="rect">
-            <a:avLst/>
-          </a:prstGeom>
-          <a:noFill/>
-        </p:spPr>
-        <p:txBody>
-          <a:bodyPr wrap="square" rtlCol="0">
-            <a:spAutoFit/>
-          </a:bodyPr>
-          <a:lstStyle/>
-          <a:p>
-            <a:r>
-              <a:rPr lang="ko-KR" altLang="en-US" sz="1200" dirty="0" smtClean="0"/>
-              <a:t>잠시 </a:t>
-            </a:r>
-            <a:r>
-              <a:rPr lang="ko-KR" altLang="en-US" sz="1200" dirty="0" err="1" smtClean="0"/>
-              <a:t>멈출거야</a:t>
-            </a:r>
-            <a:r>
-              <a:rPr lang="en-US" altLang="ko-KR" sz="1200" dirty="0" smtClean="0"/>
-              <a:t>()</a:t>
-            </a:r>
-            <a:endParaRPr lang="ko-KR" altLang="en-US" sz="1200" dirty="0"/>
-          </a:p>
-        </p:txBody>
-      </p:sp>
-      <p:sp>
-        <p:nvSpPr>
-          <p:cNvPr id="48" name="직사각형 47"/>
-          <p:cNvSpPr/>
-          <p:nvPr/>
-        </p:nvSpPr>
-        <p:spPr>
-          <a:xfrm>
-            <a:off x="8419708" y="2759307"/>
-            <a:ext cx="872834" cy="583125"/>
-          </a:xfrm>
-          <a:prstGeom prst="rect">
-            <a:avLst/>
-          </a:prstGeom>
-        </p:spPr>
-        <p:style>
-          <a:lnRef idx="2">
-            <a:schemeClr val="accent1">
-              <a:shade val="50000"/>
-            </a:schemeClr>
-          </a:lnRef>
-          <a:fillRef idx="1">
-            <a:schemeClr val="accent1"/>
-          </a:fillRef>
-          <a:effectRef idx="0">
-            <a:schemeClr val="accent1"/>
-          </a:effectRef>
-          <a:fontRef idx="minor">
-            <a:schemeClr val="lt1"/>
-          </a:fontRef>
-        </p:style>
-        <p:txBody>
-          <a:bodyPr rtlCol="0" anchor="ctr"/>
-          <a:lstStyle/>
-          <a:p>
-            <a:pPr algn="ctr"/>
-            <a:r>
-              <a:rPr lang="ko-KR" altLang="en-US" dirty="0" err="1" smtClean="0"/>
-              <a:t>통계관리자</a:t>
-            </a:r>
-            <a:endParaRPr lang="ko-KR" altLang="en-US" dirty="0"/>
-          </a:p>
-        </p:txBody>
-      </p:sp>
-      <p:cxnSp>
-        <p:nvCxnSpPr>
-          <p:cNvPr id="49" name="직선 화살표 연결선 48"/>
-          <p:cNvCxnSpPr/>
-          <p:nvPr/>
-        </p:nvCxnSpPr>
-        <p:spPr>
-          <a:xfrm flipV="1">
-            <a:off x="7107681" y="3107441"/>
-            <a:ext cx="1312027" cy="13853"/>
-          </a:xfrm>
-          <a:prstGeom prst="straightConnector1">
-            <a:avLst/>
-          </a:prstGeom>
-          <a:ln w="19050">
-            <a:solidFill>
-              <a:schemeClr val="tx1"/>
-            </a:solidFill>
-            <a:tailEnd type="triangle"/>
-          </a:ln>
-        </p:spPr>
-        <p:style>
-          <a:lnRef idx="1">
-            <a:schemeClr val="accent1"/>
-          </a:lnRef>
-          <a:fillRef idx="0">
-            <a:schemeClr val="accent1"/>
-          </a:fillRef>
-          <a:effectRef idx="0">
-            <a:schemeClr val="accent1"/>
-          </a:effectRef>
-          <a:fontRef idx="minor">
-            <a:schemeClr val="tx1"/>
-          </a:fontRef>
-        </p:style>
-      </p:cxnSp>
-      <p:cxnSp>
-        <p:nvCxnSpPr>
-          <p:cNvPr id="50" name="직선 화살표 연결선 49"/>
-          <p:cNvCxnSpPr/>
-          <p:nvPr/>
-        </p:nvCxnSpPr>
-        <p:spPr>
-          <a:xfrm>
-            <a:off x="7381604" y="2895762"/>
-            <a:ext cx="706813" cy="0"/>
-          </a:xfrm>
-          <a:prstGeom prst="straightConnector1">
-            <a:avLst/>
-          </a:prstGeom>
-          <a:ln>
-            <a:tailEnd type="triangle"/>
-          </a:ln>
-        </p:spPr>
-        <p:style>
-          <a:lnRef idx="1">
-            <a:schemeClr val="accent1"/>
-          </a:lnRef>
-          <a:fillRef idx="0">
-            <a:schemeClr val="accent1"/>
-          </a:fillRef>
-          <a:effectRef idx="0">
-            <a:schemeClr val="accent1"/>
-          </a:effectRef>
-          <a:fontRef idx="minor">
-            <a:schemeClr val="tx1"/>
-          </a:fontRef>
-        </p:style>
-      </p:cxnSp>
-      <p:sp>
-        <p:nvSpPr>
-          <p:cNvPr id="51" name="TextBox 50"/>
-          <p:cNvSpPr txBox="1"/>
-          <p:nvPr/>
-        </p:nvSpPr>
-        <p:spPr>
-          <a:xfrm>
-            <a:off x="7170027" y="3255619"/>
-            <a:ext cx="1249681" cy="461665"/>
-          </a:xfrm>
-          <a:prstGeom prst="rect">
-            <a:avLst/>
-          </a:prstGeom>
-          <a:noFill/>
-        </p:spPr>
-        <p:txBody>
-          <a:bodyPr wrap="square" rtlCol="0">
-            <a:spAutoFit/>
-          </a:bodyPr>
-          <a:lstStyle/>
-          <a:p>
-            <a:r>
-              <a:rPr lang="ko-KR" altLang="en-US" sz="1200" dirty="0" smtClean="0"/>
-              <a:t>작업을 멈췄다고 기록해줘</a:t>
-            </a:r>
-            <a:r>
-              <a:rPr lang="en-US" altLang="ko-KR" sz="1200" dirty="0" smtClean="0"/>
-              <a:t>()</a:t>
-            </a:r>
-            <a:endParaRPr lang="ko-KR" altLang="en-US" sz="1200" dirty="0"/>
-          </a:p>
-        </p:txBody>
-      </p:sp>
-      <p:sp>
-        <p:nvSpPr>
-          <p:cNvPr id="52" name="TextBox 51"/>
-          <p:cNvSpPr txBox="1"/>
-          <p:nvPr/>
-        </p:nvSpPr>
-        <p:spPr>
-          <a:xfrm>
-            <a:off x="6871959" y="1295895"/>
+            <a:off x="6895630" y="3730344"/>
             <a:ext cx="3095498" cy="276999"/>
           </a:xfrm>
           <a:prstGeom prst="rect">
@@ -9684,16 +10322,16 @@
           <a:lstStyle/>
           <a:p>
             <a:r>
-              <a:rPr lang="ko-KR" altLang="en-US" sz="1200" dirty="0" err="1" smtClean="0"/>
-              <a:t>작업타입</a:t>
+              <a:rPr lang="ko-KR" altLang="en-US" sz="1200" dirty="0" smtClean="0"/>
+              <a:t>작업 타입</a:t>
             </a:r>
             <a:r>
               <a:rPr lang="en-US" altLang="ko-KR" sz="1200" dirty="0" smtClean="0"/>
               <a:t>, </a:t>
             </a:r>
             <a:r>
-              <a:rPr lang="ko-KR" altLang="en-US" sz="1200" dirty="0" err="1" smtClean="0"/>
-              <a:t>시작시간</a:t>
+              <a:rPr lang="ko-KR" altLang="en-US" sz="1200" dirty="0" smtClean="0"/>
+              <a:t>시작 시간</a:t>
             </a:r>
             <a:r>
               <a:rPr lang="en-US" altLang="ko-KR" sz="1200" dirty="0" smtClean="0"/>
@@ -9701,57 +10339,7 @@
             </a:r>
             <a:r>
               <a:rPr lang="ko-KR" altLang="en-US" sz="1200" dirty="0" smtClean="0"/>
-              <a:t>종료시간</a:t>
-            </a:r>
-            <a:endParaRPr lang="ko-KR" altLang="en-US" sz="1200" dirty="0"/>
-          </a:p>
-        </p:txBody>
-      </p:sp>
-      <p:sp>
-        <p:nvSpPr>
-          <p:cNvPr id="53" name="TextBox 52"/>
-          <p:cNvSpPr txBox="1"/>
-          <p:nvPr/>
-        </p:nvSpPr>
-        <p:spPr>
-          <a:xfrm>
-            <a:off x="6895630" y="2503994"/>
-            <a:ext cx="3095498" cy="276999"/>
-          </a:xfrm>
-          <a:prstGeom prst="rect">
-            <a:avLst/>
-          </a:prstGeom>
-          <a:noFill/>
-        </p:spPr>
-        <p:txBody>
-          <a:bodyPr wrap="square" rtlCol="0">
-            <a:spAutoFit/>
-          </a:bodyPr>
-          <a:lstStyle/>
-          <a:p>
-            <a:r>
-              <a:rPr lang="ko-KR" altLang="en-US" sz="1200" dirty="0" err="1" smtClean="0"/>
-              <a:t>작업타입</a:t>
-            </a:r>
-            <a:r>
-              <a:rPr lang="en-US" altLang="ko-KR" sz="1200" dirty="0" smtClean="0"/>
-              <a:t>, </a:t>
-            </a:r>
-            <a:r>
-              <a:rPr lang="ko-KR" altLang="en-US" sz="1200" dirty="0" err="1" smtClean="0"/>
-              <a:t>시작시간</a:t>
-            </a:r>
-            <a:r>
-              <a:rPr lang="en-US" altLang="ko-KR" sz="1200" dirty="0" smtClean="0"/>
-              <a:t>, </a:t>
-            </a:r>
-            <a:r>
-              <a:rPr lang="ko-KR" altLang="en-US" sz="1200" dirty="0" err="1" smtClean="0"/>
               <a:t>중지시간</a:t>
-            </a:r>
-            <a:r>
-              <a:rPr lang="ko-KR" altLang="en-US" sz="1200" dirty="0" smtClean="0"/>
-              <a:t> </a:t>
             </a:r>
             <a:endParaRPr lang="ko-KR" altLang="en-US" sz="1200" dirty="0"/>
           </a:p>
@@ -10025,7 +10613,7 @@
   <a:extraClrSchemeLst/>
   <a:extLst>
     <a:ext uri="{05A4C25C-085E-4340-85A3-A5531E510DB2}">
-      <thm15:themeFamily xmlns:thm15="http://schemas.microsoft.com/office/thememl/2012/main" name="Office Theme" id="{62F939B6-93AF-4DB8-9C6B-D6C7DFDC589F}" vid="{4A3C46E8-61CC-4603-A589-7422A47A8E4A}"/>
+      <thm15:themeFamily xmlns:thm15="http://schemas.microsoft.com/office/thememl/2012/main" xmlns="" name="Office Theme" id="{62F939B6-93AF-4DB8-9C6B-D6C7DFDC589F}" vid="{4A3C46E8-61CC-4603-A589-7422A47A8E4A}"/>
     </a:ext>
   </a:extLst>
 </a:theme>

--- a/TomatoTimers.pptx
+++ b/TomatoTimers.pptx
@@ -9,7 +9,9 @@
     <p:sldId id="257" r:id="rId3"/>
     <p:sldId id="259" r:id="rId4"/>
     <p:sldId id="258" r:id="rId5"/>
-    <p:sldId id="260" r:id="rId6"/>
+    <p:sldId id="262" r:id="rId6"/>
+    <p:sldId id="260" r:id="rId7"/>
+    <p:sldId id="261" r:id="rId8"/>
   </p:sldIdLst>
   <p:sldSz cx="12192000" cy="6858000"/>
   <p:notesSz cx="6858000" cy="9144000"/>
@@ -110,7 +112,18 @@
   </p:defaultTextStyle>
   <p:extLst>
     <p:ext uri="{EFAFB233-063F-42B5-8137-9DF3F51BA10A}">
-      <p15:sldGuideLst xmlns:p15="http://schemas.microsoft.com/office/powerpoint/2012/main" xmlns=""/>
+      <p15:sldGuideLst xmlns:p15="http://schemas.microsoft.com/office/powerpoint/2012/main">
+        <p15:guide id="1" orient="horz" pos="2160">
+          <p15:clr>
+            <a:srgbClr val="A4A3A4"/>
+          </p15:clr>
+        </p15:guide>
+        <p15:guide id="2" pos="3840">
+          <p15:clr>
+            <a:srgbClr val="A4A3A4"/>
+          </p15:clr>
+        </p15:guide>
+      </p15:sldGuideLst>
     </p:ext>
   </p:extLst>
 </p:presentation>
@@ -247,7 +260,7 @@
           <a:p>
             <a:fld id="{94259862-06F5-4B6E-9EFC-9D174403703B}" type="datetimeFigureOut">
               <a:rPr lang="ko-KR" altLang="en-US" smtClean="0"/>
-              <a:t>2017-06-27</a:t>
+              <a:t>2017-06-28</a:t>
             </a:fld>
             <a:endParaRPr lang="ko-KR" altLang="en-US"/>
           </a:p>
@@ -417,7 +430,7 @@
           <a:p>
             <a:fld id="{94259862-06F5-4B6E-9EFC-9D174403703B}" type="datetimeFigureOut">
               <a:rPr lang="ko-KR" altLang="en-US" smtClean="0"/>
-              <a:t>2017-06-27</a:t>
+              <a:t>2017-06-28</a:t>
             </a:fld>
             <a:endParaRPr lang="ko-KR" altLang="en-US"/>
           </a:p>
@@ -597,7 +610,7 @@
           <a:p>
             <a:fld id="{94259862-06F5-4B6E-9EFC-9D174403703B}" type="datetimeFigureOut">
               <a:rPr lang="ko-KR" altLang="en-US" smtClean="0"/>
-              <a:t>2017-06-27</a:t>
+              <a:t>2017-06-28</a:t>
             </a:fld>
             <a:endParaRPr lang="ko-KR" altLang="en-US"/>
           </a:p>
@@ -767,7 +780,7 @@
           <a:p>
             <a:fld id="{94259862-06F5-4B6E-9EFC-9D174403703B}" type="datetimeFigureOut">
               <a:rPr lang="ko-KR" altLang="en-US" smtClean="0"/>
-              <a:t>2017-06-27</a:t>
+              <a:t>2017-06-28</a:t>
             </a:fld>
             <a:endParaRPr lang="ko-KR" altLang="en-US"/>
           </a:p>
@@ -1013,7 +1026,7 @@
           <a:p>
             <a:fld id="{94259862-06F5-4B6E-9EFC-9D174403703B}" type="datetimeFigureOut">
               <a:rPr lang="ko-KR" altLang="en-US" smtClean="0"/>
-              <a:t>2017-06-27</a:t>
+              <a:t>2017-06-28</a:t>
             </a:fld>
             <a:endParaRPr lang="ko-KR" altLang="en-US"/>
           </a:p>
@@ -1245,7 +1258,7 @@
           <a:p>
             <a:fld id="{94259862-06F5-4B6E-9EFC-9D174403703B}" type="datetimeFigureOut">
               <a:rPr lang="ko-KR" altLang="en-US" smtClean="0"/>
-              <a:t>2017-06-27</a:t>
+              <a:t>2017-06-28</a:t>
             </a:fld>
             <a:endParaRPr lang="ko-KR" altLang="en-US"/>
           </a:p>
@@ -1612,7 +1625,7 @@
           <a:p>
             <a:fld id="{94259862-06F5-4B6E-9EFC-9D174403703B}" type="datetimeFigureOut">
               <a:rPr lang="ko-KR" altLang="en-US" smtClean="0"/>
-              <a:t>2017-06-27</a:t>
+              <a:t>2017-06-28</a:t>
             </a:fld>
             <a:endParaRPr lang="ko-KR" altLang="en-US"/>
           </a:p>
@@ -1730,7 +1743,7 @@
           <a:p>
             <a:fld id="{94259862-06F5-4B6E-9EFC-9D174403703B}" type="datetimeFigureOut">
               <a:rPr lang="ko-KR" altLang="en-US" smtClean="0"/>
-              <a:t>2017-06-27</a:t>
+              <a:t>2017-06-28</a:t>
             </a:fld>
             <a:endParaRPr lang="ko-KR" altLang="en-US"/>
           </a:p>
@@ -1825,7 +1838,7 @@
           <a:p>
             <a:fld id="{94259862-06F5-4B6E-9EFC-9D174403703B}" type="datetimeFigureOut">
               <a:rPr lang="ko-KR" altLang="en-US" smtClean="0"/>
-              <a:t>2017-06-27</a:t>
+              <a:t>2017-06-28</a:t>
             </a:fld>
             <a:endParaRPr lang="ko-KR" altLang="en-US"/>
           </a:p>
@@ -2102,7 +2115,7 @@
           <a:p>
             <a:fld id="{94259862-06F5-4B6E-9EFC-9D174403703B}" type="datetimeFigureOut">
               <a:rPr lang="ko-KR" altLang="en-US" smtClean="0"/>
-              <a:t>2017-06-27</a:t>
+              <a:t>2017-06-28</a:t>
             </a:fld>
             <a:endParaRPr lang="ko-KR" altLang="en-US"/>
           </a:p>
@@ -2355,7 +2368,7 @@
           <a:p>
             <a:fld id="{94259862-06F5-4B6E-9EFC-9D174403703B}" type="datetimeFigureOut">
               <a:rPr lang="ko-KR" altLang="en-US" smtClean="0"/>
-              <a:t>2017-06-27</a:t>
+              <a:t>2017-06-28</a:t>
             </a:fld>
             <a:endParaRPr lang="ko-KR" altLang="en-US"/>
           </a:p>
@@ -2568,7 +2581,7 @@
           <a:p>
             <a:fld id="{94259862-06F5-4B6E-9EFC-9D174403703B}" type="datetimeFigureOut">
               <a:rPr lang="ko-KR" altLang="en-US" smtClean="0"/>
-              <a:t>2017-06-27</a:t>
+              <a:t>2017-06-28</a:t>
             </a:fld>
             <a:endParaRPr lang="ko-KR" altLang="en-US"/>
           </a:p>
@@ -3081,7 +3094,7 @@
         <p:spPr/>
         <p:txBody>
           <a:bodyPr>
-            <a:normAutofit fontScale="70000" lnSpcReduction="20000"/>
+            <a:normAutofit fontScale="55000" lnSpcReduction="20000"/>
           </a:bodyPr>
           <a:lstStyle/>
           <a:p>
@@ -3881,12 +3894,97 @@
               <a:rPr lang="en-US" altLang="ko-KR" dirty="0"/>
               <a:t>. </a:t>
             </a:r>
+            <a:endParaRPr lang="en-US" altLang="ko-KR" dirty="0" smtClean="0"/>
+          </a:p>
+          <a:p>
+            <a:r>
+              <a:rPr lang="ko-KR" altLang="en-US" dirty="0" err="1" smtClean="0"/>
+              <a:t>작업상태는</a:t>
+            </a:r>
+            <a:r>
+              <a:rPr lang="ko-KR" altLang="en-US" dirty="0" smtClean="0"/>
+              <a:t> 일</a:t>
+            </a:r>
+            <a:r>
+              <a:rPr lang="en-US" altLang="ko-KR" dirty="0" smtClean="0"/>
+              <a:t>/</a:t>
+            </a:r>
+            <a:r>
+              <a:rPr lang="ko-KR" altLang="en-US" dirty="0" err="1" smtClean="0"/>
+              <a:t>짧은휴식</a:t>
+            </a:r>
+            <a:r>
+              <a:rPr lang="en-US" altLang="ko-KR" dirty="0" smtClean="0"/>
+              <a:t>/</a:t>
+            </a:r>
+            <a:r>
+              <a:rPr lang="ko-KR" altLang="en-US" dirty="0" err="1" smtClean="0"/>
+              <a:t>긴휴식</a:t>
+            </a:r>
+            <a:r>
+              <a:rPr lang="en-US" altLang="ko-KR" dirty="0" smtClean="0"/>
+              <a:t>/</a:t>
+            </a:r>
+            <a:r>
+              <a:rPr lang="ko-KR" altLang="en-US" dirty="0" smtClean="0"/>
+              <a:t>중지로 나뉜다</a:t>
+            </a:r>
+            <a:r>
+              <a:rPr lang="en-US" altLang="ko-KR" dirty="0" smtClean="0"/>
+              <a:t>. </a:t>
+            </a:r>
             <a:endParaRPr lang="ko-KR" altLang="ko-KR" dirty="0"/>
           </a:p>
           <a:p>
             <a:pPr marL="0" indent="0">
               <a:buNone/>
             </a:pPr>
+            <a:endParaRPr lang="en-US" altLang="ko-KR" dirty="0" smtClean="0"/>
+          </a:p>
+          <a:p>
+            <a:pPr marL="0" indent="0">
+              <a:buNone/>
+            </a:pPr>
+            <a:r>
+              <a:rPr lang="ko-KR" altLang="en-US" dirty="0" smtClean="0"/>
+              <a:t>어떤 일을 하는지 알 수 있도록 </a:t>
+            </a:r>
+            <a:r>
+              <a:rPr lang="ko-KR" altLang="en-US" dirty="0" err="1" smtClean="0"/>
+              <a:t>라벨링</a:t>
+            </a:r>
+            <a:r>
+              <a:rPr lang="ko-KR" altLang="en-US" dirty="0" smtClean="0"/>
+              <a:t> 기능을 </a:t>
+            </a:r>
+            <a:r>
+              <a:rPr lang="ko-KR" altLang="en-US" dirty="0" err="1" smtClean="0"/>
+              <a:t>줄까나</a:t>
+            </a:r>
+            <a:r>
+              <a:rPr lang="en-US" altLang="ko-KR" dirty="0" smtClean="0"/>
+              <a:t>? </a:t>
+            </a:r>
+            <a:r>
+              <a:rPr lang="ko-KR" altLang="en-US" dirty="0" smtClean="0"/>
+              <a:t>코딩</a:t>
+            </a:r>
+            <a:r>
+              <a:rPr lang="en-US" altLang="ko-KR" dirty="0" smtClean="0"/>
+              <a:t>/</a:t>
+            </a:r>
+            <a:r>
+              <a:rPr lang="ko-KR" altLang="en-US" dirty="0" err="1" smtClean="0"/>
+              <a:t>책읽기</a:t>
+            </a:r>
+            <a:r>
+              <a:rPr lang="en-US" altLang="ko-KR" dirty="0" smtClean="0"/>
+              <a:t>/ </a:t>
+            </a:r>
+            <a:r>
+              <a:rPr lang="ko-KR" altLang="en-US" dirty="0" smtClean="0"/>
+              <a:t>등 </a:t>
+            </a:r>
             <a:endParaRPr lang="ko-KR" altLang="en-US" dirty="0"/>
           </a:p>
         </p:txBody>
@@ -3930,7 +4028,7 @@
           <p:nvPr>
             <p:extLst>
               <p:ext uri="{D42A27DB-BD31-4B8C-83A1-F6EECF244321}">
-                <p14:modId xmlns:p14="http://schemas.microsoft.com/office/powerpoint/2010/main" val="1784774044"/>
+                <p14:modId xmlns:p14="http://schemas.microsoft.com/office/powerpoint/2010/main" val="3298691643"/>
               </p:ext>
             </p:extLst>
           </p:nvPr>
@@ -3947,7 +4045,7 @@
                 <a:gridCol w="1756913">
                   <a:extLst>
                     <a:ext uri="{9D8B030D-6E8A-4147-A177-3AD203B41FA5}">
-                      <a16:colId xmlns:a16="http://schemas.microsoft.com/office/drawing/2014/main" xmlns="" val="3386085786"/>
+                      <a16:colId xmlns:a16="http://schemas.microsoft.com/office/drawing/2014/main" val="3386085786"/>
                     </a:ext>
                   </a:extLst>
                 </a:gridCol>
@@ -4213,21 +4311,7 @@
                           <a:latin typeface="굴림" panose="020B0600000101010101" pitchFamily="50" charset="-127"/>
                           <a:ea typeface="굴림" panose="020B0600000101010101" pitchFamily="50" charset="-127"/>
                         </a:rPr>
-                        <a:t>시간을 </a:t>
-                      </a:r>
-                      <a:r>
-                        <a:rPr kumimoji="1" lang="ko-KR" altLang="en-US" sz="1400" b="0" i="0" u="none" strike="noStrike" cap="none" normalizeH="0" baseline="0" dirty="0" smtClean="0">
-                          <a:ln>
-                            <a:noFill/>
-                          </a:ln>
-                          <a:solidFill>
-                            <a:schemeClr val="hlink"/>
-                          </a:solidFill>
-                          <a:effectLst/>
-                          <a:latin typeface="굴림" panose="020B0600000101010101" pitchFamily="50" charset="-127"/>
-                          <a:ea typeface="굴림" panose="020B0600000101010101" pitchFamily="50" charset="-127"/>
-                        </a:rPr>
-                        <a:t>세는 역할</a:t>
+                        <a:t>시간을 세는 역할</a:t>
                       </a:r>
                       <a:endParaRPr kumimoji="1" lang="en-US" altLang="ko-KR" sz="1400" b="0" i="0" u="none" strike="noStrike" cap="none" normalizeH="0" baseline="0" dirty="0" smtClean="0">
                         <a:ln>
@@ -4290,7 +4374,7 @@
                 </a:tc>
                 <a:extLst>
                   <a:ext uri="{0D108BD9-81ED-4DB2-BD59-A6C34878D82A}">
-                    <a16:rowId xmlns:a16="http://schemas.microsoft.com/office/drawing/2014/main" xmlns="" val="3814258868"/>
+                    <a16:rowId xmlns:a16="http://schemas.microsoft.com/office/drawing/2014/main" val="3814258868"/>
                   </a:ext>
                 </a:extLst>
               </a:tr>
@@ -4545,7 +4629,7 @@
                 </a:tc>
                 <a:extLst>
                   <a:ext uri="{0D108BD9-81ED-4DB2-BD59-A6C34878D82A}">
-                    <a16:rowId xmlns:a16="http://schemas.microsoft.com/office/drawing/2014/main" xmlns="" val="567632652"/>
+                    <a16:rowId xmlns:a16="http://schemas.microsoft.com/office/drawing/2014/main" val="567632652"/>
                   </a:ext>
                 </a:extLst>
               </a:tr>
@@ -4751,7 +4835,7 @@
                           <a:latin typeface="굴림" panose="020B0600000101010101" pitchFamily="50" charset="-127"/>
                           <a:ea typeface="굴림" panose="020B0600000101010101" pitchFamily="50" charset="-127"/>
                         </a:rPr>
-                        <a:t>시작</a:t>
+                        <a:t>시작한다</a:t>
                       </a:r>
                       <a:r>
                         <a:rPr kumimoji="1" lang="en-US" altLang="ko-KR" sz="1200" b="0" i="0" u="none" strike="noStrike" cap="none" normalizeH="0" baseline="0" dirty="0" smtClean="0">
@@ -4765,8 +4849,47 @@
                           <a:latin typeface="굴림" panose="020B0600000101010101" pitchFamily="50" charset="-127"/>
                           <a:ea typeface="굴림" panose="020B0600000101010101" pitchFamily="50" charset="-127"/>
                         </a:rPr>
+                        <a:t>() //</a:t>
+                      </a:r>
+                      <a:r>
+                        <a:rPr kumimoji="1" lang="ko-KR" altLang="en-US" sz="1200" b="0" i="0" u="none" strike="noStrike" cap="none" normalizeH="0" baseline="0" dirty="0" err="1" smtClean="0">
+                          <a:ln>
+                            <a:noFill/>
+                          </a:ln>
+                          <a:solidFill>
+                            <a:schemeClr val="tx1"/>
+                          </a:solidFill>
+                          <a:effectLst/>
+                          <a:latin typeface="굴림" panose="020B0600000101010101" pitchFamily="50" charset="-127"/>
+                          <a:ea typeface="굴림" panose="020B0600000101010101" pitchFamily="50" charset="-127"/>
+                        </a:rPr>
+                        <a:t>재시작</a:t>
+                      </a:r>
+                      <a:r>
+                        <a:rPr kumimoji="1" lang="en-US" altLang="ko-KR" sz="1200" b="0" i="0" u="none" strike="noStrike" cap="none" normalizeH="0" baseline="0" dirty="0" smtClean="0">
+                          <a:ln>
+                            <a:noFill/>
+                          </a:ln>
+                          <a:solidFill>
+                            <a:schemeClr val="tx1"/>
+                          </a:solidFill>
+                          <a:effectLst/>
+                          <a:latin typeface="굴림" panose="020B0600000101010101" pitchFamily="50" charset="-127"/>
+                          <a:ea typeface="굴림" panose="020B0600000101010101" pitchFamily="50" charset="-127"/>
+                        </a:rPr>
                         <a:t>()</a:t>
                       </a:r>
+                      <a:endParaRPr kumimoji="1" lang="en-US" altLang="ko-KR" sz="1200" b="0" i="0" u="none" strike="noStrike" cap="none" normalizeH="0" baseline="0" dirty="0" smtClean="0">
+                        <a:ln>
+                          <a:noFill/>
+                        </a:ln>
+                        <a:solidFill>
+                          <a:schemeClr val="tx1"/>
+                        </a:solidFill>
+                        <a:effectLst/>
+                        <a:latin typeface="굴림" panose="020B0600000101010101" pitchFamily="50" charset="-127"/>
+                        <a:ea typeface="굴림" panose="020B0600000101010101" pitchFamily="50" charset="-127"/>
+                      </a:endParaRPr>
                     </a:p>
                     <a:p>
                       <a:pPr marL="0" marR="0" lvl="0" indent="0" algn="l" defTabSz="914400" rtl="0" eaLnBrk="1" fontAlgn="base" latinLnBrk="1" hangingPunct="1">
@@ -4799,7 +4922,7 @@
                           <a:latin typeface="굴림" panose="020B0600000101010101" pitchFamily="50" charset="-127"/>
                           <a:ea typeface="굴림" panose="020B0600000101010101" pitchFamily="50" charset="-127"/>
                         </a:rPr>
-                        <a:t>일시 정지</a:t>
+                        <a:t>일시 정지한다</a:t>
                       </a:r>
                       <a:r>
                         <a:rPr kumimoji="1" lang="en-US" altLang="ko-KR" sz="1200" b="0" i="0" u="none" strike="noStrike" cap="none" normalizeH="0" baseline="0" dirty="0" smtClean="0">
@@ -4815,6 +4938,17 @@
                         </a:rPr>
                         <a:t>()</a:t>
                       </a:r>
+                      <a:endParaRPr kumimoji="1" lang="en-US" altLang="ko-KR" sz="1200" b="0" i="0" u="none" strike="noStrike" cap="none" normalizeH="0" baseline="0" dirty="0" smtClean="0">
+                        <a:ln>
+                          <a:noFill/>
+                        </a:ln>
+                        <a:solidFill>
+                          <a:schemeClr val="tx1"/>
+                        </a:solidFill>
+                        <a:effectLst/>
+                        <a:latin typeface="굴림" panose="020B0600000101010101" pitchFamily="50" charset="-127"/>
+                        <a:ea typeface="굴림" panose="020B0600000101010101" pitchFamily="50" charset="-127"/>
+                      </a:endParaRPr>
                     </a:p>
                     <a:p>
                       <a:pPr marL="0" marR="0" lvl="0" indent="0" algn="l" defTabSz="914400" rtl="0" eaLnBrk="1" fontAlgn="base" latinLnBrk="1" hangingPunct="1">
@@ -4847,7 +4981,7 @@
                           <a:latin typeface="굴림" panose="020B0600000101010101" pitchFamily="50" charset="-127"/>
                           <a:ea typeface="굴림" panose="020B0600000101010101" pitchFamily="50" charset="-127"/>
                         </a:rPr>
-                        <a:t>중지</a:t>
+                        <a:t>중지한다</a:t>
                       </a:r>
                       <a:r>
                         <a:rPr kumimoji="1" lang="en-US" altLang="ko-KR" sz="1200" b="0" i="0" u="none" strike="noStrike" cap="none" normalizeH="0" baseline="0" dirty="0" smtClean="0">
@@ -4924,7 +5058,7 @@
                 </a:tc>
                 <a:extLst>
                   <a:ext uri="{0D108BD9-81ED-4DB2-BD59-A6C34878D82A}">
-                    <a16:rowId xmlns:a16="http://schemas.microsoft.com/office/drawing/2014/main" xmlns="" val="2030210401"/>
+                    <a16:rowId xmlns:a16="http://schemas.microsoft.com/office/drawing/2014/main" val="2030210401"/>
                   </a:ext>
                 </a:extLst>
               </a:tr>
@@ -4941,14 +5075,14 @@
           <p:nvPr>
             <p:extLst>
               <p:ext uri="{D42A27DB-BD31-4B8C-83A1-F6EECF244321}">
-                <p14:modId xmlns:p14="http://schemas.microsoft.com/office/powerpoint/2010/main" val="1194608559"/>
+                <p14:modId xmlns:p14="http://schemas.microsoft.com/office/powerpoint/2010/main" val="2666889651"/>
               </p:ext>
             </p:extLst>
           </p:nvPr>
         </p:nvGraphicFramePr>
         <p:xfrm>
           <a:off x="2658208" y="2110154"/>
-          <a:ext cx="1600200" cy="2338488"/>
+          <a:ext cx="1600200" cy="2365920"/>
         </p:xfrm>
         <a:graphic>
           <a:graphicData uri="http://schemas.openxmlformats.org/drawingml/2006/table">
@@ -4958,7 +5092,7 @@
                 <a:gridCol w="1600200">
                   <a:extLst>
                     <a:ext uri="{9D8B030D-6E8A-4147-A177-3AD203B41FA5}">
-                      <a16:colId xmlns:a16="http://schemas.microsoft.com/office/drawing/2014/main" xmlns="" val="3663777183"/>
+                      <a16:colId xmlns:a16="http://schemas.microsoft.com/office/drawing/2014/main" val="3663777183"/>
                     </a:ext>
                   </a:extLst>
                 </a:gridCol>
@@ -5224,21 +5358,7 @@
                           <a:latin typeface="굴림" panose="020B0600000101010101" pitchFamily="50" charset="-127"/>
                           <a:ea typeface="굴림" panose="020B0600000101010101" pitchFamily="50" charset="-127"/>
                         </a:rPr>
-                        <a:t>무슨 </a:t>
-                      </a:r>
-                      <a:r>
-                        <a:rPr kumimoji="1" lang="ko-KR" altLang="en-US" sz="1400" b="0" i="0" u="none" strike="noStrike" cap="none" normalizeH="0" baseline="0" dirty="0" smtClean="0">
-                          <a:ln>
-                            <a:noFill/>
-                          </a:ln>
-                          <a:solidFill>
-                            <a:schemeClr val="hlink"/>
-                          </a:solidFill>
-                          <a:effectLst/>
-                          <a:latin typeface="굴림" panose="020B0600000101010101" pitchFamily="50" charset="-127"/>
-                          <a:ea typeface="굴림" panose="020B0600000101010101" pitchFamily="50" charset="-127"/>
-                        </a:rPr>
-                        <a:t>작업을 얼마만큼 세는지 알려주는 역할</a:t>
+                        <a:t>무슨 작업을 얼마만큼 세는지 알려주는 역할</a:t>
                       </a:r>
                     </a:p>
                   </a:txBody>
@@ -5290,7 +5410,7 @@
                 </a:tc>
                 <a:extLst>
                   <a:ext uri="{0D108BD9-81ED-4DB2-BD59-A6C34878D82A}">
-                    <a16:rowId xmlns:a16="http://schemas.microsoft.com/office/drawing/2014/main" xmlns="" val="1900242369"/>
+                    <a16:rowId xmlns:a16="http://schemas.microsoft.com/office/drawing/2014/main" val="1900242369"/>
                   </a:ext>
                 </a:extLst>
               </a:tr>
@@ -5545,7 +5665,7 @@
                 </a:tc>
                 <a:extLst>
                   <a:ext uri="{0D108BD9-81ED-4DB2-BD59-A6C34878D82A}">
-                    <a16:rowId xmlns:a16="http://schemas.microsoft.com/office/drawing/2014/main" xmlns="" val="3840145327"/>
+                    <a16:rowId xmlns:a16="http://schemas.microsoft.com/office/drawing/2014/main" val="3840145327"/>
                   </a:ext>
                 </a:extLst>
               </a:tr>
@@ -5585,7 +5705,7 @@
                           <a:latin typeface="굴림" panose="020B0600000101010101" pitchFamily="50" charset="-127"/>
                           <a:ea typeface="굴림" panose="020B0600000101010101" pitchFamily="50" charset="-127"/>
                         </a:rPr>
-                        <a:t>작업 타입 구분</a:t>
+                        <a:t>몇 초를 세어야 하는지 알려준다</a:t>
                       </a:r>
                       <a:r>
                         <a:rPr kumimoji="1" lang="en-US" altLang="ko-KR" sz="1200" b="0" i="0" u="none" strike="noStrike" cap="none" normalizeH="0" baseline="0" dirty="0" smtClean="0">
@@ -5633,7 +5753,7 @@
                           <a:latin typeface="굴림" panose="020B0600000101010101" pitchFamily="50" charset="-127"/>
                           <a:ea typeface="굴림" panose="020B0600000101010101" pitchFamily="50" charset="-127"/>
                         </a:rPr>
-                        <a:t>일시 정지</a:t>
+                        <a:t>시간을 다 세었다</a:t>
                       </a:r>
                       <a:r>
                         <a:rPr kumimoji="1" lang="en-US" altLang="ko-KR" sz="1200" b="0" i="0" u="none" strike="noStrike" cap="none" normalizeH="0" baseline="0" dirty="0" smtClean="0">
@@ -5669,34 +5789,17 @@
                         <a:buNone/>
                         <a:tabLst/>
                       </a:pPr>
-                      <a:r>
-                        <a:rPr kumimoji="1" lang="ko-KR" altLang="en-US" sz="1200" b="0" i="0" u="none" strike="noStrike" cap="none" normalizeH="0" baseline="0" dirty="0" smtClean="0">
-                          <a:ln>
-                            <a:noFill/>
-                          </a:ln>
-                          <a:solidFill>
-                            <a:schemeClr val="tx1"/>
-                          </a:solidFill>
-                          <a:effectLst/>
-                          <a:latin typeface="굴림" panose="020B0600000101010101" pitchFamily="50" charset="-127"/>
-                          <a:ea typeface="굴림" panose="020B0600000101010101" pitchFamily="50" charset="-127"/>
-                        </a:rPr>
-                        <a:t>중지</a:t>
-                      </a:r>
-                      <a:r>
-                        <a:rPr kumimoji="1" lang="en-US" altLang="ko-KR" sz="1200" b="0" i="0" u="none" strike="noStrike" cap="none" normalizeH="0" baseline="0" dirty="0" smtClean="0">
-                          <a:ln>
-                            <a:noFill/>
-                          </a:ln>
-                          <a:solidFill>
-                            <a:schemeClr val="tx1"/>
-                          </a:solidFill>
-                          <a:effectLst/>
-                          <a:latin typeface="굴림" panose="020B0600000101010101" pitchFamily="50" charset="-127"/>
-                          <a:ea typeface="굴림" panose="020B0600000101010101" pitchFamily="50" charset="-127"/>
-                        </a:rPr>
-                        <a:t>()</a:t>
-                      </a:r>
+                      <a:endParaRPr kumimoji="1" lang="en-US" altLang="ko-KR" sz="1200" b="0" i="0" u="none" strike="noStrike" cap="none" normalizeH="0" baseline="0" dirty="0" smtClean="0">
+                        <a:ln>
+                          <a:noFill/>
+                        </a:ln>
+                        <a:solidFill>
+                          <a:schemeClr val="tx1"/>
+                        </a:solidFill>
+                        <a:effectLst/>
+                        <a:latin typeface="굴림" panose="020B0600000101010101" pitchFamily="50" charset="-127"/>
+                        <a:ea typeface="굴림" panose="020B0600000101010101" pitchFamily="50" charset="-127"/>
+                      </a:endParaRPr>
                     </a:p>
                   </a:txBody>
                   <a:tcPr horzOverflow="overflow">
@@ -5747,7 +5850,7 @@
                 </a:tc>
                 <a:extLst>
                   <a:ext uri="{0D108BD9-81ED-4DB2-BD59-A6C34878D82A}">
-                    <a16:rowId xmlns:a16="http://schemas.microsoft.com/office/drawing/2014/main" xmlns="" val="976690124"/>
+                    <a16:rowId xmlns:a16="http://schemas.microsoft.com/office/drawing/2014/main" val="976690124"/>
                   </a:ext>
                 </a:extLst>
               </a:tr>
@@ -5781,7 +5884,7 @@
                 <a:gridCol w="1769743">
                   <a:extLst>
                     <a:ext uri="{9D8B030D-6E8A-4147-A177-3AD203B41FA5}">
-                      <a16:colId xmlns:a16="http://schemas.microsoft.com/office/drawing/2014/main" xmlns="" val="1446274974"/>
+                      <a16:colId xmlns:a16="http://schemas.microsoft.com/office/drawing/2014/main" val="1446274974"/>
                     </a:ext>
                   </a:extLst>
                 </a:gridCol>
@@ -6047,21 +6150,7 @@
                           <a:latin typeface="굴림" panose="020B0600000101010101" pitchFamily="50" charset="-127"/>
                           <a:ea typeface="굴림" panose="020B0600000101010101" pitchFamily="50" charset="-127"/>
                         </a:rPr>
-                        <a:t>카운터가 </a:t>
-                      </a:r>
-                      <a:r>
-                        <a:rPr kumimoji="1" lang="ko-KR" altLang="en-US" sz="1400" b="0" i="0" u="none" strike="noStrike" cap="none" normalizeH="0" baseline="0" dirty="0" smtClean="0">
-                          <a:ln>
-                            <a:noFill/>
-                          </a:ln>
-                          <a:solidFill>
-                            <a:schemeClr val="hlink"/>
-                          </a:solidFill>
-                          <a:effectLst/>
-                          <a:latin typeface="굴림" panose="020B0600000101010101" pitchFamily="50" charset="-127"/>
-                          <a:ea typeface="굴림" panose="020B0600000101010101" pitchFamily="50" charset="-127"/>
-                        </a:rPr>
-                        <a:t>무엇을 어떻게 했는지 기록하는 역할</a:t>
+                        <a:t>카운터가 무엇을 어떻게 했는지 기록하는 역할</a:t>
                       </a:r>
                     </a:p>
                   </a:txBody>
@@ -6113,7 +6202,7 @@
                 </a:tc>
                 <a:extLst>
                   <a:ext uri="{0D108BD9-81ED-4DB2-BD59-A6C34878D82A}">
-                    <a16:rowId xmlns:a16="http://schemas.microsoft.com/office/drawing/2014/main" xmlns="" val="3201092176"/>
+                    <a16:rowId xmlns:a16="http://schemas.microsoft.com/office/drawing/2014/main" val="3201092176"/>
                   </a:ext>
                 </a:extLst>
               </a:tr>
@@ -6368,7 +6457,7 @@
                 </a:tc>
                 <a:extLst>
                   <a:ext uri="{0D108BD9-81ED-4DB2-BD59-A6C34878D82A}">
-                    <a16:rowId xmlns:a16="http://schemas.microsoft.com/office/drawing/2014/main" xmlns="" val="4144718072"/>
+                    <a16:rowId xmlns:a16="http://schemas.microsoft.com/office/drawing/2014/main" val="4144718072"/>
                   </a:ext>
                 </a:extLst>
               </a:tr>
@@ -6734,17 +6823,6 @@
                         </a:rPr>
                         <a:t>()</a:t>
                       </a:r>
-                      <a:endParaRPr kumimoji="1" lang="en-US" altLang="ko-KR" sz="1200" b="0" i="0" u="none" strike="noStrike" cap="none" normalizeH="0" baseline="0" dirty="0" smtClean="0">
-                        <a:ln>
-                          <a:noFill/>
-                        </a:ln>
-                        <a:solidFill>
-                          <a:schemeClr val="tx1"/>
-                        </a:solidFill>
-                        <a:effectLst/>
-                        <a:latin typeface="굴림" panose="020B0600000101010101" pitchFamily="50" charset="-127"/>
-                        <a:ea typeface="굴림" panose="020B0600000101010101" pitchFamily="50" charset="-127"/>
-                      </a:endParaRPr>
                     </a:p>
                   </a:txBody>
                   <a:tcPr horzOverflow="overflow">
@@ -6795,7 +6873,7 @@
                 </a:tc>
                 <a:extLst>
                   <a:ext uri="{0D108BD9-81ED-4DB2-BD59-A6C34878D82A}">
-                    <a16:rowId xmlns:a16="http://schemas.microsoft.com/office/drawing/2014/main" xmlns="" val="4133086007"/>
+                    <a16:rowId xmlns:a16="http://schemas.microsoft.com/office/drawing/2014/main" val="4133086007"/>
                   </a:ext>
                 </a:extLst>
               </a:tr>
@@ -7246,7 +7324,7 @@
                 <a:gridCol w="1600200">
                   <a:extLst>
                     <a:ext uri="{9D8B030D-6E8A-4147-A177-3AD203B41FA5}">
-                      <a16:colId xmlns:a16="http://schemas.microsoft.com/office/drawing/2014/main" xmlns="" val="1446274974"/>
+                      <a16:colId xmlns:a16="http://schemas.microsoft.com/office/drawing/2014/main" val="1446274974"/>
                     </a:ext>
                   </a:extLst>
                 </a:gridCol>
@@ -7526,21 +7604,7 @@
                           <a:latin typeface="굴림" panose="020B0600000101010101" pitchFamily="50" charset="-127"/>
                           <a:ea typeface="굴림" panose="020B0600000101010101" pitchFamily="50" charset="-127"/>
                         </a:rPr>
-                        <a:t> </a:t>
-                      </a:r>
-                      <a:r>
-                        <a:rPr kumimoji="1" lang="ko-KR" altLang="en-US" sz="1400" b="0" i="0" u="none" strike="noStrike" cap="none" normalizeH="0" baseline="0" dirty="0" smtClean="0">
-                          <a:ln>
-                            <a:noFill/>
-                          </a:ln>
-                          <a:solidFill>
-                            <a:schemeClr val="hlink"/>
-                          </a:solidFill>
-                          <a:effectLst/>
-                          <a:latin typeface="굴림" panose="020B0600000101010101" pitchFamily="50" charset="-127"/>
-                          <a:ea typeface="굴림" panose="020B0600000101010101" pitchFamily="50" charset="-127"/>
-                        </a:rPr>
-                        <a:t>정보를 가지고 있음</a:t>
+                        <a:t> 정보를 가지고 있음</a:t>
                       </a:r>
                       <a:r>
                         <a:rPr kumimoji="1" lang="en-US" altLang="ko-KR" sz="1400" b="0" i="0" u="none" strike="noStrike" cap="none" normalizeH="0" baseline="0" dirty="0" smtClean="0">
@@ -7606,7 +7670,7 @@
                 </a:tc>
                 <a:extLst>
                   <a:ext uri="{0D108BD9-81ED-4DB2-BD59-A6C34878D82A}">
-                    <a16:rowId xmlns:a16="http://schemas.microsoft.com/office/drawing/2014/main" xmlns="" val="3201092176"/>
+                    <a16:rowId xmlns:a16="http://schemas.microsoft.com/office/drawing/2014/main" val="3201092176"/>
                   </a:ext>
                 </a:extLst>
               </a:tr>
@@ -7861,7 +7925,7 @@
                 </a:tc>
                 <a:extLst>
                   <a:ext uri="{0D108BD9-81ED-4DB2-BD59-A6C34878D82A}">
-                    <a16:rowId xmlns:a16="http://schemas.microsoft.com/office/drawing/2014/main" xmlns="" val="4144718072"/>
+                    <a16:rowId xmlns:a16="http://schemas.microsoft.com/office/drawing/2014/main" val="4144718072"/>
                   </a:ext>
                 </a:extLst>
               </a:tr>
@@ -8159,6 +8223,6176 @@
                         </a:rPr>
                         <a:t>()</a:t>
                       </a:r>
+                    </a:p>
+                  </a:txBody>
+                  <a:tcPr horzOverflow="overflow">
+                    <a:lnL w="28575" cap="flat" cmpd="sng" algn="ctr">
+                      <a:solidFill>
+                        <a:schemeClr val="tx1"/>
+                      </a:solidFill>
+                      <a:prstDash val="solid"/>
+                      <a:miter lim="800000"/>
+                      <a:headEnd type="none" w="med" len="med"/>
+                      <a:tailEnd type="none" w="med" len="med"/>
+                    </a:lnL>
+                    <a:lnR w="28575" cap="flat" cmpd="sng" algn="ctr">
+                      <a:solidFill>
+                        <a:schemeClr val="tx1"/>
+                      </a:solidFill>
+                      <a:prstDash val="solid"/>
+                      <a:miter lim="800000"/>
+                      <a:headEnd type="none" w="med" len="med"/>
+                      <a:tailEnd type="none" w="med" len="med"/>
+                    </a:lnR>
+                    <a:lnT w="12700" cap="flat" cmpd="sng" algn="ctr">
+                      <a:solidFill>
+                        <a:schemeClr val="tx1"/>
+                      </a:solidFill>
+                      <a:prstDash val="solid"/>
+                      <a:miter lim="800000"/>
+                      <a:headEnd type="none" w="med" len="med"/>
+                      <a:tailEnd type="none" w="med" len="med"/>
+                    </a:lnT>
+                    <a:lnB w="28575" cap="flat" cmpd="sng" algn="ctr">
+                      <a:solidFill>
+                        <a:schemeClr val="tx1"/>
+                      </a:solidFill>
+                      <a:prstDash val="solid"/>
+                      <a:miter lim="800000"/>
+                      <a:headEnd type="none" w="med" len="med"/>
+                      <a:tailEnd type="none" w="med" len="med"/>
+                    </a:lnB>
+                    <a:lnTlToBr>
+                      <a:noFill/>
+                    </a:lnTlToBr>
+                    <a:lnBlToTr>
+                      <a:noFill/>
+                    </a:lnBlToTr>
+                    <a:noFill/>
+                  </a:tcPr>
+                </a:tc>
+                <a:extLst>
+                  <a:ext uri="{0D108BD9-81ED-4DB2-BD59-A6C34878D82A}">
+                    <a16:rowId xmlns:a16="http://schemas.microsoft.com/office/drawing/2014/main" val="4133086007"/>
+                  </a:ext>
+                </a:extLst>
+              </a:tr>
+            </a:tbl>
+          </a:graphicData>
+        </a:graphic>
+      </p:graphicFrame>
+    </p:spTree>
+    <p:extLst>
+      <p:ext uri="{BB962C8B-B14F-4D97-AF65-F5344CB8AC3E}">
+        <p14:creationId xmlns:p14="http://schemas.microsoft.com/office/powerpoint/2010/main" val="4234949437"/>
+      </p:ext>
+    </p:extLst>
+  </p:cSld>
+  <p:clrMapOvr>
+    <a:masterClrMapping/>
+  </p:clrMapOvr>
+</p:sld>
+</file>
+
+<file path=ppt/slides/slide4.xml><?xml version="1.0" encoding="utf-8"?>
+<p:sld xmlns:a="http://schemas.openxmlformats.org/drawingml/2006/main" xmlns:r="http://schemas.openxmlformats.org/officeDocument/2006/relationships" xmlns:p="http://schemas.openxmlformats.org/presentationml/2006/main">
+  <p:cSld>
+    <p:spTree>
+      <p:nvGrpSpPr>
+        <p:cNvPr id="1" name=""/>
+        <p:cNvGrpSpPr/>
+        <p:nvPr/>
+      </p:nvGrpSpPr>
+      <p:grpSpPr>
+        <a:xfrm>
+          <a:off x="0" y="0"/>
+          <a:ext cx="0" cy="0"/>
+          <a:chOff x="0" y="0"/>
+          <a:chExt cx="0" cy="0"/>
+        </a:xfrm>
+      </p:grpSpPr>
+      <p:sp>
+        <p:nvSpPr>
+          <p:cNvPr id="4" name="직사각형 3"/>
+          <p:cNvSpPr/>
+          <p:nvPr/>
+        </p:nvSpPr>
+        <p:spPr>
+          <a:xfrm>
+            <a:off x="1154281" y="1621552"/>
+            <a:ext cx="748145" cy="581891"/>
+          </a:xfrm>
+          <a:prstGeom prst="rect">
+            <a:avLst/>
+          </a:prstGeom>
+        </p:spPr>
+        <p:style>
+          <a:lnRef idx="2">
+            <a:schemeClr val="accent1">
+              <a:shade val="50000"/>
+            </a:schemeClr>
+          </a:lnRef>
+          <a:fillRef idx="1">
+            <a:schemeClr val="accent1"/>
+          </a:fillRef>
+          <a:effectRef idx="0">
+            <a:schemeClr val="accent1"/>
+          </a:effectRef>
+          <a:fontRef idx="minor">
+            <a:schemeClr val="lt1"/>
+          </a:fontRef>
+        </p:style>
+        <p:txBody>
+          <a:bodyPr rtlCol="0" anchor="ctr"/>
+          <a:lstStyle/>
+          <a:p>
+            <a:pPr algn="ctr"/>
+            <a:r>
+              <a:rPr lang="en-US" altLang="ko-KR" dirty="0" smtClean="0"/>
+              <a:t>Main</a:t>
+            </a:r>
+            <a:endParaRPr lang="ko-KR" altLang="en-US" dirty="0"/>
+          </a:p>
+        </p:txBody>
+      </p:sp>
+      <p:sp>
+        <p:nvSpPr>
+          <p:cNvPr id="5" name="직사각형 4"/>
+          <p:cNvSpPr/>
+          <p:nvPr/>
+        </p:nvSpPr>
+        <p:spPr>
+          <a:xfrm>
+            <a:off x="3246318" y="1621552"/>
+            <a:ext cx="748145" cy="581891"/>
+          </a:xfrm>
+          <a:prstGeom prst="rect">
+            <a:avLst/>
+          </a:prstGeom>
+        </p:spPr>
+        <p:style>
+          <a:lnRef idx="2">
+            <a:schemeClr val="accent1">
+              <a:shade val="50000"/>
+            </a:schemeClr>
+          </a:lnRef>
+          <a:fillRef idx="1">
+            <a:schemeClr val="accent1"/>
+          </a:fillRef>
+          <a:effectRef idx="0">
+            <a:schemeClr val="accent1"/>
+          </a:effectRef>
+          <a:fontRef idx="minor">
+            <a:schemeClr val="lt1"/>
+          </a:fontRef>
+        </p:style>
+        <p:txBody>
+          <a:bodyPr rtlCol="0" anchor="ctr"/>
+          <a:lstStyle/>
+          <a:p>
+            <a:pPr algn="ctr"/>
+            <a:r>
+              <a:rPr lang="ko-KR" altLang="en-US" dirty="0" smtClean="0"/>
+              <a:t>카운터</a:t>
+            </a:r>
+            <a:endParaRPr lang="ko-KR" altLang="en-US" dirty="0"/>
+          </a:p>
+        </p:txBody>
+      </p:sp>
+      <p:cxnSp>
+        <p:nvCxnSpPr>
+          <p:cNvPr id="6" name="직선 화살표 연결선 5"/>
+          <p:cNvCxnSpPr>
+            <a:stCxn id="4" idx="3"/>
+            <a:endCxn id="5" idx="1"/>
+          </p:cNvCxnSpPr>
+          <p:nvPr/>
+        </p:nvCxnSpPr>
+        <p:spPr>
+          <a:xfrm>
+            <a:off x="1902426" y="1912498"/>
+            <a:ext cx="1343892" cy="0"/>
+          </a:xfrm>
+          <a:prstGeom prst="straightConnector1">
+            <a:avLst/>
+          </a:prstGeom>
+          <a:ln w="19050">
+            <a:solidFill>
+              <a:schemeClr val="tx1"/>
+            </a:solidFill>
+            <a:tailEnd type="triangle"/>
+          </a:ln>
+        </p:spPr>
+        <p:style>
+          <a:lnRef idx="1">
+            <a:schemeClr val="accent1"/>
+          </a:lnRef>
+          <a:fillRef idx="0">
+            <a:schemeClr val="accent1"/>
+          </a:fillRef>
+          <a:effectRef idx="0">
+            <a:schemeClr val="accent1"/>
+          </a:effectRef>
+          <a:fontRef idx="minor">
+            <a:schemeClr val="tx1"/>
+          </a:fontRef>
+        </p:style>
+      </p:cxnSp>
+      <p:sp>
+        <p:nvSpPr>
+          <p:cNvPr id="7" name="TextBox 6"/>
+          <p:cNvSpPr txBox="1"/>
+          <p:nvPr/>
+        </p:nvSpPr>
+        <p:spPr>
+          <a:xfrm>
+            <a:off x="1996637" y="2064943"/>
+            <a:ext cx="1187336" cy="276999"/>
+          </a:xfrm>
+          <a:prstGeom prst="rect">
+            <a:avLst/>
+          </a:prstGeom>
+          <a:noFill/>
+        </p:spPr>
+        <p:txBody>
+          <a:bodyPr wrap="square" rtlCol="0">
+            <a:spAutoFit/>
+          </a:bodyPr>
+          <a:lstStyle/>
+          <a:p>
+            <a:r>
+              <a:rPr lang="ko-KR" altLang="en-US" sz="1200" dirty="0" smtClean="0"/>
+              <a:t>시작해</a:t>
+            </a:r>
+            <a:endParaRPr lang="ko-KR" altLang="en-US" sz="1200" dirty="0"/>
+          </a:p>
+        </p:txBody>
+      </p:sp>
+      <p:sp>
+        <p:nvSpPr>
+          <p:cNvPr id="34" name="제목 1"/>
+          <p:cNvSpPr>
+            <a:spLocks noGrp="1"/>
+          </p:cNvSpPr>
+          <p:nvPr>
+            <p:ph type="title"/>
+          </p:nvPr>
+        </p:nvSpPr>
+        <p:spPr>
+          <a:xfrm>
+            <a:off x="838200" y="337415"/>
+            <a:ext cx="10515600" cy="1325563"/>
+          </a:xfrm>
+        </p:spPr>
+        <p:txBody>
+          <a:bodyPr/>
+          <a:lstStyle/>
+          <a:p>
+            <a:r>
+              <a:rPr lang="ko-KR" altLang="en-US" dirty="0" smtClean="0"/>
+              <a:t>협력 찾기</a:t>
+            </a:r>
+            <a:endParaRPr lang="ko-KR" altLang="en-US" dirty="0"/>
+          </a:p>
+        </p:txBody>
+      </p:sp>
+      <p:sp>
+        <p:nvSpPr>
+          <p:cNvPr id="35" name="직사각형 34"/>
+          <p:cNvSpPr/>
+          <p:nvPr/>
+        </p:nvSpPr>
+        <p:spPr>
+          <a:xfrm>
+            <a:off x="5306490" y="1620318"/>
+            <a:ext cx="872834" cy="583125"/>
+          </a:xfrm>
+          <a:prstGeom prst="rect">
+            <a:avLst/>
+          </a:prstGeom>
+        </p:spPr>
+        <p:style>
+          <a:lnRef idx="2">
+            <a:schemeClr val="accent1">
+              <a:shade val="50000"/>
+            </a:schemeClr>
+          </a:lnRef>
+          <a:fillRef idx="1">
+            <a:schemeClr val="accent1"/>
+          </a:fillRef>
+          <a:effectRef idx="0">
+            <a:schemeClr val="accent1"/>
+          </a:effectRef>
+          <a:fontRef idx="minor">
+            <a:schemeClr val="lt1"/>
+          </a:fontRef>
+        </p:style>
+        <p:txBody>
+          <a:bodyPr rtlCol="0" anchor="ctr"/>
+          <a:lstStyle/>
+          <a:p>
+            <a:pPr algn="ctr"/>
+            <a:r>
+              <a:rPr lang="ko-KR" altLang="en-US" smtClean="0"/>
+              <a:t>시간관리자</a:t>
+            </a:r>
+            <a:endParaRPr lang="ko-KR" altLang="en-US" dirty="0"/>
+          </a:p>
+        </p:txBody>
+      </p:sp>
+      <p:cxnSp>
+        <p:nvCxnSpPr>
+          <p:cNvPr id="36" name="직선 화살표 연결선 35"/>
+          <p:cNvCxnSpPr>
+            <a:stCxn id="5" idx="3"/>
+            <a:endCxn id="35" idx="1"/>
+          </p:cNvCxnSpPr>
+          <p:nvPr/>
+        </p:nvCxnSpPr>
+        <p:spPr>
+          <a:xfrm flipV="1">
+            <a:off x="3994463" y="1911881"/>
+            <a:ext cx="1312027" cy="617"/>
+          </a:xfrm>
+          <a:prstGeom prst="straightConnector1">
+            <a:avLst/>
+          </a:prstGeom>
+          <a:ln w="19050">
+            <a:solidFill>
+              <a:schemeClr val="tx1"/>
+            </a:solidFill>
+            <a:tailEnd type="triangle"/>
+          </a:ln>
+        </p:spPr>
+        <p:style>
+          <a:lnRef idx="1">
+            <a:schemeClr val="accent1"/>
+          </a:lnRef>
+          <a:fillRef idx="0">
+            <a:schemeClr val="accent1"/>
+          </a:fillRef>
+          <a:effectRef idx="0">
+            <a:schemeClr val="accent1"/>
+          </a:effectRef>
+          <a:fontRef idx="minor">
+            <a:schemeClr val="tx1"/>
+          </a:fontRef>
+        </p:style>
+      </p:cxnSp>
+      <p:sp>
+        <p:nvSpPr>
+          <p:cNvPr id="37" name="TextBox 36"/>
+          <p:cNvSpPr txBox="1"/>
+          <p:nvPr/>
+        </p:nvSpPr>
+        <p:spPr>
+          <a:xfrm>
+            <a:off x="4056808" y="2063709"/>
+            <a:ext cx="1187336" cy="646331"/>
+          </a:xfrm>
+          <a:prstGeom prst="rect">
+            <a:avLst/>
+          </a:prstGeom>
+          <a:noFill/>
+        </p:spPr>
+        <p:txBody>
+          <a:bodyPr wrap="square" rtlCol="0">
+            <a:spAutoFit/>
+          </a:bodyPr>
+          <a:lstStyle/>
+          <a:p>
+            <a:r>
+              <a:rPr lang="ko-KR" altLang="en-US" sz="1200" dirty="0" smtClean="0"/>
+              <a:t>몇 초를 </a:t>
+            </a:r>
+            <a:r>
+              <a:rPr lang="ko-KR" altLang="en-US" sz="1200" dirty="0" smtClean="0"/>
+              <a:t>세어야 하는 지 알려줘</a:t>
+            </a:r>
+            <a:r>
+              <a:rPr lang="en-US" altLang="ko-KR" sz="1200" dirty="0" smtClean="0"/>
+              <a:t>()</a:t>
+            </a:r>
+            <a:endParaRPr lang="ko-KR" altLang="en-US" sz="1200" dirty="0"/>
+          </a:p>
+        </p:txBody>
+      </p:sp>
+      <p:cxnSp>
+        <p:nvCxnSpPr>
+          <p:cNvPr id="38" name="직선 화살표 연결선 37"/>
+          <p:cNvCxnSpPr/>
+          <p:nvPr/>
+        </p:nvCxnSpPr>
+        <p:spPr>
+          <a:xfrm flipH="1">
+            <a:off x="4179390" y="1691373"/>
+            <a:ext cx="757382" cy="0"/>
+          </a:xfrm>
+          <a:prstGeom prst="straightConnector1">
+            <a:avLst/>
+          </a:prstGeom>
+          <a:ln>
+            <a:tailEnd type="triangle"/>
+          </a:ln>
+        </p:spPr>
+        <p:style>
+          <a:lnRef idx="1">
+            <a:schemeClr val="accent1"/>
+          </a:lnRef>
+          <a:fillRef idx="0">
+            <a:schemeClr val="accent1"/>
+          </a:fillRef>
+          <a:effectRef idx="0">
+            <a:schemeClr val="accent1"/>
+          </a:effectRef>
+          <a:fontRef idx="minor">
+            <a:schemeClr val="tx1"/>
+          </a:fontRef>
+        </p:style>
+      </p:cxnSp>
+      <p:sp>
+        <p:nvSpPr>
+          <p:cNvPr id="39" name="TextBox 38"/>
+          <p:cNvSpPr txBox="1"/>
+          <p:nvPr/>
+        </p:nvSpPr>
+        <p:spPr>
+          <a:xfrm>
+            <a:off x="4107133" y="1399717"/>
+            <a:ext cx="850300" cy="276999"/>
+          </a:xfrm>
+          <a:prstGeom prst="rect">
+            <a:avLst/>
+          </a:prstGeom>
+          <a:noFill/>
+        </p:spPr>
+        <p:txBody>
+          <a:bodyPr wrap="square" rtlCol="0">
+            <a:spAutoFit/>
+          </a:bodyPr>
+          <a:lstStyle/>
+          <a:p>
+            <a:r>
+              <a:rPr lang="en-US" altLang="ko-KR" sz="1200"/>
+              <a:t> </a:t>
+            </a:r>
+            <a:r>
+              <a:rPr lang="en-US" altLang="ko-KR" sz="1200" smtClean="0"/>
+              <a:t>   25</a:t>
+            </a:r>
+            <a:r>
+              <a:rPr lang="ko-KR" altLang="en-US" sz="1200" dirty="0" smtClean="0"/>
+              <a:t>분</a:t>
+            </a:r>
+            <a:endParaRPr lang="ko-KR" altLang="en-US" sz="1200" dirty="0"/>
+          </a:p>
+        </p:txBody>
+      </p:sp>
+      <p:sp>
+        <p:nvSpPr>
+          <p:cNvPr id="45" name="직사각형 44"/>
+          <p:cNvSpPr/>
+          <p:nvPr/>
+        </p:nvSpPr>
+        <p:spPr>
+          <a:xfrm>
+            <a:off x="3254861" y="3455047"/>
+            <a:ext cx="748145" cy="581891"/>
+          </a:xfrm>
+          <a:prstGeom prst="rect">
+            <a:avLst/>
+          </a:prstGeom>
+        </p:spPr>
+        <p:style>
+          <a:lnRef idx="2">
+            <a:schemeClr val="accent1">
+              <a:shade val="50000"/>
+            </a:schemeClr>
+          </a:lnRef>
+          <a:fillRef idx="1">
+            <a:schemeClr val="accent1"/>
+          </a:fillRef>
+          <a:effectRef idx="0">
+            <a:schemeClr val="accent1"/>
+          </a:effectRef>
+          <a:fontRef idx="minor">
+            <a:schemeClr val="lt1"/>
+          </a:fontRef>
+        </p:style>
+        <p:txBody>
+          <a:bodyPr rtlCol="0" anchor="ctr"/>
+          <a:lstStyle/>
+          <a:p>
+            <a:pPr algn="ctr"/>
+            <a:r>
+              <a:rPr lang="ko-KR" altLang="en-US" dirty="0" smtClean="0"/>
+              <a:t>카운터</a:t>
+            </a:r>
+            <a:endParaRPr lang="ko-KR" altLang="en-US" dirty="0"/>
+          </a:p>
+        </p:txBody>
+      </p:sp>
+      <p:sp>
+        <p:nvSpPr>
+          <p:cNvPr id="46" name="직사각형 45"/>
+          <p:cNvSpPr/>
+          <p:nvPr/>
+        </p:nvSpPr>
+        <p:spPr>
+          <a:xfrm>
+            <a:off x="5315033" y="3453813"/>
+            <a:ext cx="872834" cy="583125"/>
+          </a:xfrm>
+          <a:prstGeom prst="rect">
+            <a:avLst/>
+          </a:prstGeom>
+        </p:spPr>
+        <p:style>
+          <a:lnRef idx="2">
+            <a:schemeClr val="accent1">
+              <a:shade val="50000"/>
+            </a:schemeClr>
+          </a:lnRef>
+          <a:fillRef idx="1">
+            <a:schemeClr val="accent1"/>
+          </a:fillRef>
+          <a:effectRef idx="0">
+            <a:schemeClr val="accent1"/>
+          </a:effectRef>
+          <a:fontRef idx="minor">
+            <a:schemeClr val="lt1"/>
+          </a:fontRef>
+        </p:style>
+        <p:txBody>
+          <a:bodyPr rtlCol="0" anchor="ctr"/>
+          <a:lstStyle/>
+          <a:p>
+            <a:pPr algn="ctr"/>
+            <a:r>
+              <a:rPr lang="ko-KR" altLang="en-US" smtClean="0"/>
+              <a:t>시간관리자</a:t>
+            </a:r>
+            <a:endParaRPr lang="ko-KR" altLang="en-US" dirty="0"/>
+          </a:p>
+        </p:txBody>
+      </p:sp>
+      <p:cxnSp>
+        <p:nvCxnSpPr>
+          <p:cNvPr id="47" name="직선 화살표 연결선 46"/>
+          <p:cNvCxnSpPr>
+            <a:stCxn id="45" idx="3"/>
+            <a:endCxn id="46" idx="1"/>
+          </p:cNvCxnSpPr>
+          <p:nvPr/>
+        </p:nvCxnSpPr>
+        <p:spPr>
+          <a:xfrm flipV="1">
+            <a:off x="4003006" y="3745376"/>
+            <a:ext cx="1312027" cy="617"/>
+          </a:xfrm>
+          <a:prstGeom prst="straightConnector1">
+            <a:avLst/>
+          </a:prstGeom>
+          <a:ln w="19050">
+            <a:solidFill>
+              <a:schemeClr val="tx1"/>
+            </a:solidFill>
+            <a:tailEnd type="triangle"/>
+          </a:ln>
+        </p:spPr>
+        <p:style>
+          <a:lnRef idx="1">
+            <a:schemeClr val="accent1"/>
+          </a:lnRef>
+          <a:fillRef idx="0">
+            <a:schemeClr val="accent1"/>
+          </a:fillRef>
+          <a:effectRef idx="0">
+            <a:schemeClr val="accent1"/>
+          </a:effectRef>
+          <a:fontRef idx="minor">
+            <a:schemeClr val="tx1"/>
+          </a:fontRef>
+        </p:style>
+      </p:cxnSp>
+      <p:sp>
+        <p:nvSpPr>
+          <p:cNvPr id="48" name="TextBox 47"/>
+          <p:cNvSpPr txBox="1"/>
+          <p:nvPr/>
+        </p:nvSpPr>
+        <p:spPr>
+          <a:xfrm>
+            <a:off x="4065350" y="3897204"/>
+            <a:ext cx="1617619" cy="276999"/>
+          </a:xfrm>
+          <a:prstGeom prst="rect">
+            <a:avLst/>
+          </a:prstGeom>
+          <a:noFill/>
+        </p:spPr>
+        <p:txBody>
+          <a:bodyPr wrap="square" rtlCol="0">
+            <a:spAutoFit/>
+          </a:bodyPr>
+          <a:lstStyle/>
+          <a:p>
+            <a:r>
+              <a:rPr lang="ko-KR" altLang="en-US" sz="1200" dirty="0" smtClean="0"/>
+              <a:t>시간 다 </a:t>
+            </a:r>
+            <a:r>
+              <a:rPr lang="ko-KR" altLang="en-US" sz="1200" dirty="0" err="1" smtClean="0"/>
+              <a:t>세었어</a:t>
+            </a:r>
+            <a:r>
+              <a:rPr lang="en-US" altLang="ko-KR" sz="1200" dirty="0" smtClean="0"/>
+              <a:t>()</a:t>
+            </a:r>
+            <a:endParaRPr lang="ko-KR" altLang="en-US" sz="1200" dirty="0"/>
+          </a:p>
+        </p:txBody>
+      </p:sp>
+      <p:cxnSp>
+        <p:nvCxnSpPr>
+          <p:cNvPr id="49" name="직선 화살표 연결선 48"/>
+          <p:cNvCxnSpPr/>
+          <p:nvPr/>
+        </p:nvCxnSpPr>
+        <p:spPr>
+          <a:xfrm flipH="1">
+            <a:off x="4187933" y="3524868"/>
+            <a:ext cx="757382" cy="0"/>
+          </a:xfrm>
+          <a:prstGeom prst="straightConnector1">
+            <a:avLst/>
+          </a:prstGeom>
+          <a:ln>
+            <a:tailEnd type="triangle"/>
+          </a:ln>
+        </p:spPr>
+        <p:style>
+          <a:lnRef idx="1">
+            <a:schemeClr val="accent1"/>
+          </a:lnRef>
+          <a:fillRef idx="0">
+            <a:schemeClr val="accent1"/>
+          </a:fillRef>
+          <a:effectRef idx="0">
+            <a:schemeClr val="accent1"/>
+          </a:effectRef>
+          <a:fontRef idx="minor">
+            <a:schemeClr val="tx1"/>
+          </a:fontRef>
+        </p:style>
+      </p:cxnSp>
+      <p:sp>
+        <p:nvSpPr>
+          <p:cNvPr id="50" name="TextBox 49"/>
+          <p:cNvSpPr txBox="1"/>
+          <p:nvPr/>
+        </p:nvSpPr>
+        <p:spPr>
+          <a:xfrm>
+            <a:off x="3850384" y="3247776"/>
+            <a:ext cx="1705464" cy="276999"/>
+          </a:xfrm>
+          <a:prstGeom prst="rect">
+            <a:avLst/>
+          </a:prstGeom>
+          <a:noFill/>
+        </p:spPr>
+        <p:txBody>
+          <a:bodyPr wrap="square" rtlCol="0">
+            <a:spAutoFit/>
+          </a:bodyPr>
+          <a:lstStyle/>
+          <a:p>
+            <a:r>
+              <a:rPr lang="ko-KR" altLang="en-US" sz="1200" dirty="0" smtClean="0"/>
+              <a:t>세어야 하는 초</a:t>
+            </a:r>
+            <a:r>
+              <a:rPr lang="en-US" altLang="ko-KR" sz="1200" dirty="0" smtClean="0"/>
+              <a:t>(</a:t>
+            </a:r>
+            <a:r>
+              <a:rPr lang="ko-KR" altLang="en-US" sz="1200" dirty="0" smtClean="0"/>
+              <a:t>휴식</a:t>
+            </a:r>
+            <a:r>
+              <a:rPr lang="en-US" altLang="ko-KR" sz="1200" dirty="0" smtClean="0"/>
+              <a:t>)</a:t>
+            </a:r>
+            <a:endParaRPr lang="ko-KR" altLang="en-US" sz="1200" dirty="0"/>
+          </a:p>
+        </p:txBody>
+      </p:sp>
+      <p:sp>
+        <p:nvSpPr>
+          <p:cNvPr id="51" name="직사각형 50"/>
+          <p:cNvSpPr/>
+          <p:nvPr/>
+        </p:nvSpPr>
+        <p:spPr>
+          <a:xfrm>
+            <a:off x="7499894" y="3452295"/>
+            <a:ext cx="872834" cy="583125"/>
+          </a:xfrm>
+          <a:prstGeom prst="rect">
+            <a:avLst/>
+          </a:prstGeom>
+        </p:spPr>
+        <p:style>
+          <a:lnRef idx="2">
+            <a:schemeClr val="accent1">
+              <a:shade val="50000"/>
+            </a:schemeClr>
+          </a:lnRef>
+          <a:fillRef idx="1">
+            <a:schemeClr val="accent1"/>
+          </a:fillRef>
+          <a:effectRef idx="0">
+            <a:schemeClr val="accent1"/>
+          </a:effectRef>
+          <a:fontRef idx="minor">
+            <a:schemeClr val="lt1"/>
+          </a:fontRef>
+        </p:style>
+        <p:txBody>
+          <a:bodyPr rtlCol="0" anchor="ctr"/>
+          <a:lstStyle/>
+          <a:p>
+            <a:pPr algn="ctr"/>
+            <a:r>
+              <a:rPr lang="ko-KR" altLang="en-US" dirty="0" smtClean="0"/>
+              <a:t>통계관리자</a:t>
+            </a:r>
+            <a:endParaRPr lang="ko-KR" altLang="en-US" dirty="0"/>
+          </a:p>
+        </p:txBody>
+      </p:sp>
+      <p:cxnSp>
+        <p:nvCxnSpPr>
+          <p:cNvPr id="52" name="직선 화살표 연결선 51"/>
+          <p:cNvCxnSpPr>
+            <a:stCxn id="46" idx="3"/>
+            <a:endCxn id="51" idx="1"/>
+          </p:cNvCxnSpPr>
+          <p:nvPr/>
+        </p:nvCxnSpPr>
+        <p:spPr>
+          <a:xfrm flipV="1">
+            <a:off x="6187867" y="3743858"/>
+            <a:ext cx="1312027" cy="1518"/>
+          </a:xfrm>
+          <a:prstGeom prst="straightConnector1">
+            <a:avLst/>
+          </a:prstGeom>
+          <a:ln w="19050">
+            <a:solidFill>
+              <a:schemeClr val="tx1"/>
+            </a:solidFill>
+            <a:tailEnd type="triangle"/>
+          </a:ln>
+        </p:spPr>
+        <p:style>
+          <a:lnRef idx="1">
+            <a:schemeClr val="accent1"/>
+          </a:lnRef>
+          <a:fillRef idx="0">
+            <a:schemeClr val="accent1"/>
+          </a:fillRef>
+          <a:effectRef idx="0">
+            <a:schemeClr val="accent1"/>
+          </a:effectRef>
+          <a:fontRef idx="minor">
+            <a:schemeClr val="tx1"/>
+          </a:fontRef>
+        </p:style>
+      </p:cxnSp>
+      <p:sp>
+        <p:nvSpPr>
+          <p:cNvPr id="54" name="TextBox 53"/>
+          <p:cNvSpPr txBox="1"/>
+          <p:nvPr/>
+        </p:nvSpPr>
+        <p:spPr>
+          <a:xfrm>
+            <a:off x="6006268" y="3122852"/>
+            <a:ext cx="2989950" cy="276999"/>
+          </a:xfrm>
+          <a:prstGeom prst="rect">
+            <a:avLst/>
+          </a:prstGeom>
+          <a:noFill/>
+        </p:spPr>
+        <p:txBody>
+          <a:bodyPr wrap="square" rtlCol="0">
+            <a:spAutoFit/>
+          </a:bodyPr>
+          <a:lstStyle/>
+          <a:p>
+            <a:r>
+              <a:rPr lang="ko-KR" altLang="en-US" sz="1200" dirty="0" smtClean="0"/>
+              <a:t>작업 상태</a:t>
+            </a:r>
+            <a:r>
+              <a:rPr lang="en-US" altLang="ko-KR" sz="1200" dirty="0" smtClean="0"/>
+              <a:t>, </a:t>
+            </a:r>
+            <a:r>
+              <a:rPr lang="ko-KR" altLang="en-US" sz="1200" dirty="0" err="1" smtClean="0"/>
+              <a:t>회차</a:t>
+            </a:r>
+            <a:r>
+              <a:rPr lang="en-US" altLang="ko-KR" sz="1200" dirty="0" smtClean="0"/>
+              <a:t>, </a:t>
+            </a:r>
+            <a:r>
+              <a:rPr lang="ko-KR" altLang="en-US" sz="1200" dirty="0" smtClean="0"/>
+              <a:t>시작 시간</a:t>
+            </a:r>
+            <a:r>
+              <a:rPr lang="en-US" altLang="ko-KR" sz="1200" dirty="0" smtClean="0"/>
+              <a:t>, </a:t>
+            </a:r>
+            <a:r>
+              <a:rPr lang="ko-KR" altLang="en-US" sz="1200" dirty="0" smtClean="0"/>
+              <a:t>종료시간</a:t>
+            </a:r>
+            <a:endParaRPr lang="ko-KR" altLang="en-US" sz="1200" dirty="0"/>
+          </a:p>
+        </p:txBody>
+      </p:sp>
+      <p:cxnSp>
+        <p:nvCxnSpPr>
+          <p:cNvPr id="56" name="직선 화살표 연결선 55"/>
+          <p:cNvCxnSpPr/>
+          <p:nvPr/>
+        </p:nvCxnSpPr>
+        <p:spPr>
+          <a:xfrm>
+            <a:off x="6461790" y="3536994"/>
+            <a:ext cx="706813" cy="0"/>
+          </a:xfrm>
+          <a:prstGeom prst="straightConnector1">
+            <a:avLst/>
+          </a:prstGeom>
+          <a:ln>
+            <a:tailEnd type="triangle"/>
+          </a:ln>
+        </p:spPr>
+        <p:style>
+          <a:lnRef idx="1">
+            <a:schemeClr val="accent1"/>
+          </a:lnRef>
+          <a:fillRef idx="0">
+            <a:schemeClr val="accent1"/>
+          </a:fillRef>
+          <a:effectRef idx="0">
+            <a:schemeClr val="accent1"/>
+          </a:effectRef>
+          <a:fontRef idx="minor">
+            <a:schemeClr val="tx1"/>
+          </a:fontRef>
+        </p:style>
+      </p:cxnSp>
+      <p:sp>
+        <p:nvSpPr>
+          <p:cNvPr id="58" name="TextBox 57"/>
+          <p:cNvSpPr txBox="1"/>
+          <p:nvPr/>
+        </p:nvSpPr>
+        <p:spPr>
+          <a:xfrm>
+            <a:off x="6250213" y="3896851"/>
+            <a:ext cx="1249681" cy="461665"/>
+          </a:xfrm>
+          <a:prstGeom prst="rect">
+            <a:avLst/>
+          </a:prstGeom>
+          <a:noFill/>
+        </p:spPr>
+        <p:txBody>
+          <a:bodyPr wrap="square" rtlCol="0">
+            <a:spAutoFit/>
+          </a:bodyPr>
+          <a:lstStyle/>
+          <a:p>
+            <a:r>
+              <a:rPr lang="ko-KR" altLang="en-US" sz="1200" dirty="0" smtClean="0"/>
+              <a:t>작업 끝났으니 기록해줘</a:t>
+            </a:r>
+            <a:endParaRPr lang="ko-KR" altLang="en-US" sz="1200" dirty="0"/>
+          </a:p>
+        </p:txBody>
+      </p:sp>
+      <p:sp>
+        <p:nvSpPr>
+          <p:cNvPr id="53" name="직사각형 52"/>
+          <p:cNvSpPr/>
+          <p:nvPr/>
+        </p:nvSpPr>
+        <p:spPr>
+          <a:xfrm>
+            <a:off x="5313896" y="4963694"/>
+            <a:ext cx="872834" cy="583125"/>
+          </a:xfrm>
+          <a:prstGeom prst="rect">
+            <a:avLst/>
+          </a:prstGeom>
+        </p:spPr>
+        <p:style>
+          <a:lnRef idx="2">
+            <a:schemeClr val="accent1">
+              <a:shade val="50000"/>
+            </a:schemeClr>
+          </a:lnRef>
+          <a:fillRef idx="1">
+            <a:schemeClr val="accent1"/>
+          </a:fillRef>
+          <a:effectRef idx="0">
+            <a:schemeClr val="accent1"/>
+          </a:effectRef>
+          <a:fontRef idx="minor">
+            <a:schemeClr val="lt1"/>
+          </a:fontRef>
+        </p:style>
+        <p:txBody>
+          <a:bodyPr rtlCol="0" anchor="ctr"/>
+          <a:lstStyle/>
+          <a:p>
+            <a:pPr algn="ctr"/>
+            <a:r>
+              <a:rPr lang="ko-KR" altLang="en-US" dirty="0" err="1" smtClean="0"/>
+              <a:t>알람</a:t>
+            </a:r>
+            <a:endParaRPr lang="en-US" altLang="ko-KR" dirty="0" smtClean="0"/>
+          </a:p>
+          <a:p>
+            <a:pPr algn="ctr"/>
+            <a:r>
+              <a:rPr lang="ko-KR" altLang="en-US" dirty="0" smtClean="0"/>
+              <a:t>관리자</a:t>
+            </a:r>
+            <a:endParaRPr lang="ko-KR" altLang="en-US" dirty="0"/>
+          </a:p>
+        </p:txBody>
+      </p:sp>
+      <p:cxnSp>
+        <p:nvCxnSpPr>
+          <p:cNvPr id="55" name="직선 화살표 연결선 54"/>
+          <p:cNvCxnSpPr>
+            <a:stCxn id="46" idx="2"/>
+            <a:endCxn id="53" idx="0"/>
+          </p:cNvCxnSpPr>
+          <p:nvPr/>
+        </p:nvCxnSpPr>
+        <p:spPr>
+          <a:xfrm flipH="1">
+            <a:off x="5750313" y="4036938"/>
+            <a:ext cx="1137" cy="926756"/>
+          </a:xfrm>
+          <a:prstGeom prst="straightConnector1">
+            <a:avLst/>
+          </a:prstGeom>
+          <a:ln w="19050">
+            <a:solidFill>
+              <a:schemeClr val="tx1"/>
+            </a:solidFill>
+            <a:tailEnd type="triangle"/>
+          </a:ln>
+        </p:spPr>
+        <p:style>
+          <a:lnRef idx="1">
+            <a:schemeClr val="accent1"/>
+          </a:lnRef>
+          <a:fillRef idx="0">
+            <a:schemeClr val="accent1"/>
+          </a:fillRef>
+          <a:effectRef idx="0">
+            <a:schemeClr val="accent1"/>
+          </a:effectRef>
+          <a:fontRef idx="minor">
+            <a:schemeClr val="tx1"/>
+          </a:fontRef>
+        </p:style>
+      </p:cxnSp>
+      <p:sp>
+        <p:nvSpPr>
+          <p:cNvPr id="57" name="TextBox 56"/>
+          <p:cNvSpPr txBox="1"/>
+          <p:nvPr/>
+        </p:nvSpPr>
+        <p:spPr>
+          <a:xfrm>
+            <a:off x="4395939" y="4414956"/>
+            <a:ext cx="1346968" cy="461665"/>
+          </a:xfrm>
+          <a:prstGeom prst="rect">
+            <a:avLst/>
+          </a:prstGeom>
+          <a:noFill/>
+        </p:spPr>
+        <p:txBody>
+          <a:bodyPr wrap="square" rtlCol="0">
+            <a:spAutoFit/>
+          </a:bodyPr>
+          <a:lstStyle/>
+          <a:p>
+            <a:r>
+              <a:rPr lang="ko-KR" altLang="en-US" sz="1200" dirty="0" smtClean="0"/>
+              <a:t>시간 다 세었대</a:t>
+            </a:r>
+            <a:r>
+              <a:rPr lang="en-US" altLang="ko-KR" sz="1200" dirty="0" smtClean="0"/>
+              <a:t>, </a:t>
+            </a:r>
+            <a:r>
+              <a:rPr lang="ko-KR" altLang="en-US" sz="1200" dirty="0" smtClean="0"/>
+              <a:t>소리 좀 </a:t>
+            </a:r>
+            <a:r>
+              <a:rPr lang="ko-KR" altLang="en-US" sz="1200" dirty="0" smtClean="0"/>
+              <a:t>울려봐</a:t>
+            </a:r>
+            <a:r>
+              <a:rPr lang="en-US" altLang="ko-KR" sz="1200" dirty="0" smtClean="0"/>
+              <a:t>()</a:t>
+            </a:r>
+            <a:endParaRPr lang="ko-KR" altLang="en-US" sz="1200" dirty="0"/>
+          </a:p>
+        </p:txBody>
+      </p:sp>
+      <p:pic>
+        <p:nvPicPr>
+          <p:cNvPr id="1026" name="Picture 2" descr="관련 이미지"/>
+          <p:cNvPicPr>
+            <a:picLocks noChangeAspect="1" noChangeArrowheads="1"/>
+          </p:cNvPicPr>
+          <p:nvPr/>
+        </p:nvPicPr>
+        <p:blipFill>
+          <a:blip r:embed="rId2">
+            <a:extLst>
+              <a:ext uri="{28A0092B-C50C-407E-A947-70E740481C1C}">
+                <a14:useLocalDpi xmlns:a14="http://schemas.microsoft.com/office/drawing/2010/main" val="0"/>
+              </a:ext>
+            </a:extLst>
+          </a:blip>
+          <a:srcRect/>
+          <a:stretch>
+            <a:fillRect/>
+          </a:stretch>
+        </p:blipFill>
+        <p:spPr bwMode="auto">
+          <a:xfrm>
+            <a:off x="6282250" y="4963694"/>
+            <a:ext cx="942975" cy="1038225"/>
+          </a:xfrm>
+          <a:prstGeom prst="rect">
+            <a:avLst/>
+          </a:prstGeom>
+          <a:noFill/>
+          <a:extLst>
+            <a:ext uri="{909E8E84-426E-40DD-AFC4-6F175D3DCCD1}">
+              <a14:hiddenFill xmlns:a14="http://schemas.microsoft.com/office/drawing/2010/main">
+                <a:solidFill>
+                  <a:srgbClr val="FFFFFF"/>
+                </a:solidFill>
+              </a14:hiddenFill>
+            </a:ext>
+          </a:extLst>
+        </p:spPr>
+      </p:pic>
+      <p:sp>
+        <p:nvSpPr>
+          <p:cNvPr id="2" name="타원 1"/>
+          <p:cNvSpPr/>
+          <p:nvPr/>
+        </p:nvSpPr>
+        <p:spPr>
+          <a:xfrm>
+            <a:off x="1738338" y="2231125"/>
+            <a:ext cx="328176" cy="297278"/>
+          </a:xfrm>
+          <a:prstGeom prst="ellipse">
+            <a:avLst/>
+          </a:prstGeom>
+          <a:solidFill>
+            <a:srgbClr val="FF0000"/>
+          </a:solidFill>
+        </p:spPr>
+        <p:style>
+          <a:lnRef idx="2">
+            <a:schemeClr val="accent1">
+              <a:shade val="50000"/>
+            </a:schemeClr>
+          </a:lnRef>
+          <a:fillRef idx="1">
+            <a:schemeClr val="accent1"/>
+          </a:fillRef>
+          <a:effectRef idx="0">
+            <a:schemeClr val="accent1"/>
+          </a:effectRef>
+          <a:fontRef idx="minor">
+            <a:schemeClr val="lt1"/>
+          </a:fontRef>
+        </p:style>
+        <p:txBody>
+          <a:bodyPr rtlCol="0" anchor="ctr"/>
+          <a:lstStyle/>
+          <a:p>
+            <a:pPr algn="ctr"/>
+            <a:r>
+              <a:rPr lang="en-US" altLang="ko-KR" dirty="0" smtClean="0"/>
+              <a:t>1</a:t>
+            </a:r>
+            <a:endParaRPr lang="ko-KR" altLang="en-US" dirty="0"/>
+          </a:p>
+        </p:txBody>
+      </p:sp>
+      <p:sp>
+        <p:nvSpPr>
+          <p:cNvPr id="28" name="타원 27"/>
+          <p:cNvSpPr/>
+          <p:nvPr/>
+        </p:nvSpPr>
+        <p:spPr>
+          <a:xfrm>
+            <a:off x="3778957" y="2228424"/>
+            <a:ext cx="328176" cy="297278"/>
+          </a:xfrm>
+          <a:prstGeom prst="ellipse">
+            <a:avLst/>
+          </a:prstGeom>
+          <a:solidFill>
+            <a:srgbClr val="FF0000"/>
+          </a:solidFill>
+        </p:spPr>
+        <p:style>
+          <a:lnRef idx="2">
+            <a:schemeClr val="accent1">
+              <a:shade val="50000"/>
+            </a:schemeClr>
+          </a:lnRef>
+          <a:fillRef idx="1">
+            <a:schemeClr val="accent1"/>
+          </a:fillRef>
+          <a:effectRef idx="0">
+            <a:schemeClr val="accent1"/>
+          </a:effectRef>
+          <a:fontRef idx="minor">
+            <a:schemeClr val="lt1"/>
+          </a:fontRef>
+        </p:style>
+        <p:txBody>
+          <a:bodyPr rtlCol="0" anchor="ctr"/>
+          <a:lstStyle/>
+          <a:p>
+            <a:pPr algn="ctr"/>
+            <a:r>
+              <a:rPr lang="en-US" altLang="ko-KR" dirty="0"/>
+              <a:t>2</a:t>
+            </a:r>
+            <a:endParaRPr lang="ko-KR" altLang="en-US" dirty="0"/>
+          </a:p>
+        </p:txBody>
+      </p:sp>
+      <p:sp>
+        <p:nvSpPr>
+          <p:cNvPr id="29" name="타원 28"/>
+          <p:cNvSpPr/>
+          <p:nvPr/>
+        </p:nvSpPr>
+        <p:spPr>
+          <a:xfrm>
+            <a:off x="6334347" y="1886056"/>
+            <a:ext cx="328176" cy="297278"/>
+          </a:xfrm>
+          <a:prstGeom prst="ellipse">
+            <a:avLst/>
+          </a:prstGeom>
+          <a:solidFill>
+            <a:srgbClr val="FF0000"/>
+          </a:solidFill>
+        </p:spPr>
+        <p:style>
+          <a:lnRef idx="2">
+            <a:schemeClr val="accent1">
+              <a:shade val="50000"/>
+            </a:schemeClr>
+          </a:lnRef>
+          <a:fillRef idx="1">
+            <a:schemeClr val="accent1"/>
+          </a:fillRef>
+          <a:effectRef idx="0">
+            <a:schemeClr val="accent1"/>
+          </a:effectRef>
+          <a:fontRef idx="minor">
+            <a:schemeClr val="lt1"/>
+          </a:fontRef>
+        </p:style>
+        <p:txBody>
+          <a:bodyPr rtlCol="0" anchor="ctr"/>
+          <a:lstStyle/>
+          <a:p>
+            <a:pPr algn="ctr"/>
+            <a:r>
+              <a:rPr lang="en-US" altLang="ko-KR" dirty="0" smtClean="0"/>
+              <a:t>4</a:t>
+            </a:r>
+            <a:endParaRPr lang="ko-KR" altLang="en-US" dirty="0"/>
+          </a:p>
+        </p:txBody>
+      </p:sp>
+      <p:sp>
+        <p:nvSpPr>
+          <p:cNvPr id="3" name="TextBox 2"/>
+          <p:cNvSpPr txBox="1"/>
+          <p:nvPr/>
+        </p:nvSpPr>
+        <p:spPr>
+          <a:xfrm>
+            <a:off x="151322" y="1640626"/>
+            <a:ext cx="1013529" cy="646331"/>
+          </a:xfrm>
+          <a:prstGeom prst="rect">
+            <a:avLst/>
+          </a:prstGeom>
+          <a:noFill/>
+        </p:spPr>
+        <p:txBody>
+          <a:bodyPr wrap="square" rtlCol="0">
+            <a:spAutoFit/>
+          </a:bodyPr>
+          <a:lstStyle/>
+          <a:p>
+            <a:r>
+              <a:rPr lang="ko-KR" altLang="en-US" dirty="0" smtClean="0"/>
+              <a:t>일하는 상태</a:t>
+            </a:r>
+            <a:endParaRPr lang="ko-KR" altLang="en-US" dirty="0"/>
+          </a:p>
+        </p:txBody>
+      </p:sp>
+      <p:cxnSp>
+        <p:nvCxnSpPr>
+          <p:cNvPr id="10" name="직선 연결선 9"/>
+          <p:cNvCxnSpPr/>
+          <p:nvPr/>
+        </p:nvCxnSpPr>
+        <p:spPr>
+          <a:xfrm>
+            <a:off x="6006268" y="1241846"/>
+            <a:ext cx="0" cy="360000"/>
+          </a:xfrm>
+          <a:prstGeom prst="line">
+            <a:avLst/>
+          </a:prstGeom>
+          <a:ln w="19050">
+            <a:solidFill>
+              <a:schemeClr val="tx1"/>
+            </a:solidFill>
+          </a:ln>
+        </p:spPr>
+        <p:style>
+          <a:lnRef idx="1">
+            <a:schemeClr val="dk1"/>
+          </a:lnRef>
+          <a:fillRef idx="0">
+            <a:schemeClr val="dk1"/>
+          </a:fillRef>
+          <a:effectRef idx="0">
+            <a:schemeClr val="dk1"/>
+          </a:effectRef>
+          <a:fontRef idx="minor">
+            <a:schemeClr val="tx1"/>
+          </a:fontRef>
+        </p:style>
+      </p:cxnSp>
+      <p:cxnSp>
+        <p:nvCxnSpPr>
+          <p:cNvPr id="40" name="직선 연결선 39"/>
+          <p:cNvCxnSpPr/>
+          <p:nvPr/>
+        </p:nvCxnSpPr>
+        <p:spPr>
+          <a:xfrm flipH="1">
+            <a:off x="6004282" y="1241846"/>
+            <a:ext cx="636663" cy="0"/>
+          </a:xfrm>
+          <a:prstGeom prst="line">
+            <a:avLst/>
+          </a:prstGeom>
+          <a:ln w="19050">
+            <a:solidFill>
+              <a:schemeClr val="tx1"/>
+            </a:solidFill>
+          </a:ln>
+        </p:spPr>
+        <p:style>
+          <a:lnRef idx="1">
+            <a:schemeClr val="dk1"/>
+          </a:lnRef>
+          <a:fillRef idx="0">
+            <a:schemeClr val="dk1"/>
+          </a:fillRef>
+          <a:effectRef idx="0">
+            <a:schemeClr val="dk1"/>
+          </a:effectRef>
+          <a:fontRef idx="minor">
+            <a:schemeClr val="tx1"/>
+          </a:fontRef>
+        </p:style>
+      </p:cxnSp>
+      <p:cxnSp>
+        <p:nvCxnSpPr>
+          <p:cNvPr id="41" name="직선 연결선 40"/>
+          <p:cNvCxnSpPr/>
+          <p:nvPr/>
+        </p:nvCxnSpPr>
+        <p:spPr>
+          <a:xfrm>
+            <a:off x="6640945" y="1241846"/>
+            <a:ext cx="0" cy="586954"/>
+          </a:xfrm>
+          <a:prstGeom prst="line">
+            <a:avLst/>
+          </a:prstGeom>
+          <a:ln w="19050">
+            <a:solidFill>
+              <a:schemeClr val="tx1"/>
+            </a:solidFill>
+          </a:ln>
+        </p:spPr>
+        <p:style>
+          <a:lnRef idx="1">
+            <a:schemeClr val="dk1"/>
+          </a:lnRef>
+          <a:fillRef idx="0">
+            <a:schemeClr val="dk1"/>
+          </a:fillRef>
+          <a:effectRef idx="0">
+            <a:schemeClr val="dk1"/>
+          </a:effectRef>
+          <a:fontRef idx="minor">
+            <a:schemeClr val="tx1"/>
+          </a:fontRef>
+        </p:style>
+      </p:cxnSp>
+      <p:cxnSp>
+        <p:nvCxnSpPr>
+          <p:cNvPr id="42" name="직선 화살표 연결선 41"/>
+          <p:cNvCxnSpPr/>
+          <p:nvPr/>
+        </p:nvCxnSpPr>
+        <p:spPr>
+          <a:xfrm flipH="1">
+            <a:off x="6179325" y="1801284"/>
+            <a:ext cx="461620" cy="0"/>
+          </a:xfrm>
+          <a:prstGeom prst="straightConnector1">
+            <a:avLst/>
+          </a:prstGeom>
+          <a:ln w="19050">
+            <a:solidFill>
+              <a:schemeClr val="tx1"/>
+            </a:solidFill>
+            <a:tailEnd type="triangle"/>
+          </a:ln>
+        </p:spPr>
+        <p:style>
+          <a:lnRef idx="1">
+            <a:schemeClr val="accent1"/>
+          </a:lnRef>
+          <a:fillRef idx="0">
+            <a:schemeClr val="accent1"/>
+          </a:fillRef>
+          <a:effectRef idx="0">
+            <a:schemeClr val="accent1"/>
+          </a:effectRef>
+          <a:fontRef idx="minor">
+            <a:schemeClr val="tx1"/>
+          </a:fontRef>
+        </p:style>
+      </p:cxnSp>
+      <p:sp>
+        <p:nvSpPr>
+          <p:cNvPr id="59" name="TextBox 58"/>
+          <p:cNvSpPr txBox="1"/>
+          <p:nvPr/>
+        </p:nvSpPr>
+        <p:spPr>
+          <a:xfrm>
+            <a:off x="6649915" y="1146792"/>
+            <a:ext cx="1187336" cy="646331"/>
+          </a:xfrm>
+          <a:prstGeom prst="rect">
+            <a:avLst/>
+          </a:prstGeom>
+          <a:noFill/>
+        </p:spPr>
+        <p:txBody>
+          <a:bodyPr wrap="square" rtlCol="0">
+            <a:spAutoFit/>
+          </a:bodyPr>
+          <a:lstStyle/>
+          <a:p>
+            <a:r>
+              <a:rPr lang="ko-KR" altLang="en-US" sz="1200" dirty="0" smtClean="0"/>
+              <a:t>이번 </a:t>
+            </a:r>
+            <a:r>
+              <a:rPr lang="ko-KR" altLang="en-US" sz="1200" dirty="0" err="1" smtClean="0"/>
+              <a:t>회차에선</a:t>
+            </a:r>
+            <a:r>
+              <a:rPr lang="ko-KR" altLang="en-US" sz="1200" dirty="0" smtClean="0"/>
+              <a:t> 어떤 상태인지 알려줘</a:t>
+            </a:r>
+            <a:r>
+              <a:rPr lang="en-US" altLang="ko-KR" sz="1200" dirty="0" smtClean="0"/>
+              <a:t>()</a:t>
+            </a:r>
+            <a:endParaRPr lang="ko-KR" altLang="en-US" sz="1200" dirty="0"/>
+          </a:p>
+        </p:txBody>
+      </p:sp>
+      <p:sp>
+        <p:nvSpPr>
+          <p:cNvPr id="60" name="타원 59"/>
+          <p:cNvSpPr/>
+          <p:nvPr/>
+        </p:nvSpPr>
+        <p:spPr>
+          <a:xfrm>
+            <a:off x="5840194" y="866095"/>
+            <a:ext cx="328176" cy="297278"/>
+          </a:xfrm>
+          <a:prstGeom prst="ellipse">
+            <a:avLst/>
+          </a:prstGeom>
+          <a:solidFill>
+            <a:srgbClr val="FF0000"/>
+          </a:solidFill>
+        </p:spPr>
+        <p:style>
+          <a:lnRef idx="2">
+            <a:schemeClr val="accent1">
+              <a:shade val="50000"/>
+            </a:schemeClr>
+          </a:lnRef>
+          <a:fillRef idx="1">
+            <a:schemeClr val="accent1"/>
+          </a:fillRef>
+          <a:effectRef idx="0">
+            <a:schemeClr val="accent1"/>
+          </a:effectRef>
+          <a:fontRef idx="minor">
+            <a:schemeClr val="lt1"/>
+          </a:fontRef>
+        </p:style>
+        <p:txBody>
+          <a:bodyPr rtlCol="0" anchor="ctr"/>
+          <a:lstStyle/>
+          <a:p>
+            <a:pPr algn="ctr"/>
+            <a:r>
+              <a:rPr lang="en-US" altLang="ko-KR" dirty="0" smtClean="0"/>
+              <a:t>3</a:t>
+            </a:r>
+            <a:endParaRPr lang="ko-KR" altLang="en-US" dirty="0"/>
+          </a:p>
+        </p:txBody>
+      </p:sp>
+      <p:cxnSp>
+        <p:nvCxnSpPr>
+          <p:cNvPr id="61" name="직선 화살표 연결선 60"/>
+          <p:cNvCxnSpPr/>
+          <p:nvPr/>
+        </p:nvCxnSpPr>
+        <p:spPr>
+          <a:xfrm flipV="1">
+            <a:off x="7923374" y="987025"/>
+            <a:ext cx="12937" cy="644798"/>
+          </a:xfrm>
+          <a:prstGeom prst="straightConnector1">
+            <a:avLst/>
+          </a:prstGeom>
+          <a:ln>
+            <a:tailEnd type="triangle"/>
+          </a:ln>
+        </p:spPr>
+        <p:style>
+          <a:lnRef idx="1">
+            <a:schemeClr val="accent1"/>
+          </a:lnRef>
+          <a:fillRef idx="0">
+            <a:schemeClr val="accent1"/>
+          </a:fillRef>
+          <a:effectRef idx="0">
+            <a:schemeClr val="accent1"/>
+          </a:effectRef>
+          <a:fontRef idx="minor">
+            <a:schemeClr val="tx1"/>
+          </a:fontRef>
+        </p:style>
+      </p:cxnSp>
+      <p:sp>
+        <p:nvSpPr>
+          <p:cNvPr id="62" name="TextBox 61"/>
+          <p:cNvSpPr txBox="1"/>
+          <p:nvPr/>
+        </p:nvSpPr>
+        <p:spPr>
+          <a:xfrm>
+            <a:off x="7910166" y="1250076"/>
+            <a:ext cx="1760122" cy="276999"/>
+          </a:xfrm>
+          <a:prstGeom prst="rect">
+            <a:avLst/>
+          </a:prstGeom>
+          <a:noFill/>
+        </p:spPr>
+        <p:txBody>
+          <a:bodyPr wrap="square" rtlCol="0">
+            <a:spAutoFit/>
+          </a:bodyPr>
+          <a:lstStyle/>
+          <a:p>
+            <a:r>
+              <a:rPr lang="ko-KR" altLang="en-US" sz="1200" dirty="0" smtClean="0"/>
+              <a:t>일</a:t>
+            </a:r>
+            <a:endParaRPr lang="ko-KR" altLang="en-US" sz="1200" dirty="0"/>
+          </a:p>
+        </p:txBody>
+      </p:sp>
+      <p:sp>
+        <p:nvSpPr>
+          <p:cNvPr id="65" name="TextBox 64"/>
+          <p:cNvSpPr txBox="1"/>
+          <p:nvPr/>
+        </p:nvSpPr>
+        <p:spPr>
+          <a:xfrm>
+            <a:off x="6631557" y="1900326"/>
+            <a:ext cx="1187336" cy="830997"/>
+          </a:xfrm>
+          <a:prstGeom prst="rect">
+            <a:avLst/>
+          </a:prstGeom>
+          <a:noFill/>
+        </p:spPr>
+        <p:txBody>
+          <a:bodyPr wrap="square" rtlCol="0">
+            <a:spAutoFit/>
+          </a:bodyPr>
+          <a:lstStyle/>
+          <a:p>
+            <a:r>
+              <a:rPr lang="ko-KR" altLang="en-US" sz="1200" dirty="0" smtClean="0"/>
+              <a:t>이 상태에서는 몇 초를 세어야 하는지 알려줘</a:t>
+            </a:r>
+            <a:r>
+              <a:rPr lang="en-US" altLang="ko-KR" sz="1200" dirty="0" smtClean="0"/>
+              <a:t>()</a:t>
+            </a:r>
+            <a:endParaRPr lang="ko-KR" altLang="en-US" sz="1200" dirty="0"/>
+          </a:p>
+        </p:txBody>
+      </p:sp>
+      <p:cxnSp>
+        <p:nvCxnSpPr>
+          <p:cNvPr id="66" name="직선 화살표 연결선 65"/>
+          <p:cNvCxnSpPr/>
+          <p:nvPr/>
+        </p:nvCxnSpPr>
+        <p:spPr>
+          <a:xfrm flipV="1">
+            <a:off x="7923374" y="1978778"/>
+            <a:ext cx="12937" cy="644798"/>
+          </a:xfrm>
+          <a:prstGeom prst="straightConnector1">
+            <a:avLst/>
+          </a:prstGeom>
+          <a:ln>
+            <a:tailEnd type="triangle"/>
+          </a:ln>
+        </p:spPr>
+        <p:style>
+          <a:lnRef idx="1">
+            <a:schemeClr val="accent1"/>
+          </a:lnRef>
+          <a:fillRef idx="0">
+            <a:schemeClr val="accent1"/>
+          </a:fillRef>
+          <a:effectRef idx="0">
+            <a:schemeClr val="accent1"/>
+          </a:effectRef>
+          <a:fontRef idx="minor">
+            <a:schemeClr val="tx1"/>
+          </a:fontRef>
+        </p:style>
+      </p:cxnSp>
+      <p:sp>
+        <p:nvSpPr>
+          <p:cNvPr id="67" name="TextBox 66"/>
+          <p:cNvSpPr txBox="1"/>
+          <p:nvPr/>
+        </p:nvSpPr>
+        <p:spPr>
+          <a:xfrm>
+            <a:off x="7910166" y="2241829"/>
+            <a:ext cx="1760122" cy="276999"/>
+          </a:xfrm>
+          <a:prstGeom prst="rect">
+            <a:avLst/>
+          </a:prstGeom>
+          <a:noFill/>
+        </p:spPr>
+        <p:txBody>
+          <a:bodyPr wrap="square" rtlCol="0">
+            <a:spAutoFit/>
+          </a:bodyPr>
+          <a:lstStyle/>
+          <a:p>
+            <a:r>
+              <a:rPr lang="en-US" altLang="ko-KR" sz="1200" dirty="0" smtClean="0"/>
+              <a:t>25</a:t>
+            </a:r>
+            <a:r>
+              <a:rPr lang="ko-KR" altLang="en-US" sz="1200" dirty="0" smtClean="0"/>
+              <a:t>분</a:t>
+            </a:r>
+            <a:endParaRPr lang="ko-KR" altLang="en-US" sz="1200" dirty="0"/>
+          </a:p>
+        </p:txBody>
+      </p:sp>
+      <p:sp>
+        <p:nvSpPr>
+          <p:cNvPr id="69" name="타원 68"/>
+          <p:cNvSpPr/>
+          <p:nvPr/>
+        </p:nvSpPr>
+        <p:spPr>
+          <a:xfrm>
+            <a:off x="4177709" y="1092860"/>
+            <a:ext cx="328176" cy="297278"/>
+          </a:xfrm>
+          <a:prstGeom prst="ellipse">
+            <a:avLst/>
+          </a:prstGeom>
+          <a:solidFill>
+            <a:srgbClr val="FF0000"/>
+          </a:solidFill>
+        </p:spPr>
+        <p:style>
+          <a:lnRef idx="2">
+            <a:schemeClr val="accent1">
+              <a:shade val="50000"/>
+            </a:schemeClr>
+          </a:lnRef>
+          <a:fillRef idx="1">
+            <a:schemeClr val="accent1"/>
+          </a:fillRef>
+          <a:effectRef idx="0">
+            <a:schemeClr val="accent1"/>
+          </a:effectRef>
+          <a:fontRef idx="minor">
+            <a:schemeClr val="lt1"/>
+          </a:fontRef>
+        </p:style>
+        <p:txBody>
+          <a:bodyPr rtlCol="0" anchor="ctr"/>
+          <a:lstStyle/>
+          <a:p>
+            <a:pPr algn="ctr"/>
+            <a:r>
+              <a:rPr lang="en-US" altLang="ko-KR" dirty="0" smtClean="0"/>
+              <a:t>5</a:t>
+            </a:r>
+            <a:endParaRPr lang="ko-KR" altLang="en-US" dirty="0"/>
+          </a:p>
+        </p:txBody>
+      </p:sp>
+      <p:sp>
+        <p:nvSpPr>
+          <p:cNvPr id="70" name="TextBox 69"/>
+          <p:cNvSpPr txBox="1"/>
+          <p:nvPr/>
+        </p:nvSpPr>
+        <p:spPr>
+          <a:xfrm>
+            <a:off x="137607" y="3399851"/>
+            <a:ext cx="1257084" cy="646331"/>
+          </a:xfrm>
+          <a:prstGeom prst="rect">
+            <a:avLst/>
+          </a:prstGeom>
+          <a:noFill/>
+        </p:spPr>
+        <p:txBody>
+          <a:bodyPr wrap="square" rtlCol="0">
+            <a:spAutoFit/>
+          </a:bodyPr>
+          <a:lstStyle/>
+          <a:p>
+            <a:r>
+              <a:rPr lang="ko-KR" altLang="en-US" dirty="0" smtClean="0"/>
+              <a:t>짧은</a:t>
+            </a:r>
+            <a:r>
+              <a:rPr lang="en-US" altLang="ko-KR" dirty="0" smtClean="0"/>
+              <a:t>(</a:t>
+            </a:r>
+            <a:r>
+              <a:rPr lang="ko-KR" altLang="en-US" dirty="0" smtClean="0"/>
+              <a:t>긴</a:t>
+            </a:r>
+            <a:r>
+              <a:rPr lang="en-US" altLang="ko-KR" dirty="0" smtClean="0"/>
+              <a:t>)</a:t>
+            </a:r>
+            <a:r>
+              <a:rPr lang="ko-KR" altLang="en-US" dirty="0" err="1" smtClean="0"/>
+              <a:t>휴식상태</a:t>
+            </a:r>
+            <a:endParaRPr lang="ko-KR" altLang="en-US" dirty="0"/>
+          </a:p>
+        </p:txBody>
+      </p:sp>
+      <p:sp>
+        <p:nvSpPr>
+          <p:cNvPr id="71" name="타원 70"/>
+          <p:cNvSpPr/>
+          <p:nvPr/>
+        </p:nvSpPr>
+        <p:spPr>
+          <a:xfrm>
+            <a:off x="3890144" y="4074141"/>
+            <a:ext cx="328176" cy="297278"/>
+          </a:xfrm>
+          <a:prstGeom prst="ellipse">
+            <a:avLst/>
+          </a:prstGeom>
+          <a:solidFill>
+            <a:srgbClr val="FF0000"/>
+          </a:solidFill>
+        </p:spPr>
+        <p:style>
+          <a:lnRef idx="2">
+            <a:schemeClr val="accent1">
+              <a:shade val="50000"/>
+            </a:schemeClr>
+          </a:lnRef>
+          <a:fillRef idx="1">
+            <a:schemeClr val="accent1"/>
+          </a:fillRef>
+          <a:effectRef idx="0">
+            <a:schemeClr val="accent1"/>
+          </a:effectRef>
+          <a:fontRef idx="minor">
+            <a:schemeClr val="lt1"/>
+          </a:fontRef>
+        </p:style>
+        <p:txBody>
+          <a:bodyPr rtlCol="0" anchor="ctr"/>
+          <a:lstStyle/>
+          <a:p>
+            <a:pPr algn="ctr"/>
+            <a:r>
+              <a:rPr lang="en-US" altLang="ko-KR" dirty="0" smtClean="0"/>
+              <a:t>1</a:t>
+            </a:r>
+            <a:endParaRPr lang="ko-KR" altLang="en-US" dirty="0"/>
+          </a:p>
+        </p:txBody>
+      </p:sp>
+      <p:sp>
+        <p:nvSpPr>
+          <p:cNvPr id="73" name="타원 72"/>
+          <p:cNvSpPr/>
+          <p:nvPr/>
+        </p:nvSpPr>
+        <p:spPr>
+          <a:xfrm>
+            <a:off x="4129033" y="4612172"/>
+            <a:ext cx="328176" cy="297278"/>
+          </a:xfrm>
+          <a:prstGeom prst="ellipse">
+            <a:avLst/>
+          </a:prstGeom>
+          <a:solidFill>
+            <a:srgbClr val="FF0000"/>
+          </a:solidFill>
+        </p:spPr>
+        <p:style>
+          <a:lnRef idx="2">
+            <a:schemeClr val="accent1">
+              <a:shade val="50000"/>
+            </a:schemeClr>
+          </a:lnRef>
+          <a:fillRef idx="1">
+            <a:schemeClr val="accent1"/>
+          </a:fillRef>
+          <a:effectRef idx="0">
+            <a:schemeClr val="accent1"/>
+          </a:effectRef>
+          <a:fontRef idx="minor">
+            <a:schemeClr val="lt1"/>
+          </a:fontRef>
+        </p:style>
+        <p:txBody>
+          <a:bodyPr rtlCol="0" anchor="ctr"/>
+          <a:lstStyle/>
+          <a:p>
+            <a:pPr algn="ctr"/>
+            <a:r>
+              <a:rPr lang="en-US" altLang="ko-KR" dirty="0"/>
+              <a:t>2</a:t>
+            </a:r>
+            <a:endParaRPr lang="ko-KR" altLang="en-US" dirty="0"/>
+          </a:p>
+        </p:txBody>
+      </p:sp>
+      <p:sp>
+        <p:nvSpPr>
+          <p:cNvPr id="74" name="타원 73"/>
+          <p:cNvSpPr/>
+          <p:nvPr/>
+        </p:nvSpPr>
+        <p:spPr>
+          <a:xfrm>
+            <a:off x="6006349" y="4036306"/>
+            <a:ext cx="328176" cy="297278"/>
+          </a:xfrm>
+          <a:prstGeom prst="ellipse">
+            <a:avLst/>
+          </a:prstGeom>
+          <a:solidFill>
+            <a:srgbClr val="FF0000"/>
+          </a:solidFill>
+        </p:spPr>
+        <p:style>
+          <a:lnRef idx="2">
+            <a:schemeClr val="accent1">
+              <a:shade val="50000"/>
+            </a:schemeClr>
+          </a:lnRef>
+          <a:fillRef idx="1">
+            <a:schemeClr val="accent1"/>
+          </a:fillRef>
+          <a:effectRef idx="0">
+            <a:schemeClr val="accent1"/>
+          </a:effectRef>
+          <a:fontRef idx="minor">
+            <a:schemeClr val="lt1"/>
+          </a:fontRef>
+        </p:style>
+        <p:txBody>
+          <a:bodyPr rtlCol="0" anchor="ctr"/>
+          <a:lstStyle/>
+          <a:p>
+            <a:pPr algn="ctr"/>
+            <a:r>
+              <a:rPr lang="en-US" altLang="ko-KR" dirty="0" smtClean="0"/>
+              <a:t>3</a:t>
+            </a:r>
+            <a:endParaRPr lang="ko-KR" altLang="en-US" dirty="0"/>
+          </a:p>
+        </p:txBody>
+      </p:sp>
+      <p:sp>
+        <p:nvSpPr>
+          <p:cNvPr id="20" name="TextBox 19"/>
+          <p:cNvSpPr txBox="1"/>
+          <p:nvPr/>
+        </p:nvSpPr>
+        <p:spPr>
+          <a:xfrm>
+            <a:off x="9670288" y="3084945"/>
+            <a:ext cx="1810512" cy="923330"/>
+          </a:xfrm>
+          <a:prstGeom prst="rect">
+            <a:avLst/>
+          </a:prstGeom>
+          <a:noFill/>
+        </p:spPr>
+        <p:txBody>
+          <a:bodyPr wrap="square" rtlCol="0">
+            <a:spAutoFit/>
+          </a:bodyPr>
+          <a:lstStyle/>
+          <a:p>
+            <a:r>
+              <a:rPr lang="ko-KR" altLang="en-US" dirty="0" smtClean="0"/>
+              <a:t>시간은 </a:t>
+            </a:r>
+            <a:r>
+              <a:rPr lang="en-US" altLang="ko-KR" dirty="0" smtClean="0"/>
+              <a:t>00:00:00.00</a:t>
+            </a:r>
+            <a:r>
+              <a:rPr lang="ko-KR" altLang="en-US" dirty="0" smtClean="0"/>
+              <a:t>으로 기록한다</a:t>
+            </a:r>
+            <a:r>
+              <a:rPr lang="en-US" altLang="ko-KR" dirty="0" smtClean="0"/>
+              <a:t>.</a:t>
+            </a:r>
+            <a:endParaRPr lang="ko-KR" altLang="en-US" dirty="0"/>
+          </a:p>
+        </p:txBody>
+      </p:sp>
+    </p:spTree>
+    <p:extLst>
+      <p:ext uri="{BB962C8B-B14F-4D97-AF65-F5344CB8AC3E}">
+        <p14:creationId xmlns:p14="http://schemas.microsoft.com/office/powerpoint/2010/main" val="3480114893"/>
+      </p:ext>
+    </p:extLst>
+  </p:cSld>
+  <p:clrMapOvr>
+    <a:masterClrMapping/>
+  </p:clrMapOvr>
+</p:sld>
+</file>
+
+<file path=ppt/slides/slide5.xml><?xml version="1.0" encoding="utf-8"?>
+<p:sld xmlns:a="http://schemas.openxmlformats.org/drawingml/2006/main" xmlns:r="http://schemas.openxmlformats.org/officeDocument/2006/relationships" xmlns:p="http://schemas.openxmlformats.org/presentationml/2006/main">
+  <p:cSld>
+    <p:spTree>
+      <p:nvGrpSpPr>
+        <p:cNvPr id="1" name=""/>
+        <p:cNvGrpSpPr/>
+        <p:nvPr/>
+      </p:nvGrpSpPr>
+      <p:grpSpPr>
+        <a:xfrm>
+          <a:off x="0" y="0"/>
+          <a:ext cx="0" cy="0"/>
+          <a:chOff x="0" y="0"/>
+          <a:chExt cx="0" cy="0"/>
+        </a:xfrm>
+      </p:grpSpPr>
+      <p:sp>
+        <p:nvSpPr>
+          <p:cNvPr id="4" name="직사각형 3"/>
+          <p:cNvSpPr/>
+          <p:nvPr/>
+        </p:nvSpPr>
+        <p:spPr>
+          <a:xfrm>
+            <a:off x="1154281" y="1621552"/>
+            <a:ext cx="748145" cy="581891"/>
+          </a:xfrm>
+          <a:prstGeom prst="rect">
+            <a:avLst/>
+          </a:prstGeom>
+        </p:spPr>
+        <p:style>
+          <a:lnRef idx="2">
+            <a:schemeClr val="accent1">
+              <a:shade val="50000"/>
+            </a:schemeClr>
+          </a:lnRef>
+          <a:fillRef idx="1">
+            <a:schemeClr val="accent1"/>
+          </a:fillRef>
+          <a:effectRef idx="0">
+            <a:schemeClr val="accent1"/>
+          </a:effectRef>
+          <a:fontRef idx="minor">
+            <a:schemeClr val="lt1"/>
+          </a:fontRef>
+        </p:style>
+        <p:txBody>
+          <a:bodyPr rtlCol="0" anchor="ctr"/>
+          <a:lstStyle/>
+          <a:p>
+            <a:pPr algn="ctr"/>
+            <a:r>
+              <a:rPr lang="en-US" altLang="ko-KR" dirty="0" smtClean="0"/>
+              <a:t>Main</a:t>
+            </a:r>
+            <a:endParaRPr lang="ko-KR" altLang="en-US" dirty="0"/>
+          </a:p>
+        </p:txBody>
+      </p:sp>
+      <p:sp>
+        <p:nvSpPr>
+          <p:cNvPr id="5" name="직사각형 4"/>
+          <p:cNvSpPr/>
+          <p:nvPr/>
+        </p:nvSpPr>
+        <p:spPr>
+          <a:xfrm>
+            <a:off x="3246318" y="1621552"/>
+            <a:ext cx="748145" cy="581891"/>
+          </a:xfrm>
+          <a:prstGeom prst="rect">
+            <a:avLst/>
+          </a:prstGeom>
+        </p:spPr>
+        <p:style>
+          <a:lnRef idx="2">
+            <a:schemeClr val="accent1">
+              <a:shade val="50000"/>
+            </a:schemeClr>
+          </a:lnRef>
+          <a:fillRef idx="1">
+            <a:schemeClr val="accent1"/>
+          </a:fillRef>
+          <a:effectRef idx="0">
+            <a:schemeClr val="accent1"/>
+          </a:effectRef>
+          <a:fontRef idx="minor">
+            <a:schemeClr val="lt1"/>
+          </a:fontRef>
+        </p:style>
+        <p:txBody>
+          <a:bodyPr rtlCol="0" anchor="ctr"/>
+          <a:lstStyle/>
+          <a:p>
+            <a:pPr algn="ctr"/>
+            <a:r>
+              <a:rPr lang="ko-KR" altLang="en-US" dirty="0" smtClean="0"/>
+              <a:t>카운터</a:t>
+            </a:r>
+            <a:endParaRPr lang="ko-KR" altLang="en-US" dirty="0"/>
+          </a:p>
+        </p:txBody>
+      </p:sp>
+      <p:cxnSp>
+        <p:nvCxnSpPr>
+          <p:cNvPr id="6" name="직선 화살표 연결선 5"/>
+          <p:cNvCxnSpPr>
+            <a:stCxn id="4" idx="3"/>
+            <a:endCxn id="5" idx="1"/>
+          </p:cNvCxnSpPr>
+          <p:nvPr/>
+        </p:nvCxnSpPr>
+        <p:spPr>
+          <a:xfrm>
+            <a:off x="1902426" y="1912498"/>
+            <a:ext cx="1343892" cy="0"/>
+          </a:xfrm>
+          <a:prstGeom prst="straightConnector1">
+            <a:avLst/>
+          </a:prstGeom>
+          <a:ln w="19050">
+            <a:solidFill>
+              <a:schemeClr val="tx1"/>
+            </a:solidFill>
+            <a:tailEnd type="triangle"/>
+          </a:ln>
+        </p:spPr>
+        <p:style>
+          <a:lnRef idx="1">
+            <a:schemeClr val="accent1"/>
+          </a:lnRef>
+          <a:fillRef idx="0">
+            <a:schemeClr val="accent1"/>
+          </a:fillRef>
+          <a:effectRef idx="0">
+            <a:schemeClr val="accent1"/>
+          </a:effectRef>
+          <a:fontRef idx="minor">
+            <a:schemeClr val="tx1"/>
+          </a:fontRef>
+        </p:style>
+      </p:cxnSp>
+      <p:sp>
+        <p:nvSpPr>
+          <p:cNvPr id="7" name="TextBox 6"/>
+          <p:cNvSpPr txBox="1"/>
+          <p:nvPr/>
+        </p:nvSpPr>
+        <p:spPr>
+          <a:xfrm>
+            <a:off x="1996637" y="2064943"/>
+            <a:ext cx="1187336" cy="276999"/>
+          </a:xfrm>
+          <a:prstGeom prst="rect">
+            <a:avLst/>
+          </a:prstGeom>
+          <a:noFill/>
+        </p:spPr>
+        <p:txBody>
+          <a:bodyPr wrap="square" rtlCol="0">
+            <a:spAutoFit/>
+          </a:bodyPr>
+          <a:lstStyle/>
+          <a:p>
+            <a:r>
+              <a:rPr lang="en-US" altLang="ko-KR" sz="1200" dirty="0" err="1" smtClean="0"/>
+              <a:t>startCount</a:t>
+            </a:r>
+            <a:r>
+              <a:rPr lang="en-US" altLang="ko-KR" sz="1200" dirty="0" smtClean="0"/>
+              <a:t>()</a:t>
+            </a:r>
+            <a:endParaRPr lang="ko-KR" altLang="en-US" sz="1200" dirty="0"/>
+          </a:p>
+        </p:txBody>
+      </p:sp>
+      <p:sp>
+        <p:nvSpPr>
+          <p:cNvPr id="34" name="제목 1"/>
+          <p:cNvSpPr>
+            <a:spLocks noGrp="1"/>
+          </p:cNvSpPr>
+          <p:nvPr>
+            <p:ph type="title"/>
+          </p:nvPr>
+        </p:nvSpPr>
+        <p:spPr>
+          <a:xfrm>
+            <a:off x="838200" y="337415"/>
+            <a:ext cx="10515600" cy="1325563"/>
+          </a:xfrm>
+        </p:spPr>
+        <p:txBody>
+          <a:bodyPr/>
+          <a:lstStyle/>
+          <a:p>
+            <a:r>
+              <a:rPr lang="ko-KR" altLang="en-US" dirty="0" smtClean="0"/>
+              <a:t>협력 찾기</a:t>
+            </a:r>
+            <a:endParaRPr lang="ko-KR" altLang="en-US" dirty="0"/>
+          </a:p>
+        </p:txBody>
+      </p:sp>
+      <p:sp>
+        <p:nvSpPr>
+          <p:cNvPr id="35" name="직사각형 34"/>
+          <p:cNvSpPr/>
+          <p:nvPr/>
+        </p:nvSpPr>
+        <p:spPr>
+          <a:xfrm>
+            <a:off x="5306490" y="1620318"/>
+            <a:ext cx="872834" cy="583125"/>
+          </a:xfrm>
+          <a:prstGeom prst="rect">
+            <a:avLst/>
+          </a:prstGeom>
+        </p:spPr>
+        <p:style>
+          <a:lnRef idx="2">
+            <a:schemeClr val="accent1">
+              <a:shade val="50000"/>
+            </a:schemeClr>
+          </a:lnRef>
+          <a:fillRef idx="1">
+            <a:schemeClr val="accent1"/>
+          </a:fillRef>
+          <a:effectRef idx="0">
+            <a:schemeClr val="accent1"/>
+          </a:effectRef>
+          <a:fontRef idx="minor">
+            <a:schemeClr val="lt1"/>
+          </a:fontRef>
+        </p:style>
+        <p:txBody>
+          <a:bodyPr rtlCol="0" anchor="ctr"/>
+          <a:lstStyle/>
+          <a:p>
+            <a:pPr algn="ctr"/>
+            <a:r>
+              <a:rPr lang="ko-KR" altLang="en-US" smtClean="0"/>
+              <a:t>시간관리자</a:t>
+            </a:r>
+            <a:endParaRPr lang="ko-KR" altLang="en-US" dirty="0"/>
+          </a:p>
+        </p:txBody>
+      </p:sp>
+      <p:cxnSp>
+        <p:nvCxnSpPr>
+          <p:cNvPr id="36" name="직선 화살표 연결선 35"/>
+          <p:cNvCxnSpPr>
+            <a:stCxn id="5" idx="3"/>
+            <a:endCxn id="35" idx="1"/>
+          </p:cNvCxnSpPr>
+          <p:nvPr/>
+        </p:nvCxnSpPr>
+        <p:spPr>
+          <a:xfrm flipV="1">
+            <a:off x="3994463" y="1911881"/>
+            <a:ext cx="1312027" cy="617"/>
+          </a:xfrm>
+          <a:prstGeom prst="straightConnector1">
+            <a:avLst/>
+          </a:prstGeom>
+          <a:ln w="19050">
+            <a:solidFill>
+              <a:schemeClr val="tx1"/>
+            </a:solidFill>
+            <a:tailEnd type="triangle"/>
+          </a:ln>
+        </p:spPr>
+        <p:style>
+          <a:lnRef idx="1">
+            <a:schemeClr val="accent1"/>
+          </a:lnRef>
+          <a:fillRef idx="0">
+            <a:schemeClr val="accent1"/>
+          </a:fillRef>
+          <a:effectRef idx="0">
+            <a:schemeClr val="accent1"/>
+          </a:effectRef>
+          <a:fontRef idx="minor">
+            <a:schemeClr val="tx1"/>
+          </a:fontRef>
+        </p:style>
+      </p:cxnSp>
+      <p:sp>
+        <p:nvSpPr>
+          <p:cNvPr id="37" name="TextBox 36"/>
+          <p:cNvSpPr txBox="1"/>
+          <p:nvPr/>
+        </p:nvSpPr>
+        <p:spPr>
+          <a:xfrm>
+            <a:off x="4056808" y="2063709"/>
+            <a:ext cx="1499040" cy="461665"/>
+          </a:xfrm>
+          <a:prstGeom prst="rect">
+            <a:avLst/>
+          </a:prstGeom>
+          <a:noFill/>
+        </p:spPr>
+        <p:txBody>
+          <a:bodyPr wrap="square" rtlCol="0">
+            <a:spAutoFit/>
+          </a:bodyPr>
+          <a:lstStyle/>
+          <a:p>
+            <a:r>
+              <a:rPr lang="en-US" altLang="ko-KR" sz="1200" dirty="0" err="1" smtClean="0"/>
+              <a:t>informWhatTimeCount</a:t>
+            </a:r>
+            <a:r>
+              <a:rPr lang="en-US" altLang="ko-KR" sz="1200" dirty="0" smtClean="0"/>
+              <a:t>()</a:t>
+            </a:r>
+            <a:endParaRPr lang="ko-KR" altLang="en-US" sz="1200" dirty="0"/>
+          </a:p>
+        </p:txBody>
+      </p:sp>
+      <p:cxnSp>
+        <p:nvCxnSpPr>
+          <p:cNvPr id="38" name="직선 화살표 연결선 37"/>
+          <p:cNvCxnSpPr/>
+          <p:nvPr/>
+        </p:nvCxnSpPr>
+        <p:spPr>
+          <a:xfrm flipH="1">
+            <a:off x="4179390" y="1691373"/>
+            <a:ext cx="757382" cy="0"/>
+          </a:xfrm>
+          <a:prstGeom prst="straightConnector1">
+            <a:avLst/>
+          </a:prstGeom>
+          <a:ln>
+            <a:tailEnd type="triangle"/>
+          </a:ln>
+        </p:spPr>
+        <p:style>
+          <a:lnRef idx="1">
+            <a:schemeClr val="accent1"/>
+          </a:lnRef>
+          <a:fillRef idx="0">
+            <a:schemeClr val="accent1"/>
+          </a:fillRef>
+          <a:effectRef idx="0">
+            <a:schemeClr val="accent1"/>
+          </a:effectRef>
+          <a:fontRef idx="minor">
+            <a:schemeClr val="tx1"/>
+          </a:fontRef>
+        </p:style>
+      </p:cxnSp>
+      <p:sp>
+        <p:nvSpPr>
+          <p:cNvPr id="39" name="TextBox 38"/>
+          <p:cNvSpPr txBox="1"/>
+          <p:nvPr/>
+        </p:nvSpPr>
+        <p:spPr>
+          <a:xfrm>
+            <a:off x="4107133" y="1399717"/>
+            <a:ext cx="850300" cy="276999"/>
+          </a:xfrm>
+          <a:prstGeom prst="rect">
+            <a:avLst/>
+          </a:prstGeom>
+          <a:noFill/>
+        </p:spPr>
+        <p:txBody>
+          <a:bodyPr wrap="square" rtlCol="0">
+            <a:spAutoFit/>
+          </a:bodyPr>
+          <a:lstStyle/>
+          <a:p>
+            <a:r>
+              <a:rPr lang="en-US" altLang="ko-KR" sz="1200"/>
+              <a:t> </a:t>
+            </a:r>
+            <a:r>
+              <a:rPr lang="en-US" altLang="ko-KR" sz="1200" smtClean="0"/>
+              <a:t>   25</a:t>
+            </a:r>
+            <a:r>
+              <a:rPr lang="ko-KR" altLang="en-US" sz="1200" dirty="0" smtClean="0"/>
+              <a:t>분</a:t>
+            </a:r>
+            <a:endParaRPr lang="ko-KR" altLang="en-US" sz="1200" dirty="0"/>
+          </a:p>
+        </p:txBody>
+      </p:sp>
+      <p:sp>
+        <p:nvSpPr>
+          <p:cNvPr id="45" name="직사각형 44"/>
+          <p:cNvSpPr/>
+          <p:nvPr/>
+        </p:nvSpPr>
+        <p:spPr>
+          <a:xfrm>
+            <a:off x="3254861" y="3455047"/>
+            <a:ext cx="748145" cy="581891"/>
+          </a:xfrm>
+          <a:prstGeom prst="rect">
+            <a:avLst/>
+          </a:prstGeom>
+        </p:spPr>
+        <p:style>
+          <a:lnRef idx="2">
+            <a:schemeClr val="accent1">
+              <a:shade val="50000"/>
+            </a:schemeClr>
+          </a:lnRef>
+          <a:fillRef idx="1">
+            <a:schemeClr val="accent1"/>
+          </a:fillRef>
+          <a:effectRef idx="0">
+            <a:schemeClr val="accent1"/>
+          </a:effectRef>
+          <a:fontRef idx="minor">
+            <a:schemeClr val="lt1"/>
+          </a:fontRef>
+        </p:style>
+        <p:txBody>
+          <a:bodyPr rtlCol="0" anchor="ctr"/>
+          <a:lstStyle/>
+          <a:p>
+            <a:pPr algn="ctr"/>
+            <a:r>
+              <a:rPr lang="ko-KR" altLang="en-US" dirty="0" smtClean="0"/>
+              <a:t>카운터</a:t>
+            </a:r>
+            <a:endParaRPr lang="ko-KR" altLang="en-US" dirty="0"/>
+          </a:p>
+        </p:txBody>
+      </p:sp>
+      <p:sp>
+        <p:nvSpPr>
+          <p:cNvPr id="46" name="직사각형 45"/>
+          <p:cNvSpPr/>
+          <p:nvPr/>
+        </p:nvSpPr>
+        <p:spPr>
+          <a:xfrm>
+            <a:off x="5315033" y="3453813"/>
+            <a:ext cx="872834" cy="583125"/>
+          </a:xfrm>
+          <a:prstGeom prst="rect">
+            <a:avLst/>
+          </a:prstGeom>
+        </p:spPr>
+        <p:style>
+          <a:lnRef idx="2">
+            <a:schemeClr val="accent1">
+              <a:shade val="50000"/>
+            </a:schemeClr>
+          </a:lnRef>
+          <a:fillRef idx="1">
+            <a:schemeClr val="accent1"/>
+          </a:fillRef>
+          <a:effectRef idx="0">
+            <a:schemeClr val="accent1"/>
+          </a:effectRef>
+          <a:fontRef idx="minor">
+            <a:schemeClr val="lt1"/>
+          </a:fontRef>
+        </p:style>
+        <p:txBody>
+          <a:bodyPr rtlCol="0" anchor="ctr"/>
+          <a:lstStyle/>
+          <a:p>
+            <a:pPr algn="ctr"/>
+            <a:r>
+              <a:rPr lang="ko-KR" altLang="en-US" smtClean="0"/>
+              <a:t>시간관리자</a:t>
+            </a:r>
+            <a:endParaRPr lang="ko-KR" altLang="en-US" dirty="0"/>
+          </a:p>
+        </p:txBody>
+      </p:sp>
+      <p:cxnSp>
+        <p:nvCxnSpPr>
+          <p:cNvPr id="47" name="직선 화살표 연결선 46"/>
+          <p:cNvCxnSpPr>
+            <a:stCxn id="45" idx="3"/>
+            <a:endCxn id="46" idx="1"/>
+          </p:cNvCxnSpPr>
+          <p:nvPr/>
+        </p:nvCxnSpPr>
+        <p:spPr>
+          <a:xfrm flipV="1">
+            <a:off x="4003006" y="3745376"/>
+            <a:ext cx="1312027" cy="617"/>
+          </a:xfrm>
+          <a:prstGeom prst="straightConnector1">
+            <a:avLst/>
+          </a:prstGeom>
+          <a:ln w="19050">
+            <a:solidFill>
+              <a:schemeClr val="tx1"/>
+            </a:solidFill>
+            <a:tailEnd type="triangle"/>
+          </a:ln>
+        </p:spPr>
+        <p:style>
+          <a:lnRef idx="1">
+            <a:schemeClr val="accent1"/>
+          </a:lnRef>
+          <a:fillRef idx="0">
+            <a:schemeClr val="accent1"/>
+          </a:fillRef>
+          <a:effectRef idx="0">
+            <a:schemeClr val="accent1"/>
+          </a:effectRef>
+          <a:fontRef idx="minor">
+            <a:schemeClr val="tx1"/>
+          </a:fontRef>
+        </p:style>
+      </p:cxnSp>
+      <p:sp>
+        <p:nvSpPr>
+          <p:cNvPr id="48" name="TextBox 47"/>
+          <p:cNvSpPr txBox="1"/>
+          <p:nvPr/>
+        </p:nvSpPr>
+        <p:spPr>
+          <a:xfrm>
+            <a:off x="4065350" y="3897204"/>
+            <a:ext cx="1617619" cy="276999"/>
+          </a:xfrm>
+          <a:prstGeom prst="rect">
+            <a:avLst/>
+          </a:prstGeom>
+          <a:noFill/>
+        </p:spPr>
+        <p:txBody>
+          <a:bodyPr wrap="square" rtlCol="0">
+            <a:spAutoFit/>
+          </a:bodyPr>
+          <a:lstStyle/>
+          <a:p>
+            <a:r>
+              <a:rPr lang="en-US" altLang="ko-KR" sz="1200" dirty="0" err="1" smtClean="0"/>
+              <a:t>doneCounting</a:t>
+            </a:r>
+            <a:r>
+              <a:rPr lang="en-US" altLang="ko-KR" sz="1200" dirty="0" smtClean="0"/>
+              <a:t>()</a:t>
+            </a:r>
+            <a:endParaRPr lang="ko-KR" altLang="en-US" sz="1200" dirty="0"/>
+          </a:p>
+        </p:txBody>
+      </p:sp>
+      <p:cxnSp>
+        <p:nvCxnSpPr>
+          <p:cNvPr id="49" name="직선 화살표 연결선 48"/>
+          <p:cNvCxnSpPr/>
+          <p:nvPr/>
+        </p:nvCxnSpPr>
+        <p:spPr>
+          <a:xfrm flipH="1">
+            <a:off x="4187933" y="3524868"/>
+            <a:ext cx="757382" cy="0"/>
+          </a:xfrm>
+          <a:prstGeom prst="straightConnector1">
+            <a:avLst/>
+          </a:prstGeom>
+          <a:ln>
+            <a:tailEnd type="triangle"/>
+          </a:ln>
+        </p:spPr>
+        <p:style>
+          <a:lnRef idx="1">
+            <a:schemeClr val="accent1"/>
+          </a:lnRef>
+          <a:fillRef idx="0">
+            <a:schemeClr val="accent1"/>
+          </a:fillRef>
+          <a:effectRef idx="0">
+            <a:schemeClr val="accent1"/>
+          </a:effectRef>
+          <a:fontRef idx="minor">
+            <a:schemeClr val="tx1"/>
+          </a:fontRef>
+        </p:style>
+      </p:cxnSp>
+      <p:sp>
+        <p:nvSpPr>
+          <p:cNvPr id="50" name="TextBox 49"/>
+          <p:cNvSpPr txBox="1"/>
+          <p:nvPr/>
+        </p:nvSpPr>
+        <p:spPr>
+          <a:xfrm>
+            <a:off x="3850384" y="3247776"/>
+            <a:ext cx="1705464" cy="276999"/>
+          </a:xfrm>
+          <a:prstGeom prst="rect">
+            <a:avLst/>
+          </a:prstGeom>
+          <a:noFill/>
+        </p:spPr>
+        <p:txBody>
+          <a:bodyPr wrap="square" rtlCol="0">
+            <a:spAutoFit/>
+          </a:bodyPr>
+          <a:lstStyle/>
+          <a:p>
+            <a:r>
+              <a:rPr lang="ko-KR" altLang="en-US" sz="1200" dirty="0" smtClean="0"/>
+              <a:t>세어야 하는 초</a:t>
+            </a:r>
+            <a:r>
+              <a:rPr lang="en-US" altLang="ko-KR" sz="1200" dirty="0" smtClean="0"/>
+              <a:t>(</a:t>
+            </a:r>
+            <a:r>
+              <a:rPr lang="ko-KR" altLang="en-US" sz="1200" dirty="0" smtClean="0"/>
+              <a:t>휴식</a:t>
+            </a:r>
+            <a:r>
+              <a:rPr lang="en-US" altLang="ko-KR" sz="1200" dirty="0" smtClean="0"/>
+              <a:t>)</a:t>
+            </a:r>
+            <a:endParaRPr lang="ko-KR" altLang="en-US" sz="1200" dirty="0"/>
+          </a:p>
+        </p:txBody>
+      </p:sp>
+      <p:sp>
+        <p:nvSpPr>
+          <p:cNvPr id="51" name="직사각형 50"/>
+          <p:cNvSpPr/>
+          <p:nvPr/>
+        </p:nvSpPr>
+        <p:spPr>
+          <a:xfrm>
+            <a:off x="7499894" y="3452295"/>
+            <a:ext cx="872834" cy="583125"/>
+          </a:xfrm>
+          <a:prstGeom prst="rect">
+            <a:avLst/>
+          </a:prstGeom>
+        </p:spPr>
+        <p:style>
+          <a:lnRef idx="2">
+            <a:schemeClr val="accent1">
+              <a:shade val="50000"/>
+            </a:schemeClr>
+          </a:lnRef>
+          <a:fillRef idx="1">
+            <a:schemeClr val="accent1"/>
+          </a:fillRef>
+          <a:effectRef idx="0">
+            <a:schemeClr val="accent1"/>
+          </a:effectRef>
+          <a:fontRef idx="minor">
+            <a:schemeClr val="lt1"/>
+          </a:fontRef>
+        </p:style>
+        <p:txBody>
+          <a:bodyPr rtlCol="0" anchor="ctr"/>
+          <a:lstStyle/>
+          <a:p>
+            <a:pPr algn="ctr"/>
+            <a:r>
+              <a:rPr lang="ko-KR" altLang="en-US" dirty="0" smtClean="0"/>
+              <a:t>통계관리자</a:t>
+            </a:r>
+            <a:endParaRPr lang="ko-KR" altLang="en-US" dirty="0"/>
+          </a:p>
+        </p:txBody>
+      </p:sp>
+      <p:cxnSp>
+        <p:nvCxnSpPr>
+          <p:cNvPr id="52" name="직선 화살표 연결선 51"/>
+          <p:cNvCxnSpPr>
+            <a:stCxn id="46" idx="3"/>
+            <a:endCxn id="51" idx="1"/>
+          </p:cNvCxnSpPr>
+          <p:nvPr/>
+        </p:nvCxnSpPr>
+        <p:spPr>
+          <a:xfrm flipV="1">
+            <a:off x="6187867" y="3743858"/>
+            <a:ext cx="1312027" cy="1518"/>
+          </a:xfrm>
+          <a:prstGeom prst="straightConnector1">
+            <a:avLst/>
+          </a:prstGeom>
+          <a:ln w="19050">
+            <a:solidFill>
+              <a:schemeClr val="tx1"/>
+            </a:solidFill>
+            <a:tailEnd type="triangle"/>
+          </a:ln>
+        </p:spPr>
+        <p:style>
+          <a:lnRef idx="1">
+            <a:schemeClr val="accent1"/>
+          </a:lnRef>
+          <a:fillRef idx="0">
+            <a:schemeClr val="accent1"/>
+          </a:fillRef>
+          <a:effectRef idx="0">
+            <a:schemeClr val="accent1"/>
+          </a:effectRef>
+          <a:fontRef idx="minor">
+            <a:schemeClr val="tx1"/>
+          </a:fontRef>
+        </p:style>
+      </p:cxnSp>
+      <p:sp>
+        <p:nvSpPr>
+          <p:cNvPr id="54" name="TextBox 53"/>
+          <p:cNvSpPr txBox="1"/>
+          <p:nvPr/>
+        </p:nvSpPr>
+        <p:spPr>
+          <a:xfrm>
+            <a:off x="6006268" y="3122852"/>
+            <a:ext cx="2989950" cy="276999"/>
+          </a:xfrm>
+          <a:prstGeom prst="rect">
+            <a:avLst/>
+          </a:prstGeom>
+          <a:noFill/>
+        </p:spPr>
+        <p:txBody>
+          <a:bodyPr wrap="square" rtlCol="0">
+            <a:spAutoFit/>
+          </a:bodyPr>
+          <a:lstStyle/>
+          <a:p>
+            <a:r>
+              <a:rPr lang="ko-KR" altLang="en-US" sz="1200" dirty="0" smtClean="0"/>
+              <a:t>작업 상태</a:t>
+            </a:r>
+            <a:r>
+              <a:rPr lang="en-US" altLang="ko-KR" sz="1200" dirty="0" smtClean="0"/>
+              <a:t>, </a:t>
+            </a:r>
+            <a:r>
+              <a:rPr lang="ko-KR" altLang="en-US" sz="1200" dirty="0" err="1" smtClean="0"/>
+              <a:t>회차</a:t>
+            </a:r>
+            <a:r>
+              <a:rPr lang="en-US" altLang="ko-KR" sz="1200" dirty="0" smtClean="0"/>
+              <a:t>, </a:t>
+            </a:r>
+            <a:r>
+              <a:rPr lang="ko-KR" altLang="en-US" sz="1200" dirty="0" smtClean="0"/>
+              <a:t>시작 시간</a:t>
+            </a:r>
+            <a:r>
+              <a:rPr lang="en-US" altLang="ko-KR" sz="1200" dirty="0" smtClean="0"/>
+              <a:t>, </a:t>
+            </a:r>
+            <a:r>
+              <a:rPr lang="ko-KR" altLang="en-US" sz="1200" dirty="0" smtClean="0"/>
+              <a:t>종료시간</a:t>
+            </a:r>
+            <a:endParaRPr lang="ko-KR" altLang="en-US" sz="1200" dirty="0"/>
+          </a:p>
+        </p:txBody>
+      </p:sp>
+      <p:cxnSp>
+        <p:nvCxnSpPr>
+          <p:cNvPr id="56" name="직선 화살표 연결선 55"/>
+          <p:cNvCxnSpPr/>
+          <p:nvPr/>
+        </p:nvCxnSpPr>
+        <p:spPr>
+          <a:xfrm>
+            <a:off x="6461790" y="3536994"/>
+            <a:ext cx="706813" cy="0"/>
+          </a:xfrm>
+          <a:prstGeom prst="straightConnector1">
+            <a:avLst/>
+          </a:prstGeom>
+          <a:ln>
+            <a:tailEnd type="triangle"/>
+          </a:ln>
+        </p:spPr>
+        <p:style>
+          <a:lnRef idx="1">
+            <a:schemeClr val="accent1"/>
+          </a:lnRef>
+          <a:fillRef idx="0">
+            <a:schemeClr val="accent1"/>
+          </a:fillRef>
+          <a:effectRef idx="0">
+            <a:schemeClr val="accent1"/>
+          </a:effectRef>
+          <a:fontRef idx="minor">
+            <a:schemeClr val="tx1"/>
+          </a:fontRef>
+        </p:style>
+      </p:cxnSp>
+      <p:sp>
+        <p:nvSpPr>
+          <p:cNvPr id="58" name="TextBox 57"/>
+          <p:cNvSpPr txBox="1"/>
+          <p:nvPr/>
+        </p:nvSpPr>
+        <p:spPr>
+          <a:xfrm>
+            <a:off x="6250213" y="3896851"/>
+            <a:ext cx="1249681" cy="461665"/>
+          </a:xfrm>
+          <a:prstGeom prst="rect">
+            <a:avLst/>
+          </a:prstGeom>
+          <a:noFill/>
+        </p:spPr>
+        <p:txBody>
+          <a:bodyPr wrap="square" rtlCol="0">
+            <a:spAutoFit/>
+          </a:bodyPr>
+          <a:lstStyle/>
+          <a:p>
+            <a:r>
+              <a:rPr lang="en-US" altLang="ko-KR" sz="1200" dirty="0" err="1" smtClean="0"/>
+              <a:t>writeInfoOfTask</a:t>
+            </a:r>
+            <a:r>
+              <a:rPr lang="en-US" altLang="ko-KR" sz="1200" dirty="0" smtClean="0"/>
+              <a:t>()</a:t>
+            </a:r>
+            <a:endParaRPr lang="ko-KR" altLang="en-US" sz="1200" dirty="0"/>
+          </a:p>
+        </p:txBody>
+      </p:sp>
+      <p:sp>
+        <p:nvSpPr>
+          <p:cNvPr id="53" name="직사각형 52"/>
+          <p:cNvSpPr/>
+          <p:nvPr/>
+        </p:nvSpPr>
+        <p:spPr>
+          <a:xfrm>
+            <a:off x="5313896" y="4963694"/>
+            <a:ext cx="872834" cy="583125"/>
+          </a:xfrm>
+          <a:prstGeom prst="rect">
+            <a:avLst/>
+          </a:prstGeom>
+        </p:spPr>
+        <p:style>
+          <a:lnRef idx="2">
+            <a:schemeClr val="accent1">
+              <a:shade val="50000"/>
+            </a:schemeClr>
+          </a:lnRef>
+          <a:fillRef idx="1">
+            <a:schemeClr val="accent1"/>
+          </a:fillRef>
+          <a:effectRef idx="0">
+            <a:schemeClr val="accent1"/>
+          </a:effectRef>
+          <a:fontRef idx="minor">
+            <a:schemeClr val="lt1"/>
+          </a:fontRef>
+        </p:style>
+        <p:txBody>
+          <a:bodyPr rtlCol="0" anchor="ctr"/>
+          <a:lstStyle/>
+          <a:p>
+            <a:pPr algn="ctr"/>
+            <a:r>
+              <a:rPr lang="ko-KR" altLang="en-US" dirty="0" err="1" smtClean="0"/>
+              <a:t>알람</a:t>
+            </a:r>
+            <a:endParaRPr lang="en-US" altLang="ko-KR" dirty="0" smtClean="0"/>
+          </a:p>
+          <a:p>
+            <a:pPr algn="ctr"/>
+            <a:r>
+              <a:rPr lang="ko-KR" altLang="en-US" dirty="0" smtClean="0"/>
+              <a:t>관리자</a:t>
+            </a:r>
+            <a:endParaRPr lang="ko-KR" altLang="en-US" dirty="0"/>
+          </a:p>
+        </p:txBody>
+      </p:sp>
+      <p:cxnSp>
+        <p:nvCxnSpPr>
+          <p:cNvPr id="55" name="직선 화살표 연결선 54"/>
+          <p:cNvCxnSpPr>
+            <a:stCxn id="46" idx="2"/>
+            <a:endCxn id="53" idx="0"/>
+          </p:cNvCxnSpPr>
+          <p:nvPr/>
+        </p:nvCxnSpPr>
+        <p:spPr>
+          <a:xfrm flipH="1">
+            <a:off x="5750313" y="4036938"/>
+            <a:ext cx="1137" cy="926756"/>
+          </a:xfrm>
+          <a:prstGeom prst="straightConnector1">
+            <a:avLst/>
+          </a:prstGeom>
+          <a:ln w="19050">
+            <a:solidFill>
+              <a:schemeClr val="tx1"/>
+            </a:solidFill>
+            <a:tailEnd type="triangle"/>
+          </a:ln>
+        </p:spPr>
+        <p:style>
+          <a:lnRef idx="1">
+            <a:schemeClr val="accent1"/>
+          </a:lnRef>
+          <a:fillRef idx="0">
+            <a:schemeClr val="accent1"/>
+          </a:fillRef>
+          <a:effectRef idx="0">
+            <a:schemeClr val="accent1"/>
+          </a:effectRef>
+          <a:fontRef idx="minor">
+            <a:schemeClr val="tx1"/>
+          </a:fontRef>
+        </p:style>
+      </p:cxnSp>
+      <p:sp>
+        <p:nvSpPr>
+          <p:cNvPr id="57" name="TextBox 56"/>
+          <p:cNvSpPr txBox="1"/>
+          <p:nvPr/>
+        </p:nvSpPr>
+        <p:spPr>
+          <a:xfrm>
+            <a:off x="4395939" y="4414956"/>
+            <a:ext cx="1346968" cy="276999"/>
+          </a:xfrm>
+          <a:prstGeom prst="rect">
+            <a:avLst/>
+          </a:prstGeom>
+          <a:noFill/>
+        </p:spPr>
+        <p:txBody>
+          <a:bodyPr wrap="square" rtlCol="0">
+            <a:spAutoFit/>
+          </a:bodyPr>
+          <a:lstStyle/>
+          <a:p>
+            <a:r>
+              <a:rPr lang="en-US" altLang="ko-KR" sz="1200" dirty="0" smtClean="0"/>
+              <a:t>alarm()</a:t>
+            </a:r>
+            <a:endParaRPr lang="ko-KR" altLang="en-US" sz="1200" dirty="0"/>
+          </a:p>
+        </p:txBody>
+      </p:sp>
+      <p:pic>
+        <p:nvPicPr>
+          <p:cNvPr id="1026" name="Picture 2" descr="관련 이미지"/>
+          <p:cNvPicPr>
+            <a:picLocks noChangeAspect="1" noChangeArrowheads="1"/>
+          </p:cNvPicPr>
+          <p:nvPr/>
+        </p:nvPicPr>
+        <p:blipFill>
+          <a:blip r:embed="rId2">
+            <a:extLst>
+              <a:ext uri="{28A0092B-C50C-407E-A947-70E740481C1C}">
+                <a14:useLocalDpi xmlns:a14="http://schemas.microsoft.com/office/drawing/2010/main" val="0"/>
+              </a:ext>
+            </a:extLst>
+          </a:blip>
+          <a:srcRect/>
+          <a:stretch>
+            <a:fillRect/>
+          </a:stretch>
+        </p:blipFill>
+        <p:spPr bwMode="auto">
+          <a:xfrm>
+            <a:off x="6282250" y="4963694"/>
+            <a:ext cx="942975" cy="1038225"/>
+          </a:xfrm>
+          <a:prstGeom prst="rect">
+            <a:avLst/>
+          </a:prstGeom>
+          <a:noFill/>
+          <a:extLst>
+            <a:ext uri="{909E8E84-426E-40DD-AFC4-6F175D3DCCD1}">
+              <a14:hiddenFill xmlns:a14="http://schemas.microsoft.com/office/drawing/2010/main">
+                <a:solidFill>
+                  <a:srgbClr val="FFFFFF"/>
+                </a:solidFill>
+              </a14:hiddenFill>
+            </a:ext>
+          </a:extLst>
+        </p:spPr>
+      </p:pic>
+      <p:sp>
+        <p:nvSpPr>
+          <p:cNvPr id="2" name="타원 1"/>
+          <p:cNvSpPr/>
+          <p:nvPr/>
+        </p:nvSpPr>
+        <p:spPr>
+          <a:xfrm>
+            <a:off x="1738338" y="2231125"/>
+            <a:ext cx="328176" cy="297278"/>
+          </a:xfrm>
+          <a:prstGeom prst="ellipse">
+            <a:avLst/>
+          </a:prstGeom>
+          <a:solidFill>
+            <a:srgbClr val="FF0000"/>
+          </a:solidFill>
+        </p:spPr>
+        <p:style>
+          <a:lnRef idx="2">
+            <a:schemeClr val="accent1">
+              <a:shade val="50000"/>
+            </a:schemeClr>
+          </a:lnRef>
+          <a:fillRef idx="1">
+            <a:schemeClr val="accent1"/>
+          </a:fillRef>
+          <a:effectRef idx="0">
+            <a:schemeClr val="accent1"/>
+          </a:effectRef>
+          <a:fontRef idx="minor">
+            <a:schemeClr val="lt1"/>
+          </a:fontRef>
+        </p:style>
+        <p:txBody>
+          <a:bodyPr rtlCol="0" anchor="ctr"/>
+          <a:lstStyle/>
+          <a:p>
+            <a:pPr algn="ctr"/>
+            <a:r>
+              <a:rPr lang="en-US" altLang="ko-KR" dirty="0" smtClean="0"/>
+              <a:t>1</a:t>
+            </a:r>
+            <a:endParaRPr lang="ko-KR" altLang="en-US" dirty="0"/>
+          </a:p>
+        </p:txBody>
+      </p:sp>
+      <p:sp>
+        <p:nvSpPr>
+          <p:cNvPr id="28" name="타원 27"/>
+          <p:cNvSpPr/>
+          <p:nvPr/>
+        </p:nvSpPr>
+        <p:spPr>
+          <a:xfrm>
+            <a:off x="3778957" y="2228424"/>
+            <a:ext cx="328176" cy="297278"/>
+          </a:xfrm>
+          <a:prstGeom prst="ellipse">
+            <a:avLst/>
+          </a:prstGeom>
+          <a:solidFill>
+            <a:srgbClr val="FF0000"/>
+          </a:solidFill>
+        </p:spPr>
+        <p:style>
+          <a:lnRef idx="2">
+            <a:schemeClr val="accent1">
+              <a:shade val="50000"/>
+            </a:schemeClr>
+          </a:lnRef>
+          <a:fillRef idx="1">
+            <a:schemeClr val="accent1"/>
+          </a:fillRef>
+          <a:effectRef idx="0">
+            <a:schemeClr val="accent1"/>
+          </a:effectRef>
+          <a:fontRef idx="minor">
+            <a:schemeClr val="lt1"/>
+          </a:fontRef>
+        </p:style>
+        <p:txBody>
+          <a:bodyPr rtlCol="0" anchor="ctr"/>
+          <a:lstStyle/>
+          <a:p>
+            <a:pPr algn="ctr"/>
+            <a:r>
+              <a:rPr lang="en-US" altLang="ko-KR" dirty="0"/>
+              <a:t>2</a:t>
+            </a:r>
+            <a:endParaRPr lang="ko-KR" altLang="en-US" dirty="0"/>
+          </a:p>
+        </p:txBody>
+      </p:sp>
+      <p:sp>
+        <p:nvSpPr>
+          <p:cNvPr id="29" name="타원 28"/>
+          <p:cNvSpPr/>
+          <p:nvPr/>
+        </p:nvSpPr>
+        <p:spPr>
+          <a:xfrm>
+            <a:off x="6334347" y="1886056"/>
+            <a:ext cx="328176" cy="297278"/>
+          </a:xfrm>
+          <a:prstGeom prst="ellipse">
+            <a:avLst/>
+          </a:prstGeom>
+          <a:solidFill>
+            <a:srgbClr val="FF0000"/>
+          </a:solidFill>
+        </p:spPr>
+        <p:style>
+          <a:lnRef idx="2">
+            <a:schemeClr val="accent1">
+              <a:shade val="50000"/>
+            </a:schemeClr>
+          </a:lnRef>
+          <a:fillRef idx="1">
+            <a:schemeClr val="accent1"/>
+          </a:fillRef>
+          <a:effectRef idx="0">
+            <a:schemeClr val="accent1"/>
+          </a:effectRef>
+          <a:fontRef idx="minor">
+            <a:schemeClr val="lt1"/>
+          </a:fontRef>
+        </p:style>
+        <p:txBody>
+          <a:bodyPr rtlCol="0" anchor="ctr"/>
+          <a:lstStyle/>
+          <a:p>
+            <a:pPr algn="ctr"/>
+            <a:r>
+              <a:rPr lang="en-US" altLang="ko-KR" dirty="0" smtClean="0"/>
+              <a:t>4</a:t>
+            </a:r>
+            <a:endParaRPr lang="ko-KR" altLang="en-US" dirty="0"/>
+          </a:p>
+        </p:txBody>
+      </p:sp>
+      <p:sp>
+        <p:nvSpPr>
+          <p:cNvPr id="3" name="TextBox 2"/>
+          <p:cNvSpPr txBox="1"/>
+          <p:nvPr/>
+        </p:nvSpPr>
+        <p:spPr>
+          <a:xfrm>
+            <a:off x="151322" y="1640626"/>
+            <a:ext cx="1013529" cy="646331"/>
+          </a:xfrm>
+          <a:prstGeom prst="rect">
+            <a:avLst/>
+          </a:prstGeom>
+          <a:noFill/>
+        </p:spPr>
+        <p:txBody>
+          <a:bodyPr wrap="square" rtlCol="0">
+            <a:spAutoFit/>
+          </a:bodyPr>
+          <a:lstStyle/>
+          <a:p>
+            <a:r>
+              <a:rPr lang="ko-KR" altLang="en-US" dirty="0" smtClean="0"/>
+              <a:t>일하는 상태</a:t>
+            </a:r>
+            <a:endParaRPr lang="ko-KR" altLang="en-US" dirty="0"/>
+          </a:p>
+        </p:txBody>
+      </p:sp>
+      <p:cxnSp>
+        <p:nvCxnSpPr>
+          <p:cNvPr id="10" name="직선 연결선 9"/>
+          <p:cNvCxnSpPr/>
+          <p:nvPr/>
+        </p:nvCxnSpPr>
+        <p:spPr>
+          <a:xfrm>
+            <a:off x="6006268" y="1241846"/>
+            <a:ext cx="0" cy="360000"/>
+          </a:xfrm>
+          <a:prstGeom prst="line">
+            <a:avLst/>
+          </a:prstGeom>
+          <a:ln w="19050">
+            <a:solidFill>
+              <a:schemeClr val="tx1"/>
+            </a:solidFill>
+          </a:ln>
+        </p:spPr>
+        <p:style>
+          <a:lnRef idx="1">
+            <a:schemeClr val="dk1"/>
+          </a:lnRef>
+          <a:fillRef idx="0">
+            <a:schemeClr val="dk1"/>
+          </a:fillRef>
+          <a:effectRef idx="0">
+            <a:schemeClr val="dk1"/>
+          </a:effectRef>
+          <a:fontRef idx="minor">
+            <a:schemeClr val="tx1"/>
+          </a:fontRef>
+        </p:style>
+      </p:cxnSp>
+      <p:cxnSp>
+        <p:nvCxnSpPr>
+          <p:cNvPr id="40" name="직선 연결선 39"/>
+          <p:cNvCxnSpPr/>
+          <p:nvPr/>
+        </p:nvCxnSpPr>
+        <p:spPr>
+          <a:xfrm flipH="1">
+            <a:off x="6004282" y="1241846"/>
+            <a:ext cx="636663" cy="0"/>
+          </a:xfrm>
+          <a:prstGeom prst="line">
+            <a:avLst/>
+          </a:prstGeom>
+          <a:ln w="19050">
+            <a:solidFill>
+              <a:schemeClr val="tx1"/>
+            </a:solidFill>
+          </a:ln>
+        </p:spPr>
+        <p:style>
+          <a:lnRef idx="1">
+            <a:schemeClr val="dk1"/>
+          </a:lnRef>
+          <a:fillRef idx="0">
+            <a:schemeClr val="dk1"/>
+          </a:fillRef>
+          <a:effectRef idx="0">
+            <a:schemeClr val="dk1"/>
+          </a:effectRef>
+          <a:fontRef idx="minor">
+            <a:schemeClr val="tx1"/>
+          </a:fontRef>
+        </p:style>
+      </p:cxnSp>
+      <p:cxnSp>
+        <p:nvCxnSpPr>
+          <p:cNvPr id="41" name="직선 연결선 40"/>
+          <p:cNvCxnSpPr/>
+          <p:nvPr/>
+        </p:nvCxnSpPr>
+        <p:spPr>
+          <a:xfrm>
+            <a:off x="6640945" y="1241846"/>
+            <a:ext cx="0" cy="586954"/>
+          </a:xfrm>
+          <a:prstGeom prst="line">
+            <a:avLst/>
+          </a:prstGeom>
+          <a:ln w="19050">
+            <a:solidFill>
+              <a:schemeClr val="tx1"/>
+            </a:solidFill>
+          </a:ln>
+        </p:spPr>
+        <p:style>
+          <a:lnRef idx="1">
+            <a:schemeClr val="dk1"/>
+          </a:lnRef>
+          <a:fillRef idx="0">
+            <a:schemeClr val="dk1"/>
+          </a:fillRef>
+          <a:effectRef idx="0">
+            <a:schemeClr val="dk1"/>
+          </a:effectRef>
+          <a:fontRef idx="minor">
+            <a:schemeClr val="tx1"/>
+          </a:fontRef>
+        </p:style>
+      </p:cxnSp>
+      <p:cxnSp>
+        <p:nvCxnSpPr>
+          <p:cNvPr id="42" name="직선 화살표 연결선 41"/>
+          <p:cNvCxnSpPr/>
+          <p:nvPr/>
+        </p:nvCxnSpPr>
+        <p:spPr>
+          <a:xfrm flipH="1">
+            <a:off x="6179325" y="1801284"/>
+            <a:ext cx="461620" cy="0"/>
+          </a:xfrm>
+          <a:prstGeom prst="straightConnector1">
+            <a:avLst/>
+          </a:prstGeom>
+          <a:ln w="19050">
+            <a:solidFill>
+              <a:schemeClr val="tx1"/>
+            </a:solidFill>
+            <a:tailEnd type="triangle"/>
+          </a:ln>
+        </p:spPr>
+        <p:style>
+          <a:lnRef idx="1">
+            <a:schemeClr val="accent1"/>
+          </a:lnRef>
+          <a:fillRef idx="0">
+            <a:schemeClr val="accent1"/>
+          </a:fillRef>
+          <a:effectRef idx="0">
+            <a:schemeClr val="accent1"/>
+          </a:effectRef>
+          <a:fontRef idx="minor">
+            <a:schemeClr val="tx1"/>
+          </a:fontRef>
+        </p:style>
+      </p:cxnSp>
+      <p:sp>
+        <p:nvSpPr>
+          <p:cNvPr id="59" name="TextBox 58"/>
+          <p:cNvSpPr txBox="1"/>
+          <p:nvPr/>
+        </p:nvSpPr>
+        <p:spPr>
+          <a:xfrm>
+            <a:off x="6649915" y="1146792"/>
+            <a:ext cx="1187336" cy="276999"/>
+          </a:xfrm>
+          <a:prstGeom prst="rect">
+            <a:avLst/>
+          </a:prstGeom>
+          <a:noFill/>
+        </p:spPr>
+        <p:txBody>
+          <a:bodyPr wrap="square" rtlCol="0">
+            <a:spAutoFit/>
+          </a:bodyPr>
+          <a:lstStyle/>
+          <a:p>
+            <a:r>
+              <a:rPr lang="en-US" altLang="ko-KR" sz="1200" dirty="0" err="1" smtClean="0"/>
+              <a:t>informTask</a:t>
+            </a:r>
+            <a:r>
+              <a:rPr lang="en-US" altLang="ko-KR" sz="1200" dirty="0" smtClean="0"/>
+              <a:t>()</a:t>
+            </a:r>
+            <a:endParaRPr lang="ko-KR" altLang="en-US" sz="1200" dirty="0"/>
+          </a:p>
+        </p:txBody>
+      </p:sp>
+      <p:sp>
+        <p:nvSpPr>
+          <p:cNvPr id="60" name="타원 59"/>
+          <p:cNvSpPr/>
+          <p:nvPr/>
+        </p:nvSpPr>
+        <p:spPr>
+          <a:xfrm>
+            <a:off x="5840194" y="866095"/>
+            <a:ext cx="328176" cy="297278"/>
+          </a:xfrm>
+          <a:prstGeom prst="ellipse">
+            <a:avLst/>
+          </a:prstGeom>
+          <a:solidFill>
+            <a:srgbClr val="FF0000"/>
+          </a:solidFill>
+        </p:spPr>
+        <p:style>
+          <a:lnRef idx="2">
+            <a:schemeClr val="accent1">
+              <a:shade val="50000"/>
+            </a:schemeClr>
+          </a:lnRef>
+          <a:fillRef idx="1">
+            <a:schemeClr val="accent1"/>
+          </a:fillRef>
+          <a:effectRef idx="0">
+            <a:schemeClr val="accent1"/>
+          </a:effectRef>
+          <a:fontRef idx="minor">
+            <a:schemeClr val="lt1"/>
+          </a:fontRef>
+        </p:style>
+        <p:txBody>
+          <a:bodyPr rtlCol="0" anchor="ctr"/>
+          <a:lstStyle/>
+          <a:p>
+            <a:pPr algn="ctr"/>
+            <a:r>
+              <a:rPr lang="en-US" altLang="ko-KR" dirty="0" smtClean="0"/>
+              <a:t>3</a:t>
+            </a:r>
+            <a:endParaRPr lang="ko-KR" altLang="en-US" dirty="0"/>
+          </a:p>
+        </p:txBody>
+      </p:sp>
+      <p:cxnSp>
+        <p:nvCxnSpPr>
+          <p:cNvPr id="61" name="직선 화살표 연결선 60"/>
+          <p:cNvCxnSpPr/>
+          <p:nvPr/>
+        </p:nvCxnSpPr>
+        <p:spPr>
+          <a:xfrm flipH="1">
+            <a:off x="7910166" y="1911880"/>
+            <a:ext cx="13208" cy="658791"/>
+          </a:xfrm>
+          <a:prstGeom prst="straightConnector1">
+            <a:avLst/>
+          </a:prstGeom>
+          <a:ln>
+            <a:tailEnd type="triangle"/>
+          </a:ln>
+        </p:spPr>
+        <p:style>
+          <a:lnRef idx="1">
+            <a:schemeClr val="accent1"/>
+          </a:lnRef>
+          <a:fillRef idx="0">
+            <a:schemeClr val="accent1"/>
+          </a:fillRef>
+          <a:effectRef idx="0">
+            <a:schemeClr val="accent1"/>
+          </a:effectRef>
+          <a:fontRef idx="minor">
+            <a:schemeClr val="tx1"/>
+          </a:fontRef>
+        </p:style>
+      </p:cxnSp>
+      <p:sp>
+        <p:nvSpPr>
+          <p:cNvPr id="62" name="TextBox 61"/>
+          <p:cNvSpPr txBox="1"/>
+          <p:nvPr/>
+        </p:nvSpPr>
+        <p:spPr>
+          <a:xfrm>
+            <a:off x="7910166" y="2284553"/>
+            <a:ext cx="1760122" cy="276999"/>
+          </a:xfrm>
+          <a:prstGeom prst="rect">
+            <a:avLst/>
+          </a:prstGeom>
+          <a:noFill/>
+        </p:spPr>
+        <p:txBody>
+          <a:bodyPr wrap="square" rtlCol="0">
+            <a:spAutoFit/>
+          </a:bodyPr>
+          <a:lstStyle/>
+          <a:p>
+            <a:r>
+              <a:rPr lang="ko-KR" altLang="en-US" sz="1200" dirty="0" smtClean="0"/>
+              <a:t>일</a:t>
+            </a:r>
+            <a:endParaRPr lang="ko-KR" altLang="en-US" sz="1200" dirty="0"/>
+          </a:p>
+        </p:txBody>
+      </p:sp>
+      <p:sp>
+        <p:nvSpPr>
+          <p:cNvPr id="65" name="TextBox 64"/>
+          <p:cNvSpPr txBox="1"/>
+          <p:nvPr/>
+        </p:nvSpPr>
+        <p:spPr>
+          <a:xfrm>
+            <a:off x="6631557" y="1900326"/>
+            <a:ext cx="1187336" cy="461665"/>
+          </a:xfrm>
+          <a:prstGeom prst="rect">
+            <a:avLst/>
+          </a:prstGeom>
+          <a:noFill/>
+        </p:spPr>
+        <p:txBody>
+          <a:bodyPr wrap="square" rtlCol="0">
+            <a:spAutoFit/>
+          </a:bodyPr>
+          <a:lstStyle/>
+          <a:p>
+            <a:r>
+              <a:rPr lang="en-US" altLang="ko-KR" sz="1200" dirty="0" err="1" smtClean="0"/>
+              <a:t>informSecondForTask</a:t>
+            </a:r>
+            <a:r>
+              <a:rPr lang="en-US" altLang="ko-KR" sz="1200" dirty="0" smtClean="0"/>
+              <a:t>()</a:t>
+            </a:r>
+            <a:endParaRPr lang="ko-KR" altLang="en-US" sz="1200" dirty="0"/>
+          </a:p>
+        </p:txBody>
+      </p:sp>
+      <p:cxnSp>
+        <p:nvCxnSpPr>
+          <p:cNvPr id="66" name="직선 화살표 연결선 65"/>
+          <p:cNvCxnSpPr/>
+          <p:nvPr/>
+        </p:nvCxnSpPr>
+        <p:spPr>
+          <a:xfrm flipV="1">
+            <a:off x="8893192" y="1978778"/>
+            <a:ext cx="12937" cy="644798"/>
+          </a:xfrm>
+          <a:prstGeom prst="straightConnector1">
+            <a:avLst/>
+          </a:prstGeom>
+          <a:ln>
+            <a:tailEnd type="triangle"/>
+          </a:ln>
+        </p:spPr>
+        <p:style>
+          <a:lnRef idx="1">
+            <a:schemeClr val="accent1"/>
+          </a:lnRef>
+          <a:fillRef idx="0">
+            <a:schemeClr val="accent1"/>
+          </a:fillRef>
+          <a:effectRef idx="0">
+            <a:schemeClr val="accent1"/>
+          </a:effectRef>
+          <a:fontRef idx="minor">
+            <a:schemeClr val="tx1"/>
+          </a:fontRef>
+        </p:style>
+      </p:cxnSp>
+      <p:sp>
+        <p:nvSpPr>
+          <p:cNvPr id="67" name="TextBox 66"/>
+          <p:cNvSpPr txBox="1"/>
+          <p:nvPr/>
+        </p:nvSpPr>
+        <p:spPr>
+          <a:xfrm>
+            <a:off x="8879984" y="2241829"/>
+            <a:ext cx="1760122" cy="276999"/>
+          </a:xfrm>
+          <a:prstGeom prst="rect">
+            <a:avLst/>
+          </a:prstGeom>
+          <a:noFill/>
+        </p:spPr>
+        <p:txBody>
+          <a:bodyPr wrap="square" rtlCol="0">
+            <a:spAutoFit/>
+          </a:bodyPr>
+          <a:lstStyle/>
+          <a:p>
+            <a:r>
+              <a:rPr lang="en-US" altLang="ko-KR" sz="1200" dirty="0" smtClean="0"/>
+              <a:t>25</a:t>
+            </a:r>
+            <a:r>
+              <a:rPr lang="ko-KR" altLang="en-US" sz="1200" dirty="0" smtClean="0"/>
+              <a:t>분</a:t>
+            </a:r>
+            <a:endParaRPr lang="ko-KR" altLang="en-US" sz="1200" dirty="0"/>
+          </a:p>
+        </p:txBody>
+      </p:sp>
+      <p:sp>
+        <p:nvSpPr>
+          <p:cNvPr id="69" name="타원 68"/>
+          <p:cNvSpPr/>
+          <p:nvPr/>
+        </p:nvSpPr>
+        <p:spPr>
+          <a:xfrm>
+            <a:off x="4177709" y="1092860"/>
+            <a:ext cx="328176" cy="297278"/>
+          </a:xfrm>
+          <a:prstGeom prst="ellipse">
+            <a:avLst/>
+          </a:prstGeom>
+          <a:solidFill>
+            <a:srgbClr val="FF0000"/>
+          </a:solidFill>
+        </p:spPr>
+        <p:style>
+          <a:lnRef idx="2">
+            <a:schemeClr val="accent1">
+              <a:shade val="50000"/>
+            </a:schemeClr>
+          </a:lnRef>
+          <a:fillRef idx="1">
+            <a:schemeClr val="accent1"/>
+          </a:fillRef>
+          <a:effectRef idx="0">
+            <a:schemeClr val="accent1"/>
+          </a:effectRef>
+          <a:fontRef idx="minor">
+            <a:schemeClr val="lt1"/>
+          </a:fontRef>
+        </p:style>
+        <p:txBody>
+          <a:bodyPr rtlCol="0" anchor="ctr"/>
+          <a:lstStyle/>
+          <a:p>
+            <a:pPr algn="ctr"/>
+            <a:r>
+              <a:rPr lang="en-US" altLang="ko-KR" dirty="0" smtClean="0"/>
+              <a:t>5</a:t>
+            </a:r>
+            <a:endParaRPr lang="ko-KR" altLang="en-US" dirty="0"/>
+          </a:p>
+        </p:txBody>
+      </p:sp>
+      <p:sp>
+        <p:nvSpPr>
+          <p:cNvPr id="70" name="TextBox 69"/>
+          <p:cNvSpPr txBox="1"/>
+          <p:nvPr/>
+        </p:nvSpPr>
+        <p:spPr>
+          <a:xfrm>
+            <a:off x="137607" y="3399851"/>
+            <a:ext cx="1257084" cy="646331"/>
+          </a:xfrm>
+          <a:prstGeom prst="rect">
+            <a:avLst/>
+          </a:prstGeom>
+          <a:noFill/>
+        </p:spPr>
+        <p:txBody>
+          <a:bodyPr wrap="square" rtlCol="0">
+            <a:spAutoFit/>
+          </a:bodyPr>
+          <a:lstStyle/>
+          <a:p>
+            <a:r>
+              <a:rPr lang="ko-KR" altLang="en-US" dirty="0" smtClean="0"/>
+              <a:t>짧은</a:t>
+            </a:r>
+            <a:r>
+              <a:rPr lang="en-US" altLang="ko-KR" dirty="0" smtClean="0"/>
+              <a:t>(</a:t>
+            </a:r>
+            <a:r>
+              <a:rPr lang="ko-KR" altLang="en-US" dirty="0" smtClean="0"/>
+              <a:t>긴</a:t>
+            </a:r>
+            <a:r>
+              <a:rPr lang="en-US" altLang="ko-KR" dirty="0" smtClean="0"/>
+              <a:t>)</a:t>
+            </a:r>
+            <a:r>
+              <a:rPr lang="ko-KR" altLang="en-US" dirty="0" err="1" smtClean="0"/>
+              <a:t>휴식상태</a:t>
+            </a:r>
+            <a:endParaRPr lang="ko-KR" altLang="en-US" dirty="0"/>
+          </a:p>
+        </p:txBody>
+      </p:sp>
+      <p:sp>
+        <p:nvSpPr>
+          <p:cNvPr id="71" name="타원 70"/>
+          <p:cNvSpPr/>
+          <p:nvPr/>
+        </p:nvSpPr>
+        <p:spPr>
+          <a:xfrm>
+            <a:off x="3890144" y="4074141"/>
+            <a:ext cx="328176" cy="297278"/>
+          </a:xfrm>
+          <a:prstGeom prst="ellipse">
+            <a:avLst/>
+          </a:prstGeom>
+          <a:solidFill>
+            <a:srgbClr val="FF0000"/>
+          </a:solidFill>
+        </p:spPr>
+        <p:style>
+          <a:lnRef idx="2">
+            <a:schemeClr val="accent1">
+              <a:shade val="50000"/>
+            </a:schemeClr>
+          </a:lnRef>
+          <a:fillRef idx="1">
+            <a:schemeClr val="accent1"/>
+          </a:fillRef>
+          <a:effectRef idx="0">
+            <a:schemeClr val="accent1"/>
+          </a:effectRef>
+          <a:fontRef idx="minor">
+            <a:schemeClr val="lt1"/>
+          </a:fontRef>
+        </p:style>
+        <p:txBody>
+          <a:bodyPr rtlCol="0" anchor="ctr"/>
+          <a:lstStyle/>
+          <a:p>
+            <a:pPr algn="ctr"/>
+            <a:r>
+              <a:rPr lang="en-US" altLang="ko-KR" dirty="0" smtClean="0"/>
+              <a:t>1</a:t>
+            </a:r>
+            <a:endParaRPr lang="ko-KR" altLang="en-US" dirty="0"/>
+          </a:p>
+        </p:txBody>
+      </p:sp>
+      <p:sp>
+        <p:nvSpPr>
+          <p:cNvPr id="73" name="타원 72"/>
+          <p:cNvSpPr/>
+          <p:nvPr/>
+        </p:nvSpPr>
+        <p:spPr>
+          <a:xfrm>
+            <a:off x="4129033" y="4612172"/>
+            <a:ext cx="328176" cy="297278"/>
+          </a:xfrm>
+          <a:prstGeom prst="ellipse">
+            <a:avLst/>
+          </a:prstGeom>
+          <a:solidFill>
+            <a:srgbClr val="FF0000"/>
+          </a:solidFill>
+        </p:spPr>
+        <p:style>
+          <a:lnRef idx="2">
+            <a:schemeClr val="accent1">
+              <a:shade val="50000"/>
+            </a:schemeClr>
+          </a:lnRef>
+          <a:fillRef idx="1">
+            <a:schemeClr val="accent1"/>
+          </a:fillRef>
+          <a:effectRef idx="0">
+            <a:schemeClr val="accent1"/>
+          </a:effectRef>
+          <a:fontRef idx="minor">
+            <a:schemeClr val="lt1"/>
+          </a:fontRef>
+        </p:style>
+        <p:txBody>
+          <a:bodyPr rtlCol="0" anchor="ctr"/>
+          <a:lstStyle/>
+          <a:p>
+            <a:pPr algn="ctr"/>
+            <a:r>
+              <a:rPr lang="en-US" altLang="ko-KR" dirty="0"/>
+              <a:t>2</a:t>
+            </a:r>
+            <a:endParaRPr lang="ko-KR" altLang="en-US" dirty="0"/>
+          </a:p>
+        </p:txBody>
+      </p:sp>
+      <p:sp>
+        <p:nvSpPr>
+          <p:cNvPr id="74" name="타원 73"/>
+          <p:cNvSpPr/>
+          <p:nvPr/>
+        </p:nvSpPr>
+        <p:spPr>
+          <a:xfrm>
+            <a:off x="6006349" y="4036306"/>
+            <a:ext cx="328176" cy="297278"/>
+          </a:xfrm>
+          <a:prstGeom prst="ellipse">
+            <a:avLst/>
+          </a:prstGeom>
+          <a:solidFill>
+            <a:srgbClr val="FF0000"/>
+          </a:solidFill>
+        </p:spPr>
+        <p:style>
+          <a:lnRef idx="2">
+            <a:schemeClr val="accent1">
+              <a:shade val="50000"/>
+            </a:schemeClr>
+          </a:lnRef>
+          <a:fillRef idx="1">
+            <a:schemeClr val="accent1"/>
+          </a:fillRef>
+          <a:effectRef idx="0">
+            <a:schemeClr val="accent1"/>
+          </a:effectRef>
+          <a:fontRef idx="minor">
+            <a:schemeClr val="lt1"/>
+          </a:fontRef>
+        </p:style>
+        <p:txBody>
+          <a:bodyPr rtlCol="0" anchor="ctr"/>
+          <a:lstStyle/>
+          <a:p>
+            <a:pPr algn="ctr"/>
+            <a:r>
+              <a:rPr lang="en-US" altLang="ko-KR" dirty="0" smtClean="0"/>
+              <a:t>3</a:t>
+            </a:r>
+            <a:endParaRPr lang="ko-KR" altLang="en-US" dirty="0"/>
+          </a:p>
+        </p:txBody>
+      </p:sp>
+      <p:sp>
+        <p:nvSpPr>
+          <p:cNvPr id="20" name="TextBox 19"/>
+          <p:cNvSpPr txBox="1"/>
+          <p:nvPr/>
+        </p:nvSpPr>
+        <p:spPr>
+          <a:xfrm>
+            <a:off x="9670288" y="3084945"/>
+            <a:ext cx="1810512" cy="923330"/>
+          </a:xfrm>
+          <a:prstGeom prst="rect">
+            <a:avLst/>
+          </a:prstGeom>
+          <a:noFill/>
+        </p:spPr>
+        <p:txBody>
+          <a:bodyPr wrap="square" rtlCol="0">
+            <a:spAutoFit/>
+          </a:bodyPr>
+          <a:lstStyle/>
+          <a:p>
+            <a:r>
+              <a:rPr lang="ko-KR" altLang="en-US" dirty="0" smtClean="0"/>
+              <a:t>시간은 </a:t>
+            </a:r>
+            <a:r>
+              <a:rPr lang="en-US" altLang="ko-KR" dirty="0" smtClean="0"/>
+              <a:t>00:00:00.00</a:t>
+            </a:r>
+            <a:r>
+              <a:rPr lang="ko-KR" altLang="en-US" dirty="0" smtClean="0"/>
+              <a:t>으로 기록한다</a:t>
+            </a:r>
+            <a:r>
+              <a:rPr lang="en-US" altLang="ko-KR" dirty="0" smtClean="0"/>
+              <a:t>.</a:t>
+            </a:r>
+            <a:endParaRPr lang="ko-KR" altLang="en-US" dirty="0"/>
+          </a:p>
+        </p:txBody>
+      </p:sp>
+    </p:spTree>
+    <p:extLst>
+      <p:ext uri="{BB962C8B-B14F-4D97-AF65-F5344CB8AC3E}">
+        <p14:creationId xmlns:p14="http://schemas.microsoft.com/office/powerpoint/2010/main" val="1799136725"/>
+      </p:ext>
+    </p:extLst>
+  </p:cSld>
+  <p:clrMapOvr>
+    <a:masterClrMapping/>
+  </p:clrMapOvr>
+</p:sld>
+</file>
+
+<file path=ppt/slides/slide6.xml><?xml version="1.0" encoding="utf-8"?>
+<p:sld xmlns:a="http://schemas.openxmlformats.org/drawingml/2006/main" xmlns:r="http://schemas.openxmlformats.org/officeDocument/2006/relationships" xmlns:p="http://schemas.openxmlformats.org/presentationml/2006/main">
+  <p:cSld>
+    <p:spTree>
+      <p:nvGrpSpPr>
+        <p:cNvPr id="1" name=""/>
+        <p:cNvGrpSpPr/>
+        <p:nvPr/>
+      </p:nvGrpSpPr>
+      <p:grpSpPr>
+        <a:xfrm>
+          <a:off x="0" y="0"/>
+          <a:ext cx="0" cy="0"/>
+          <a:chOff x="0" y="0"/>
+          <a:chExt cx="0" cy="0"/>
+        </a:xfrm>
+      </p:grpSpPr>
+      <p:sp>
+        <p:nvSpPr>
+          <p:cNvPr id="54" name="직사각형 53"/>
+          <p:cNvSpPr/>
+          <p:nvPr/>
+        </p:nvSpPr>
+        <p:spPr>
+          <a:xfrm>
+            <a:off x="1719152" y="1904991"/>
+            <a:ext cx="748145" cy="581891"/>
+          </a:xfrm>
+          <a:prstGeom prst="rect">
+            <a:avLst/>
+          </a:prstGeom>
+        </p:spPr>
+        <p:style>
+          <a:lnRef idx="2">
+            <a:schemeClr val="accent1">
+              <a:shade val="50000"/>
+            </a:schemeClr>
+          </a:lnRef>
+          <a:fillRef idx="1">
+            <a:schemeClr val="accent1"/>
+          </a:fillRef>
+          <a:effectRef idx="0">
+            <a:schemeClr val="accent1"/>
+          </a:effectRef>
+          <a:fontRef idx="minor">
+            <a:schemeClr val="lt1"/>
+          </a:fontRef>
+        </p:style>
+        <p:txBody>
+          <a:bodyPr rtlCol="0" anchor="ctr"/>
+          <a:lstStyle/>
+          <a:p>
+            <a:pPr algn="ctr"/>
+            <a:r>
+              <a:rPr lang="en-US" altLang="ko-KR" dirty="0" smtClean="0"/>
+              <a:t>Main</a:t>
+            </a:r>
+            <a:endParaRPr lang="ko-KR" altLang="en-US" dirty="0"/>
+          </a:p>
+        </p:txBody>
+      </p:sp>
+      <p:sp>
+        <p:nvSpPr>
+          <p:cNvPr id="55" name="직사각형 54"/>
+          <p:cNvSpPr/>
+          <p:nvPr/>
+        </p:nvSpPr>
+        <p:spPr>
+          <a:xfrm>
+            <a:off x="3476485" y="1904991"/>
+            <a:ext cx="995418" cy="581891"/>
+          </a:xfrm>
+          <a:prstGeom prst="rect">
+            <a:avLst/>
+          </a:prstGeom>
+        </p:spPr>
+        <p:style>
+          <a:lnRef idx="2">
+            <a:schemeClr val="accent1">
+              <a:shade val="50000"/>
+            </a:schemeClr>
+          </a:lnRef>
+          <a:fillRef idx="1">
+            <a:schemeClr val="accent1"/>
+          </a:fillRef>
+          <a:effectRef idx="0">
+            <a:schemeClr val="accent1"/>
+          </a:effectRef>
+          <a:fontRef idx="minor">
+            <a:schemeClr val="lt1"/>
+          </a:fontRef>
+        </p:style>
+        <p:txBody>
+          <a:bodyPr rtlCol="0" anchor="ctr"/>
+          <a:lstStyle/>
+          <a:p>
+            <a:pPr algn="ctr"/>
+            <a:r>
+              <a:rPr lang="ko-KR" altLang="en-US" dirty="0" smtClean="0"/>
+              <a:t>카운터</a:t>
+            </a:r>
+            <a:endParaRPr lang="ko-KR" altLang="en-US" dirty="0"/>
+          </a:p>
+        </p:txBody>
+      </p:sp>
+      <p:sp>
+        <p:nvSpPr>
+          <p:cNvPr id="56" name="직사각형 55"/>
+          <p:cNvSpPr/>
+          <p:nvPr/>
+        </p:nvSpPr>
+        <p:spPr>
+          <a:xfrm>
+            <a:off x="5837314" y="1904991"/>
+            <a:ext cx="1434822" cy="581891"/>
+          </a:xfrm>
+          <a:prstGeom prst="rect">
+            <a:avLst/>
+          </a:prstGeom>
+        </p:spPr>
+        <p:style>
+          <a:lnRef idx="2">
+            <a:schemeClr val="accent1">
+              <a:shade val="50000"/>
+            </a:schemeClr>
+          </a:lnRef>
+          <a:fillRef idx="1">
+            <a:schemeClr val="accent1"/>
+          </a:fillRef>
+          <a:effectRef idx="0">
+            <a:schemeClr val="accent1"/>
+          </a:effectRef>
+          <a:fontRef idx="minor">
+            <a:schemeClr val="lt1"/>
+          </a:fontRef>
+        </p:style>
+        <p:txBody>
+          <a:bodyPr rtlCol="0" anchor="ctr"/>
+          <a:lstStyle/>
+          <a:p>
+            <a:pPr algn="ctr"/>
+            <a:r>
+              <a:rPr lang="ko-KR" altLang="en-US" dirty="0" smtClean="0"/>
+              <a:t>시간관리자</a:t>
+            </a:r>
+            <a:endParaRPr lang="en-US" altLang="ko-KR" dirty="0"/>
+          </a:p>
+        </p:txBody>
+      </p:sp>
+      <p:sp>
+        <p:nvSpPr>
+          <p:cNvPr id="58" name="직사각형 57"/>
+          <p:cNvSpPr/>
+          <p:nvPr/>
+        </p:nvSpPr>
+        <p:spPr>
+          <a:xfrm>
+            <a:off x="8787480" y="1904991"/>
+            <a:ext cx="1434822" cy="581891"/>
+          </a:xfrm>
+          <a:prstGeom prst="rect">
+            <a:avLst/>
+          </a:prstGeom>
+        </p:spPr>
+        <p:style>
+          <a:lnRef idx="2">
+            <a:schemeClr val="accent1">
+              <a:shade val="50000"/>
+            </a:schemeClr>
+          </a:lnRef>
+          <a:fillRef idx="1">
+            <a:schemeClr val="accent1"/>
+          </a:fillRef>
+          <a:effectRef idx="0">
+            <a:schemeClr val="accent1"/>
+          </a:effectRef>
+          <a:fontRef idx="minor">
+            <a:schemeClr val="lt1"/>
+          </a:fontRef>
+        </p:style>
+        <p:txBody>
+          <a:bodyPr rtlCol="0" anchor="ctr"/>
+          <a:lstStyle/>
+          <a:p>
+            <a:pPr algn="ctr"/>
+            <a:r>
+              <a:rPr lang="ko-KR" altLang="en-US" dirty="0" smtClean="0"/>
+              <a:t>통계관리자</a:t>
+            </a:r>
+            <a:endParaRPr lang="en-US" altLang="ko-KR" dirty="0"/>
+          </a:p>
+        </p:txBody>
+      </p:sp>
+      <p:cxnSp>
+        <p:nvCxnSpPr>
+          <p:cNvPr id="59" name="직선 화살표 연결선 58"/>
+          <p:cNvCxnSpPr>
+            <a:stCxn id="54" idx="3"/>
+            <a:endCxn id="55" idx="1"/>
+          </p:cNvCxnSpPr>
+          <p:nvPr/>
+        </p:nvCxnSpPr>
+        <p:spPr>
+          <a:xfrm>
+            <a:off x="2467297" y="2195937"/>
+            <a:ext cx="1009188" cy="0"/>
+          </a:xfrm>
+          <a:prstGeom prst="straightConnector1">
+            <a:avLst/>
+          </a:prstGeom>
+          <a:ln w="19050">
+            <a:solidFill>
+              <a:schemeClr val="tx1"/>
+            </a:solidFill>
+            <a:tailEnd type="triangle"/>
+          </a:ln>
+        </p:spPr>
+        <p:style>
+          <a:lnRef idx="1">
+            <a:schemeClr val="accent1"/>
+          </a:lnRef>
+          <a:fillRef idx="0">
+            <a:schemeClr val="accent1"/>
+          </a:fillRef>
+          <a:effectRef idx="0">
+            <a:schemeClr val="accent1"/>
+          </a:effectRef>
+          <a:fontRef idx="minor">
+            <a:schemeClr val="tx1"/>
+          </a:fontRef>
+        </p:style>
+      </p:cxnSp>
+      <p:cxnSp>
+        <p:nvCxnSpPr>
+          <p:cNvPr id="60" name="직선 화살표 연결선 59"/>
+          <p:cNvCxnSpPr>
+            <a:stCxn id="55" idx="3"/>
+            <a:endCxn id="56" idx="1"/>
+          </p:cNvCxnSpPr>
+          <p:nvPr/>
+        </p:nvCxnSpPr>
+        <p:spPr>
+          <a:xfrm>
+            <a:off x="4471903" y="2195937"/>
+            <a:ext cx="1365411" cy="0"/>
+          </a:xfrm>
+          <a:prstGeom prst="straightConnector1">
+            <a:avLst/>
+          </a:prstGeom>
+          <a:ln w="19050">
+            <a:solidFill>
+              <a:schemeClr val="tx1"/>
+            </a:solidFill>
+            <a:tailEnd type="triangle"/>
+          </a:ln>
+        </p:spPr>
+        <p:style>
+          <a:lnRef idx="1">
+            <a:schemeClr val="accent1"/>
+          </a:lnRef>
+          <a:fillRef idx="0">
+            <a:schemeClr val="accent1"/>
+          </a:fillRef>
+          <a:effectRef idx="0">
+            <a:schemeClr val="accent1"/>
+          </a:effectRef>
+          <a:fontRef idx="minor">
+            <a:schemeClr val="tx1"/>
+          </a:fontRef>
+        </p:style>
+      </p:cxnSp>
+      <p:cxnSp>
+        <p:nvCxnSpPr>
+          <p:cNvPr id="61" name="직선 화살표 연결선 60"/>
+          <p:cNvCxnSpPr>
+            <a:stCxn id="56" idx="3"/>
+            <a:endCxn id="58" idx="1"/>
+          </p:cNvCxnSpPr>
+          <p:nvPr/>
+        </p:nvCxnSpPr>
+        <p:spPr>
+          <a:xfrm>
+            <a:off x="7272136" y="2195937"/>
+            <a:ext cx="1515344" cy="0"/>
+          </a:xfrm>
+          <a:prstGeom prst="straightConnector1">
+            <a:avLst/>
+          </a:prstGeom>
+          <a:ln w="19050">
+            <a:solidFill>
+              <a:schemeClr val="tx1"/>
+            </a:solidFill>
+            <a:tailEnd type="triangle"/>
+          </a:ln>
+        </p:spPr>
+        <p:style>
+          <a:lnRef idx="1">
+            <a:schemeClr val="accent1"/>
+          </a:lnRef>
+          <a:fillRef idx="0">
+            <a:schemeClr val="accent1"/>
+          </a:fillRef>
+          <a:effectRef idx="0">
+            <a:schemeClr val="accent1"/>
+          </a:effectRef>
+          <a:fontRef idx="minor">
+            <a:schemeClr val="tx1"/>
+          </a:fontRef>
+        </p:style>
+      </p:cxnSp>
+      <p:sp>
+        <p:nvSpPr>
+          <p:cNvPr id="62" name="TextBox 61"/>
+          <p:cNvSpPr txBox="1"/>
+          <p:nvPr/>
+        </p:nvSpPr>
+        <p:spPr>
+          <a:xfrm>
+            <a:off x="2547324" y="2333423"/>
+            <a:ext cx="829117" cy="276999"/>
+          </a:xfrm>
+          <a:prstGeom prst="rect">
+            <a:avLst/>
+          </a:prstGeom>
+          <a:noFill/>
+        </p:spPr>
+        <p:txBody>
+          <a:bodyPr wrap="square" rtlCol="0">
+            <a:spAutoFit/>
+          </a:bodyPr>
+          <a:lstStyle/>
+          <a:p>
+            <a:r>
+              <a:rPr lang="ko-KR" altLang="en-US" sz="1200" dirty="0" err="1" smtClean="0"/>
+              <a:t>잠시멈춰</a:t>
+            </a:r>
+            <a:endParaRPr lang="ko-KR" altLang="en-US" sz="1200" dirty="0"/>
+          </a:p>
+        </p:txBody>
+      </p:sp>
+      <p:sp>
+        <p:nvSpPr>
+          <p:cNvPr id="63" name="TextBox 62"/>
+          <p:cNvSpPr txBox="1"/>
+          <p:nvPr/>
+        </p:nvSpPr>
+        <p:spPr>
+          <a:xfrm>
+            <a:off x="4639333" y="2394548"/>
+            <a:ext cx="965175" cy="461665"/>
+          </a:xfrm>
+          <a:prstGeom prst="rect">
+            <a:avLst/>
+          </a:prstGeom>
+          <a:noFill/>
+        </p:spPr>
+        <p:txBody>
+          <a:bodyPr wrap="square" rtlCol="0">
+            <a:spAutoFit/>
+          </a:bodyPr>
+          <a:lstStyle/>
+          <a:p>
+            <a:r>
+              <a:rPr lang="ko-KR" altLang="en-US" sz="1200" dirty="0" smtClean="0"/>
+              <a:t>시간 그만 셀 거야</a:t>
+            </a:r>
+            <a:r>
+              <a:rPr lang="en-US" altLang="ko-KR" sz="1200" dirty="0" smtClean="0"/>
+              <a:t>()</a:t>
+            </a:r>
+            <a:endParaRPr lang="ko-KR" altLang="en-US" sz="1200" dirty="0"/>
+          </a:p>
+        </p:txBody>
+      </p:sp>
+      <p:cxnSp>
+        <p:nvCxnSpPr>
+          <p:cNvPr id="66" name="직선 화살표 연결선 65"/>
+          <p:cNvCxnSpPr/>
+          <p:nvPr/>
+        </p:nvCxnSpPr>
+        <p:spPr>
+          <a:xfrm>
+            <a:off x="7467620" y="2010744"/>
+            <a:ext cx="1115663" cy="0"/>
+          </a:xfrm>
+          <a:prstGeom prst="straightConnector1">
+            <a:avLst/>
+          </a:prstGeom>
+          <a:ln>
+            <a:tailEnd type="triangle"/>
+          </a:ln>
+        </p:spPr>
+        <p:style>
+          <a:lnRef idx="1">
+            <a:schemeClr val="accent1"/>
+          </a:lnRef>
+          <a:fillRef idx="0">
+            <a:schemeClr val="accent1"/>
+          </a:fillRef>
+          <a:effectRef idx="0">
+            <a:schemeClr val="accent1"/>
+          </a:effectRef>
+          <a:fontRef idx="minor">
+            <a:schemeClr val="tx1"/>
+          </a:fontRef>
+        </p:style>
+      </p:cxnSp>
+      <p:sp>
+        <p:nvSpPr>
+          <p:cNvPr id="67" name="TextBox 66"/>
+          <p:cNvSpPr txBox="1"/>
+          <p:nvPr/>
+        </p:nvSpPr>
+        <p:spPr>
+          <a:xfrm>
+            <a:off x="7400610" y="2370601"/>
+            <a:ext cx="1249681" cy="461665"/>
+          </a:xfrm>
+          <a:prstGeom prst="rect">
+            <a:avLst/>
+          </a:prstGeom>
+          <a:noFill/>
+        </p:spPr>
+        <p:txBody>
+          <a:bodyPr wrap="square" rtlCol="0">
+            <a:spAutoFit/>
+          </a:bodyPr>
+          <a:lstStyle/>
+          <a:p>
+            <a:r>
+              <a:rPr lang="ko-KR" altLang="en-US" sz="1200" dirty="0" smtClean="0"/>
+              <a:t>작업을 멈췄다고 기록해줘</a:t>
+            </a:r>
+            <a:r>
+              <a:rPr lang="en-US" altLang="ko-KR" sz="1200" dirty="0" smtClean="0"/>
+              <a:t>()</a:t>
+            </a:r>
+            <a:endParaRPr lang="ko-KR" altLang="en-US" sz="1200" dirty="0"/>
+          </a:p>
+        </p:txBody>
+      </p:sp>
+      <p:sp>
+        <p:nvSpPr>
+          <p:cNvPr id="68" name="TextBox 67"/>
+          <p:cNvSpPr txBox="1"/>
+          <p:nvPr/>
+        </p:nvSpPr>
+        <p:spPr>
+          <a:xfrm>
+            <a:off x="6895630" y="1646541"/>
+            <a:ext cx="3095498" cy="276999"/>
+          </a:xfrm>
+          <a:prstGeom prst="rect">
+            <a:avLst/>
+          </a:prstGeom>
+          <a:noFill/>
+        </p:spPr>
+        <p:txBody>
+          <a:bodyPr wrap="square" rtlCol="0">
+            <a:spAutoFit/>
+          </a:bodyPr>
+          <a:lstStyle/>
+          <a:p>
+            <a:r>
+              <a:rPr lang="ko-KR" altLang="en-US" sz="1200" dirty="0" smtClean="0"/>
+              <a:t>작업 타입</a:t>
+            </a:r>
+            <a:r>
+              <a:rPr lang="en-US" altLang="ko-KR" sz="1200" dirty="0" smtClean="0"/>
+              <a:t>, </a:t>
+            </a:r>
+            <a:r>
+              <a:rPr lang="ko-KR" altLang="en-US" sz="1200" dirty="0" err="1" smtClean="0"/>
+              <a:t>회차</a:t>
+            </a:r>
+            <a:r>
+              <a:rPr lang="en-US" altLang="ko-KR" sz="1200" dirty="0" smtClean="0"/>
+              <a:t>, </a:t>
+            </a:r>
+            <a:r>
+              <a:rPr lang="ko-KR" altLang="en-US" sz="1200" dirty="0" smtClean="0"/>
+              <a:t>시작 </a:t>
+            </a:r>
+            <a:r>
+              <a:rPr lang="ko-KR" altLang="en-US" sz="1200" dirty="0" smtClean="0"/>
+              <a:t>시간</a:t>
+            </a:r>
+            <a:r>
+              <a:rPr lang="en-US" altLang="ko-KR" sz="1200" dirty="0" smtClean="0"/>
+              <a:t>, </a:t>
+            </a:r>
+            <a:r>
+              <a:rPr lang="ko-KR" altLang="en-US" sz="1200" dirty="0" smtClean="0"/>
+              <a:t>멈춘 </a:t>
+            </a:r>
+            <a:r>
+              <a:rPr lang="ko-KR" altLang="en-US" sz="1200" dirty="0" smtClean="0"/>
+              <a:t>시간</a:t>
+            </a:r>
+            <a:endParaRPr lang="ko-KR" altLang="en-US" sz="1200" dirty="0"/>
+          </a:p>
+        </p:txBody>
+      </p:sp>
+      <p:sp>
+        <p:nvSpPr>
+          <p:cNvPr id="75" name="직사각형 74"/>
+          <p:cNvSpPr/>
+          <p:nvPr/>
+        </p:nvSpPr>
+        <p:spPr>
+          <a:xfrm>
+            <a:off x="1719152" y="3148285"/>
+            <a:ext cx="748145" cy="581891"/>
+          </a:xfrm>
+          <a:prstGeom prst="rect">
+            <a:avLst/>
+          </a:prstGeom>
+        </p:spPr>
+        <p:style>
+          <a:lnRef idx="2">
+            <a:schemeClr val="accent1">
+              <a:shade val="50000"/>
+            </a:schemeClr>
+          </a:lnRef>
+          <a:fillRef idx="1">
+            <a:schemeClr val="accent1"/>
+          </a:fillRef>
+          <a:effectRef idx="0">
+            <a:schemeClr val="accent1"/>
+          </a:effectRef>
+          <a:fontRef idx="minor">
+            <a:schemeClr val="lt1"/>
+          </a:fontRef>
+        </p:style>
+        <p:txBody>
+          <a:bodyPr rtlCol="0" anchor="ctr"/>
+          <a:lstStyle/>
+          <a:p>
+            <a:pPr algn="ctr"/>
+            <a:r>
+              <a:rPr lang="en-US" altLang="ko-KR" dirty="0" smtClean="0"/>
+              <a:t>Main</a:t>
+            </a:r>
+            <a:endParaRPr lang="ko-KR" altLang="en-US" dirty="0"/>
+          </a:p>
+        </p:txBody>
+      </p:sp>
+      <p:sp>
+        <p:nvSpPr>
+          <p:cNvPr id="76" name="직사각형 75"/>
+          <p:cNvSpPr/>
+          <p:nvPr/>
+        </p:nvSpPr>
+        <p:spPr>
+          <a:xfrm>
+            <a:off x="3476485" y="3148285"/>
+            <a:ext cx="995418" cy="581891"/>
+          </a:xfrm>
+          <a:prstGeom prst="rect">
+            <a:avLst/>
+          </a:prstGeom>
+        </p:spPr>
+        <p:style>
+          <a:lnRef idx="2">
+            <a:schemeClr val="accent1">
+              <a:shade val="50000"/>
+            </a:schemeClr>
+          </a:lnRef>
+          <a:fillRef idx="1">
+            <a:schemeClr val="accent1"/>
+          </a:fillRef>
+          <a:effectRef idx="0">
+            <a:schemeClr val="accent1"/>
+          </a:effectRef>
+          <a:fontRef idx="minor">
+            <a:schemeClr val="lt1"/>
+          </a:fontRef>
+        </p:style>
+        <p:txBody>
+          <a:bodyPr rtlCol="0" anchor="ctr"/>
+          <a:lstStyle/>
+          <a:p>
+            <a:pPr algn="ctr"/>
+            <a:r>
+              <a:rPr lang="ko-KR" altLang="en-US" dirty="0" smtClean="0"/>
+              <a:t>카운터</a:t>
+            </a:r>
+            <a:endParaRPr lang="ko-KR" altLang="en-US" dirty="0"/>
+          </a:p>
+        </p:txBody>
+      </p:sp>
+      <p:cxnSp>
+        <p:nvCxnSpPr>
+          <p:cNvPr id="79" name="직선 화살표 연결선 78"/>
+          <p:cNvCxnSpPr>
+            <a:stCxn id="75" idx="3"/>
+            <a:endCxn id="76" idx="1"/>
+          </p:cNvCxnSpPr>
+          <p:nvPr/>
+        </p:nvCxnSpPr>
+        <p:spPr>
+          <a:xfrm>
+            <a:off x="2467297" y="3439231"/>
+            <a:ext cx="1009188" cy="0"/>
+          </a:xfrm>
+          <a:prstGeom prst="straightConnector1">
+            <a:avLst/>
+          </a:prstGeom>
+          <a:ln w="19050">
+            <a:solidFill>
+              <a:schemeClr val="tx1"/>
+            </a:solidFill>
+            <a:tailEnd type="triangle"/>
+          </a:ln>
+        </p:spPr>
+        <p:style>
+          <a:lnRef idx="1">
+            <a:schemeClr val="accent1"/>
+          </a:lnRef>
+          <a:fillRef idx="0">
+            <a:schemeClr val="accent1"/>
+          </a:fillRef>
+          <a:effectRef idx="0">
+            <a:schemeClr val="accent1"/>
+          </a:effectRef>
+          <a:fontRef idx="minor">
+            <a:schemeClr val="tx1"/>
+          </a:fontRef>
+        </p:style>
+      </p:cxnSp>
+      <p:sp>
+        <p:nvSpPr>
+          <p:cNvPr id="82" name="TextBox 81"/>
+          <p:cNvSpPr txBox="1"/>
+          <p:nvPr/>
+        </p:nvSpPr>
+        <p:spPr>
+          <a:xfrm>
+            <a:off x="2547324" y="3591675"/>
+            <a:ext cx="1015385" cy="276999"/>
+          </a:xfrm>
+          <a:prstGeom prst="rect">
+            <a:avLst/>
+          </a:prstGeom>
+          <a:noFill/>
+        </p:spPr>
+        <p:txBody>
+          <a:bodyPr wrap="square" rtlCol="0">
+            <a:spAutoFit/>
+          </a:bodyPr>
+          <a:lstStyle/>
+          <a:p>
+            <a:r>
+              <a:rPr lang="ko-KR" altLang="en-US" sz="1200" dirty="0" err="1" smtClean="0"/>
+              <a:t>다시시작해</a:t>
+            </a:r>
+            <a:endParaRPr lang="ko-KR" altLang="en-US" sz="1200" dirty="0"/>
+          </a:p>
+        </p:txBody>
+      </p:sp>
+      <p:sp>
+        <p:nvSpPr>
+          <p:cNvPr id="28" name="TextBox 27"/>
+          <p:cNvSpPr txBox="1"/>
+          <p:nvPr/>
+        </p:nvSpPr>
+        <p:spPr>
+          <a:xfrm>
+            <a:off x="87996" y="1904990"/>
+            <a:ext cx="1257084" cy="369332"/>
+          </a:xfrm>
+          <a:prstGeom prst="rect">
+            <a:avLst/>
+          </a:prstGeom>
+          <a:noFill/>
+        </p:spPr>
+        <p:txBody>
+          <a:bodyPr wrap="square" rtlCol="0">
+            <a:spAutoFit/>
+          </a:bodyPr>
+          <a:lstStyle/>
+          <a:p>
+            <a:r>
+              <a:rPr lang="ko-KR" altLang="en-US" dirty="0" err="1" smtClean="0"/>
+              <a:t>잠시멈춤</a:t>
+            </a:r>
+            <a:endParaRPr lang="ko-KR" altLang="en-US" dirty="0"/>
+          </a:p>
+        </p:txBody>
+      </p:sp>
+      <p:sp>
+        <p:nvSpPr>
+          <p:cNvPr id="29" name="TextBox 28"/>
+          <p:cNvSpPr txBox="1"/>
+          <p:nvPr/>
+        </p:nvSpPr>
+        <p:spPr>
+          <a:xfrm>
+            <a:off x="149800" y="3279999"/>
+            <a:ext cx="1257084" cy="369332"/>
+          </a:xfrm>
+          <a:prstGeom prst="rect">
+            <a:avLst/>
+          </a:prstGeom>
+          <a:noFill/>
+        </p:spPr>
+        <p:txBody>
+          <a:bodyPr wrap="square" rtlCol="0">
+            <a:spAutoFit/>
+          </a:bodyPr>
+          <a:lstStyle/>
+          <a:p>
+            <a:r>
+              <a:rPr lang="ko-KR" altLang="en-US" dirty="0" err="1" smtClean="0"/>
+              <a:t>재시작</a:t>
+            </a:r>
+            <a:endParaRPr lang="ko-KR" altLang="en-US" dirty="0"/>
+          </a:p>
+        </p:txBody>
+      </p:sp>
+      <p:sp>
+        <p:nvSpPr>
+          <p:cNvPr id="30" name="직사각형 29"/>
+          <p:cNvSpPr/>
+          <p:nvPr/>
+        </p:nvSpPr>
+        <p:spPr>
+          <a:xfrm>
+            <a:off x="1780956" y="4598090"/>
+            <a:ext cx="748145" cy="581891"/>
+          </a:xfrm>
+          <a:prstGeom prst="rect">
+            <a:avLst/>
+          </a:prstGeom>
+        </p:spPr>
+        <p:style>
+          <a:lnRef idx="2">
+            <a:schemeClr val="accent1">
+              <a:shade val="50000"/>
+            </a:schemeClr>
+          </a:lnRef>
+          <a:fillRef idx="1">
+            <a:schemeClr val="accent1"/>
+          </a:fillRef>
+          <a:effectRef idx="0">
+            <a:schemeClr val="accent1"/>
+          </a:effectRef>
+          <a:fontRef idx="minor">
+            <a:schemeClr val="lt1"/>
+          </a:fontRef>
+        </p:style>
+        <p:txBody>
+          <a:bodyPr rtlCol="0" anchor="ctr"/>
+          <a:lstStyle/>
+          <a:p>
+            <a:pPr algn="ctr"/>
+            <a:r>
+              <a:rPr lang="en-US" altLang="ko-KR" dirty="0" smtClean="0"/>
+              <a:t>Main</a:t>
+            </a:r>
+            <a:endParaRPr lang="ko-KR" altLang="en-US" dirty="0"/>
+          </a:p>
+        </p:txBody>
+      </p:sp>
+      <p:sp>
+        <p:nvSpPr>
+          <p:cNvPr id="31" name="직사각형 30"/>
+          <p:cNvSpPr/>
+          <p:nvPr/>
+        </p:nvSpPr>
+        <p:spPr>
+          <a:xfrm>
+            <a:off x="3538289" y="4598090"/>
+            <a:ext cx="995418" cy="581891"/>
+          </a:xfrm>
+          <a:prstGeom prst="rect">
+            <a:avLst/>
+          </a:prstGeom>
+        </p:spPr>
+        <p:style>
+          <a:lnRef idx="2">
+            <a:schemeClr val="accent1">
+              <a:shade val="50000"/>
+            </a:schemeClr>
+          </a:lnRef>
+          <a:fillRef idx="1">
+            <a:schemeClr val="accent1"/>
+          </a:fillRef>
+          <a:effectRef idx="0">
+            <a:schemeClr val="accent1"/>
+          </a:effectRef>
+          <a:fontRef idx="minor">
+            <a:schemeClr val="lt1"/>
+          </a:fontRef>
+        </p:style>
+        <p:txBody>
+          <a:bodyPr rtlCol="0" anchor="ctr"/>
+          <a:lstStyle/>
+          <a:p>
+            <a:pPr algn="ctr"/>
+            <a:r>
+              <a:rPr lang="ko-KR" altLang="en-US" dirty="0" smtClean="0"/>
+              <a:t>카운터</a:t>
+            </a:r>
+            <a:endParaRPr lang="ko-KR" altLang="en-US" dirty="0"/>
+          </a:p>
+        </p:txBody>
+      </p:sp>
+      <p:sp>
+        <p:nvSpPr>
+          <p:cNvPr id="32" name="직사각형 31"/>
+          <p:cNvSpPr/>
+          <p:nvPr/>
+        </p:nvSpPr>
+        <p:spPr>
+          <a:xfrm>
+            <a:off x="5899118" y="4598090"/>
+            <a:ext cx="1434822" cy="581891"/>
+          </a:xfrm>
+          <a:prstGeom prst="rect">
+            <a:avLst/>
+          </a:prstGeom>
+        </p:spPr>
+        <p:style>
+          <a:lnRef idx="2">
+            <a:schemeClr val="accent1">
+              <a:shade val="50000"/>
+            </a:schemeClr>
+          </a:lnRef>
+          <a:fillRef idx="1">
+            <a:schemeClr val="accent1"/>
+          </a:fillRef>
+          <a:effectRef idx="0">
+            <a:schemeClr val="accent1"/>
+          </a:effectRef>
+          <a:fontRef idx="minor">
+            <a:schemeClr val="lt1"/>
+          </a:fontRef>
+        </p:style>
+        <p:txBody>
+          <a:bodyPr rtlCol="0" anchor="ctr"/>
+          <a:lstStyle/>
+          <a:p>
+            <a:pPr algn="ctr"/>
+            <a:r>
+              <a:rPr lang="ko-KR" altLang="en-US" dirty="0" smtClean="0"/>
+              <a:t>시간관리자</a:t>
+            </a:r>
+            <a:endParaRPr lang="en-US" altLang="ko-KR" dirty="0"/>
+          </a:p>
+        </p:txBody>
+      </p:sp>
+      <p:sp>
+        <p:nvSpPr>
+          <p:cNvPr id="33" name="직사각형 32"/>
+          <p:cNvSpPr/>
+          <p:nvPr/>
+        </p:nvSpPr>
+        <p:spPr>
+          <a:xfrm>
+            <a:off x="8849284" y="4598090"/>
+            <a:ext cx="1434822" cy="581891"/>
+          </a:xfrm>
+          <a:prstGeom prst="rect">
+            <a:avLst/>
+          </a:prstGeom>
+        </p:spPr>
+        <p:style>
+          <a:lnRef idx="2">
+            <a:schemeClr val="accent1">
+              <a:shade val="50000"/>
+            </a:schemeClr>
+          </a:lnRef>
+          <a:fillRef idx="1">
+            <a:schemeClr val="accent1"/>
+          </a:fillRef>
+          <a:effectRef idx="0">
+            <a:schemeClr val="accent1"/>
+          </a:effectRef>
+          <a:fontRef idx="minor">
+            <a:schemeClr val="lt1"/>
+          </a:fontRef>
+        </p:style>
+        <p:txBody>
+          <a:bodyPr rtlCol="0" anchor="ctr"/>
+          <a:lstStyle/>
+          <a:p>
+            <a:pPr algn="ctr"/>
+            <a:r>
+              <a:rPr lang="ko-KR" altLang="en-US" dirty="0" smtClean="0"/>
+              <a:t>통계관리자</a:t>
+            </a:r>
+            <a:endParaRPr lang="en-US" altLang="ko-KR" dirty="0"/>
+          </a:p>
+        </p:txBody>
+      </p:sp>
+      <p:cxnSp>
+        <p:nvCxnSpPr>
+          <p:cNvPr id="34" name="직선 화살표 연결선 33"/>
+          <p:cNvCxnSpPr>
+            <a:stCxn id="30" idx="3"/>
+            <a:endCxn id="31" idx="1"/>
+          </p:cNvCxnSpPr>
+          <p:nvPr/>
+        </p:nvCxnSpPr>
+        <p:spPr>
+          <a:xfrm>
+            <a:off x="2529101" y="4889036"/>
+            <a:ext cx="1009188" cy="0"/>
+          </a:xfrm>
+          <a:prstGeom prst="straightConnector1">
+            <a:avLst/>
+          </a:prstGeom>
+          <a:ln w="19050">
+            <a:solidFill>
+              <a:schemeClr val="tx1"/>
+            </a:solidFill>
+            <a:tailEnd type="triangle"/>
+          </a:ln>
+        </p:spPr>
+        <p:style>
+          <a:lnRef idx="1">
+            <a:schemeClr val="accent1"/>
+          </a:lnRef>
+          <a:fillRef idx="0">
+            <a:schemeClr val="accent1"/>
+          </a:fillRef>
+          <a:effectRef idx="0">
+            <a:schemeClr val="accent1"/>
+          </a:effectRef>
+          <a:fontRef idx="minor">
+            <a:schemeClr val="tx1"/>
+          </a:fontRef>
+        </p:style>
+      </p:cxnSp>
+      <p:cxnSp>
+        <p:nvCxnSpPr>
+          <p:cNvPr id="35" name="직선 화살표 연결선 34"/>
+          <p:cNvCxnSpPr>
+            <a:stCxn id="31" idx="3"/>
+            <a:endCxn id="32" idx="1"/>
+          </p:cNvCxnSpPr>
+          <p:nvPr/>
+        </p:nvCxnSpPr>
+        <p:spPr>
+          <a:xfrm>
+            <a:off x="4533707" y="4889036"/>
+            <a:ext cx="1365411" cy="0"/>
+          </a:xfrm>
+          <a:prstGeom prst="straightConnector1">
+            <a:avLst/>
+          </a:prstGeom>
+          <a:ln w="19050">
+            <a:solidFill>
+              <a:schemeClr val="tx1"/>
+            </a:solidFill>
+            <a:tailEnd type="triangle"/>
+          </a:ln>
+        </p:spPr>
+        <p:style>
+          <a:lnRef idx="1">
+            <a:schemeClr val="accent1"/>
+          </a:lnRef>
+          <a:fillRef idx="0">
+            <a:schemeClr val="accent1"/>
+          </a:fillRef>
+          <a:effectRef idx="0">
+            <a:schemeClr val="accent1"/>
+          </a:effectRef>
+          <a:fontRef idx="minor">
+            <a:schemeClr val="tx1"/>
+          </a:fontRef>
+        </p:style>
+      </p:cxnSp>
+      <p:cxnSp>
+        <p:nvCxnSpPr>
+          <p:cNvPr id="36" name="직선 화살표 연결선 35"/>
+          <p:cNvCxnSpPr>
+            <a:stCxn id="32" idx="3"/>
+            <a:endCxn id="33" idx="1"/>
+          </p:cNvCxnSpPr>
+          <p:nvPr/>
+        </p:nvCxnSpPr>
+        <p:spPr>
+          <a:xfrm>
+            <a:off x="7333940" y="4889036"/>
+            <a:ext cx="1515344" cy="0"/>
+          </a:xfrm>
+          <a:prstGeom prst="straightConnector1">
+            <a:avLst/>
+          </a:prstGeom>
+          <a:ln w="19050">
+            <a:solidFill>
+              <a:schemeClr val="tx1"/>
+            </a:solidFill>
+            <a:tailEnd type="triangle"/>
+          </a:ln>
+        </p:spPr>
+        <p:style>
+          <a:lnRef idx="1">
+            <a:schemeClr val="accent1"/>
+          </a:lnRef>
+          <a:fillRef idx="0">
+            <a:schemeClr val="accent1"/>
+          </a:fillRef>
+          <a:effectRef idx="0">
+            <a:schemeClr val="accent1"/>
+          </a:effectRef>
+          <a:fontRef idx="minor">
+            <a:schemeClr val="tx1"/>
+          </a:fontRef>
+        </p:style>
+      </p:cxnSp>
+      <p:sp>
+        <p:nvSpPr>
+          <p:cNvPr id="37" name="TextBox 36"/>
+          <p:cNvSpPr txBox="1"/>
+          <p:nvPr/>
+        </p:nvSpPr>
+        <p:spPr>
+          <a:xfrm>
+            <a:off x="2609128" y="5026522"/>
+            <a:ext cx="829117" cy="276999"/>
+          </a:xfrm>
+          <a:prstGeom prst="rect">
+            <a:avLst/>
+          </a:prstGeom>
+          <a:noFill/>
+        </p:spPr>
+        <p:txBody>
+          <a:bodyPr wrap="square" rtlCol="0">
+            <a:spAutoFit/>
+          </a:bodyPr>
+          <a:lstStyle/>
+          <a:p>
+            <a:r>
+              <a:rPr lang="ko-KR" altLang="en-US" sz="1200" dirty="0" smtClean="0"/>
+              <a:t>중지해</a:t>
+            </a:r>
+            <a:endParaRPr lang="ko-KR" altLang="en-US" sz="1200" dirty="0"/>
+          </a:p>
+        </p:txBody>
+      </p:sp>
+      <p:sp>
+        <p:nvSpPr>
+          <p:cNvPr id="38" name="TextBox 37"/>
+          <p:cNvSpPr txBox="1"/>
+          <p:nvPr/>
+        </p:nvSpPr>
+        <p:spPr>
+          <a:xfrm>
+            <a:off x="4701137" y="5087647"/>
+            <a:ext cx="965175" cy="276999"/>
+          </a:xfrm>
+          <a:prstGeom prst="rect">
+            <a:avLst/>
+          </a:prstGeom>
+          <a:noFill/>
+        </p:spPr>
+        <p:txBody>
+          <a:bodyPr wrap="square" rtlCol="0">
+            <a:spAutoFit/>
+          </a:bodyPr>
+          <a:lstStyle/>
+          <a:p>
+            <a:r>
+              <a:rPr lang="ko-KR" altLang="en-US" sz="1200" dirty="0" smtClean="0"/>
+              <a:t>중지한데</a:t>
+            </a:r>
+            <a:endParaRPr lang="ko-KR" altLang="en-US" sz="1200" dirty="0"/>
+          </a:p>
+        </p:txBody>
+      </p:sp>
+      <p:cxnSp>
+        <p:nvCxnSpPr>
+          <p:cNvPr id="39" name="직선 화살표 연결선 38"/>
+          <p:cNvCxnSpPr/>
+          <p:nvPr/>
+        </p:nvCxnSpPr>
+        <p:spPr>
+          <a:xfrm>
+            <a:off x="7529424" y="4703843"/>
+            <a:ext cx="1115663" cy="0"/>
+          </a:xfrm>
+          <a:prstGeom prst="straightConnector1">
+            <a:avLst/>
+          </a:prstGeom>
+          <a:ln>
+            <a:tailEnd type="triangle"/>
+          </a:ln>
+        </p:spPr>
+        <p:style>
+          <a:lnRef idx="1">
+            <a:schemeClr val="accent1"/>
+          </a:lnRef>
+          <a:fillRef idx="0">
+            <a:schemeClr val="accent1"/>
+          </a:fillRef>
+          <a:effectRef idx="0">
+            <a:schemeClr val="accent1"/>
+          </a:effectRef>
+          <a:fontRef idx="minor">
+            <a:schemeClr val="tx1"/>
+          </a:fontRef>
+        </p:style>
+      </p:cxnSp>
+      <p:sp>
+        <p:nvSpPr>
+          <p:cNvPr id="40" name="TextBox 39"/>
+          <p:cNvSpPr txBox="1"/>
+          <p:nvPr/>
+        </p:nvSpPr>
+        <p:spPr>
+          <a:xfrm>
+            <a:off x="7462414" y="5063700"/>
+            <a:ext cx="1249681" cy="461665"/>
+          </a:xfrm>
+          <a:prstGeom prst="rect">
+            <a:avLst/>
+          </a:prstGeom>
+          <a:noFill/>
+        </p:spPr>
+        <p:txBody>
+          <a:bodyPr wrap="square" rtlCol="0">
+            <a:spAutoFit/>
+          </a:bodyPr>
+          <a:lstStyle/>
+          <a:p>
+            <a:r>
+              <a:rPr lang="ko-KR" altLang="en-US" sz="1200" dirty="0" smtClean="0"/>
+              <a:t>작업 끝났으니 기록해줘</a:t>
+            </a:r>
+            <a:endParaRPr lang="ko-KR" altLang="en-US" sz="1200" dirty="0"/>
+          </a:p>
+        </p:txBody>
+      </p:sp>
+      <p:sp>
+        <p:nvSpPr>
+          <p:cNvPr id="41" name="TextBox 40"/>
+          <p:cNvSpPr txBox="1"/>
+          <p:nvPr/>
+        </p:nvSpPr>
+        <p:spPr>
+          <a:xfrm>
+            <a:off x="6957434" y="4339640"/>
+            <a:ext cx="3095498" cy="276999"/>
+          </a:xfrm>
+          <a:prstGeom prst="rect">
+            <a:avLst/>
+          </a:prstGeom>
+          <a:noFill/>
+        </p:spPr>
+        <p:txBody>
+          <a:bodyPr wrap="square" rtlCol="0">
+            <a:spAutoFit/>
+          </a:bodyPr>
+          <a:lstStyle/>
+          <a:p>
+            <a:r>
+              <a:rPr lang="ko-KR" altLang="en-US" sz="1200" dirty="0" smtClean="0"/>
+              <a:t>작업 타입</a:t>
+            </a:r>
+            <a:r>
+              <a:rPr lang="en-US" altLang="ko-KR" sz="1200" dirty="0" smtClean="0"/>
+              <a:t>, </a:t>
+            </a:r>
+            <a:r>
+              <a:rPr lang="ko-KR" altLang="en-US" sz="1200" dirty="0" err="1" smtClean="0"/>
+              <a:t>회차</a:t>
+            </a:r>
+            <a:r>
+              <a:rPr lang="en-US" altLang="ko-KR" sz="1200" dirty="0" smtClean="0"/>
+              <a:t>, </a:t>
+            </a:r>
+            <a:r>
+              <a:rPr lang="ko-KR" altLang="en-US" sz="1200" dirty="0" smtClean="0"/>
+              <a:t>시작 </a:t>
+            </a:r>
+            <a:r>
+              <a:rPr lang="ko-KR" altLang="en-US" sz="1200" dirty="0" smtClean="0"/>
+              <a:t>시간</a:t>
+            </a:r>
+            <a:r>
+              <a:rPr lang="en-US" altLang="ko-KR" sz="1200" dirty="0" smtClean="0"/>
+              <a:t>, </a:t>
+            </a:r>
+            <a:r>
+              <a:rPr lang="ko-KR" altLang="en-US" sz="1200" dirty="0" smtClean="0"/>
+              <a:t>종료 </a:t>
+            </a:r>
+            <a:r>
+              <a:rPr lang="ko-KR" altLang="en-US" sz="1200" dirty="0" smtClean="0"/>
+              <a:t>시간</a:t>
+            </a:r>
+            <a:endParaRPr lang="ko-KR" altLang="en-US" sz="1200" dirty="0"/>
+          </a:p>
+        </p:txBody>
+      </p:sp>
+      <p:sp>
+        <p:nvSpPr>
+          <p:cNvPr id="42" name="TextBox 41"/>
+          <p:cNvSpPr txBox="1"/>
+          <p:nvPr/>
+        </p:nvSpPr>
+        <p:spPr>
+          <a:xfrm>
+            <a:off x="149800" y="4598089"/>
+            <a:ext cx="1257084" cy="369332"/>
+          </a:xfrm>
+          <a:prstGeom prst="rect">
+            <a:avLst/>
+          </a:prstGeom>
+          <a:noFill/>
+        </p:spPr>
+        <p:txBody>
+          <a:bodyPr wrap="square" rtlCol="0">
+            <a:spAutoFit/>
+          </a:bodyPr>
+          <a:lstStyle/>
+          <a:p>
+            <a:r>
+              <a:rPr lang="ko-KR" altLang="en-US" dirty="0" smtClean="0"/>
+              <a:t>중지</a:t>
+            </a:r>
+            <a:endParaRPr lang="ko-KR" altLang="en-US" dirty="0"/>
+          </a:p>
+        </p:txBody>
+      </p:sp>
+    </p:spTree>
+    <p:extLst>
+      <p:ext uri="{BB962C8B-B14F-4D97-AF65-F5344CB8AC3E}">
+        <p14:creationId xmlns:p14="http://schemas.microsoft.com/office/powerpoint/2010/main" val="3357608766"/>
+      </p:ext>
+    </p:extLst>
+  </p:cSld>
+  <p:clrMapOvr>
+    <a:masterClrMapping/>
+  </p:clrMapOvr>
+</p:sld>
+</file>
+
+<file path=ppt/slides/slide7.xml><?xml version="1.0" encoding="utf-8"?>
+<p:sld xmlns:a="http://schemas.openxmlformats.org/drawingml/2006/main" xmlns:r="http://schemas.openxmlformats.org/officeDocument/2006/relationships" xmlns:p="http://schemas.openxmlformats.org/presentationml/2006/main">
+  <p:cSld>
+    <p:spTree>
+      <p:nvGrpSpPr>
+        <p:cNvPr id="1" name=""/>
+        <p:cNvGrpSpPr/>
+        <p:nvPr/>
+      </p:nvGrpSpPr>
+      <p:grpSpPr>
+        <a:xfrm>
+          <a:off x="0" y="0"/>
+          <a:ext cx="0" cy="0"/>
+          <a:chOff x="0" y="0"/>
+          <a:chExt cx="0" cy="0"/>
+        </a:xfrm>
+      </p:grpSpPr>
+      <p:graphicFrame>
+        <p:nvGraphicFramePr>
+          <p:cNvPr id="4" name="Group 24"/>
+          <p:cNvGraphicFramePr>
+            <a:graphicFrameLocks noGrp="1"/>
+          </p:cNvGraphicFramePr>
+          <p:nvPr>
+            <p:extLst>
+              <p:ext uri="{D42A27DB-BD31-4B8C-83A1-F6EECF244321}">
+                <p14:modId xmlns:p14="http://schemas.microsoft.com/office/powerpoint/2010/main" val="3601734321"/>
+              </p:ext>
+            </p:extLst>
+          </p:nvPr>
+        </p:nvGraphicFramePr>
+        <p:xfrm>
+          <a:off x="1696819" y="1583507"/>
+          <a:ext cx="1600200" cy="2570728"/>
+        </p:xfrm>
+        <a:graphic>
+          <a:graphicData uri="http://schemas.openxmlformats.org/drawingml/2006/table">
+            <a:tbl>
+              <a:tblPr/>
+              <a:tblGrid>
+                <a:gridCol w="1600200">
+                  <a:extLst>
+                    <a:ext uri="{9D8B030D-6E8A-4147-A177-3AD203B41FA5}">
+                      <a16:colId xmlns:a16="http://schemas.microsoft.com/office/drawing/2014/main" val="1446274974"/>
+                    </a:ext>
+                  </a:extLst>
+                </a:gridCol>
+              </a:tblGrid>
+              <a:tr h="485896">
+                <a:tc>
+                  <a:txBody>
+                    <a:bodyPr/>
+                    <a:lstStyle>
+                      <a:lvl1pPr algn="l">
+                        <a:spcBef>
+                          <a:spcPct val="20000"/>
+                        </a:spcBef>
+                        <a:buClr>
+                          <a:schemeClr val="folHlink"/>
+                        </a:buClr>
+                        <a:buSzPct val="60000"/>
+                        <a:buFont typeface="Wingdings" panose="05000000000000000000" pitchFamily="2" charset="2"/>
+                        <a:defRPr kumimoji="1" sz="2800">
+                          <a:solidFill>
+                            <a:schemeClr val="tx1"/>
+                          </a:solidFill>
+                          <a:latin typeface="굴림" panose="020B0600000101010101" pitchFamily="50" charset="-127"/>
+                          <a:ea typeface="굴림" panose="020B0600000101010101" pitchFamily="50" charset="-127"/>
+                        </a:defRPr>
+                      </a:lvl1pPr>
+                      <a:lvl2pPr algn="l">
+                        <a:spcBef>
+                          <a:spcPct val="20000"/>
+                        </a:spcBef>
+                        <a:buClr>
+                          <a:schemeClr val="hlink"/>
+                        </a:buClr>
+                        <a:buSzPct val="55000"/>
+                        <a:buFont typeface="Wingdings" panose="05000000000000000000" pitchFamily="2" charset="2"/>
+                        <a:defRPr kumimoji="1" sz="2400">
+                          <a:solidFill>
+                            <a:schemeClr val="tx1"/>
+                          </a:solidFill>
+                          <a:latin typeface="굴림" panose="020B0600000101010101" pitchFamily="50" charset="-127"/>
+                          <a:ea typeface="굴림" panose="020B0600000101010101" pitchFamily="50" charset="-127"/>
+                        </a:defRPr>
+                      </a:lvl2pPr>
+                      <a:lvl3pPr algn="l">
+                        <a:spcBef>
+                          <a:spcPct val="20000"/>
+                        </a:spcBef>
+                        <a:buClr>
+                          <a:schemeClr val="folHlink"/>
+                        </a:buClr>
+                        <a:buSzPct val="50000"/>
+                        <a:buFont typeface="Wingdings" panose="05000000000000000000" pitchFamily="2" charset="2"/>
+                        <a:defRPr kumimoji="1" sz="2000">
+                          <a:solidFill>
+                            <a:schemeClr val="tx1"/>
+                          </a:solidFill>
+                          <a:latin typeface="굴림" panose="020B0600000101010101" pitchFamily="50" charset="-127"/>
+                          <a:ea typeface="굴림" panose="020B0600000101010101" pitchFamily="50" charset="-127"/>
+                        </a:defRPr>
+                      </a:lvl3pPr>
+                      <a:lvl4pPr algn="l">
+                        <a:spcBef>
+                          <a:spcPct val="20000"/>
+                        </a:spcBef>
+                        <a:buClr>
+                          <a:schemeClr val="accent2"/>
+                        </a:buClr>
+                        <a:buSzPct val="55000"/>
+                        <a:buFont typeface="Wingdings" panose="05000000000000000000" pitchFamily="2" charset="2"/>
+                        <a:defRPr kumimoji="1">
+                          <a:solidFill>
+                            <a:schemeClr val="tx1"/>
+                          </a:solidFill>
+                          <a:latin typeface="굴림" panose="020B0600000101010101" pitchFamily="50" charset="-127"/>
+                          <a:ea typeface="굴림" panose="020B0600000101010101" pitchFamily="50" charset="-127"/>
+                        </a:defRPr>
+                      </a:lvl4pPr>
+                      <a:lvl5pPr algn="l">
+                        <a:spcBef>
+                          <a:spcPct val="20000"/>
+                        </a:spcBef>
+                        <a:buClr>
+                          <a:schemeClr val="accent1"/>
+                        </a:buClr>
+                        <a:buSzPct val="50000"/>
+                        <a:buFont typeface="Wingdings" panose="05000000000000000000" pitchFamily="2" charset="2"/>
+                        <a:defRPr kumimoji="1">
+                          <a:solidFill>
+                            <a:schemeClr val="tx1"/>
+                          </a:solidFill>
+                          <a:latin typeface="굴림" panose="020B0600000101010101" pitchFamily="50" charset="-127"/>
+                          <a:ea typeface="굴림" panose="020B0600000101010101" pitchFamily="50" charset="-127"/>
+                        </a:defRPr>
+                      </a:lvl5pPr>
+                      <a:lvl6pPr fontAlgn="base">
+                        <a:spcBef>
+                          <a:spcPct val="20000"/>
+                        </a:spcBef>
+                        <a:spcAft>
+                          <a:spcPct val="0"/>
+                        </a:spcAft>
+                        <a:buClr>
+                          <a:schemeClr val="accent1"/>
+                        </a:buClr>
+                        <a:buSzPct val="50000"/>
+                        <a:buFont typeface="Wingdings" panose="05000000000000000000" pitchFamily="2" charset="2"/>
+                        <a:defRPr kumimoji="1">
+                          <a:solidFill>
+                            <a:schemeClr val="tx1"/>
+                          </a:solidFill>
+                          <a:latin typeface="굴림" panose="020B0600000101010101" pitchFamily="50" charset="-127"/>
+                          <a:ea typeface="굴림" panose="020B0600000101010101" pitchFamily="50" charset="-127"/>
+                        </a:defRPr>
+                      </a:lvl6pPr>
+                      <a:lvl7pPr fontAlgn="base">
+                        <a:spcBef>
+                          <a:spcPct val="20000"/>
+                        </a:spcBef>
+                        <a:spcAft>
+                          <a:spcPct val="0"/>
+                        </a:spcAft>
+                        <a:buClr>
+                          <a:schemeClr val="accent1"/>
+                        </a:buClr>
+                        <a:buSzPct val="50000"/>
+                        <a:buFont typeface="Wingdings" panose="05000000000000000000" pitchFamily="2" charset="2"/>
+                        <a:defRPr kumimoji="1">
+                          <a:solidFill>
+                            <a:schemeClr val="tx1"/>
+                          </a:solidFill>
+                          <a:latin typeface="굴림" panose="020B0600000101010101" pitchFamily="50" charset="-127"/>
+                          <a:ea typeface="굴림" panose="020B0600000101010101" pitchFamily="50" charset="-127"/>
+                        </a:defRPr>
+                      </a:lvl7pPr>
+                      <a:lvl8pPr fontAlgn="base">
+                        <a:spcBef>
+                          <a:spcPct val="20000"/>
+                        </a:spcBef>
+                        <a:spcAft>
+                          <a:spcPct val="0"/>
+                        </a:spcAft>
+                        <a:buClr>
+                          <a:schemeClr val="accent1"/>
+                        </a:buClr>
+                        <a:buSzPct val="50000"/>
+                        <a:buFont typeface="Wingdings" panose="05000000000000000000" pitchFamily="2" charset="2"/>
+                        <a:defRPr kumimoji="1">
+                          <a:solidFill>
+                            <a:schemeClr val="tx1"/>
+                          </a:solidFill>
+                          <a:latin typeface="굴림" panose="020B0600000101010101" pitchFamily="50" charset="-127"/>
+                          <a:ea typeface="굴림" panose="020B0600000101010101" pitchFamily="50" charset="-127"/>
+                        </a:defRPr>
+                      </a:lvl8pPr>
+                      <a:lvl9pPr fontAlgn="base">
+                        <a:spcBef>
+                          <a:spcPct val="20000"/>
+                        </a:spcBef>
+                        <a:spcAft>
+                          <a:spcPct val="0"/>
+                        </a:spcAft>
+                        <a:buClr>
+                          <a:schemeClr val="accent1"/>
+                        </a:buClr>
+                        <a:buSzPct val="50000"/>
+                        <a:buFont typeface="Wingdings" panose="05000000000000000000" pitchFamily="2" charset="2"/>
+                        <a:defRPr kumimoji="1">
+                          <a:solidFill>
+                            <a:schemeClr val="tx1"/>
+                          </a:solidFill>
+                          <a:latin typeface="굴림" panose="020B0600000101010101" pitchFamily="50" charset="-127"/>
+                          <a:ea typeface="굴림" panose="020B0600000101010101" pitchFamily="50" charset="-127"/>
+                        </a:defRPr>
+                      </a:lvl9pPr>
+                    </a:lstStyle>
+                    <a:p>
+                      <a:pPr marL="0" marR="0" lvl="0" indent="0" algn="ctr" defTabSz="914400" rtl="0" eaLnBrk="1" fontAlgn="base" latinLnBrk="1" hangingPunct="1">
+                        <a:lnSpc>
+                          <a:spcPct val="100000"/>
+                        </a:lnSpc>
+                        <a:spcBef>
+                          <a:spcPct val="20000"/>
+                        </a:spcBef>
+                        <a:spcAft>
+                          <a:spcPct val="0"/>
+                        </a:spcAft>
+                        <a:buClr>
+                          <a:schemeClr val="folHlink"/>
+                        </a:buClr>
+                        <a:buSzPct val="60000"/>
+                        <a:buFont typeface="Wingdings" panose="05000000000000000000" pitchFamily="2" charset="2"/>
+                        <a:buNone/>
+                        <a:tabLst/>
+                      </a:pPr>
+                      <a:r>
+                        <a:rPr kumimoji="1" lang="ko-KR" altLang="en-US" sz="1400" b="0" i="0" u="none" strike="noStrike" cap="none" normalizeH="0" baseline="0" dirty="0" smtClean="0">
+                          <a:ln>
+                            <a:noFill/>
+                          </a:ln>
+                          <a:solidFill>
+                            <a:schemeClr val="hlink"/>
+                          </a:solidFill>
+                          <a:effectLst/>
+                          <a:latin typeface="굴림" panose="020B0600000101010101" pitchFamily="50" charset="-127"/>
+                          <a:ea typeface="굴림" panose="020B0600000101010101" pitchFamily="50" charset="-127"/>
+                        </a:rPr>
+                        <a:t> </a:t>
+                      </a:r>
+                      <a:r>
+                        <a:rPr kumimoji="1" lang="ko-KR" altLang="en-US" sz="1400" b="0" i="0" u="none" strike="noStrike" cap="none" normalizeH="0" baseline="0" dirty="0" smtClean="0">
+                          <a:ln>
+                            <a:noFill/>
+                          </a:ln>
+                          <a:solidFill>
+                            <a:schemeClr val="hlink"/>
+                          </a:solidFill>
+                          <a:effectLst/>
+                          <a:latin typeface="굴림" panose="020B0600000101010101" pitchFamily="50" charset="-127"/>
+                          <a:ea typeface="굴림" panose="020B0600000101010101" pitchFamily="50" charset="-127"/>
+                        </a:rPr>
+                        <a:t>설정 기능 목록</a:t>
+                      </a:r>
+                      <a:endParaRPr kumimoji="1" lang="en-US" altLang="ko-KR" sz="1400" b="0" i="0" u="none" strike="noStrike" cap="none" normalizeH="0" baseline="0" dirty="0" smtClean="0">
+                        <a:ln>
+                          <a:noFill/>
+                        </a:ln>
+                        <a:solidFill>
+                          <a:schemeClr val="hlink"/>
+                        </a:solidFill>
+                        <a:effectLst/>
+                        <a:latin typeface="굴림" panose="020B0600000101010101" pitchFamily="50" charset="-127"/>
+                        <a:ea typeface="굴림" panose="020B0600000101010101" pitchFamily="50" charset="-127"/>
+                      </a:endParaRPr>
+                    </a:p>
+                  </a:txBody>
+                  <a:tcPr horzOverflow="overflow">
+                    <a:lnL w="28575" cap="flat" cmpd="sng" algn="ctr">
+                      <a:solidFill>
+                        <a:schemeClr val="tx1"/>
+                      </a:solidFill>
+                      <a:prstDash val="solid"/>
+                      <a:miter lim="800000"/>
+                      <a:headEnd type="none" w="med" len="med"/>
+                      <a:tailEnd type="none" w="med" len="med"/>
+                    </a:lnL>
+                    <a:lnR w="28575" cap="flat" cmpd="sng" algn="ctr">
+                      <a:solidFill>
+                        <a:schemeClr val="tx1"/>
+                      </a:solidFill>
+                      <a:prstDash val="solid"/>
+                      <a:miter lim="800000"/>
+                      <a:headEnd type="none" w="med" len="med"/>
+                      <a:tailEnd type="none" w="med" len="med"/>
+                    </a:lnR>
+                    <a:lnT w="28575" cap="flat" cmpd="sng" algn="ctr">
+                      <a:solidFill>
+                        <a:schemeClr val="tx1"/>
+                      </a:solidFill>
+                      <a:prstDash val="solid"/>
+                      <a:miter lim="800000"/>
+                      <a:headEnd type="none" w="med" len="med"/>
+                      <a:tailEnd type="none" w="med" len="med"/>
+                    </a:lnT>
+                    <a:lnB w="12700" cap="flat" cmpd="sng" algn="ctr">
+                      <a:solidFill>
+                        <a:schemeClr val="tx1"/>
+                      </a:solidFill>
+                      <a:prstDash val="solid"/>
+                      <a:miter lim="800000"/>
+                      <a:headEnd type="none" w="med" len="med"/>
+                      <a:tailEnd type="none" w="med" len="med"/>
+                    </a:lnB>
+                    <a:lnTlToBr>
+                      <a:noFill/>
+                    </a:lnTlToBr>
+                    <a:lnBlToTr>
+                      <a:noFill/>
+                    </a:lnBlToTr>
+                    <a:noFill/>
+                  </a:tcPr>
+                </a:tc>
+                <a:extLst>
+                  <a:ext uri="{0D108BD9-81ED-4DB2-BD59-A6C34878D82A}">
+                    <a16:rowId xmlns:a16="http://schemas.microsoft.com/office/drawing/2014/main" val="3201092176"/>
+                  </a:ext>
+                </a:extLst>
+              </a:tr>
+              <a:tr h="119615">
+                <a:tc>
+                  <a:txBody>
+                    <a:bodyPr/>
+                    <a:lstStyle>
+                      <a:lvl1pPr algn="l">
+                        <a:spcBef>
+                          <a:spcPct val="20000"/>
+                        </a:spcBef>
+                        <a:buClr>
+                          <a:schemeClr val="folHlink"/>
+                        </a:buClr>
+                        <a:buSzPct val="60000"/>
+                        <a:buFont typeface="Wingdings" panose="05000000000000000000" pitchFamily="2" charset="2"/>
+                        <a:defRPr kumimoji="1" sz="2800">
+                          <a:solidFill>
+                            <a:schemeClr val="tx1"/>
+                          </a:solidFill>
+                          <a:latin typeface="굴림" panose="020B0600000101010101" pitchFamily="50" charset="-127"/>
+                          <a:ea typeface="굴림" panose="020B0600000101010101" pitchFamily="50" charset="-127"/>
+                        </a:defRPr>
+                      </a:lvl1pPr>
+                      <a:lvl2pPr algn="l">
+                        <a:spcBef>
+                          <a:spcPct val="20000"/>
+                        </a:spcBef>
+                        <a:buClr>
+                          <a:schemeClr val="hlink"/>
+                        </a:buClr>
+                        <a:buSzPct val="55000"/>
+                        <a:buFont typeface="Wingdings" panose="05000000000000000000" pitchFamily="2" charset="2"/>
+                        <a:defRPr kumimoji="1" sz="2400">
+                          <a:solidFill>
+                            <a:schemeClr val="tx1"/>
+                          </a:solidFill>
+                          <a:latin typeface="굴림" panose="020B0600000101010101" pitchFamily="50" charset="-127"/>
+                          <a:ea typeface="굴림" panose="020B0600000101010101" pitchFamily="50" charset="-127"/>
+                        </a:defRPr>
+                      </a:lvl2pPr>
+                      <a:lvl3pPr algn="l">
+                        <a:spcBef>
+                          <a:spcPct val="20000"/>
+                        </a:spcBef>
+                        <a:buClr>
+                          <a:schemeClr val="folHlink"/>
+                        </a:buClr>
+                        <a:buSzPct val="50000"/>
+                        <a:buFont typeface="Wingdings" panose="05000000000000000000" pitchFamily="2" charset="2"/>
+                        <a:defRPr kumimoji="1" sz="2000">
+                          <a:solidFill>
+                            <a:schemeClr val="tx1"/>
+                          </a:solidFill>
+                          <a:latin typeface="굴림" panose="020B0600000101010101" pitchFamily="50" charset="-127"/>
+                          <a:ea typeface="굴림" panose="020B0600000101010101" pitchFamily="50" charset="-127"/>
+                        </a:defRPr>
+                      </a:lvl3pPr>
+                      <a:lvl4pPr algn="l">
+                        <a:spcBef>
+                          <a:spcPct val="20000"/>
+                        </a:spcBef>
+                        <a:buClr>
+                          <a:schemeClr val="accent2"/>
+                        </a:buClr>
+                        <a:buSzPct val="55000"/>
+                        <a:buFont typeface="Wingdings" panose="05000000000000000000" pitchFamily="2" charset="2"/>
+                        <a:defRPr kumimoji="1">
+                          <a:solidFill>
+                            <a:schemeClr val="tx1"/>
+                          </a:solidFill>
+                          <a:latin typeface="굴림" panose="020B0600000101010101" pitchFamily="50" charset="-127"/>
+                          <a:ea typeface="굴림" panose="020B0600000101010101" pitchFamily="50" charset="-127"/>
+                        </a:defRPr>
+                      </a:lvl4pPr>
+                      <a:lvl5pPr algn="l">
+                        <a:spcBef>
+                          <a:spcPct val="20000"/>
+                        </a:spcBef>
+                        <a:buClr>
+                          <a:schemeClr val="accent1"/>
+                        </a:buClr>
+                        <a:buSzPct val="50000"/>
+                        <a:buFont typeface="Wingdings" panose="05000000000000000000" pitchFamily="2" charset="2"/>
+                        <a:defRPr kumimoji="1">
+                          <a:solidFill>
+                            <a:schemeClr val="tx1"/>
+                          </a:solidFill>
+                          <a:latin typeface="굴림" panose="020B0600000101010101" pitchFamily="50" charset="-127"/>
+                          <a:ea typeface="굴림" panose="020B0600000101010101" pitchFamily="50" charset="-127"/>
+                        </a:defRPr>
+                      </a:lvl5pPr>
+                      <a:lvl6pPr fontAlgn="base">
+                        <a:spcBef>
+                          <a:spcPct val="20000"/>
+                        </a:spcBef>
+                        <a:spcAft>
+                          <a:spcPct val="0"/>
+                        </a:spcAft>
+                        <a:buClr>
+                          <a:schemeClr val="accent1"/>
+                        </a:buClr>
+                        <a:buSzPct val="50000"/>
+                        <a:buFont typeface="Wingdings" panose="05000000000000000000" pitchFamily="2" charset="2"/>
+                        <a:defRPr kumimoji="1">
+                          <a:solidFill>
+                            <a:schemeClr val="tx1"/>
+                          </a:solidFill>
+                          <a:latin typeface="굴림" panose="020B0600000101010101" pitchFamily="50" charset="-127"/>
+                          <a:ea typeface="굴림" panose="020B0600000101010101" pitchFamily="50" charset="-127"/>
+                        </a:defRPr>
+                      </a:lvl6pPr>
+                      <a:lvl7pPr fontAlgn="base">
+                        <a:spcBef>
+                          <a:spcPct val="20000"/>
+                        </a:spcBef>
+                        <a:spcAft>
+                          <a:spcPct val="0"/>
+                        </a:spcAft>
+                        <a:buClr>
+                          <a:schemeClr val="accent1"/>
+                        </a:buClr>
+                        <a:buSzPct val="50000"/>
+                        <a:buFont typeface="Wingdings" panose="05000000000000000000" pitchFamily="2" charset="2"/>
+                        <a:defRPr kumimoji="1">
+                          <a:solidFill>
+                            <a:schemeClr val="tx1"/>
+                          </a:solidFill>
+                          <a:latin typeface="굴림" panose="020B0600000101010101" pitchFamily="50" charset="-127"/>
+                          <a:ea typeface="굴림" panose="020B0600000101010101" pitchFamily="50" charset="-127"/>
+                        </a:defRPr>
+                      </a:lvl7pPr>
+                      <a:lvl8pPr fontAlgn="base">
+                        <a:spcBef>
+                          <a:spcPct val="20000"/>
+                        </a:spcBef>
+                        <a:spcAft>
+                          <a:spcPct val="0"/>
+                        </a:spcAft>
+                        <a:buClr>
+                          <a:schemeClr val="accent1"/>
+                        </a:buClr>
+                        <a:buSzPct val="50000"/>
+                        <a:buFont typeface="Wingdings" panose="05000000000000000000" pitchFamily="2" charset="2"/>
+                        <a:defRPr kumimoji="1">
+                          <a:solidFill>
+                            <a:schemeClr val="tx1"/>
+                          </a:solidFill>
+                          <a:latin typeface="굴림" panose="020B0600000101010101" pitchFamily="50" charset="-127"/>
+                          <a:ea typeface="굴림" panose="020B0600000101010101" pitchFamily="50" charset="-127"/>
+                        </a:defRPr>
+                      </a:lvl8pPr>
+                      <a:lvl9pPr fontAlgn="base">
+                        <a:spcBef>
+                          <a:spcPct val="20000"/>
+                        </a:spcBef>
+                        <a:spcAft>
+                          <a:spcPct val="0"/>
+                        </a:spcAft>
+                        <a:buClr>
+                          <a:schemeClr val="accent1"/>
+                        </a:buClr>
+                        <a:buSzPct val="50000"/>
+                        <a:buFont typeface="Wingdings" panose="05000000000000000000" pitchFamily="2" charset="2"/>
+                        <a:defRPr kumimoji="1">
+                          <a:solidFill>
+                            <a:schemeClr val="tx1"/>
+                          </a:solidFill>
+                          <a:latin typeface="굴림" panose="020B0600000101010101" pitchFamily="50" charset="-127"/>
+                          <a:ea typeface="굴림" panose="020B0600000101010101" pitchFamily="50" charset="-127"/>
+                        </a:defRPr>
+                      </a:lvl9pPr>
+                    </a:lstStyle>
+                    <a:p>
+                      <a:pPr marL="0" marR="0" lvl="0" indent="0" algn="l" defTabSz="914400" rtl="0" eaLnBrk="1" fontAlgn="base" latinLnBrk="1" hangingPunct="1">
+                        <a:lnSpc>
+                          <a:spcPct val="100000"/>
+                        </a:lnSpc>
+                        <a:spcBef>
+                          <a:spcPct val="20000"/>
+                        </a:spcBef>
+                        <a:spcAft>
+                          <a:spcPct val="0"/>
+                        </a:spcAft>
+                        <a:buClr>
+                          <a:schemeClr val="folHlink"/>
+                        </a:buClr>
+                        <a:buSzPct val="60000"/>
+                        <a:buFont typeface="Wingdings" panose="05000000000000000000" pitchFamily="2" charset="2"/>
+                        <a:buNone/>
+                        <a:tabLst/>
+                      </a:pPr>
+                      <a:endParaRPr kumimoji="1" lang="ko-KR" altLang="ko-KR" sz="1200" b="0" i="0" u="none" strike="noStrike" cap="none" normalizeH="0" baseline="0" dirty="0" smtClean="0">
+                        <a:ln>
+                          <a:noFill/>
+                        </a:ln>
+                        <a:solidFill>
+                          <a:schemeClr val="tx1"/>
+                        </a:solidFill>
+                        <a:effectLst/>
+                        <a:latin typeface="굴림" panose="020B0600000101010101" pitchFamily="50" charset="-127"/>
+                        <a:ea typeface="굴림" panose="020B0600000101010101" pitchFamily="50" charset="-127"/>
+                      </a:endParaRPr>
+                    </a:p>
+                  </a:txBody>
+                  <a:tcPr horzOverflow="overflow">
+                    <a:lnL w="28575" cap="flat" cmpd="sng" algn="ctr">
+                      <a:solidFill>
+                        <a:schemeClr val="tx1"/>
+                      </a:solidFill>
+                      <a:prstDash val="solid"/>
+                      <a:miter lim="800000"/>
+                      <a:headEnd type="none" w="med" len="med"/>
+                      <a:tailEnd type="none" w="med" len="med"/>
+                    </a:lnL>
+                    <a:lnR w="28575" cap="flat" cmpd="sng" algn="ctr">
+                      <a:solidFill>
+                        <a:schemeClr val="tx1"/>
+                      </a:solidFill>
+                      <a:prstDash val="solid"/>
+                      <a:miter lim="800000"/>
+                      <a:headEnd type="none" w="med" len="med"/>
+                      <a:tailEnd type="none" w="med" len="med"/>
+                    </a:lnR>
+                    <a:lnT w="12700" cap="flat" cmpd="sng" algn="ctr">
+                      <a:solidFill>
+                        <a:schemeClr val="tx1"/>
+                      </a:solidFill>
+                      <a:prstDash val="solid"/>
+                      <a:miter lim="800000"/>
+                      <a:headEnd type="none" w="med" len="med"/>
+                      <a:tailEnd type="none" w="med" len="med"/>
+                    </a:lnT>
+                    <a:lnB w="12700" cap="flat" cmpd="sng" algn="ctr">
+                      <a:solidFill>
+                        <a:schemeClr val="tx1"/>
+                      </a:solidFill>
+                      <a:prstDash val="solid"/>
+                      <a:miter lim="800000"/>
+                      <a:headEnd type="none" w="med" len="med"/>
+                      <a:tailEnd type="none" w="med" len="med"/>
+                    </a:lnB>
+                    <a:lnTlToBr>
+                      <a:noFill/>
+                    </a:lnTlToBr>
+                    <a:lnBlToTr>
+                      <a:noFill/>
+                    </a:lnBlToTr>
+                    <a:noFill/>
+                  </a:tcPr>
+                </a:tc>
+                <a:extLst>
+                  <a:ext uri="{0D108BD9-81ED-4DB2-BD59-A6C34878D82A}">
+                    <a16:rowId xmlns:a16="http://schemas.microsoft.com/office/drawing/2014/main" val="4144718072"/>
+                  </a:ext>
+                </a:extLst>
+              </a:tr>
+              <a:tr h="458496">
+                <a:tc>
+                  <a:txBody>
+                    <a:bodyPr/>
+                    <a:lstStyle>
+                      <a:lvl1pPr algn="l">
+                        <a:spcBef>
+                          <a:spcPct val="20000"/>
+                        </a:spcBef>
+                        <a:buClr>
+                          <a:schemeClr val="folHlink"/>
+                        </a:buClr>
+                        <a:buSzPct val="60000"/>
+                        <a:buFont typeface="Wingdings" panose="05000000000000000000" pitchFamily="2" charset="2"/>
+                        <a:defRPr kumimoji="1" sz="2800">
+                          <a:solidFill>
+                            <a:schemeClr val="tx1"/>
+                          </a:solidFill>
+                          <a:latin typeface="굴림" panose="020B0600000101010101" pitchFamily="50" charset="-127"/>
+                          <a:ea typeface="굴림" panose="020B0600000101010101" pitchFamily="50" charset="-127"/>
+                        </a:defRPr>
+                      </a:lvl1pPr>
+                      <a:lvl2pPr algn="l">
+                        <a:spcBef>
+                          <a:spcPct val="20000"/>
+                        </a:spcBef>
+                        <a:buClr>
+                          <a:schemeClr val="hlink"/>
+                        </a:buClr>
+                        <a:buSzPct val="55000"/>
+                        <a:buFont typeface="Wingdings" panose="05000000000000000000" pitchFamily="2" charset="2"/>
+                        <a:defRPr kumimoji="1" sz="2400">
+                          <a:solidFill>
+                            <a:schemeClr val="tx1"/>
+                          </a:solidFill>
+                          <a:latin typeface="굴림" panose="020B0600000101010101" pitchFamily="50" charset="-127"/>
+                          <a:ea typeface="굴림" panose="020B0600000101010101" pitchFamily="50" charset="-127"/>
+                        </a:defRPr>
+                      </a:lvl2pPr>
+                      <a:lvl3pPr algn="l">
+                        <a:spcBef>
+                          <a:spcPct val="20000"/>
+                        </a:spcBef>
+                        <a:buClr>
+                          <a:schemeClr val="folHlink"/>
+                        </a:buClr>
+                        <a:buSzPct val="50000"/>
+                        <a:buFont typeface="Wingdings" panose="05000000000000000000" pitchFamily="2" charset="2"/>
+                        <a:defRPr kumimoji="1" sz="2000">
+                          <a:solidFill>
+                            <a:schemeClr val="tx1"/>
+                          </a:solidFill>
+                          <a:latin typeface="굴림" panose="020B0600000101010101" pitchFamily="50" charset="-127"/>
+                          <a:ea typeface="굴림" panose="020B0600000101010101" pitchFamily="50" charset="-127"/>
+                        </a:defRPr>
+                      </a:lvl3pPr>
+                      <a:lvl4pPr algn="l">
+                        <a:spcBef>
+                          <a:spcPct val="20000"/>
+                        </a:spcBef>
+                        <a:buClr>
+                          <a:schemeClr val="accent2"/>
+                        </a:buClr>
+                        <a:buSzPct val="55000"/>
+                        <a:buFont typeface="Wingdings" panose="05000000000000000000" pitchFamily="2" charset="2"/>
+                        <a:defRPr kumimoji="1">
+                          <a:solidFill>
+                            <a:schemeClr val="tx1"/>
+                          </a:solidFill>
+                          <a:latin typeface="굴림" panose="020B0600000101010101" pitchFamily="50" charset="-127"/>
+                          <a:ea typeface="굴림" panose="020B0600000101010101" pitchFamily="50" charset="-127"/>
+                        </a:defRPr>
+                      </a:lvl4pPr>
+                      <a:lvl5pPr algn="l">
+                        <a:spcBef>
+                          <a:spcPct val="20000"/>
+                        </a:spcBef>
+                        <a:buClr>
+                          <a:schemeClr val="accent1"/>
+                        </a:buClr>
+                        <a:buSzPct val="50000"/>
+                        <a:buFont typeface="Wingdings" panose="05000000000000000000" pitchFamily="2" charset="2"/>
+                        <a:defRPr kumimoji="1">
+                          <a:solidFill>
+                            <a:schemeClr val="tx1"/>
+                          </a:solidFill>
+                          <a:latin typeface="굴림" panose="020B0600000101010101" pitchFamily="50" charset="-127"/>
+                          <a:ea typeface="굴림" panose="020B0600000101010101" pitchFamily="50" charset="-127"/>
+                        </a:defRPr>
+                      </a:lvl5pPr>
+                      <a:lvl6pPr fontAlgn="base">
+                        <a:spcBef>
+                          <a:spcPct val="20000"/>
+                        </a:spcBef>
+                        <a:spcAft>
+                          <a:spcPct val="0"/>
+                        </a:spcAft>
+                        <a:buClr>
+                          <a:schemeClr val="accent1"/>
+                        </a:buClr>
+                        <a:buSzPct val="50000"/>
+                        <a:buFont typeface="Wingdings" panose="05000000000000000000" pitchFamily="2" charset="2"/>
+                        <a:defRPr kumimoji="1">
+                          <a:solidFill>
+                            <a:schemeClr val="tx1"/>
+                          </a:solidFill>
+                          <a:latin typeface="굴림" panose="020B0600000101010101" pitchFamily="50" charset="-127"/>
+                          <a:ea typeface="굴림" panose="020B0600000101010101" pitchFamily="50" charset="-127"/>
+                        </a:defRPr>
+                      </a:lvl6pPr>
+                      <a:lvl7pPr fontAlgn="base">
+                        <a:spcBef>
+                          <a:spcPct val="20000"/>
+                        </a:spcBef>
+                        <a:spcAft>
+                          <a:spcPct val="0"/>
+                        </a:spcAft>
+                        <a:buClr>
+                          <a:schemeClr val="accent1"/>
+                        </a:buClr>
+                        <a:buSzPct val="50000"/>
+                        <a:buFont typeface="Wingdings" panose="05000000000000000000" pitchFamily="2" charset="2"/>
+                        <a:defRPr kumimoji="1">
+                          <a:solidFill>
+                            <a:schemeClr val="tx1"/>
+                          </a:solidFill>
+                          <a:latin typeface="굴림" panose="020B0600000101010101" pitchFamily="50" charset="-127"/>
+                          <a:ea typeface="굴림" panose="020B0600000101010101" pitchFamily="50" charset="-127"/>
+                        </a:defRPr>
+                      </a:lvl7pPr>
+                      <a:lvl8pPr fontAlgn="base">
+                        <a:spcBef>
+                          <a:spcPct val="20000"/>
+                        </a:spcBef>
+                        <a:spcAft>
+                          <a:spcPct val="0"/>
+                        </a:spcAft>
+                        <a:buClr>
+                          <a:schemeClr val="accent1"/>
+                        </a:buClr>
+                        <a:buSzPct val="50000"/>
+                        <a:buFont typeface="Wingdings" panose="05000000000000000000" pitchFamily="2" charset="2"/>
+                        <a:defRPr kumimoji="1">
+                          <a:solidFill>
+                            <a:schemeClr val="tx1"/>
+                          </a:solidFill>
+                          <a:latin typeface="굴림" panose="020B0600000101010101" pitchFamily="50" charset="-127"/>
+                          <a:ea typeface="굴림" panose="020B0600000101010101" pitchFamily="50" charset="-127"/>
+                        </a:defRPr>
+                      </a:lvl8pPr>
+                      <a:lvl9pPr fontAlgn="base">
+                        <a:spcBef>
+                          <a:spcPct val="20000"/>
+                        </a:spcBef>
+                        <a:spcAft>
+                          <a:spcPct val="0"/>
+                        </a:spcAft>
+                        <a:buClr>
+                          <a:schemeClr val="accent1"/>
+                        </a:buClr>
+                        <a:buSzPct val="50000"/>
+                        <a:buFont typeface="Wingdings" panose="05000000000000000000" pitchFamily="2" charset="2"/>
+                        <a:defRPr kumimoji="1">
+                          <a:solidFill>
+                            <a:schemeClr val="tx1"/>
+                          </a:solidFill>
+                          <a:latin typeface="굴림" panose="020B0600000101010101" pitchFamily="50" charset="-127"/>
+                          <a:ea typeface="굴림" panose="020B0600000101010101" pitchFamily="50" charset="-127"/>
+                        </a:defRPr>
+                      </a:lvl9pPr>
+                    </a:lstStyle>
+                    <a:p>
+                      <a:pPr marL="0" marR="0" lvl="0" indent="0" algn="l" defTabSz="914400" rtl="0" eaLnBrk="1" fontAlgn="base" latinLnBrk="1" hangingPunct="1">
+                        <a:lnSpc>
+                          <a:spcPct val="100000"/>
+                        </a:lnSpc>
+                        <a:spcBef>
+                          <a:spcPct val="20000"/>
+                        </a:spcBef>
+                        <a:spcAft>
+                          <a:spcPct val="0"/>
+                        </a:spcAft>
+                        <a:buClr>
+                          <a:schemeClr val="folHlink"/>
+                        </a:buClr>
+                        <a:buSzPct val="60000"/>
+                        <a:buFont typeface="Wingdings" panose="05000000000000000000" pitchFamily="2" charset="2"/>
+                        <a:buNone/>
+                        <a:tabLst/>
+                      </a:pPr>
+                      <a:r>
+                        <a:rPr kumimoji="1" lang="ko-KR" altLang="en-US" sz="1200" b="0" i="0" u="none" strike="noStrike" cap="none" normalizeH="0" baseline="0" dirty="0" smtClean="0">
+                          <a:ln>
+                            <a:noFill/>
+                          </a:ln>
+                          <a:solidFill>
+                            <a:schemeClr val="tx1"/>
+                          </a:solidFill>
+                          <a:effectLst/>
+                          <a:latin typeface="굴림" panose="020B0600000101010101" pitchFamily="50" charset="-127"/>
+                          <a:ea typeface="굴림" panose="020B0600000101010101" pitchFamily="50" charset="-127"/>
+                        </a:rPr>
+                        <a:t>작업 시간</a:t>
+                      </a:r>
+                      <a:endParaRPr kumimoji="1" lang="en-US" altLang="ko-KR" sz="1200" b="0" i="0" u="none" strike="noStrike" cap="none" normalizeH="0" baseline="0" dirty="0" smtClean="0">
+                        <a:ln>
+                          <a:noFill/>
+                        </a:ln>
+                        <a:solidFill>
+                          <a:schemeClr val="tx1"/>
+                        </a:solidFill>
+                        <a:effectLst/>
+                        <a:latin typeface="굴림" panose="020B0600000101010101" pitchFamily="50" charset="-127"/>
+                        <a:ea typeface="굴림" panose="020B0600000101010101" pitchFamily="50" charset="-127"/>
+                      </a:endParaRPr>
+                    </a:p>
+                    <a:p>
+                      <a:pPr marL="0" marR="0" lvl="0" indent="0" algn="l" defTabSz="914400" rtl="0" eaLnBrk="1" fontAlgn="base" latinLnBrk="1" hangingPunct="1">
+                        <a:lnSpc>
+                          <a:spcPct val="100000"/>
+                        </a:lnSpc>
+                        <a:spcBef>
+                          <a:spcPct val="20000"/>
+                        </a:spcBef>
+                        <a:spcAft>
+                          <a:spcPct val="0"/>
+                        </a:spcAft>
+                        <a:buClr>
+                          <a:schemeClr val="folHlink"/>
+                        </a:buClr>
+                        <a:buSzPct val="60000"/>
+                        <a:buFont typeface="Wingdings" panose="05000000000000000000" pitchFamily="2" charset="2"/>
+                        <a:buNone/>
+                        <a:tabLst/>
+                      </a:pPr>
+                      <a:r>
+                        <a:rPr kumimoji="1" lang="ko-KR" altLang="en-US" sz="1200" b="0" i="0" u="none" strike="noStrike" cap="none" normalizeH="0" baseline="0" dirty="0" smtClean="0">
+                          <a:ln>
+                            <a:noFill/>
+                          </a:ln>
+                          <a:solidFill>
+                            <a:schemeClr val="tx1"/>
+                          </a:solidFill>
+                          <a:effectLst/>
+                          <a:latin typeface="굴림" panose="020B0600000101010101" pitchFamily="50" charset="-127"/>
+                          <a:ea typeface="굴림" panose="020B0600000101010101" pitchFamily="50" charset="-127"/>
+                        </a:rPr>
+                        <a:t>휴식 시간</a:t>
+                      </a:r>
+                      <a:endParaRPr kumimoji="1" lang="en-US" altLang="ko-KR" sz="1200" b="0" i="0" u="none" strike="noStrike" cap="none" normalizeH="0" baseline="0" dirty="0" smtClean="0">
+                        <a:ln>
+                          <a:noFill/>
+                        </a:ln>
+                        <a:solidFill>
+                          <a:schemeClr val="tx1"/>
+                        </a:solidFill>
+                        <a:effectLst/>
+                        <a:latin typeface="굴림" panose="020B0600000101010101" pitchFamily="50" charset="-127"/>
+                        <a:ea typeface="굴림" panose="020B0600000101010101" pitchFamily="50" charset="-127"/>
+                      </a:endParaRPr>
+                    </a:p>
+                    <a:p>
+                      <a:pPr marL="0" marR="0" lvl="0" indent="0" algn="l" defTabSz="914400" rtl="0" eaLnBrk="1" fontAlgn="base" latinLnBrk="1" hangingPunct="1">
+                        <a:lnSpc>
+                          <a:spcPct val="100000"/>
+                        </a:lnSpc>
+                        <a:spcBef>
+                          <a:spcPct val="20000"/>
+                        </a:spcBef>
+                        <a:spcAft>
+                          <a:spcPct val="0"/>
+                        </a:spcAft>
+                        <a:buClr>
+                          <a:schemeClr val="folHlink"/>
+                        </a:buClr>
+                        <a:buSzPct val="60000"/>
+                        <a:buFont typeface="Wingdings" panose="05000000000000000000" pitchFamily="2" charset="2"/>
+                        <a:buNone/>
+                        <a:tabLst/>
+                      </a:pPr>
+                      <a:r>
+                        <a:rPr kumimoji="1" lang="ko-KR" altLang="en-US" sz="1200" b="0" i="0" u="none" strike="noStrike" cap="none" normalizeH="0" baseline="0" dirty="0" smtClean="0">
+                          <a:ln>
+                            <a:noFill/>
+                          </a:ln>
+                          <a:solidFill>
+                            <a:schemeClr val="tx1"/>
+                          </a:solidFill>
+                          <a:effectLst/>
+                          <a:latin typeface="굴림" panose="020B0600000101010101" pitchFamily="50" charset="-127"/>
+                          <a:ea typeface="굴림" panose="020B0600000101010101" pitchFamily="50" charset="-127"/>
+                        </a:rPr>
+                        <a:t>긴 휴식 시간</a:t>
+                      </a:r>
+                      <a:endParaRPr kumimoji="1" lang="en-US" altLang="ko-KR" sz="1200" b="0" i="0" u="none" strike="noStrike" cap="none" normalizeH="0" baseline="0" dirty="0" smtClean="0">
+                        <a:ln>
+                          <a:noFill/>
+                        </a:ln>
+                        <a:solidFill>
+                          <a:schemeClr val="tx1"/>
+                        </a:solidFill>
+                        <a:effectLst/>
+                        <a:latin typeface="굴림" panose="020B0600000101010101" pitchFamily="50" charset="-127"/>
+                        <a:ea typeface="굴림" panose="020B0600000101010101" pitchFamily="50" charset="-127"/>
+                      </a:endParaRPr>
+                    </a:p>
+                    <a:p>
+                      <a:pPr marL="0" marR="0" lvl="0" indent="0" algn="l" defTabSz="914400" rtl="0" eaLnBrk="1" fontAlgn="base" latinLnBrk="1" hangingPunct="1">
+                        <a:lnSpc>
+                          <a:spcPct val="100000"/>
+                        </a:lnSpc>
+                        <a:spcBef>
+                          <a:spcPct val="20000"/>
+                        </a:spcBef>
+                        <a:spcAft>
+                          <a:spcPct val="0"/>
+                        </a:spcAft>
+                        <a:buClr>
+                          <a:schemeClr val="folHlink"/>
+                        </a:buClr>
+                        <a:buSzPct val="60000"/>
+                        <a:buFont typeface="Wingdings" panose="05000000000000000000" pitchFamily="2" charset="2"/>
+                        <a:buNone/>
+                        <a:tabLst/>
+                      </a:pPr>
+                      <a:r>
+                        <a:rPr kumimoji="1" lang="ko-KR" altLang="en-US" sz="1200" b="0" i="0" u="none" strike="noStrike" cap="none" normalizeH="0" baseline="0" dirty="0" smtClean="0">
+                          <a:ln>
+                            <a:noFill/>
+                          </a:ln>
+                          <a:solidFill>
+                            <a:schemeClr val="tx1"/>
+                          </a:solidFill>
+                          <a:effectLst/>
+                          <a:latin typeface="굴림" panose="020B0600000101010101" pitchFamily="50" charset="-127"/>
+                          <a:ea typeface="굴림" panose="020B0600000101010101" pitchFamily="50" charset="-127"/>
+                        </a:rPr>
+                        <a:t>긴 휴식 전 </a:t>
+                      </a:r>
+                      <a:r>
+                        <a:rPr kumimoji="1" lang="ko-KR" altLang="en-US" sz="1200" b="0" i="0" u="none" strike="noStrike" cap="none" normalizeH="0" baseline="0" dirty="0" err="1" smtClean="0">
+                          <a:ln>
+                            <a:noFill/>
+                          </a:ln>
+                          <a:solidFill>
+                            <a:schemeClr val="tx1"/>
+                          </a:solidFill>
+                          <a:effectLst/>
+                          <a:latin typeface="굴림" panose="020B0600000101010101" pitchFamily="50" charset="-127"/>
+                          <a:ea typeface="굴림" panose="020B0600000101010101" pitchFamily="50" charset="-127"/>
+                        </a:rPr>
+                        <a:t>작업횟수</a:t>
+                      </a:r>
+                      <a:endParaRPr kumimoji="1" lang="en-US" altLang="ko-KR" sz="1200" b="0" i="0" u="none" strike="noStrike" cap="none" normalizeH="0" baseline="0" dirty="0" smtClean="0">
+                        <a:ln>
+                          <a:noFill/>
+                        </a:ln>
+                        <a:solidFill>
+                          <a:schemeClr val="tx1"/>
+                        </a:solidFill>
+                        <a:effectLst/>
+                        <a:latin typeface="굴림" panose="020B0600000101010101" pitchFamily="50" charset="-127"/>
+                        <a:ea typeface="굴림" panose="020B0600000101010101" pitchFamily="50" charset="-127"/>
+                      </a:endParaRPr>
+                    </a:p>
+                    <a:p>
+                      <a:pPr marL="0" marR="0" lvl="0" indent="0" algn="l" defTabSz="914400" rtl="0" eaLnBrk="1" fontAlgn="base" latinLnBrk="1" hangingPunct="1">
+                        <a:lnSpc>
+                          <a:spcPct val="100000"/>
+                        </a:lnSpc>
+                        <a:spcBef>
+                          <a:spcPct val="20000"/>
+                        </a:spcBef>
+                        <a:spcAft>
+                          <a:spcPct val="0"/>
+                        </a:spcAft>
+                        <a:buClr>
+                          <a:schemeClr val="folHlink"/>
+                        </a:buClr>
+                        <a:buSzPct val="60000"/>
+                        <a:buFont typeface="Wingdings" panose="05000000000000000000" pitchFamily="2" charset="2"/>
+                        <a:buNone/>
+                        <a:tabLst/>
+                      </a:pPr>
+                      <a:r>
+                        <a:rPr kumimoji="1" lang="ko-KR" altLang="en-US" sz="1200" b="0" i="0" u="none" strike="noStrike" cap="none" normalizeH="0" baseline="0" dirty="0" err="1" smtClean="0">
+                          <a:ln>
+                            <a:noFill/>
+                          </a:ln>
+                          <a:solidFill>
+                            <a:schemeClr val="tx1"/>
+                          </a:solidFill>
+                          <a:effectLst/>
+                          <a:latin typeface="굴림" panose="020B0600000101010101" pitchFamily="50" charset="-127"/>
+                          <a:ea typeface="굴림" panose="020B0600000101010101" pitchFamily="50" charset="-127"/>
+                        </a:rPr>
+                        <a:t>알람소리</a:t>
+                      </a:r>
+                      <a:r>
+                        <a:rPr kumimoji="1" lang="en-US" altLang="ko-KR" sz="1200" b="0" i="0" u="none" strike="noStrike" cap="none" normalizeH="0" baseline="0" dirty="0" smtClean="0">
+                          <a:ln>
+                            <a:noFill/>
+                          </a:ln>
+                          <a:solidFill>
+                            <a:schemeClr val="tx1"/>
+                          </a:solidFill>
+                          <a:effectLst/>
+                          <a:latin typeface="굴림" panose="020B0600000101010101" pitchFamily="50" charset="-127"/>
+                          <a:ea typeface="굴림" panose="020B0600000101010101" pitchFamily="50" charset="-127"/>
+                        </a:rPr>
+                        <a:t>,</a:t>
+                      </a:r>
+                    </a:p>
+                    <a:p>
+                      <a:pPr marL="0" marR="0" lvl="0" indent="0" algn="l" defTabSz="914400" rtl="0" eaLnBrk="1" fontAlgn="base" latinLnBrk="1" hangingPunct="1">
+                        <a:lnSpc>
+                          <a:spcPct val="100000"/>
+                        </a:lnSpc>
+                        <a:spcBef>
+                          <a:spcPct val="20000"/>
+                        </a:spcBef>
+                        <a:spcAft>
+                          <a:spcPct val="0"/>
+                        </a:spcAft>
+                        <a:buClr>
+                          <a:schemeClr val="folHlink"/>
+                        </a:buClr>
+                        <a:buSzPct val="60000"/>
+                        <a:buFont typeface="Wingdings" panose="05000000000000000000" pitchFamily="2" charset="2"/>
+                        <a:buNone/>
+                        <a:tabLst/>
+                      </a:pPr>
+                      <a:r>
+                        <a:rPr kumimoji="1" lang="ko-KR" altLang="en-US" sz="1200" b="0" i="0" u="none" strike="noStrike" cap="none" normalizeH="0" baseline="0" dirty="0" smtClean="0">
+                          <a:ln>
+                            <a:noFill/>
+                          </a:ln>
+                          <a:solidFill>
+                            <a:schemeClr val="tx1"/>
+                          </a:solidFill>
+                          <a:effectLst/>
+                          <a:latin typeface="굴림" panose="020B0600000101010101" pitchFamily="50" charset="-127"/>
+                          <a:ea typeface="굴림" panose="020B0600000101010101" pitchFamily="50" charset="-127"/>
+                        </a:rPr>
+                        <a:t>와이파이 </a:t>
+                      </a:r>
+                      <a:r>
+                        <a:rPr kumimoji="1" lang="ko-KR" altLang="en-US" sz="1200" b="0" i="0" u="none" strike="noStrike" cap="none" normalizeH="0" baseline="0" dirty="0" err="1" smtClean="0">
+                          <a:ln>
+                            <a:noFill/>
+                          </a:ln>
+                          <a:solidFill>
+                            <a:schemeClr val="tx1"/>
+                          </a:solidFill>
+                          <a:effectLst/>
+                          <a:latin typeface="굴림" panose="020B0600000101010101" pitchFamily="50" charset="-127"/>
+                          <a:ea typeface="굴림" panose="020B0600000101010101" pitchFamily="50" charset="-127"/>
+                        </a:rPr>
+                        <a:t>금지모드</a:t>
+                      </a:r>
+                      <a:endParaRPr kumimoji="1" lang="en-US" altLang="ko-KR" sz="1200" b="0" i="0" u="none" strike="noStrike" cap="none" normalizeH="0" baseline="0" dirty="0" smtClean="0">
+                        <a:ln>
+                          <a:noFill/>
+                        </a:ln>
+                        <a:solidFill>
+                          <a:schemeClr val="tx1"/>
+                        </a:solidFill>
+                        <a:effectLst/>
+                        <a:latin typeface="굴림" panose="020B0600000101010101" pitchFamily="50" charset="-127"/>
+                        <a:ea typeface="굴림" panose="020B0600000101010101" pitchFamily="50" charset="-127"/>
+                      </a:endParaRPr>
+                    </a:p>
+                    <a:p>
+                      <a:pPr marL="0" marR="0" lvl="0" indent="0" algn="l" defTabSz="914400" rtl="0" eaLnBrk="1" fontAlgn="base" latinLnBrk="1" hangingPunct="1">
+                        <a:lnSpc>
+                          <a:spcPct val="100000"/>
+                        </a:lnSpc>
+                        <a:spcBef>
+                          <a:spcPct val="20000"/>
+                        </a:spcBef>
+                        <a:spcAft>
+                          <a:spcPct val="0"/>
+                        </a:spcAft>
+                        <a:buClr>
+                          <a:schemeClr val="folHlink"/>
+                        </a:buClr>
+                        <a:buSzPct val="60000"/>
+                        <a:buFont typeface="Wingdings" panose="05000000000000000000" pitchFamily="2" charset="2"/>
+                        <a:buNone/>
+                        <a:tabLst/>
+                      </a:pPr>
+                      <a:r>
+                        <a:rPr kumimoji="1" lang="ko-KR" altLang="en-US" sz="1200" b="0" i="0" u="none" strike="noStrike" cap="none" normalizeH="0" baseline="0" dirty="0" err="1" smtClean="0">
+                          <a:ln>
+                            <a:noFill/>
+                          </a:ln>
+                          <a:solidFill>
+                            <a:schemeClr val="tx1"/>
+                          </a:solidFill>
+                          <a:effectLst/>
+                          <a:latin typeface="굴림" panose="020B0600000101010101" pitchFamily="50" charset="-127"/>
+                          <a:ea typeface="굴림" panose="020B0600000101010101" pitchFamily="50" charset="-127"/>
+                        </a:rPr>
+                        <a:t>알람시</a:t>
+                      </a:r>
+                      <a:r>
+                        <a:rPr kumimoji="1" lang="en-US" altLang="ko-KR" sz="1200" b="0" i="0" u="none" strike="noStrike" cap="none" normalizeH="0" baseline="0" dirty="0" smtClean="0">
+                          <a:ln>
+                            <a:noFill/>
+                          </a:ln>
+                          <a:solidFill>
+                            <a:schemeClr val="tx1"/>
+                          </a:solidFill>
+                          <a:effectLst/>
+                          <a:latin typeface="굴림" panose="020B0600000101010101" pitchFamily="50" charset="-127"/>
+                          <a:ea typeface="굴림" panose="020B0600000101010101" pitchFamily="50" charset="-127"/>
+                        </a:rPr>
+                        <a:t>, </a:t>
+                      </a:r>
+                      <a:r>
+                        <a:rPr kumimoji="1" lang="ko-KR" altLang="en-US" sz="1200" b="0" i="0" u="none" strike="noStrike" cap="none" normalizeH="0" baseline="0" dirty="0" smtClean="0">
+                          <a:ln>
+                            <a:noFill/>
+                          </a:ln>
+                          <a:solidFill>
+                            <a:schemeClr val="tx1"/>
+                          </a:solidFill>
+                          <a:effectLst/>
+                          <a:latin typeface="굴림" panose="020B0600000101010101" pitchFamily="50" charset="-127"/>
+                          <a:ea typeface="굴림" panose="020B0600000101010101" pitchFamily="50" charset="-127"/>
+                        </a:rPr>
+                        <a:t>화면 깜빡임</a:t>
+                      </a:r>
+                      <a:endParaRPr kumimoji="1" lang="en-US" altLang="ko-KR" sz="1200" b="0" i="0" u="none" strike="noStrike" cap="none" normalizeH="0" baseline="0" dirty="0" smtClean="0">
+                        <a:ln>
+                          <a:noFill/>
+                        </a:ln>
+                        <a:solidFill>
+                          <a:schemeClr val="tx1"/>
+                        </a:solidFill>
+                        <a:effectLst/>
+                        <a:latin typeface="굴림" panose="020B0600000101010101" pitchFamily="50" charset="-127"/>
+                        <a:ea typeface="굴림" panose="020B0600000101010101" pitchFamily="50" charset="-127"/>
+                      </a:endParaRPr>
+                    </a:p>
+                    <a:p>
+                      <a:pPr marL="0" marR="0" lvl="0" indent="0" algn="l" defTabSz="914400" rtl="0" eaLnBrk="1" fontAlgn="base" latinLnBrk="1" hangingPunct="1">
+                        <a:lnSpc>
+                          <a:spcPct val="100000"/>
+                        </a:lnSpc>
+                        <a:spcBef>
+                          <a:spcPct val="20000"/>
+                        </a:spcBef>
+                        <a:spcAft>
+                          <a:spcPct val="0"/>
+                        </a:spcAft>
+                        <a:buClr>
+                          <a:schemeClr val="folHlink"/>
+                        </a:buClr>
+                        <a:buSzPct val="60000"/>
+                        <a:buFont typeface="Wingdings" panose="05000000000000000000" pitchFamily="2" charset="2"/>
+                        <a:buNone/>
+                        <a:tabLst/>
+                      </a:pPr>
                       <a:endParaRPr kumimoji="1" lang="en-US" altLang="ko-KR" sz="1200" b="0" i="0" u="none" strike="noStrike" cap="none" normalizeH="0" baseline="0" dirty="0" smtClean="0">
                         <a:ln>
                           <a:noFill/>
@@ -8220,7 +14454,7 @@
                 </a:tc>
                 <a:extLst>
                   <a:ext uri="{0D108BD9-81ED-4DB2-BD59-A6C34878D82A}">
-                    <a16:rowId xmlns:a16="http://schemas.microsoft.com/office/drawing/2014/main" xmlns="" val="4133086007"/>
+                    <a16:rowId xmlns:a16="http://schemas.microsoft.com/office/drawing/2014/main" val="4133086007"/>
                   </a:ext>
                 </a:extLst>
               </a:tr>
@@ -8231,2124 +14465,7 @@
     </p:spTree>
     <p:extLst>
       <p:ext uri="{BB962C8B-B14F-4D97-AF65-F5344CB8AC3E}">
-        <p14:creationId xmlns:p14="http://schemas.microsoft.com/office/powerpoint/2010/main" val="4234949437"/>
-      </p:ext>
-    </p:extLst>
-  </p:cSld>
-  <p:clrMapOvr>
-    <a:masterClrMapping/>
-  </p:clrMapOvr>
-</p:sld>
-</file>
-
-<file path=ppt/slides/slide4.xml><?xml version="1.0" encoding="utf-8"?>
-<p:sld xmlns:a="http://schemas.openxmlformats.org/drawingml/2006/main" xmlns:r="http://schemas.openxmlformats.org/officeDocument/2006/relationships" xmlns:p="http://schemas.openxmlformats.org/presentationml/2006/main">
-  <p:cSld>
-    <p:spTree>
-      <p:nvGrpSpPr>
-        <p:cNvPr id="1" name=""/>
-        <p:cNvGrpSpPr/>
-        <p:nvPr/>
-      </p:nvGrpSpPr>
-      <p:grpSpPr>
-        <a:xfrm>
-          <a:off x="0" y="0"/>
-          <a:ext cx="0" cy="0"/>
-          <a:chOff x="0" y="0"/>
-          <a:chExt cx="0" cy="0"/>
-        </a:xfrm>
-      </p:grpSpPr>
-      <p:sp>
-        <p:nvSpPr>
-          <p:cNvPr id="4" name="직사각형 3"/>
-          <p:cNvSpPr/>
-          <p:nvPr/>
-        </p:nvSpPr>
-        <p:spPr>
-          <a:xfrm>
-            <a:off x="1154281" y="1621552"/>
-            <a:ext cx="748145" cy="581891"/>
-          </a:xfrm>
-          <a:prstGeom prst="rect">
-            <a:avLst/>
-          </a:prstGeom>
-        </p:spPr>
-        <p:style>
-          <a:lnRef idx="2">
-            <a:schemeClr val="accent1">
-              <a:shade val="50000"/>
-            </a:schemeClr>
-          </a:lnRef>
-          <a:fillRef idx="1">
-            <a:schemeClr val="accent1"/>
-          </a:fillRef>
-          <a:effectRef idx="0">
-            <a:schemeClr val="accent1"/>
-          </a:effectRef>
-          <a:fontRef idx="minor">
-            <a:schemeClr val="lt1"/>
-          </a:fontRef>
-        </p:style>
-        <p:txBody>
-          <a:bodyPr rtlCol="0" anchor="ctr"/>
-          <a:lstStyle/>
-          <a:p>
-            <a:pPr algn="ctr"/>
-            <a:r>
-              <a:rPr lang="en-US" altLang="ko-KR" dirty="0" smtClean="0"/>
-              <a:t>Main</a:t>
-            </a:r>
-            <a:endParaRPr lang="ko-KR" altLang="en-US" dirty="0"/>
-          </a:p>
-        </p:txBody>
-      </p:sp>
-      <p:sp>
-        <p:nvSpPr>
-          <p:cNvPr id="5" name="직사각형 4"/>
-          <p:cNvSpPr/>
-          <p:nvPr/>
-        </p:nvSpPr>
-        <p:spPr>
-          <a:xfrm>
-            <a:off x="3246318" y="1621552"/>
-            <a:ext cx="748145" cy="581891"/>
-          </a:xfrm>
-          <a:prstGeom prst="rect">
-            <a:avLst/>
-          </a:prstGeom>
-        </p:spPr>
-        <p:style>
-          <a:lnRef idx="2">
-            <a:schemeClr val="accent1">
-              <a:shade val="50000"/>
-            </a:schemeClr>
-          </a:lnRef>
-          <a:fillRef idx="1">
-            <a:schemeClr val="accent1"/>
-          </a:fillRef>
-          <a:effectRef idx="0">
-            <a:schemeClr val="accent1"/>
-          </a:effectRef>
-          <a:fontRef idx="minor">
-            <a:schemeClr val="lt1"/>
-          </a:fontRef>
-        </p:style>
-        <p:txBody>
-          <a:bodyPr rtlCol="0" anchor="ctr"/>
-          <a:lstStyle/>
-          <a:p>
-            <a:pPr algn="ctr"/>
-            <a:r>
-              <a:rPr lang="ko-KR" altLang="en-US" dirty="0" smtClean="0"/>
-              <a:t>카운터</a:t>
-            </a:r>
-            <a:endParaRPr lang="ko-KR" altLang="en-US" dirty="0"/>
-          </a:p>
-        </p:txBody>
-      </p:sp>
-      <p:cxnSp>
-        <p:nvCxnSpPr>
-          <p:cNvPr id="6" name="직선 화살표 연결선 5"/>
-          <p:cNvCxnSpPr>
-            <a:stCxn id="4" idx="3"/>
-            <a:endCxn id="5" idx="1"/>
-          </p:cNvCxnSpPr>
-          <p:nvPr/>
-        </p:nvCxnSpPr>
-        <p:spPr>
-          <a:xfrm>
-            <a:off x="1902426" y="1912498"/>
-            <a:ext cx="1343892" cy="0"/>
-          </a:xfrm>
-          <a:prstGeom prst="straightConnector1">
-            <a:avLst/>
-          </a:prstGeom>
-          <a:ln w="19050">
-            <a:solidFill>
-              <a:schemeClr val="tx1"/>
-            </a:solidFill>
-            <a:tailEnd type="triangle"/>
-          </a:ln>
-        </p:spPr>
-        <p:style>
-          <a:lnRef idx="1">
-            <a:schemeClr val="accent1"/>
-          </a:lnRef>
-          <a:fillRef idx="0">
-            <a:schemeClr val="accent1"/>
-          </a:fillRef>
-          <a:effectRef idx="0">
-            <a:schemeClr val="accent1"/>
-          </a:effectRef>
-          <a:fontRef idx="minor">
-            <a:schemeClr val="tx1"/>
-          </a:fontRef>
-        </p:style>
-      </p:cxnSp>
-      <p:sp>
-        <p:nvSpPr>
-          <p:cNvPr id="7" name="TextBox 6"/>
-          <p:cNvSpPr txBox="1"/>
-          <p:nvPr/>
-        </p:nvSpPr>
-        <p:spPr>
-          <a:xfrm>
-            <a:off x="1996637" y="2064943"/>
-            <a:ext cx="1187336" cy="276999"/>
-          </a:xfrm>
-          <a:prstGeom prst="rect">
-            <a:avLst/>
-          </a:prstGeom>
-          <a:noFill/>
-        </p:spPr>
-        <p:txBody>
-          <a:bodyPr wrap="square" rtlCol="0">
-            <a:spAutoFit/>
-          </a:bodyPr>
-          <a:lstStyle/>
-          <a:p>
-            <a:r>
-              <a:rPr lang="ko-KR" altLang="en-US" sz="1200" dirty="0" smtClean="0"/>
-              <a:t>시간을 재줘</a:t>
-            </a:r>
-            <a:r>
-              <a:rPr lang="en-US" altLang="ko-KR" sz="1200" dirty="0" smtClean="0"/>
-              <a:t>()</a:t>
-            </a:r>
-            <a:endParaRPr lang="ko-KR" altLang="en-US" sz="1200" dirty="0"/>
-          </a:p>
-        </p:txBody>
-      </p:sp>
-      <p:sp>
-        <p:nvSpPr>
-          <p:cNvPr id="34" name="제목 1"/>
-          <p:cNvSpPr>
-            <a:spLocks noGrp="1"/>
-          </p:cNvSpPr>
-          <p:nvPr>
-            <p:ph type="title"/>
-          </p:nvPr>
-        </p:nvSpPr>
-        <p:spPr>
-          <a:xfrm>
-            <a:off x="838200" y="365125"/>
-            <a:ext cx="10515600" cy="1325563"/>
-          </a:xfrm>
-        </p:spPr>
-        <p:txBody>
-          <a:bodyPr/>
-          <a:lstStyle/>
-          <a:p>
-            <a:r>
-              <a:rPr lang="ko-KR" altLang="en-US" dirty="0" smtClean="0"/>
-              <a:t>협력 찾기</a:t>
-            </a:r>
-            <a:endParaRPr lang="ko-KR" altLang="en-US" dirty="0"/>
-          </a:p>
-        </p:txBody>
-      </p:sp>
-      <p:sp>
-        <p:nvSpPr>
-          <p:cNvPr id="35" name="직사각형 34"/>
-          <p:cNvSpPr/>
-          <p:nvPr/>
-        </p:nvSpPr>
-        <p:spPr>
-          <a:xfrm>
-            <a:off x="5306490" y="1620318"/>
-            <a:ext cx="872834" cy="583125"/>
-          </a:xfrm>
-          <a:prstGeom prst="rect">
-            <a:avLst/>
-          </a:prstGeom>
-        </p:spPr>
-        <p:style>
-          <a:lnRef idx="2">
-            <a:schemeClr val="accent1">
-              <a:shade val="50000"/>
-            </a:schemeClr>
-          </a:lnRef>
-          <a:fillRef idx="1">
-            <a:schemeClr val="accent1"/>
-          </a:fillRef>
-          <a:effectRef idx="0">
-            <a:schemeClr val="accent1"/>
-          </a:effectRef>
-          <a:fontRef idx="minor">
-            <a:schemeClr val="lt1"/>
-          </a:fontRef>
-        </p:style>
-        <p:txBody>
-          <a:bodyPr rtlCol="0" anchor="ctr"/>
-          <a:lstStyle/>
-          <a:p>
-            <a:pPr algn="ctr"/>
-            <a:r>
-              <a:rPr lang="ko-KR" altLang="en-US" smtClean="0"/>
-              <a:t>시간관리자</a:t>
-            </a:r>
-            <a:endParaRPr lang="ko-KR" altLang="en-US" dirty="0"/>
-          </a:p>
-        </p:txBody>
-      </p:sp>
-      <p:cxnSp>
-        <p:nvCxnSpPr>
-          <p:cNvPr id="36" name="직선 화살표 연결선 35"/>
-          <p:cNvCxnSpPr>
-            <a:stCxn id="5" idx="3"/>
-            <a:endCxn id="35" idx="1"/>
-          </p:cNvCxnSpPr>
-          <p:nvPr/>
-        </p:nvCxnSpPr>
-        <p:spPr>
-          <a:xfrm flipV="1">
-            <a:off x="3994463" y="1911881"/>
-            <a:ext cx="1312027" cy="617"/>
-          </a:xfrm>
-          <a:prstGeom prst="straightConnector1">
-            <a:avLst/>
-          </a:prstGeom>
-          <a:ln w="19050">
-            <a:solidFill>
-              <a:schemeClr val="tx1"/>
-            </a:solidFill>
-            <a:tailEnd type="triangle"/>
-          </a:ln>
-        </p:spPr>
-        <p:style>
-          <a:lnRef idx="1">
-            <a:schemeClr val="accent1"/>
-          </a:lnRef>
-          <a:fillRef idx="0">
-            <a:schemeClr val="accent1"/>
-          </a:fillRef>
-          <a:effectRef idx="0">
-            <a:schemeClr val="accent1"/>
-          </a:effectRef>
-          <a:fontRef idx="minor">
-            <a:schemeClr val="tx1"/>
-          </a:fontRef>
-        </p:style>
-      </p:cxnSp>
-      <p:sp>
-        <p:nvSpPr>
-          <p:cNvPr id="37" name="TextBox 36"/>
-          <p:cNvSpPr txBox="1"/>
-          <p:nvPr/>
-        </p:nvSpPr>
-        <p:spPr>
-          <a:xfrm>
-            <a:off x="4056808" y="2063709"/>
-            <a:ext cx="1187336" cy="646331"/>
-          </a:xfrm>
-          <a:prstGeom prst="rect">
-            <a:avLst/>
-          </a:prstGeom>
-          <a:noFill/>
-        </p:spPr>
-        <p:txBody>
-          <a:bodyPr wrap="square" rtlCol="0">
-            <a:spAutoFit/>
-          </a:bodyPr>
-          <a:lstStyle/>
-          <a:p>
-            <a:r>
-              <a:rPr lang="ko-KR" altLang="en-US" sz="1200" dirty="0" smtClean="0"/>
-              <a:t>몇 초를 </a:t>
-            </a:r>
-            <a:r>
-              <a:rPr lang="ko-KR" altLang="en-US" sz="1200" dirty="0"/>
-              <a:t>세</a:t>
-            </a:r>
-            <a:r>
-              <a:rPr lang="ko-KR" altLang="en-US" sz="1200" dirty="0" smtClean="0"/>
-              <a:t>어야 </a:t>
-            </a:r>
-            <a:r>
-              <a:rPr lang="ko-KR" altLang="en-US" sz="1200" dirty="0" smtClean="0"/>
-              <a:t>하는 지 알려줘</a:t>
-            </a:r>
-            <a:r>
-              <a:rPr lang="en-US" altLang="ko-KR" sz="1200" dirty="0" smtClean="0"/>
-              <a:t>()</a:t>
-            </a:r>
-            <a:endParaRPr lang="ko-KR" altLang="en-US" sz="1200" dirty="0"/>
-          </a:p>
-        </p:txBody>
-      </p:sp>
-      <p:cxnSp>
-        <p:nvCxnSpPr>
-          <p:cNvPr id="38" name="직선 화살표 연결선 37"/>
-          <p:cNvCxnSpPr/>
-          <p:nvPr/>
-        </p:nvCxnSpPr>
-        <p:spPr>
-          <a:xfrm flipH="1">
-            <a:off x="4179390" y="1691373"/>
-            <a:ext cx="757382" cy="0"/>
-          </a:xfrm>
-          <a:prstGeom prst="straightConnector1">
-            <a:avLst/>
-          </a:prstGeom>
-          <a:ln>
-            <a:tailEnd type="triangle"/>
-          </a:ln>
-        </p:spPr>
-        <p:style>
-          <a:lnRef idx="1">
-            <a:schemeClr val="accent1"/>
-          </a:lnRef>
-          <a:fillRef idx="0">
-            <a:schemeClr val="accent1"/>
-          </a:fillRef>
-          <a:effectRef idx="0">
-            <a:schemeClr val="accent1"/>
-          </a:effectRef>
-          <a:fontRef idx="minor">
-            <a:schemeClr val="tx1"/>
-          </a:fontRef>
-        </p:style>
-      </p:cxnSp>
-      <p:sp>
-        <p:nvSpPr>
-          <p:cNvPr id="39" name="TextBox 38"/>
-          <p:cNvSpPr txBox="1"/>
-          <p:nvPr/>
-        </p:nvSpPr>
-        <p:spPr>
-          <a:xfrm>
-            <a:off x="3778957" y="1400335"/>
-            <a:ext cx="1760122" cy="276999"/>
-          </a:xfrm>
-          <a:prstGeom prst="rect">
-            <a:avLst/>
-          </a:prstGeom>
-          <a:noFill/>
-        </p:spPr>
-        <p:txBody>
-          <a:bodyPr wrap="square" rtlCol="0">
-            <a:spAutoFit/>
-          </a:bodyPr>
-          <a:lstStyle/>
-          <a:p>
-            <a:r>
-              <a:rPr lang="ko-KR" altLang="en-US" sz="1200" dirty="0"/>
-              <a:t>세</a:t>
-            </a:r>
-            <a:r>
-              <a:rPr lang="ko-KR" altLang="en-US" sz="1200" dirty="0" smtClean="0"/>
-              <a:t>어야 </a:t>
-            </a:r>
-            <a:r>
-              <a:rPr lang="ko-KR" altLang="en-US" sz="1200" dirty="0" smtClean="0"/>
-              <a:t>하는 초</a:t>
-            </a:r>
-            <a:r>
-              <a:rPr lang="en-US" altLang="ko-KR" sz="1200" dirty="0" smtClean="0"/>
-              <a:t>(</a:t>
-            </a:r>
-            <a:r>
-              <a:rPr lang="ko-KR" altLang="en-US" sz="1200" dirty="0" smtClean="0"/>
-              <a:t>일</a:t>
-            </a:r>
-            <a:r>
-              <a:rPr lang="en-US" altLang="ko-KR" sz="1200" dirty="0" smtClean="0"/>
-              <a:t>)</a:t>
-            </a:r>
-            <a:endParaRPr lang="ko-KR" altLang="en-US" sz="1200" dirty="0"/>
-          </a:p>
-        </p:txBody>
-      </p:sp>
-      <p:sp>
-        <p:nvSpPr>
-          <p:cNvPr id="45" name="직사각형 44"/>
-          <p:cNvSpPr/>
-          <p:nvPr/>
-        </p:nvSpPr>
-        <p:spPr>
-          <a:xfrm>
-            <a:off x="3254861" y="3455047"/>
-            <a:ext cx="748145" cy="581891"/>
-          </a:xfrm>
-          <a:prstGeom prst="rect">
-            <a:avLst/>
-          </a:prstGeom>
-        </p:spPr>
-        <p:style>
-          <a:lnRef idx="2">
-            <a:schemeClr val="accent1">
-              <a:shade val="50000"/>
-            </a:schemeClr>
-          </a:lnRef>
-          <a:fillRef idx="1">
-            <a:schemeClr val="accent1"/>
-          </a:fillRef>
-          <a:effectRef idx="0">
-            <a:schemeClr val="accent1"/>
-          </a:effectRef>
-          <a:fontRef idx="minor">
-            <a:schemeClr val="lt1"/>
-          </a:fontRef>
-        </p:style>
-        <p:txBody>
-          <a:bodyPr rtlCol="0" anchor="ctr"/>
-          <a:lstStyle/>
-          <a:p>
-            <a:pPr algn="ctr"/>
-            <a:r>
-              <a:rPr lang="ko-KR" altLang="en-US" dirty="0" smtClean="0"/>
-              <a:t>카운터</a:t>
-            </a:r>
-            <a:endParaRPr lang="ko-KR" altLang="en-US" dirty="0"/>
-          </a:p>
-        </p:txBody>
-      </p:sp>
-      <p:sp>
-        <p:nvSpPr>
-          <p:cNvPr id="46" name="직사각형 45"/>
-          <p:cNvSpPr/>
-          <p:nvPr/>
-        </p:nvSpPr>
-        <p:spPr>
-          <a:xfrm>
-            <a:off x="5315033" y="3453813"/>
-            <a:ext cx="872834" cy="583125"/>
-          </a:xfrm>
-          <a:prstGeom prst="rect">
-            <a:avLst/>
-          </a:prstGeom>
-        </p:spPr>
-        <p:style>
-          <a:lnRef idx="2">
-            <a:schemeClr val="accent1">
-              <a:shade val="50000"/>
-            </a:schemeClr>
-          </a:lnRef>
-          <a:fillRef idx="1">
-            <a:schemeClr val="accent1"/>
-          </a:fillRef>
-          <a:effectRef idx="0">
-            <a:schemeClr val="accent1"/>
-          </a:effectRef>
-          <a:fontRef idx="minor">
-            <a:schemeClr val="lt1"/>
-          </a:fontRef>
-        </p:style>
-        <p:txBody>
-          <a:bodyPr rtlCol="0" anchor="ctr"/>
-          <a:lstStyle/>
-          <a:p>
-            <a:pPr algn="ctr"/>
-            <a:r>
-              <a:rPr lang="ko-KR" altLang="en-US" smtClean="0"/>
-              <a:t>시간관리자</a:t>
-            </a:r>
-            <a:endParaRPr lang="ko-KR" altLang="en-US" dirty="0"/>
-          </a:p>
-        </p:txBody>
-      </p:sp>
-      <p:cxnSp>
-        <p:nvCxnSpPr>
-          <p:cNvPr id="47" name="직선 화살표 연결선 46"/>
-          <p:cNvCxnSpPr>
-            <a:stCxn id="45" idx="3"/>
-            <a:endCxn id="46" idx="1"/>
-          </p:cNvCxnSpPr>
-          <p:nvPr/>
-        </p:nvCxnSpPr>
-        <p:spPr>
-          <a:xfrm flipV="1">
-            <a:off x="4003006" y="3745376"/>
-            <a:ext cx="1312027" cy="617"/>
-          </a:xfrm>
-          <a:prstGeom prst="straightConnector1">
-            <a:avLst/>
-          </a:prstGeom>
-          <a:ln w="19050">
-            <a:solidFill>
-              <a:schemeClr val="tx1"/>
-            </a:solidFill>
-            <a:tailEnd type="triangle"/>
-          </a:ln>
-        </p:spPr>
-        <p:style>
-          <a:lnRef idx="1">
-            <a:schemeClr val="accent1"/>
-          </a:lnRef>
-          <a:fillRef idx="0">
-            <a:schemeClr val="accent1"/>
-          </a:fillRef>
-          <a:effectRef idx="0">
-            <a:schemeClr val="accent1"/>
-          </a:effectRef>
-          <a:fontRef idx="minor">
-            <a:schemeClr val="tx1"/>
-          </a:fontRef>
-        </p:style>
-      </p:cxnSp>
-      <p:sp>
-        <p:nvSpPr>
-          <p:cNvPr id="48" name="TextBox 47"/>
-          <p:cNvSpPr txBox="1"/>
-          <p:nvPr/>
-        </p:nvSpPr>
-        <p:spPr>
-          <a:xfrm>
-            <a:off x="4065350" y="3897204"/>
-            <a:ext cx="1249681" cy="276999"/>
-          </a:xfrm>
-          <a:prstGeom prst="rect">
-            <a:avLst/>
-          </a:prstGeom>
-          <a:noFill/>
-        </p:spPr>
-        <p:txBody>
-          <a:bodyPr wrap="square" rtlCol="0">
-            <a:spAutoFit/>
-          </a:bodyPr>
-          <a:lstStyle/>
-          <a:p>
-            <a:r>
-              <a:rPr lang="ko-KR" altLang="en-US" sz="1200" dirty="0" smtClean="0"/>
-              <a:t>시간 다 </a:t>
-            </a:r>
-            <a:r>
-              <a:rPr lang="ko-KR" altLang="en-US" sz="1200" dirty="0" smtClean="0"/>
-              <a:t>세었어</a:t>
-            </a:r>
-            <a:endParaRPr lang="ko-KR" altLang="en-US" sz="1200" dirty="0"/>
-          </a:p>
-        </p:txBody>
-      </p:sp>
-      <p:cxnSp>
-        <p:nvCxnSpPr>
-          <p:cNvPr id="49" name="직선 화살표 연결선 48"/>
-          <p:cNvCxnSpPr/>
-          <p:nvPr/>
-        </p:nvCxnSpPr>
-        <p:spPr>
-          <a:xfrm flipH="1">
-            <a:off x="4187933" y="3524868"/>
-            <a:ext cx="757382" cy="0"/>
-          </a:xfrm>
-          <a:prstGeom prst="straightConnector1">
-            <a:avLst/>
-          </a:prstGeom>
-          <a:ln>
-            <a:tailEnd type="triangle"/>
-          </a:ln>
-        </p:spPr>
-        <p:style>
-          <a:lnRef idx="1">
-            <a:schemeClr val="accent1"/>
-          </a:lnRef>
-          <a:fillRef idx="0">
-            <a:schemeClr val="accent1"/>
-          </a:fillRef>
-          <a:effectRef idx="0">
-            <a:schemeClr val="accent1"/>
-          </a:effectRef>
-          <a:fontRef idx="minor">
-            <a:schemeClr val="tx1"/>
-          </a:fontRef>
-        </p:style>
-      </p:cxnSp>
-      <p:sp>
-        <p:nvSpPr>
-          <p:cNvPr id="50" name="TextBox 49"/>
-          <p:cNvSpPr txBox="1"/>
-          <p:nvPr/>
-        </p:nvSpPr>
-        <p:spPr>
-          <a:xfrm>
-            <a:off x="3850384" y="3247776"/>
-            <a:ext cx="1705464" cy="276999"/>
-          </a:xfrm>
-          <a:prstGeom prst="rect">
-            <a:avLst/>
-          </a:prstGeom>
-          <a:noFill/>
-        </p:spPr>
-        <p:txBody>
-          <a:bodyPr wrap="square" rtlCol="0">
-            <a:spAutoFit/>
-          </a:bodyPr>
-          <a:lstStyle/>
-          <a:p>
-            <a:r>
-              <a:rPr lang="ko-KR" altLang="en-US" sz="1200" dirty="0" smtClean="0"/>
-              <a:t>세어야 하는 초</a:t>
-            </a:r>
-            <a:r>
-              <a:rPr lang="en-US" altLang="ko-KR" sz="1200" dirty="0" smtClean="0"/>
-              <a:t>(</a:t>
-            </a:r>
-            <a:r>
-              <a:rPr lang="ko-KR" altLang="en-US" sz="1200" dirty="0" smtClean="0"/>
-              <a:t>휴식</a:t>
-            </a:r>
-            <a:r>
-              <a:rPr lang="en-US" altLang="ko-KR" sz="1200" dirty="0" smtClean="0"/>
-              <a:t>)</a:t>
-            </a:r>
-            <a:endParaRPr lang="ko-KR" altLang="en-US" sz="1200" dirty="0"/>
-          </a:p>
-        </p:txBody>
-      </p:sp>
-      <p:sp>
-        <p:nvSpPr>
-          <p:cNvPr id="51" name="직사각형 50"/>
-          <p:cNvSpPr/>
-          <p:nvPr/>
-        </p:nvSpPr>
-        <p:spPr>
-          <a:xfrm>
-            <a:off x="7499894" y="3452295"/>
-            <a:ext cx="872834" cy="583125"/>
-          </a:xfrm>
-          <a:prstGeom prst="rect">
-            <a:avLst/>
-          </a:prstGeom>
-        </p:spPr>
-        <p:style>
-          <a:lnRef idx="2">
-            <a:schemeClr val="accent1">
-              <a:shade val="50000"/>
-            </a:schemeClr>
-          </a:lnRef>
-          <a:fillRef idx="1">
-            <a:schemeClr val="accent1"/>
-          </a:fillRef>
-          <a:effectRef idx="0">
-            <a:schemeClr val="accent1"/>
-          </a:effectRef>
-          <a:fontRef idx="minor">
-            <a:schemeClr val="lt1"/>
-          </a:fontRef>
-        </p:style>
-        <p:txBody>
-          <a:bodyPr rtlCol="0" anchor="ctr"/>
-          <a:lstStyle/>
-          <a:p>
-            <a:pPr algn="ctr"/>
-            <a:r>
-              <a:rPr lang="ko-KR" altLang="en-US" dirty="0" smtClean="0"/>
-              <a:t>통계관리자</a:t>
-            </a:r>
-            <a:endParaRPr lang="ko-KR" altLang="en-US" dirty="0"/>
-          </a:p>
-        </p:txBody>
-      </p:sp>
-      <p:cxnSp>
-        <p:nvCxnSpPr>
-          <p:cNvPr id="52" name="직선 화살표 연결선 51"/>
-          <p:cNvCxnSpPr>
-            <a:stCxn id="46" idx="3"/>
-            <a:endCxn id="51" idx="1"/>
-          </p:cNvCxnSpPr>
-          <p:nvPr/>
-        </p:nvCxnSpPr>
-        <p:spPr>
-          <a:xfrm flipV="1">
-            <a:off x="6187867" y="3743858"/>
-            <a:ext cx="1312027" cy="1518"/>
-          </a:xfrm>
-          <a:prstGeom prst="straightConnector1">
-            <a:avLst/>
-          </a:prstGeom>
-          <a:ln w="19050">
-            <a:solidFill>
-              <a:schemeClr val="tx1"/>
-            </a:solidFill>
-            <a:tailEnd type="triangle"/>
-          </a:ln>
-        </p:spPr>
-        <p:style>
-          <a:lnRef idx="1">
-            <a:schemeClr val="accent1"/>
-          </a:lnRef>
-          <a:fillRef idx="0">
-            <a:schemeClr val="accent1"/>
-          </a:fillRef>
-          <a:effectRef idx="0">
-            <a:schemeClr val="accent1"/>
-          </a:effectRef>
-          <a:fontRef idx="minor">
-            <a:schemeClr val="tx1"/>
-          </a:fontRef>
-        </p:style>
-      </p:cxnSp>
-      <p:sp>
-        <p:nvSpPr>
-          <p:cNvPr id="54" name="TextBox 53"/>
-          <p:cNvSpPr txBox="1"/>
-          <p:nvPr/>
-        </p:nvSpPr>
-        <p:spPr>
-          <a:xfrm>
-            <a:off x="6006268" y="3122852"/>
-            <a:ext cx="2437915" cy="276999"/>
-          </a:xfrm>
-          <a:prstGeom prst="rect">
-            <a:avLst/>
-          </a:prstGeom>
-          <a:noFill/>
-        </p:spPr>
-        <p:txBody>
-          <a:bodyPr wrap="square" rtlCol="0">
-            <a:spAutoFit/>
-          </a:bodyPr>
-          <a:lstStyle/>
-          <a:p>
-            <a:r>
-              <a:rPr lang="ko-KR" altLang="en-US" sz="1200" dirty="0" smtClean="0"/>
-              <a:t>작업 타입</a:t>
-            </a:r>
-            <a:r>
-              <a:rPr lang="en-US" altLang="ko-KR" sz="1200" dirty="0" smtClean="0"/>
-              <a:t>, </a:t>
-            </a:r>
-            <a:r>
-              <a:rPr lang="ko-KR" altLang="en-US" sz="1200" dirty="0" smtClean="0"/>
-              <a:t>시작 시간</a:t>
-            </a:r>
-            <a:r>
-              <a:rPr lang="en-US" altLang="ko-KR" sz="1200" dirty="0" smtClean="0"/>
-              <a:t>, </a:t>
-            </a:r>
-            <a:r>
-              <a:rPr lang="ko-KR" altLang="en-US" sz="1200" dirty="0" smtClean="0"/>
-              <a:t>종료시간</a:t>
-            </a:r>
-            <a:endParaRPr lang="ko-KR" altLang="en-US" sz="1200" dirty="0"/>
-          </a:p>
-        </p:txBody>
-      </p:sp>
-      <p:cxnSp>
-        <p:nvCxnSpPr>
-          <p:cNvPr id="56" name="직선 화살표 연결선 55"/>
-          <p:cNvCxnSpPr/>
-          <p:nvPr/>
-        </p:nvCxnSpPr>
-        <p:spPr>
-          <a:xfrm>
-            <a:off x="6461790" y="3536994"/>
-            <a:ext cx="706813" cy="0"/>
-          </a:xfrm>
-          <a:prstGeom prst="straightConnector1">
-            <a:avLst/>
-          </a:prstGeom>
-          <a:ln>
-            <a:tailEnd type="triangle"/>
-          </a:ln>
-        </p:spPr>
-        <p:style>
-          <a:lnRef idx="1">
-            <a:schemeClr val="accent1"/>
-          </a:lnRef>
-          <a:fillRef idx="0">
-            <a:schemeClr val="accent1"/>
-          </a:fillRef>
-          <a:effectRef idx="0">
-            <a:schemeClr val="accent1"/>
-          </a:effectRef>
-          <a:fontRef idx="minor">
-            <a:schemeClr val="tx1"/>
-          </a:fontRef>
-        </p:style>
-      </p:cxnSp>
-      <p:sp>
-        <p:nvSpPr>
-          <p:cNvPr id="58" name="TextBox 57"/>
-          <p:cNvSpPr txBox="1"/>
-          <p:nvPr/>
-        </p:nvSpPr>
-        <p:spPr>
-          <a:xfrm>
-            <a:off x="6250213" y="3896851"/>
-            <a:ext cx="1249681" cy="461665"/>
-          </a:xfrm>
-          <a:prstGeom prst="rect">
-            <a:avLst/>
-          </a:prstGeom>
-          <a:noFill/>
-        </p:spPr>
-        <p:txBody>
-          <a:bodyPr wrap="square" rtlCol="0">
-            <a:spAutoFit/>
-          </a:bodyPr>
-          <a:lstStyle/>
-          <a:p>
-            <a:r>
-              <a:rPr lang="ko-KR" altLang="en-US" sz="1200" dirty="0" smtClean="0"/>
-              <a:t>작업완료한거 기록해줘</a:t>
-            </a:r>
-            <a:r>
-              <a:rPr lang="en-US" altLang="ko-KR" sz="1200" dirty="0" smtClean="0"/>
-              <a:t>()</a:t>
-            </a:r>
-            <a:endParaRPr lang="ko-KR" altLang="en-US" sz="1200" dirty="0"/>
-          </a:p>
-        </p:txBody>
-      </p:sp>
-      <p:sp>
-        <p:nvSpPr>
-          <p:cNvPr id="53" name="직사각형 52"/>
-          <p:cNvSpPr/>
-          <p:nvPr/>
-        </p:nvSpPr>
-        <p:spPr>
-          <a:xfrm>
-            <a:off x="5313896" y="4963694"/>
-            <a:ext cx="872834" cy="583125"/>
-          </a:xfrm>
-          <a:prstGeom prst="rect">
-            <a:avLst/>
-          </a:prstGeom>
-        </p:spPr>
-        <p:style>
-          <a:lnRef idx="2">
-            <a:schemeClr val="accent1">
-              <a:shade val="50000"/>
-            </a:schemeClr>
-          </a:lnRef>
-          <a:fillRef idx="1">
-            <a:schemeClr val="accent1"/>
-          </a:fillRef>
-          <a:effectRef idx="0">
-            <a:schemeClr val="accent1"/>
-          </a:effectRef>
-          <a:fontRef idx="minor">
-            <a:schemeClr val="lt1"/>
-          </a:fontRef>
-        </p:style>
-        <p:txBody>
-          <a:bodyPr rtlCol="0" anchor="ctr"/>
-          <a:lstStyle/>
-          <a:p>
-            <a:pPr algn="ctr"/>
-            <a:r>
-              <a:rPr lang="ko-KR" altLang="en-US" dirty="0" err="1" smtClean="0"/>
-              <a:t>알람</a:t>
-            </a:r>
-            <a:endParaRPr lang="en-US" altLang="ko-KR" dirty="0" smtClean="0"/>
-          </a:p>
-          <a:p>
-            <a:pPr algn="ctr"/>
-            <a:r>
-              <a:rPr lang="ko-KR" altLang="en-US" dirty="0" smtClean="0"/>
-              <a:t>관리자</a:t>
-            </a:r>
-            <a:endParaRPr lang="ko-KR" altLang="en-US" dirty="0"/>
-          </a:p>
-        </p:txBody>
-      </p:sp>
-      <p:cxnSp>
-        <p:nvCxnSpPr>
-          <p:cNvPr id="55" name="직선 화살표 연결선 54"/>
-          <p:cNvCxnSpPr>
-            <a:stCxn id="46" idx="2"/>
-            <a:endCxn id="53" idx="0"/>
-          </p:cNvCxnSpPr>
-          <p:nvPr/>
-        </p:nvCxnSpPr>
-        <p:spPr>
-          <a:xfrm flipH="1">
-            <a:off x="5750313" y="4036938"/>
-            <a:ext cx="1137" cy="926756"/>
-          </a:xfrm>
-          <a:prstGeom prst="straightConnector1">
-            <a:avLst/>
-          </a:prstGeom>
-          <a:ln w="19050">
-            <a:solidFill>
-              <a:schemeClr val="tx1"/>
-            </a:solidFill>
-            <a:tailEnd type="triangle"/>
-          </a:ln>
-        </p:spPr>
-        <p:style>
-          <a:lnRef idx="1">
-            <a:schemeClr val="accent1"/>
-          </a:lnRef>
-          <a:fillRef idx="0">
-            <a:schemeClr val="accent1"/>
-          </a:fillRef>
-          <a:effectRef idx="0">
-            <a:schemeClr val="accent1"/>
-          </a:effectRef>
-          <a:fontRef idx="minor">
-            <a:schemeClr val="tx1"/>
-          </a:fontRef>
-        </p:style>
-      </p:cxnSp>
-      <p:sp>
-        <p:nvSpPr>
-          <p:cNvPr id="57" name="TextBox 56"/>
-          <p:cNvSpPr txBox="1"/>
-          <p:nvPr/>
-        </p:nvSpPr>
-        <p:spPr>
-          <a:xfrm>
-            <a:off x="4493226" y="4420303"/>
-            <a:ext cx="1249681" cy="461665"/>
-          </a:xfrm>
-          <a:prstGeom prst="rect">
-            <a:avLst/>
-          </a:prstGeom>
-          <a:noFill/>
-        </p:spPr>
-        <p:txBody>
-          <a:bodyPr wrap="square" rtlCol="0">
-            <a:spAutoFit/>
-          </a:bodyPr>
-          <a:lstStyle/>
-          <a:p>
-            <a:r>
-              <a:rPr lang="ko-KR" altLang="en-US" sz="1200" dirty="0" smtClean="0"/>
-              <a:t>시간 다 </a:t>
-            </a:r>
-            <a:r>
-              <a:rPr lang="ko-KR" altLang="en-US" sz="1200" dirty="0" smtClean="0"/>
-              <a:t>세었대</a:t>
-            </a:r>
-            <a:r>
-              <a:rPr lang="en-US" altLang="ko-KR" sz="1200" dirty="0" smtClean="0"/>
-              <a:t>, </a:t>
-            </a:r>
-            <a:r>
-              <a:rPr lang="ko-KR" altLang="en-US" sz="1200" dirty="0" smtClean="0"/>
-              <a:t>소리 좀 </a:t>
-            </a:r>
-            <a:r>
-              <a:rPr lang="ko-KR" altLang="en-US" sz="1200" dirty="0" smtClean="0"/>
-              <a:t>굽실</a:t>
-            </a:r>
-            <a:r>
-              <a:rPr lang="en-US" altLang="ko-KR" sz="1200" dirty="0" smtClean="0"/>
-              <a:t>()</a:t>
-            </a:r>
-            <a:endParaRPr lang="ko-KR" altLang="en-US" sz="1200" dirty="0"/>
-          </a:p>
-        </p:txBody>
-      </p:sp>
-      <p:pic>
-        <p:nvPicPr>
-          <p:cNvPr id="1026" name="Picture 2" descr="관련 이미지"/>
-          <p:cNvPicPr>
-            <a:picLocks noChangeAspect="1" noChangeArrowheads="1"/>
-          </p:cNvPicPr>
-          <p:nvPr/>
-        </p:nvPicPr>
-        <p:blipFill>
-          <a:blip r:embed="rId2">
-            <a:extLst>
-              <a:ext uri="{28A0092B-C50C-407E-A947-70E740481C1C}">
-                <a14:useLocalDpi xmlns:a14="http://schemas.microsoft.com/office/drawing/2010/main" val="0"/>
-              </a:ext>
-            </a:extLst>
-          </a:blip>
-          <a:srcRect/>
-          <a:stretch>
-            <a:fillRect/>
-          </a:stretch>
-        </p:blipFill>
-        <p:spPr bwMode="auto">
-          <a:xfrm>
-            <a:off x="6282250" y="4963694"/>
-            <a:ext cx="942975" cy="1038225"/>
-          </a:xfrm>
-          <a:prstGeom prst="rect">
-            <a:avLst/>
-          </a:prstGeom>
-          <a:noFill/>
-          <a:extLst>
-            <a:ext uri="{909E8E84-426E-40DD-AFC4-6F175D3DCCD1}">
-              <a14:hiddenFill xmlns:a14="http://schemas.microsoft.com/office/drawing/2010/main">
-                <a:solidFill>
-                  <a:srgbClr val="FFFFFF"/>
-                </a:solidFill>
-              </a14:hiddenFill>
-            </a:ext>
-          </a:extLst>
-        </p:spPr>
-      </p:pic>
-    </p:spTree>
-    <p:extLst>
-      <p:ext uri="{BB962C8B-B14F-4D97-AF65-F5344CB8AC3E}">
-        <p14:creationId xmlns:p14="http://schemas.microsoft.com/office/powerpoint/2010/main" val="3480114893"/>
-      </p:ext>
-    </p:extLst>
-  </p:cSld>
-  <p:clrMapOvr>
-    <a:masterClrMapping/>
-  </p:clrMapOvr>
-</p:sld>
-</file>
-
-<file path=ppt/slides/slide5.xml><?xml version="1.0" encoding="utf-8"?>
-<p:sld xmlns:a="http://schemas.openxmlformats.org/drawingml/2006/main" xmlns:r="http://schemas.openxmlformats.org/officeDocument/2006/relationships" xmlns:p="http://schemas.openxmlformats.org/presentationml/2006/main">
-  <p:cSld>
-    <p:spTree>
-      <p:nvGrpSpPr>
-        <p:cNvPr id="1" name=""/>
-        <p:cNvGrpSpPr/>
-        <p:nvPr/>
-      </p:nvGrpSpPr>
-      <p:grpSpPr>
-        <a:xfrm>
-          <a:off x="0" y="0"/>
-          <a:ext cx="0" cy="0"/>
-          <a:chOff x="0" y="0"/>
-          <a:chExt cx="0" cy="0"/>
-        </a:xfrm>
-      </p:grpSpPr>
-      <p:sp>
-        <p:nvSpPr>
-          <p:cNvPr id="54" name="직사각형 53"/>
-          <p:cNvSpPr/>
-          <p:nvPr/>
-        </p:nvSpPr>
-        <p:spPr>
-          <a:xfrm>
-            <a:off x="1719152" y="1904991"/>
-            <a:ext cx="748145" cy="581891"/>
-          </a:xfrm>
-          <a:prstGeom prst="rect">
-            <a:avLst/>
-          </a:prstGeom>
-        </p:spPr>
-        <p:style>
-          <a:lnRef idx="2">
-            <a:schemeClr val="accent1">
-              <a:shade val="50000"/>
-            </a:schemeClr>
-          </a:lnRef>
-          <a:fillRef idx="1">
-            <a:schemeClr val="accent1"/>
-          </a:fillRef>
-          <a:effectRef idx="0">
-            <a:schemeClr val="accent1"/>
-          </a:effectRef>
-          <a:fontRef idx="minor">
-            <a:schemeClr val="lt1"/>
-          </a:fontRef>
-        </p:style>
-        <p:txBody>
-          <a:bodyPr rtlCol="0" anchor="ctr"/>
-          <a:lstStyle/>
-          <a:p>
-            <a:pPr algn="ctr"/>
-            <a:r>
-              <a:rPr lang="en-US" altLang="ko-KR" dirty="0" smtClean="0"/>
-              <a:t>Main</a:t>
-            </a:r>
-            <a:endParaRPr lang="ko-KR" altLang="en-US" dirty="0"/>
-          </a:p>
-        </p:txBody>
-      </p:sp>
-      <p:sp>
-        <p:nvSpPr>
-          <p:cNvPr id="55" name="직사각형 54"/>
-          <p:cNvSpPr/>
-          <p:nvPr/>
-        </p:nvSpPr>
-        <p:spPr>
-          <a:xfrm>
-            <a:off x="3476485" y="1904991"/>
-            <a:ext cx="995418" cy="581891"/>
-          </a:xfrm>
-          <a:prstGeom prst="rect">
-            <a:avLst/>
-          </a:prstGeom>
-        </p:spPr>
-        <p:style>
-          <a:lnRef idx="2">
-            <a:schemeClr val="accent1">
-              <a:shade val="50000"/>
-            </a:schemeClr>
-          </a:lnRef>
-          <a:fillRef idx="1">
-            <a:schemeClr val="accent1"/>
-          </a:fillRef>
-          <a:effectRef idx="0">
-            <a:schemeClr val="accent1"/>
-          </a:effectRef>
-          <a:fontRef idx="minor">
-            <a:schemeClr val="lt1"/>
-          </a:fontRef>
-        </p:style>
-        <p:txBody>
-          <a:bodyPr rtlCol="0" anchor="ctr"/>
-          <a:lstStyle/>
-          <a:p>
-            <a:pPr algn="ctr"/>
-            <a:r>
-              <a:rPr lang="ko-KR" altLang="en-US" dirty="0" smtClean="0"/>
-              <a:t>카운터</a:t>
-            </a:r>
-            <a:endParaRPr lang="ko-KR" altLang="en-US" dirty="0"/>
-          </a:p>
-        </p:txBody>
-      </p:sp>
-      <p:sp>
-        <p:nvSpPr>
-          <p:cNvPr id="56" name="직사각형 55"/>
-          <p:cNvSpPr/>
-          <p:nvPr/>
-        </p:nvSpPr>
-        <p:spPr>
-          <a:xfrm>
-            <a:off x="5837314" y="1904991"/>
-            <a:ext cx="1434822" cy="581891"/>
-          </a:xfrm>
-          <a:prstGeom prst="rect">
-            <a:avLst/>
-          </a:prstGeom>
-        </p:spPr>
-        <p:style>
-          <a:lnRef idx="2">
-            <a:schemeClr val="accent1">
-              <a:shade val="50000"/>
-            </a:schemeClr>
-          </a:lnRef>
-          <a:fillRef idx="1">
-            <a:schemeClr val="accent1"/>
-          </a:fillRef>
-          <a:effectRef idx="0">
-            <a:schemeClr val="accent1"/>
-          </a:effectRef>
-          <a:fontRef idx="minor">
-            <a:schemeClr val="lt1"/>
-          </a:fontRef>
-        </p:style>
-        <p:txBody>
-          <a:bodyPr rtlCol="0" anchor="ctr"/>
-          <a:lstStyle/>
-          <a:p>
-            <a:pPr algn="ctr"/>
-            <a:r>
-              <a:rPr lang="ko-KR" altLang="en-US" dirty="0" smtClean="0"/>
-              <a:t>시간관리자</a:t>
-            </a:r>
-            <a:endParaRPr lang="en-US" altLang="ko-KR" dirty="0"/>
-          </a:p>
-        </p:txBody>
-      </p:sp>
-      <p:sp>
-        <p:nvSpPr>
-          <p:cNvPr id="58" name="직사각형 57"/>
-          <p:cNvSpPr/>
-          <p:nvPr/>
-        </p:nvSpPr>
-        <p:spPr>
-          <a:xfrm>
-            <a:off x="8787480" y="1904991"/>
-            <a:ext cx="1434822" cy="581891"/>
-          </a:xfrm>
-          <a:prstGeom prst="rect">
-            <a:avLst/>
-          </a:prstGeom>
-        </p:spPr>
-        <p:style>
-          <a:lnRef idx="2">
-            <a:schemeClr val="accent1">
-              <a:shade val="50000"/>
-            </a:schemeClr>
-          </a:lnRef>
-          <a:fillRef idx="1">
-            <a:schemeClr val="accent1"/>
-          </a:fillRef>
-          <a:effectRef idx="0">
-            <a:schemeClr val="accent1"/>
-          </a:effectRef>
-          <a:fontRef idx="minor">
-            <a:schemeClr val="lt1"/>
-          </a:fontRef>
-        </p:style>
-        <p:txBody>
-          <a:bodyPr rtlCol="0" anchor="ctr"/>
-          <a:lstStyle/>
-          <a:p>
-            <a:pPr algn="ctr"/>
-            <a:r>
-              <a:rPr lang="ko-KR" altLang="en-US" dirty="0" smtClean="0"/>
-              <a:t>통계</a:t>
-            </a:r>
-            <a:r>
-              <a:rPr lang="ko-KR" altLang="en-US" dirty="0" smtClean="0"/>
-              <a:t>관리자</a:t>
-            </a:r>
-            <a:endParaRPr lang="en-US" altLang="ko-KR" dirty="0"/>
-          </a:p>
-        </p:txBody>
-      </p:sp>
-      <p:cxnSp>
-        <p:nvCxnSpPr>
-          <p:cNvPr id="59" name="직선 화살표 연결선 58"/>
-          <p:cNvCxnSpPr>
-            <a:stCxn id="54" idx="3"/>
-            <a:endCxn id="55" idx="1"/>
-          </p:cNvCxnSpPr>
-          <p:nvPr/>
-        </p:nvCxnSpPr>
-        <p:spPr>
-          <a:xfrm>
-            <a:off x="2467297" y="2195937"/>
-            <a:ext cx="1009188" cy="0"/>
-          </a:xfrm>
-          <a:prstGeom prst="straightConnector1">
-            <a:avLst/>
-          </a:prstGeom>
-          <a:ln w="19050">
-            <a:solidFill>
-              <a:schemeClr val="tx1"/>
-            </a:solidFill>
-            <a:tailEnd type="triangle"/>
-          </a:ln>
-        </p:spPr>
-        <p:style>
-          <a:lnRef idx="1">
-            <a:schemeClr val="accent1"/>
-          </a:lnRef>
-          <a:fillRef idx="0">
-            <a:schemeClr val="accent1"/>
-          </a:fillRef>
-          <a:effectRef idx="0">
-            <a:schemeClr val="accent1"/>
-          </a:effectRef>
-          <a:fontRef idx="minor">
-            <a:schemeClr val="tx1"/>
-          </a:fontRef>
-        </p:style>
-      </p:cxnSp>
-      <p:cxnSp>
-        <p:nvCxnSpPr>
-          <p:cNvPr id="60" name="직선 화살표 연결선 59"/>
-          <p:cNvCxnSpPr>
-            <a:stCxn id="55" idx="3"/>
-            <a:endCxn id="56" idx="1"/>
-          </p:cNvCxnSpPr>
-          <p:nvPr/>
-        </p:nvCxnSpPr>
-        <p:spPr>
-          <a:xfrm>
-            <a:off x="4471903" y="2195937"/>
-            <a:ext cx="1365411" cy="0"/>
-          </a:xfrm>
-          <a:prstGeom prst="straightConnector1">
-            <a:avLst/>
-          </a:prstGeom>
-          <a:ln w="19050">
-            <a:solidFill>
-              <a:schemeClr val="tx1"/>
-            </a:solidFill>
-            <a:tailEnd type="triangle"/>
-          </a:ln>
-        </p:spPr>
-        <p:style>
-          <a:lnRef idx="1">
-            <a:schemeClr val="accent1"/>
-          </a:lnRef>
-          <a:fillRef idx="0">
-            <a:schemeClr val="accent1"/>
-          </a:fillRef>
-          <a:effectRef idx="0">
-            <a:schemeClr val="accent1"/>
-          </a:effectRef>
-          <a:fontRef idx="minor">
-            <a:schemeClr val="tx1"/>
-          </a:fontRef>
-        </p:style>
-      </p:cxnSp>
-      <p:cxnSp>
-        <p:nvCxnSpPr>
-          <p:cNvPr id="61" name="직선 화살표 연결선 60"/>
-          <p:cNvCxnSpPr>
-            <a:stCxn id="56" idx="3"/>
-            <a:endCxn id="58" idx="1"/>
-          </p:cNvCxnSpPr>
-          <p:nvPr/>
-        </p:nvCxnSpPr>
-        <p:spPr>
-          <a:xfrm>
-            <a:off x="7272136" y="2195937"/>
-            <a:ext cx="1515344" cy="0"/>
-          </a:xfrm>
-          <a:prstGeom prst="straightConnector1">
-            <a:avLst/>
-          </a:prstGeom>
-          <a:ln w="19050">
-            <a:solidFill>
-              <a:schemeClr val="tx1"/>
-            </a:solidFill>
-            <a:tailEnd type="triangle"/>
-          </a:ln>
-        </p:spPr>
-        <p:style>
-          <a:lnRef idx="1">
-            <a:schemeClr val="accent1"/>
-          </a:lnRef>
-          <a:fillRef idx="0">
-            <a:schemeClr val="accent1"/>
-          </a:fillRef>
-          <a:effectRef idx="0">
-            <a:schemeClr val="accent1"/>
-          </a:effectRef>
-          <a:fontRef idx="minor">
-            <a:schemeClr val="tx1"/>
-          </a:fontRef>
-        </p:style>
-      </p:cxnSp>
-      <p:sp>
-        <p:nvSpPr>
-          <p:cNvPr id="62" name="TextBox 61"/>
-          <p:cNvSpPr txBox="1"/>
-          <p:nvPr/>
-        </p:nvSpPr>
-        <p:spPr>
-          <a:xfrm>
-            <a:off x="2547324" y="2333423"/>
-            <a:ext cx="829117" cy="276999"/>
-          </a:xfrm>
-          <a:prstGeom prst="rect">
-            <a:avLst/>
-          </a:prstGeom>
-          <a:noFill/>
-        </p:spPr>
-        <p:txBody>
-          <a:bodyPr wrap="square" rtlCol="0">
-            <a:spAutoFit/>
-          </a:bodyPr>
-          <a:lstStyle/>
-          <a:p>
-            <a:r>
-              <a:rPr lang="ko-KR" altLang="en-US" sz="1200" dirty="0" smtClean="0"/>
-              <a:t>중지해</a:t>
-            </a:r>
-            <a:r>
-              <a:rPr lang="en-US" altLang="ko-KR" sz="1200" dirty="0" smtClean="0"/>
-              <a:t>()</a:t>
-            </a:r>
-            <a:endParaRPr lang="ko-KR" altLang="en-US" sz="1200" dirty="0"/>
-          </a:p>
-        </p:txBody>
-      </p:sp>
-      <p:sp>
-        <p:nvSpPr>
-          <p:cNvPr id="63" name="TextBox 62"/>
-          <p:cNvSpPr txBox="1"/>
-          <p:nvPr/>
-        </p:nvSpPr>
-        <p:spPr>
-          <a:xfrm>
-            <a:off x="4639333" y="2394548"/>
-            <a:ext cx="965175" cy="461665"/>
-          </a:xfrm>
-          <a:prstGeom prst="rect">
-            <a:avLst/>
-          </a:prstGeom>
-          <a:noFill/>
-        </p:spPr>
-        <p:txBody>
-          <a:bodyPr wrap="square" rtlCol="0">
-            <a:spAutoFit/>
-          </a:bodyPr>
-          <a:lstStyle/>
-          <a:p>
-            <a:r>
-              <a:rPr lang="ko-KR" altLang="en-US" sz="1200" dirty="0" smtClean="0"/>
-              <a:t>시간 그만 </a:t>
-            </a:r>
-            <a:r>
-              <a:rPr lang="ko-KR" altLang="en-US" sz="1200" dirty="0" smtClean="0"/>
-              <a:t>셀 거야</a:t>
-            </a:r>
-            <a:r>
-              <a:rPr lang="en-US" altLang="ko-KR" sz="1200" dirty="0" smtClean="0"/>
-              <a:t>()</a:t>
-            </a:r>
-            <a:endParaRPr lang="ko-KR" altLang="en-US" sz="1200" dirty="0"/>
-          </a:p>
-        </p:txBody>
-      </p:sp>
-      <p:cxnSp>
-        <p:nvCxnSpPr>
-          <p:cNvPr id="64" name="직선 화살표 연결선 63"/>
-          <p:cNvCxnSpPr/>
-          <p:nvPr/>
-        </p:nvCxnSpPr>
-        <p:spPr>
-          <a:xfrm flipH="1">
-            <a:off x="4541619" y="2070552"/>
-            <a:ext cx="1064548" cy="0"/>
-          </a:xfrm>
-          <a:prstGeom prst="straightConnector1">
-            <a:avLst/>
-          </a:prstGeom>
-          <a:ln>
-            <a:tailEnd type="triangle"/>
-          </a:ln>
-        </p:spPr>
-        <p:style>
-          <a:lnRef idx="1">
-            <a:schemeClr val="accent1"/>
-          </a:lnRef>
-          <a:fillRef idx="0">
-            <a:schemeClr val="accent1"/>
-          </a:fillRef>
-          <a:effectRef idx="0">
-            <a:schemeClr val="accent1"/>
-          </a:effectRef>
-          <a:fontRef idx="minor">
-            <a:schemeClr val="tx1"/>
-          </a:fontRef>
-        </p:style>
-      </p:cxnSp>
-      <p:sp>
-        <p:nvSpPr>
-          <p:cNvPr id="65" name="TextBox 64"/>
-          <p:cNvSpPr txBox="1"/>
-          <p:nvPr/>
-        </p:nvSpPr>
-        <p:spPr>
-          <a:xfrm>
-            <a:off x="4406527" y="1766491"/>
-            <a:ext cx="1430788" cy="276999"/>
-          </a:xfrm>
-          <a:prstGeom prst="rect">
-            <a:avLst/>
-          </a:prstGeom>
-          <a:noFill/>
-        </p:spPr>
-        <p:txBody>
-          <a:bodyPr wrap="square" rtlCol="0">
-            <a:spAutoFit/>
-          </a:bodyPr>
-          <a:lstStyle/>
-          <a:p>
-            <a:r>
-              <a:rPr lang="ko-KR" altLang="en-US" sz="1200" dirty="0"/>
-              <a:t>세</a:t>
-            </a:r>
-            <a:r>
-              <a:rPr lang="ko-KR" altLang="en-US" sz="1200" dirty="0" smtClean="0"/>
-              <a:t>어야 </a:t>
-            </a:r>
-            <a:r>
-              <a:rPr lang="ko-KR" altLang="en-US" sz="1200" dirty="0" smtClean="0"/>
-              <a:t>하는 초</a:t>
-            </a:r>
-            <a:r>
-              <a:rPr lang="en-US" altLang="ko-KR" sz="1200" dirty="0" smtClean="0"/>
-              <a:t>(</a:t>
-            </a:r>
-            <a:r>
-              <a:rPr lang="ko-KR" altLang="en-US" sz="1200" dirty="0" smtClean="0"/>
-              <a:t>일</a:t>
-            </a:r>
-            <a:r>
-              <a:rPr lang="en-US" altLang="ko-KR" sz="1200" dirty="0" smtClean="0"/>
-              <a:t>)</a:t>
-            </a:r>
-            <a:endParaRPr lang="ko-KR" altLang="en-US" sz="1200" dirty="0"/>
-          </a:p>
-        </p:txBody>
-      </p:sp>
-      <p:cxnSp>
-        <p:nvCxnSpPr>
-          <p:cNvPr id="66" name="직선 화살표 연결선 65"/>
-          <p:cNvCxnSpPr/>
-          <p:nvPr/>
-        </p:nvCxnSpPr>
-        <p:spPr>
-          <a:xfrm>
-            <a:off x="7467620" y="2010744"/>
-            <a:ext cx="1115663" cy="0"/>
-          </a:xfrm>
-          <a:prstGeom prst="straightConnector1">
-            <a:avLst/>
-          </a:prstGeom>
-          <a:ln>
-            <a:tailEnd type="triangle"/>
-          </a:ln>
-        </p:spPr>
-        <p:style>
-          <a:lnRef idx="1">
-            <a:schemeClr val="accent1"/>
-          </a:lnRef>
-          <a:fillRef idx="0">
-            <a:schemeClr val="accent1"/>
-          </a:fillRef>
-          <a:effectRef idx="0">
-            <a:schemeClr val="accent1"/>
-          </a:effectRef>
-          <a:fontRef idx="minor">
-            <a:schemeClr val="tx1"/>
-          </a:fontRef>
-        </p:style>
-      </p:cxnSp>
-      <p:sp>
-        <p:nvSpPr>
-          <p:cNvPr id="67" name="TextBox 66"/>
-          <p:cNvSpPr txBox="1"/>
-          <p:nvPr/>
-        </p:nvSpPr>
-        <p:spPr>
-          <a:xfrm>
-            <a:off x="7400610" y="2370601"/>
-            <a:ext cx="1249681" cy="461665"/>
-          </a:xfrm>
-          <a:prstGeom prst="rect">
-            <a:avLst/>
-          </a:prstGeom>
-          <a:noFill/>
-        </p:spPr>
-        <p:txBody>
-          <a:bodyPr wrap="square" rtlCol="0">
-            <a:spAutoFit/>
-          </a:bodyPr>
-          <a:lstStyle/>
-          <a:p>
-            <a:r>
-              <a:rPr lang="ko-KR" altLang="en-US" sz="1200" dirty="0" smtClean="0"/>
-              <a:t>작업을 멈췄다고 기록해줘</a:t>
-            </a:r>
-            <a:r>
-              <a:rPr lang="en-US" altLang="ko-KR" sz="1200" dirty="0" smtClean="0"/>
-              <a:t>()</a:t>
-            </a:r>
-            <a:endParaRPr lang="ko-KR" altLang="en-US" sz="1200" dirty="0"/>
-          </a:p>
-        </p:txBody>
-      </p:sp>
-      <p:sp>
-        <p:nvSpPr>
-          <p:cNvPr id="68" name="TextBox 67"/>
-          <p:cNvSpPr txBox="1"/>
-          <p:nvPr/>
-        </p:nvSpPr>
-        <p:spPr>
-          <a:xfrm>
-            <a:off x="6895630" y="1646541"/>
-            <a:ext cx="3095498" cy="276999"/>
-          </a:xfrm>
-          <a:prstGeom prst="rect">
-            <a:avLst/>
-          </a:prstGeom>
-          <a:noFill/>
-        </p:spPr>
-        <p:txBody>
-          <a:bodyPr wrap="square" rtlCol="0">
-            <a:spAutoFit/>
-          </a:bodyPr>
-          <a:lstStyle/>
-          <a:p>
-            <a:r>
-              <a:rPr lang="ko-KR" altLang="en-US" sz="1200" dirty="0" smtClean="0"/>
-              <a:t>작업 타입</a:t>
-            </a:r>
-            <a:r>
-              <a:rPr lang="en-US" altLang="ko-KR" sz="1200" dirty="0" smtClean="0"/>
-              <a:t>, </a:t>
-            </a:r>
-            <a:r>
-              <a:rPr lang="ko-KR" altLang="en-US" sz="1200" dirty="0" smtClean="0"/>
-              <a:t>시작 시간</a:t>
-            </a:r>
-            <a:r>
-              <a:rPr lang="en-US" altLang="ko-KR" sz="1200" dirty="0" smtClean="0"/>
-              <a:t>, </a:t>
-            </a:r>
-            <a:r>
-              <a:rPr lang="ko-KR" altLang="en-US" sz="1200" dirty="0" smtClean="0"/>
-              <a:t>종료시간</a:t>
-            </a:r>
-            <a:endParaRPr lang="ko-KR" altLang="en-US" sz="1200" dirty="0"/>
-          </a:p>
-        </p:txBody>
-      </p:sp>
-      <p:sp>
-        <p:nvSpPr>
-          <p:cNvPr id="75" name="직사각형 74"/>
-          <p:cNvSpPr/>
-          <p:nvPr/>
-        </p:nvSpPr>
-        <p:spPr>
-          <a:xfrm>
-            <a:off x="1719152" y="3988794"/>
-            <a:ext cx="748145" cy="581891"/>
-          </a:xfrm>
-          <a:prstGeom prst="rect">
-            <a:avLst/>
-          </a:prstGeom>
-        </p:spPr>
-        <p:style>
-          <a:lnRef idx="2">
-            <a:schemeClr val="accent1">
-              <a:shade val="50000"/>
-            </a:schemeClr>
-          </a:lnRef>
-          <a:fillRef idx="1">
-            <a:schemeClr val="accent1"/>
-          </a:fillRef>
-          <a:effectRef idx="0">
-            <a:schemeClr val="accent1"/>
-          </a:effectRef>
-          <a:fontRef idx="minor">
-            <a:schemeClr val="lt1"/>
-          </a:fontRef>
-        </p:style>
-        <p:txBody>
-          <a:bodyPr rtlCol="0" anchor="ctr"/>
-          <a:lstStyle/>
-          <a:p>
-            <a:pPr algn="ctr"/>
-            <a:r>
-              <a:rPr lang="en-US" altLang="ko-KR" dirty="0" smtClean="0"/>
-              <a:t>Main</a:t>
-            </a:r>
-            <a:endParaRPr lang="ko-KR" altLang="en-US" dirty="0"/>
-          </a:p>
-        </p:txBody>
-      </p:sp>
-      <p:sp>
-        <p:nvSpPr>
-          <p:cNvPr id="76" name="직사각형 75"/>
-          <p:cNvSpPr/>
-          <p:nvPr/>
-        </p:nvSpPr>
-        <p:spPr>
-          <a:xfrm>
-            <a:off x="3476485" y="3988794"/>
-            <a:ext cx="995418" cy="581891"/>
-          </a:xfrm>
-          <a:prstGeom prst="rect">
-            <a:avLst/>
-          </a:prstGeom>
-        </p:spPr>
-        <p:style>
-          <a:lnRef idx="2">
-            <a:schemeClr val="accent1">
-              <a:shade val="50000"/>
-            </a:schemeClr>
-          </a:lnRef>
-          <a:fillRef idx="1">
-            <a:schemeClr val="accent1"/>
-          </a:fillRef>
-          <a:effectRef idx="0">
-            <a:schemeClr val="accent1"/>
-          </a:effectRef>
-          <a:fontRef idx="minor">
-            <a:schemeClr val="lt1"/>
-          </a:fontRef>
-        </p:style>
-        <p:txBody>
-          <a:bodyPr rtlCol="0" anchor="ctr"/>
-          <a:lstStyle/>
-          <a:p>
-            <a:pPr algn="ctr"/>
-            <a:r>
-              <a:rPr lang="ko-KR" altLang="en-US" dirty="0" smtClean="0"/>
-              <a:t>카운터</a:t>
-            </a:r>
-            <a:endParaRPr lang="ko-KR" altLang="en-US" dirty="0"/>
-          </a:p>
-        </p:txBody>
-      </p:sp>
-      <p:sp>
-        <p:nvSpPr>
-          <p:cNvPr id="77" name="직사각형 76"/>
-          <p:cNvSpPr/>
-          <p:nvPr/>
-        </p:nvSpPr>
-        <p:spPr>
-          <a:xfrm>
-            <a:off x="5837314" y="3988794"/>
-            <a:ext cx="1434822" cy="581891"/>
-          </a:xfrm>
-          <a:prstGeom prst="rect">
-            <a:avLst/>
-          </a:prstGeom>
-        </p:spPr>
-        <p:style>
-          <a:lnRef idx="2">
-            <a:schemeClr val="accent1">
-              <a:shade val="50000"/>
-            </a:schemeClr>
-          </a:lnRef>
-          <a:fillRef idx="1">
-            <a:schemeClr val="accent1"/>
-          </a:fillRef>
-          <a:effectRef idx="0">
-            <a:schemeClr val="accent1"/>
-          </a:effectRef>
-          <a:fontRef idx="minor">
-            <a:schemeClr val="lt1"/>
-          </a:fontRef>
-        </p:style>
-        <p:txBody>
-          <a:bodyPr rtlCol="0" anchor="ctr"/>
-          <a:lstStyle/>
-          <a:p>
-            <a:pPr algn="ctr"/>
-            <a:r>
-              <a:rPr lang="ko-KR" altLang="en-US" dirty="0" smtClean="0"/>
-              <a:t>시간관리자</a:t>
-            </a:r>
-            <a:endParaRPr lang="en-US" altLang="ko-KR" dirty="0"/>
-          </a:p>
-        </p:txBody>
-      </p:sp>
-      <p:sp>
-        <p:nvSpPr>
-          <p:cNvPr id="78" name="직사각형 77"/>
-          <p:cNvSpPr/>
-          <p:nvPr/>
-        </p:nvSpPr>
-        <p:spPr>
-          <a:xfrm>
-            <a:off x="8787480" y="3988794"/>
-            <a:ext cx="1434822" cy="581891"/>
-          </a:xfrm>
-          <a:prstGeom prst="rect">
-            <a:avLst/>
-          </a:prstGeom>
-        </p:spPr>
-        <p:style>
-          <a:lnRef idx="2">
-            <a:schemeClr val="accent1">
-              <a:shade val="50000"/>
-            </a:schemeClr>
-          </a:lnRef>
-          <a:fillRef idx="1">
-            <a:schemeClr val="accent1"/>
-          </a:fillRef>
-          <a:effectRef idx="0">
-            <a:schemeClr val="accent1"/>
-          </a:effectRef>
-          <a:fontRef idx="minor">
-            <a:schemeClr val="lt1"/>
-          </a:fontRef>
-        </p:style>
-        <p:txBody>
-          <a:bodyPr rtlCol="0" anchor="ctr"/>
-          <a:lstStyle/>
-          <a:p>
-            <a:pPr algn="ctr"/>
-            <a:r>
-              <a:rPr lang="ko-KR" altLang="en-US" dirty="0" smtClean="0"/>
-              <a:t>통계</a:t>
-            </a:r>
-            <a:r>
-              <a:rPr lang="ko-KR" altLang="en-US" dirty="0" smtClean="0"/>
-              <a:t>관리자</a:t>
-            </a:r>
-            <a:endParaRPr lang="en-US" altLang="ko-KR" dirty="0"/>
-          </a:p>
-        </p:txBody>
-      </p:sp>
-      <p:cxnSp>
-        <p:nvCxnSpPr>
-          <p:cNvPr id="79" name="직선 화살표 연결선 78"/>
-          <p:cNvCxnSpPr>
-            <a:stCxn id="75" idx="3"/>
-            <a:endCxn id="76" idx="1"/>
-          </p:cNvCxnSpPr>
-          <p:nvPr/>
-        </p:nvCxnSpPr>
-        <p:spPr>
-          <a:xfrm>
-            <a:off x="2467297" y="4279740"/>
-            <a:ext cx="1009188" cy="0"/>
-          </a:xfrm>
-          <a:prstGeom prst="straightConnector1">
-            <a:avLst/>
-          </a:prstGeom>
-          <a:ln w="19050">
-            <a:solidFill>
-              <a:schemeClr val="tx1"/>
-            </a:solidFill>
-            <a:tailEnd type="triangle"/>
-          </a:ln>
-        </p:spPr>
-        <p:style>
-          <a:lnRef idx="1">
-            <a:schemeClr val="accent1"/>
-          </a:lnRef>
-          <a:fillRef idx="0">
-            <a:schemeClr val="accent1"/>
-          </a:fillRef>
-          <a:effectRef idx="0">
-            <a:schemeClr val="accent1"/>
-          </a:effectRef>
-          <a:fontRef idx="minor">
-            <a:schemeClr val="tx1"/>
-          </a:fontRef>
-        </p:style>
-      </p:cxnSp>
-      <p:cxnSp>
-        <p:nvCxnSpPr>
-          <p:cNvPr id="80" name="직선 화살표 연결선 79"/>
-          <p:cNvCxnSpPr>
-            <a:stCxn id="76" idx="3"/>
-            <a:endCxn id="77" idx="1"/>
-          </p:cNvCxnSpPr>
-          <p:nvPr/>
-        </p:nvCxnSpPr>
-        <p:spPr>
-          <a:xfrm>
-            <a:off x="4471903" y="4279740"/>
-            <a:ext cx="1365411" cy="0"/>
-          </a:xfrm>
-          <a:prstGeom prst="straightConnector1">
-            <a:avLst/>
-          </a:prstGeom>
-          <a:ln w="19050">
-            <a:solidFill>
-              <a:schemeClr val="tx1"/>
-            </a:solidFill>
-            <a:tailEnd type="triangle"/>
-          </a:ln>
-        </p:spPr>
-        <p:style>
-          <a:lnRef idx="1">
-            <a:schemeClr val="accent1"/>
-          </a:lnRef>
-          <a:fillRef idx="0">
-            <a:schemeClr val="accent1"/>
-          </a:fillRef>
-          <a:effectRef idx="0">
-            <a:schemeClr val="accent1"/>
-          </a:effectRef>
-          <a:fontRef idx="minor">
-            <a:schemeClr val="tx1"/>
-          </a:fontRef>
-        </p:style>
-      </p:cxnSp>
-      <p:cxnSp>
-        <p:nvCxnSpPr>
-          <p:cNvPr id="81" name="직선 화살표 연결선 80"/>
-          <p:cNvCxnSpPr>
-            <a:stCxn id="77" idx="3"/>
-            <a:endCxn id="78" idx="1"/>
-          </p:cNvCxnSpPr>
-          <p:nvPr/>
-        </p:nvCxnSpPr>
-        <p:spPr>
-          <a:xfrm>
-            <a:off x="7272136" y="4279740"/>
-            <a:ext cx="1515344" cy="0"/>
-          </a:xfrm>
-          <a:prstGeom prst="straightConnector1">
-            <a:avLst/>
-          </a:prstGeom>
-          <a:ln w="19050">
-            <a:solidFill>
-              <a:schemeClr val="tx1"/>
-            </a:solidFill>
-            <a:tailEnd type="triangle"/>
-          </a:ln>
-        </p:spPr>
-        <p:style>
-          <a:lnRef idx="1">
-            <a:schemeClr val="accent1"/>
-          </a:lnRef>
-          <a:fillRef idx="0">
-            <a:schemeClr val="accent1"/>
-          </a:fillRef>
-          <a:effectRef idx="0">
-            <a:schemeClr val="accent1"/>
-          </a:effectRef>
-          <a:fontRef idx="minor">
-            <a:schemeClr val="tx1"/>
-          </a:fontRef>
-        </p:style>
-      </p:cxnSp>
-      <p:sp>
-        <p:nvSpPr>
-          <p:cNvPr id="82" name="TextBox 81"/>
-          <p:cNvSpPr txBox="1"/>
-          <p:nvPr/>
-        </p:nvSpPr>
-        <p:spPr>
-          <a:xfrm>
-            <a:off x="2547324" y="4432184"/>
-            <a:ext cx="1015385" cy="276999"/>
-          </a:xfrm>
-          <a:prstGeom prst="rect">
-            <a:avLst/>
-          </a:prstGeom>
-          <a:noFill/>
-        </p:spPr>
-        <p:txBody>
-          <a:bodyPr wrap="square" rtlCol="0">
-            <a:spAutoFit/>
-          </a:bodyPr>
-          <a:lstStyle/>
-          <a:p>
-            <a:r>
-              <a:rPr lang="ko-KR" altLang="en-US" sz="1200" smtClean="0"/>
-              <a:t>잠시 멈춰</a:t>
-            </a:r>
-            <a:r>
-              <a:rPr lang="en-US" altLang="ko-KR" sz="1200" dirty="0" smtClean="0"/>
-              <a:t>()</a:t>
-            </a:r>
-            <a:endParaRPr lang="ko-KR" altLang="en-US" sz="1200" dirty="0"/>
-          </a:p>
-        </p:txBody>
-      </p:sp>
-      <p:sp>
-        <p:nvSpPr>
-          <p:cNvPr id="83" name="TextBox 82"/>
-          <p:cNvSpPr txBox="1"/>
-          <p:nvPr/>
-        </p:nvSpPr>
-        <p:spPr>
-          <a:xfrm>
-            <a:off x="4672020" y="4478350"/>
-            <a:ext cx="965175" cy="461665"/>
-          </a:xfrm>
-          <a:prstGeom prst="rect">
-            <a:avLst/>
-          </a:prstGeom>
-          <a:noFill/>
-        </p:spPr>
-        <p:txBody>
-          <a:bodyPr wrap="square" rtlCol="0">
-            <a:spAutoFit/>
-          </a:bodyPr>
-          <a:lstStyle/>
-          <a:p>
-            <a:r>
-              <a:rPr lang="ko-KR" altLang="en-US" sz="1200" dirty="0" smtClean="0"/>
-              <a:t>잠시 멈출 거야</a:t>
-            </a:r>
-            <a:r>
-              <a:rPr lang="en-US" altLang="ko-KR" sz="1200" dirty="0" smtClean="0"/>
-              <a:t>()</a:t>
-            </a:r>
-          </a:p>
-        </p:txBody>
-      </p:sp>
-      <p:cxnSp>
-        <p:nvCxnSpPr>
-          <p:cNvPr id="86" name="직선 화살표 연결선 85"/>
-          <p:cNvCxnSpPr/>
-          <p:nvPr/>
-        </p:nvCxnSpPr>
-        <p:spPr>
-          <a:xfrm>
-            <a:off x="7467620" y="4094547"/>
-            <a:ext cx="1115663" cy="0"/>
-          </a:xfrm>
-          <a:prstGeom prst="straightConnector1">
-            <a:avLst/>
-          </a:prstGeom>
-          <a:ln>
-            <a:tailEnd type="triangle"/>
-          </a:ln>
-        </p:spPr>
-        <p:style>
-          <a:lnRef idx="1">
-            <a:schemeClr val="accent1"/>
-          </a:lnRef>
-          <a:fillRef idx="0">
-            <a:schemeClr val="accent1"/>
-          </a:fillRef>
-          <a:effectRef idx="0">
-            <a:schemeClr val="accent1"/>
-          </a:effectRef>
-          <a:fontRef idx="minor">
-            <a:schemeClr val="tx1"/>
-          </a:fontRef>
-        </p:style>
-      </p:cxnSp>
-      <p:sp>
-        <p:nvSpPr>
-          <p:cNvPr id="87" name="TextBox 86"/>
-          <p:cNvSpPr txBox="1"/>
-          <p:nvPr/>
-        </p:nvSpPr>
-        <p:spPr>
-          <a:xfrm>
-            <a:off x="7400610" y="4454404"/>
-            <a:ext cx="1249681" cy="461665"/>
-          </a:xfrm>
-          <a:prstGeom prst="rect">
-            <a:avLst/>
-          </a:prstGeom>
-          <a:noFill/>
-        </p:spPr>
-        <p:txBody>
-          <a:bodyPr wrap="square" rtlCol="0">
-            <a:spAutoFit/>
-          </a:bodyPr>
-          <a:lstStyle/>
-          <a:p>
-            <a:r>
-              <a:rPr lang="ko-KR" altLang="en-US" sz="1200" dirty="0" smtClean="0"/>
-              <a:t>작업을 멈췄다고 기록해줘</a:t>
-            </a:r>
-            <a:r>
-              <a:rPr lang="en-US" altLang="ko-KR" sz="1200" dirty="0" smtClean="0"/>
-              <a:t>()</a:t>
-            </a:r>
-            <a:endParaRPr lang="ko-KR" altLang="en-US" sz="1200" dirty="0"/>
-          </a:p>
-        </p:txBody>
-      </p:sp>
-      <p:sp>
-        <p:nvSpPr>
-          <p:cNvPr id="88" name="TextBox 87"/>
-          <p:cNvSpPr txBox="1"/>
-          <p:nvPr/>
-        </p:nvSpPr>
-        <p:spPr>
-          <a:xfrm>
-            <a:off x="6895630" y="3730344"/>
-            <a:ext cx="3095498" cy="276999"/>
-          </a:xfrm>
-          <a:prstGeom prst="rect">
-            <a:avLst/>
-          </a:prstGeom>
-          <a:noFill/>
-        </p:spPr>
-        <p:txBody>
-          <a:bodyPr wrap="square" rtlCol="0">
-            <a:spAutoFit/>
-          </a:bodyPr>
-          <a:lstStyle/>
-          <a:p>
-            <a:r>
-              <a:rPr lang="ko-KR" altLang="en-US" sz="1200" dirty="0" smtClean="0"/>
-              <a:t>작업 타입</a:t>
-            </a:r>
-            <a:r>
-              <a:rPr lang="en-US" altLang="ko-KR" sz="1200" dirty="0" smtClean="0"/>
-              <a:t>, </a:t>
-            </a:r>
-            <a:r>
-              <a:rPr lang="ko-KR" altLang="en-US" sz="1200" dirty="0" smtClean="0"/>
-              <a:t>시작 시간</a:t>
-            </a:r>
-            <a:r>
-              <a:rPr lang="en-US" altLang="ko-KR" sz="1200" dirty="0" smtClean="0"/>
-              <a:t>, </a:t>
-            </a:r>
-            <a:r>
-              <a:rPr lang="ko-KR" altLang="en-US" sz="1200" dirty="0" smtClean="0"/>
-              <a:t>중지시간</a:t>
-            </a:r>
-            <a:endParaRPr lang="ko-KR" altLang="en-US" sz="1200" dirty="0"/>
-          </a:p>
-        </p:txBody>
-      </p:sp>
-    </p:spTree>
-    <p:extLst>
-      <p:ext uri="{BB962C8B-B14F-4D97-AF65-F5344CB8AC3E}">
-        <p14:creationId xmlns:p14="http://schemas.microsoft.com/office/powerpoint/2010/main" val="3357608766"/>
+        <p14:creationId xmlns:p14="http://schemas.microsoft.com/office/powerpoint/2010/main" val="1213013706"/>
       </p:ext>
     </p:extLst>
   </p:cSld>
@@ -10613,7 +14730,7 @@
   <a:extraClrSchemeLst/>
   <a:extLst>
     <a:ext uri="{05A4C25C-085E-4340-85A3-A5531E510DB2}">
-      <thm15:themeFamily xmlns:thm15="http://schemas.microsoft.com/office/thememl/2012/main" xmlns="" name="Office Theme" id="{62F939B6-93AF-4DB8-9C6B-D6C7DFDC589F}" vid="{4A3C46E8-61CC-4603-A589-7422A47A8E4A}"/>
+      <thm15:themeFamily xmlns:thm15="http://schemas.microsoft.com/office/thememl/2012/main" name="Office Theme" id="{62F939B6-93AF-4DB8-9C6B-D6C7DFDC589F}" vid="{4A3C46E8-61CC-4603-A589-7422A47A8E4A}"/>
     </a:ext>
   </a:extLst>
 </a:theme>
